--- a/Прототип интерфейса.pptx
+++ b/Прототип интерфейса.pptx
@@ -2,17 +2,17 @@
 <file path=ppt/presentation.xml><?xml version="1.0" encoding="utf-8"?>
 <p:presentation xmlns:a="http://schemas.openxmlformats.org/drawingml/2006/main" xmlns:r="http://schemas.openxmlformats.org/officeDocument/2006/relationships" xmlns:p="http://schemas.openxmlformats.org/presentationml/2006/main" saveSubsetFonts="1">
   <p:sldMasterIdLst>
-    <p:sldMasterId id="2147483648" r:id="rId64"/>
+    <p:sldMasterId id="2147483648" r:id="rId68"/>
   </p:sldMasterIdLst>
   <p:notesMasterIdLst>
-    <p:notesMasterId r:id="rId70"/>
+    <p:notesMasterId r:id="rId74"/>
   </p:notesMasterIdLst>
   <p:sldIdLst>
-    <p:sldId id="257" r:id="rId65"/>
-    <p:sldId id="256" r:id="rId66"/>
-    <p:sldId id="259" r:id="rId67"/>
-    <p:sldId id="260" r:id="rId68"/>
-    <p:sldId id="258" r:id="rId69"/>
+    <p:sldId id="257" r:id="rId69"/>
+    <p:sldId id="259" r:id="rId70"/>
+    <p:sldId id="260" r:id="rId71"/>
+    <p:sldId id="258" r:id="rId72"/>
+    <p:sldId id="261" r:id="rId73"/>
   </p:sldIdLst>
   <p:sldSz cx="9144000" cy="6858000" type="screen4x3"/>
   <p:notesSz cx="6858000" cy="9144000"/>
@@ -196,7 +196,7 @@
           <a:p>
             <a:fld id="{93F19274-4DD4-4079-9E7C-8FF8B3C78CBD}" type="datetimeFigureOut">
               <a:rPr lang="ru-RU" smtClean="0"/>
-              <a:t>18.09.2018</a:t>
+              <a:t>24.09.2018</a:t>
             </a:fld>
             <a:endParaRPr lang="ru-RU"/>
           </a:p>
@@ -613,7 +613,7 @@
           <a:p>
             <a:fld id="{EB9B0DFF-2AC0-4E02-A5D3-510259CC395E}" type="slidenum">
               <a:rPr lang="ru-RU" smtClean="0"/>
-              <a:t>3</a:t>
+              <a:t>4</a:t>
             </a:fld>
             <a:endParaRPr lang="ru-RU"/>
           </a:p>
@@ -622,7 +622,7 @@
     </p:spTree>
     <p:extLst>
       <p:ext uri="{BB962C8B-B14F-4D97-AF65-F5344CB8AC3E}">
-        <p14:creationId xmlns:p14="http://schemas.microsoft.com/office/powerpoint/2010/main" val="3927129203"/>
+        <p14:creationId xmlns:p14="http://schemas.microsoft.com/office/powerpoint/2010/main" val="2235840071"/>
       </p:ext>
     </p:extLst>
   </p:cSld>
@@ -813,7 +813,7 @@
           <a:p>
             <a:fld id="{190EB26E-DF69-4C8F-B12B-5B3FA57D8CEC}" type="datetimeFigureOut">
               <a:rPr lang="ru-RU" smtClean="0"/>
-              <a:t>18.09.2018</a:t>
+              <a:t>24.09.2018</a:t>
             </a:fld>
             <a:endParaRPr lang="ru-RU"/>
           </a:p>
@@ -983,7 +983,7 @@
           <a:p>
             <a:fld id="{190EB26E-DF69-4C8F-B12B-5B3FA57D8CEC}" type="datetimeFigureOut">
               <a:rPr lang="ru-RU" smtClean="0"/>
-              <a:t>18.09.2018</a:t>
+              <a:t>24.09.2018</a:t>
             </a:fld>
             <a:endParaRPr lang="ru-RU"/>
           </a:p>
@@ -1163,7 +1163,7 @@
           <a:p>
             <a:fld id="{190EB26E-DF69-4C8F-B12B-5B3FA57D8CEC}" type="datetimeFigureOut">
               <a:rPr lang="ru-RU" smtClean="0"/>
-              <a:t>18.09.2018</a:t>
+              <a:t>24.09.2018</a:t>
             </a:fld>
             <a:endParaRPr lang="ru-RU"/>
           </a:p>
@@ -1333,7 +1333,7 @@
           <a:p>
             <a:fld id="{190EB26E-DF69-4C8F-B12B-5B3FA57D8CEC}" type="datetimeFigureOut">
               <a:rPr lang="ru-RU" smtClean="0"/>
-              <a:t>18.09.2018</a:t>
+              <a:t>24.09.2018</a:t>
             </a:fld>
             <a:endParaRPr lang="ru-RU"/>
           </a:p>
@@ -1579,7 +1579,7 @@
           <a:p>
             <a:fld id="{190EB26E-DF69-4C8F-B12B-5B3FA57D8CEC}" type="datetimeFigureOut">
               <a:rPr lang="ru-RU" smtClean="0"/>
-              <a:t>18.09.2018</a:t>
+              <a:t>24.09.2018</a:t>
             </a:fld>
             <a:endParaRPr lang="ru-RU"/>
           </a:p>
@@ -1867,7 +1867,7 @@
           <a:p>
             <a:fld id="{190EB26E-DF69-4C8F-B12B-5B3FA57D8CEC}" type="datetimeFigureOut">
               <a:rPr lang="ru-RU" smtClean="0"/>
-              <a:t>18.09.2018</a:t>
+              <a:t>24.09.2018</a:t>
             </a:fld>
             <a:endParaRPr lang="ru-RU"/>
           </a:p>
@@ -2289,7 +2289,7 @@
           <a:p>
             <a:fld id="{190EB26E-DF69-4C8F-B12B-5B3FA57D8CEC}" type="datetimeFigureOut">
               <a:rPr lang="ru-RU" smtClean="0"/>
-              <a:t>18.09.2018</a:t>
+              <a:t>24.09.2018</a:t>
             </a:fld>
             <a:endParaRPr lang="ru-RU"/>
           </a:p>
@@ -2407,7 +2407,7 @@
           <a:p>
             <a:fld id="{190EB26E-DF69-4C8F-B12B-5B3FA57D8CEC}" type="datetimeFigureOut">
               <a:rPr lang="ru-RU" smtClean="0"/>
-              <a:t>18.09.2018</a:t>
+              <a:t>24.09.2018</a:t>
             </a:fld>
             <a:endParaRPr lang="ru-RU"/>
           </a:p>
@@ -2502,7 +2502,7 @@
           <a:p>
             <a:fld id="{190EB26E-DF69-4C8F-B12B-5B3FA57D8CEC}" type="datetimeFigureOut">
               <a:rPr lang="ru-RU" smtClean="0"/>
-              <a:t>18.09.2018</a:t>
+              <a:t>24.09.2018</a:t>
             </a:fld>
             <a:endParaRPr lang="ru-RU"/>
           </a:p>
@@ -2779,7 +2779,7 @@
           <a:p>
             <a:fld id="{190EB26E-DF69-4C8F-B12B-5B3FA57D8CEC}" type="datetimeFigureOut">
               <a:rPr lang="ru-RU" smtClean="0"/>
-              <a:t>18.09.2018</a:t>
+              <a:t>24.09.2018</a:t>
             </a:fld>
             <a:endParaRPr lang="ru-RU"/>
           </a:p>
@@ -3032,7 +3032,7 @@
           <a:p>
             <a:fld id="{190EB26E-DF69-4C8F-B12B-5B3FA57D8CEC}" type="datetimeFigureOut">
               <a:rPr lang="ru-RU" smtClean="0"/>
-              <a:t>18.09.2018</a:t>
+              <a:t>24.09.2018</a:t>
             </a:fld>
             <a:endParaRPr lang="ru-RU"/>
           </a:p>
@@ -3245,7 +3245,7 @@
           <a:p>
             <a:fld id="{190EB26E-DF69-4C8F-B12B-5B3FA57D8CEC}" type="datetimeFigureOut">
               <a:rPr lang="ru-RU" smtClean="0"/>
-              <a:t>18.09.2018</a:t>
+              <a:t>24.09.2018</a:t>
             </a:fld>
             <a:endParaRPr lang="ru-RU"/>
           </a:p>
@@ -4221,16 +4221,16 @@
           <p:cNvGrpSpPr/>
           <p:nvPr>
             <p:custDataLst>
-              <p:custData r:id="rId1"/>
+              <p:custData r:id="rId2"/>
             </p:custDataLst>
           </p:nvPr>
         </p:nvGrpSpPr>
         <p:grpSpPr>
           <a:xfrm>
-            <a:off x="0" y="48206"/>
-            <a:ext cx="9016838" cy="6858000"/>
+            <a:off x="-21705" y="0"/>
+            <a:ext cx="9016838" cy="3140968"/>
             <a:chOff x="0" y="0"/>
-            <a:chExt cx="9016838" cy="6858000"/>
+            <a:chExt cx="9016838" cy="3456781"/>
           </a:xfrm>
         </p:grpSpPr>
         <p:grpSp>
@@ -4242,9 +4242,9 @@
           <p:grpSpPr>
             <a:xfrm>
               <a:off x="0" y="0"/>
-              <a:ext cx="5954650" cy="6858000"/>
+              <a:ext cx="5954650" cy="3456781"/>
               <a:chOff x="0" y="0"/>
-              <a:chExt cx="5954650" cy="6858000"/>
+              <a:chExt cx="5954650" cy="3456781"/>
             </a:xfrm>
           </p:grpSpPr>
           <p:sp>
@@ -4256,7 +4256,7 @@
             <p:spPr>
               <a:xfrm>
                 <a:off x="0" y="0"/>
-                <a:ext cx="5954650" cy="6858000"/>
+                <a:ext cx="5954650" cy="3456781"/>
               </a:xfrm>
               <a:prstGeom prst="rect">
                 <a:avLst/>
@@ -4299,1838 +4299,8 @@
             </p:nvSpPr>
             <p:spPr>
               <a:xfrm>
-                <a:off x="76200" y="309484"/>
-                <a:ext cx="5734434" cy="6437733"/>
-              </a:xfrm>
-              <a:prstGeom prst="rect">
-                <a:avLst/>
-              </a:prstGeom>
-              <a:solidFill>
-                <a:sysClr val="window" lastClr="FFFFFF"/>
-              </a:solidFill>
-              <a:ln w="3175" cap="flat" cmpd="sng" algn="ctr">
-                <a:solidFill>
-                  <a:srgbClr val="000000">
-                    <a:lumMod val="50000"/>
-                    <a:lumOff val="50000"/>
-                  </a:srgbClr>
-                </a:solidFill>
-                <a:prstDash val="solid"/>
-              </a:ln>
-              <a:effectLst/>
-            </p:spPr>
-            <p:txBody>
-              <a:bodyPr rtlCol="0" anchor="ctr"/>
-              <a:lstStyle/>
-              <a:p>
-                <a:pPr algn="ctr"/>
-                <a:endParaRPr lang="en-US" sz="800" kern="0">
-                  <a:solidFill>
-                    <a:prstClr val="white"/>
-                  </a:solidFill>
-                  <a:latin typeface="Segoe UI"/>
-                </a:endParaRPr>
-              </a:p>
-            </p:txBody>
-          </p:sp>
-          <p:sp>
-            <p:nvSpPr>
-              <p:cNvPr id="15" name="WindowTitle"/>
-              <p:cNvSpPr txBox="1"/>
-              <p:nvPr/>
-            </p:nvSpPr>
-            <p:spPr>
-              <a:xfrm>
-                <a:off x="240976" y="42736"/>
-                <a:ext cx="1249381" cy="230832"/>
-              </a:xfrm>
-              <a:prstGeom prst="rect">
-                <a:avLst/>
-              </a:prstGeom>
-              <a:noFill/>
-            </p:spPr>
-            <p:txBody>
-              <a:bodyPr wrap="none" lIns="45720" tIns="18288" rIns="91440" bIns="27432" rtlCol="0" anchor="ctr" anchorCtr="0">
-                <a:spAutoFit/>
-              </a:bodyPr>
-              <a:lstStyle/>
-              <a:p>
-                <a:r>
-                  <a:rPr lang="ru-RU" sz="1200" dirty="0" smtClean="0">
-                    <a:solidFill>
-                      <a:prstClr val="white"/>
-                    </a:solidFill>
-                    <a:latin typeface="Segoe UI" pitchFamily="34" charset="0"/>
-                    <a:ea typeface="Segoe UI" pitchFamily="34" charset="0"/>
-                    <a:cs typeface="Segoe UI" pitchFamily="34" charset="0"/>
-                  </a:rPr>
-                  <a:t>Учет статистики</a:t>
-                </a:r>
-                <a:endParaRPr lang="en-US" sz="1200" dirty="0" smtClean="0">
-                  <a:solidFill>
-                    <a:prstClr val="white"/>
-                  </a:solidFill>
-                  <a:latin typeface="Segoe UI" pitchFamily="34" charset="0"/>
-                  <a:ea typeface="Segoe UI" pitchFamily="34" charset="0"/>
-                  <a:cs typeface="Segoe UI" pitchFamily="34" charset="0"/>
-                </a:endParaRPr>
-              </a:p>
-            </p:txBody>
-          </p:sp>
-        </p:grpSp>
-        <p:grpSp>
-          <p:nvGrpSpPr>
-            <p:cNvPr id="6" name="Minimize - Maximize - Close"/>
-            <p:cNvGrpSpPr/>
-            <p:nvPr/>
-          </p:nvGrpSpPr>
-          <p:grpSpPr>
-            <a:xfrm>
-              <a:off x="8632311" y="92599"/>
-              <a:ext cx="384527" cy="78032"/>
-              <a:chOff x="9347642" y="131588"/>
-              <a:chExt cx="384527" cy="78032"/>
-            </a:xfrm>
-          </p:grpSpPr>
-          <p:cxnSp>
-            <p:nvCxnSpPr>
-              <p:cNvPr id="8" name="Line"/>
-              <p:cNvCxnSpPr/>
-              <p:nvPr/>
-            </p:nvCxnSpPr>
-            <p:spPr>
-              <a:xfrm>
-                <a:off x="9661396" y="131588"/>
-                <a:ext cx="70773" cy="76200"/>
-              </a:xfrm>
-              <a:prstGeom prst="line">
-                <a:avLst/>
-              </a:prstGeom>
-              <a:ln w="12700">
-                <a:solidFill>
-                  <a:srgbClr val="FFFFFF"/>
-                </a:solidFill>
-              </a:ln>
-            </p:spPr>
-            <p:style>
-              <a:lnRef idx="1">
-                <a:srgbClr val="4F81BD"/>
-              </a:lnRef>
-              <a:fillRef idx="0">
-                <a:srgbClr val="4F81BD"/>
-              </a:fillRef>
-              <a:effectRef idx="0">
-                <a:srgbClr val="4F81BD"/>
-              </a:effectRef>
-              <a:fontRef idx="minor">
-                <a:srgbClr val="000000"/>
-              </a:fontRef>
-            </p:style>
-          </p:cxnSp>
-          <p:cxnSp>
-            <p:nvCxnSpPr>
-              <p:cNvPr id="9" name="Line"/>
-              <p:cNvCxnSpPr/>
-              <p:nvPr/>
-            </p:nvCxnSpPr>
-            <p:spPr>
-              <a:xfrm flipH="1">
-                <a:off x="9661395" y="131588"/>
-                <a:ext cx="70773" cy="76200"/>
-              </a:xfrm>
-              <a:prstGeom prst="line">
-                <a:avLst/>
-              </a:prstGeom>
-              <a:ln w="12700">
-                <a:solidFill>
-                  <a:srgbClr val="FFFFFF"/>
-                </a:solidFill>
-              </a:ln>
-            </p:spPr>
-            <p:style>
-              <a:lnRef idx="1">
-                <a:srgbClr val="4F81BD"/>
-              </a:lnRef>
-              <a:fillRef idx="0">
-                <a:srgbClr val="4F81BD"/>
-              </a:fillRef>
-              <a:effectRef idx="0">
-                <a:srgbClr val="4F81BD"/>
-              </a:effectRef>
-              <a:fontRef idx="minor">
-                <a:srgbClr val="000000"/>
-              </a:fontRef>
-            </p:style>
-          </p:cxnSp>
-          <p:sp>
-            <p:nvSpPr>
-              <p:cNvPr id="10" name="Line"/>
-              <p:cNvSpPr/>
-              <p:nvPr/>
-            </p:nvSpPr>
-            <p:spPr>
-              <a:xfrm rot="10800000" flipV="1">
-                <a:off x="9499472" y="143255"/>
-                <a:ext cx="91440" cy="9144"/>
-              </a:xfrm>
-              <a:prstGeom prst="rect">
-                <a:avLst/>
-              </a:prstGeom>
-              <a:solidFill>
-                <a:srgbClr val="919191"/>
-              </a:solidFill>
-              <a:ln w="3175">
-                <a:solidFill>
-                  <a:srgbClr val="FFFFFF"/>
-                </a:solidFill>
-              </a:ln>
-            </p:spPr>
-            <p:style>
-              <a:lnRef idx="2">
-                <a:srgbClr val="4F81BD">
-                  <a:shade val="50000"/>
-                </a:srgbClr>
-              </a:lnRef>
-              <a:fillRef idx="1001">
-                <a:srgbClr val="000000"/>
-              </a:fillRef>
-              <a:effectRef idx="0">
-                <a:srgbClr val="4F81BD"/>
-              </a:effectRef>
-              <a:fontRef idx="minor">
-                <a:srgbClr val="000000"/>
-              </a:fontRef>
-            </p:style>
-            <p:txBody>
-              <a:bodyPr rtlCol="0" anchor="ctr"/>
-              <a:lstStyle/>
-              <a:p>
-                <a:pPr algn="ctr"/>
-                <a:endParaRPr lang="en-US" dirty="0">
-                  <a:solidFill>
-                    <a:prstClr val="white"/>
-                  </a:solidFill>
-                </a:endParaRPr>
-              </a:p>
-            </p:txBody>
-          </p:sp>
-          <p:sp>
-            <p:nvSpPr>
-              <p:cNvPr id="11" name="Line"/>
-              <p:cNvSpPr/>
-              <p:nvPr/>
-            </p:nvSpPr>
-            <p:spPr>
-              <a:xfrm rot="10800000" flipV="1">
-                <a:off x="9498658" y="135261"/>
-                <a:ext cx="91440" cy="72527"/>
-              </a:xfrm>
-              <a:prstGeom prst="rect">
-                <a:avLst/>
-              </a:prstGeom>
-              <a:noFill/>
-              <a:ln w="12700">
-                <a:solidFill>
-                  <a:srgbClr val="FFFFFF"/>
-                </a:solidFill>
-              </a:ln>
-            </p:spPr>
-            <p:style>
-              <a:lnRef idx="2">
-                <a:srgbClr val="4F81BD">
-                  <a:shade val="50000"/>
-                </a:srgbClr>
-              </a:lnRef>
-              <a:fillRef idx="1001">
-                <a:srgbClr val="000000"/>
-              </a:fillRef>
-              <a:effectRef idx="0">
-                <a:srgbClr val="4F81BD"/>
-              </a:effectRef>
-              <a:fontRef idx="minor">
-                <a:srgbClr val="000000"/>
-              </a:fontRef>
-            </p:style>
-            <p:txBody>
-              <a:bodyPr rtlCol="0" anchor="ctr"/>
-              <a:lstStyle/>
-              <a:p>
-                <a:pPr algn="ctr"/>
-                <a:endParaRPr lang="en-US" dirty="0">
-                  <a:solidFill>
-                    <a:prstClr val="white"/>
-                  </a:solidFill>
-                </a:endParaRPr>
-              </a:p>
-            </p:txBody>
-          </p:sp>
-          <p:sp>
-            <p:nvSpPr>
-              <p:cNvPr id="12" name="Line"/>
-              <p:cNvSpPr/>
-              <p:nvPr/>
-            </p:nvSpPr>
-            <p:spPr>
-              <a:xfrm rot="10800000" flipV="1">
-                <a:off x="9347642" y="200476"/>
-                <a:ext cx="91440" cy="9144"/>
-              </a:xfrm>
-              <a:prstGeom prst="rect">
-                <a:avLst/>
-              </a:prstGeom>
-              <a:solidFill>
-                <a:srgbClr val="919191"/>
-              </a:solidFill>
-              <a:ln w="3175">
-                <a:solidFill>
-                  <a:srgbClr val="FFFFFF"/>
-                </a:solidFill>
-              </a:ln>
-            </p:spPr>
-            <p:style>
-              <a:lnRef idx="2">
-                <a:srgbClr val="4F81BD">
-                  <a:shade val="50000"/>
-                </a:srgbClr>
-              </a:lnRef>
-              <a:fillRef idx="1001">
-                <a:srgbClr val="000000"/>
-              </a:fillRef>
-              <a:effectRef idx="0">
-                <a:srgbClr val="4F81BD"/>
-              </a:effectRef>
-              <a:fontRef idx="minor">
-                <a:srgbClr val="000000"/>
-              </a:fontRef>
-            </p:style>
-            <p:txBody>
-              <a:bodyPr rtlCol="0" anchor="ctr"/>
-              <a:lstStyle/>
-              <a:p>
-                <a:pPr algn="ctr"/>
-                <a:endParaRPr lang="en-US" dirty="0">
-                  <a:solidFill>
-                    <a:prstClr val="white"/>
-                  </a:solidFill>
-                </a:endParaRPr>
-              </a:p>
-            </p:txBody>
-          </p:sp>
-        </p:grpSp>
-        <p:sp>
-          <p:nvSpPr>
-            <p:cNvPr id="7" name="Oval 4"/>
-            <p:cNvSpPr/>
-            <p:nvPr/>
-          </p:nvSpPr>
-          <p:spPr>
-            <a:xfrm>
-              <a:off x="83477" y="80065"/>
-              <a:ext cx="145536" cy="150875"/>
-            </a:xfrm>
-            <a:prstGeom prst="ellipse">
-              <a:avLst/>
-            </a:prstGeom>
-            <a:gradFill flip="none" rotWithShape="1">
-              <a:gsLst>
-                <a:gs pos="91000">
-                  <a:srgbClr val="FFFFFF">
-                    <a:lumMod val="85000"/>
-                  </a:srgbClr>
-                </a:gs>
-                <a:gs pos="36000">
-                  <a:srgbClr val="FFFFFF">
-                    <a:lumMod val="95000"/>
-                  </a:srgbClr>
-                </a:gs>
-                <a:gs pos="100000">
-                  <a:srgbClr val="FFFFFF">
-                    <a:lumMod val="95000"/>
-                  </a:srgbClr>
-                </a:gs>
-              </a:gsLst>
-              <a:lin ang="5400000" scaled="0"/>
-              <a:tileRect/>
-            </a:gradFill>
-            <a:ln w="3175">
-              <a:solidFill>
-                <a:srgbClr val="000000">
-                  <a:lumMod val="50000"/>
-                  <a:lumOff val="50000"/>
-                </a:srgbClr>
-              </a:solidFill>
-            </a:ln>
-            <a:effectLst/>
-          </p:spPr>
-          <p:style>
-            <a:lnRef idx="2">
-              <a:srgbClr val="4F81BD">
-                <a:shade val="50000"/>
-              </a:srgbClr>
-            </a:lnRef>
-            <a:fillRef idx="1">
-              <a:srgbClr val="4F81BD"/>
-            </a:fillRef>
-            <a:effectRef idx="0">
-              <a:srgbClr val="4F81BD"/>
-            </a:effectRef>
-            <a:fontRef idx="minor">
-              <a:srgbClr val="000000"/>
-            </a:fontRef>
-          </p:style>
-          <p:txBody>
-            <a:bodyPr lIns="97531" tIns="48766" rIns="97531" bIns="48766" rtlCol="0" anchor="ctr"/>
-            <a:lstStyle/>
-            <a:p>
-              <a:pPr algn="ctr"/>
-              <a:endParaRPr lang="en-US">
-                <a:solidFill>
-                  <a:prstClr val="white"/>
-                </a:solidFill>
-              </a:endParaRPr>
-            </a:p>
-          </p:txBody>
-        </p:sp>
-      </p:grpSp>
-      <p:grpSp>
-        <p:nvGrpSpPr>
-          <p:cNvPr id="16" name="DatePicker"/>
-          <p:cNvGrpSpPr/>
-          <p:nvPr>
-            <p:custDataLst>
-              <p:custData r:id="rId2"/>
-            </p:custDataLst>
-          </p:nvPr>
-        </p:nvGrpSpPr>
-        <p:grpSpPr>
-          <a:xfrm>
-            <a:off x="1907704" y="773402"/>
-            <a:ext cx="969302" cy="228600"/>
-            <a:chOff x="3790801" y="3347719"/>
-            <a:chExt cx="969299" cy="228600"/>
-          </a:xfrm>
-        </p:grpSpPr>
-        <p:sp>
-          <p:nvSpPr>
-            <p:cNvPr id="17" name="Content"/>
-            <p:cNvSpPr/>
-            <p:nvPr/>
-          </p:nvSpPr>
-          <p:spPr>
-            <a:xfrm>
-              <a:off x="3790801" y="3347719"/>
-              <a:ext cx="698655" cy="228600"/>
-            </a:xfrm>
-            <a:prstGeom prst="rect">
-              <a:avLst/>
-            </a:prstGeom>
-            <a:solidFill>
-              <a:sysClr val="window" lastClr="FFFFFF"/>
-            </a:solidFill>
-            <a:ln w="3175">
-              <a:solidFill>
-                <a:srgbClr val="000000">
-                  <a:lumMod val="50000"/>
-                  <a:lumOff val="50000"/>
-                </a:srgbClr>
-              </a:solidFill>
-            </a:ln>
-            <a:effectLst/>
-          </p:spPr>
-          <p:style>
-            <a:lnRef idx="2">
-              <a:srgbClr val="4F81BD">
-                <a:shade val="50000"/>
-              </a:srgbClr>
-            </a:lnRef>
-            <a:fillRef idx="1">
-              <a:srgbClr val="4F81BD"/>
-            </a:fillRef>
-            <a:effectRef idx="0">
-              <a:srgbClr val="4F81BD"/>
-            </a:effectRef>
-            <a:fontRef idx="minor">
-              <a:srgbClr val="000000"/>
-            </a:fontRef>
-          </p:style>
-          <p:txBody>
-            <a:bodyPr lIns="45720" tIns="0" rIns="0" bIns="0" rtlCol="0" anchor="ctr"/>
-            <a:lstStyle/>
-            <a:p>
-              <a:r>
-                <a:rPr lang="en-US" sz="1200" dirty="0" smtClean="0">
-                  <a:solidFill>
-                    <a:srgbClr val="000000"/>
-                  </a:solidFill>
-                  <a:latin typeface="Segoe UI" pitchFamily="34" charset="0"/>
-                  <a:cs typeface="Segoe UI" pitchFamily="34" charset="0"/>
-                </a:rPr>
-                <a:t>   /   /    </a:t>
-              </a:r>
-              <a:endParaRPr lang="en-US" sz="1200" dirty="0">
-                <a:solidFill>
-                  <a:srgbClr val="000000"/>
-                </a:solidFill>
-                <a:latin typeface="Segoe UI" pitchFamily="34" charset="0"/>
-                <a:cs typeface="Segoe UI" pitchFamily="34" charset="0"/>
-              </a:endParaRPr>
-            </a:p>
-          </p:txBody>
-        </p:sp>
-        <p:pic>
-          <p:nvPicPr>
-            <p:cNvPr id="18" name="Icon" descr="C:\Users\t-dantay\Documents\First24\calendar1.png"/>
-            <p:cNvPicPr>
-              <a:picLocks noChangeAspect="1" noChangeArrowheads="1"/>
-            </p:cNvPicPr>
-            <p:nvPr/>
-          </p:nvPicPr>
-          <p:blipFill>
-            <a:blip r:embed="rId25" cstate="print">
-              <a:extLst>
-                <a:ext uri="{28A0092B-C50C-407E-A947-70E740481C1C}">
-                  <a14:useLocalDpi xmlns:a14="http://schemas.microsoft.com/office/drawing/2010/main" val="0"/>
-                </a:ext>
-              </a:extLst>
-            </a:blip>
-            <a:srcRect/>
-            <a:stretch>
-              <a:fillRect/>
-            </a:stretch>
-          </p:blipFill>
-          <p:spPr bwMode="auto">
-            <a:xfrm>
-              <a:off x="4535017" y="3347719"/>
-              <a:ext cx="225083" cy="228600"/>
-            </a:xfrm>
-            <a:prstGeom prst="rect">
-              <a:avLst/>
-            </a:prstGeom>
-            <a:noFill/>
-            <a:extLst>
-              <a:ext uri="{909E8E84-426E-40DD-AFC4-6F175D3DCCD1}">
-                <a14:hiddenFill xmlns:a14="http://schemas.microsoft.com/office/drawing/2010/main">
-                  <a:solidFill>
-                    <a:srgbClr val="FFFFFF"/>
-                  </a:solidFill>
-                </a14:hiddenFill>
-              </a:ext>
-            </a:extLst>
-          </p:spPr>
-        </p:pic>
-      </p:grpSp>
-      <p:sp>
-        <p:nvSpPr>
-          <p:cNvPr id="19" name="Content"/>
-          <p:cNvSpPr txBox="1"/>
-          <p:nvPr>
-            <p:custDataLst>
-              <p:custData r:id="rId3"/>
-            </p:custDataLst>
-          </p:nvPr>
-        </p:nvSpPr>
-        <p:spPr>
-          <a:xfrm>
-            <a:off x="813859" y="773402"/>
-            <a:ext cx="511679" cy="230832"/>
-          </a:xfrm>
-          <a:prstGeom prst="rect">
-            <a:avLst/>
-          </a:prstGeom>
-          <a:noFill/>
-        </p:spPr>
-        <p:txBody>
-          <a:bodyPr wrap="none" lIns="91440" tIns="18288" rIns="91440" bIns="27432" rtlCol="0" anchor="ctr" anchorCtr="0">
-            <a:spAutoFit/>
-          </a:bodyPr>
-          <a:lstStyle/>
-          <a:p>
-            <a:r>
-              <a:rPr lang="ru-RU" sz="1200" dirty="0" smtClean="0">
-                <a:solidFill>
-                  <a:srgbClr val="000000"/>
-                </a:solidFill>
-                <a:latin typeface="Segoe UI" pitchFamily="34" charset="0"/>
-                <a:ea typeface="Segoe UI" pitchFamily="34" charset="0"/>
-                <a:cs typeface="Segoe UI" pitchFamily="34" charset="0"/>
-              </a:rPr>
-              <a:t>Дата</a:t>
-            </a:r>
-            <a:endParaRPr lang="en-US" sz="1200" dirty="0" smtClean="0">
-              <a:solidFill>
-                <a:srgbClr val="000000"/>
-              </a:solidFill>
-              <a:latin typeface="Segoe UI" pitchFamily="34" charset="0"/>
-              <a:ea typeface="Segoe UI" pitchFamily="34" charset="0"/>
-              <a:cs typeface="Segoe UI" pitchFamily="34" charset="0"/>
-            </a:endParaRPr>
-          </a:p>
-        </p:txBody>
-      </p:sp>
-      <p:sp>
-        <p:nvSpPr>
-          <p:cNvPr id="20" name="Content"/>
-          <p:cNvSpPr txBox="1"/>
-          <p:nvPr>
-            <p:custDataLst>
-              <p:custData r:id="rId4"/>
-            </p:custDataLst>
-          </p:nvPr>
-        </p:nvSpPr>
-        <p:spPr>
-          <a:xfrm>
-            <a:off x="819696" y="1436394"/>
-            <a:ext cx="1110176" cy="230832"/>
-          </a:xfrm>
-          <a:prstGeom prst="rect">
-            <a:avLst/>
-          </a:prstGeom>
-          <a:noFill/>
-        </p:spPr>
-        <p:txBody>
-          <a:bodyPr wrap="none" lIns="91440" tIns="18288" rIns="91440" bIns="27432" rtlCol="0" anchor="ctr" anchorCtr="0">
-            <a:spAutoFit/>
-          </a:bodyPr>
-          <a:lstStyle/>
-          <a:p>
-            <a:r>
-              <a:rPr lang="ru-RU" sz="1200" dirty="0" smtClean="0">
-                <a:solidFill>
-                  <a:srgbClr val="000000"/>
-                </a:solidFill>
-                <a:latin typeface="Segoe UI" pitchFamily="34" charset="0"/>
-                <a:ea typeface="Segoe UI" pitchFamily="34" charset="0"/>
-                <a:cs typeface="Segoe UI" pitchFamily="34" charset="0"/>
-              </a:rPr>
-              <a:t>Температура:</a:t>
-            </a:r>
-            <a:endParaRPr lang="en-US" sz="1200" dirty="0" smtClean="0">
-              <a:solidFill>
-                <a:srgbClr val="000000"/>
-              </a:solidFill>
-              <a:latin typeface="Segoe UI" pitchFamily="34" charset="0"/>
-              <a:ea typeface="Segoe UI" pitchFamily="34" charset="0"/>
-              <a:cs typeface="Segoe UI" pitchFamily="34" charset="0"/>
-            </a:endParaRPr>
-          </a:p>
-        </p:txBody>
-      </p:sp>
-      <p:sp>
-        <p:nvSpPr>
-          <p:cNvPr id="22" name="Content"/>
-          <p:cNvSpPr txBox="1"/>
-          <p:nvPr>
-            <p:custDataLst>
-              <p:custData r:id="rId5"/>
-            </p:custDataLst>
-          </p:nvPr>
-        </p:nvSpPr>
-        <p:spPr>
-          <a:xfrm>
-            <a:off x="2209136" y="1430170"/>
-            <a:ext cx="587020" cy="230832"/>
-          </a:xfrm>
-          <a:prstGeom prst="rect">
-            <a:avLst/>
-          </a:prstGeom>
-          <a:noFill/>
-        </p:spPr>
-        <p:txBody>
-          <a:bodyPr wrap="none" lIns="91440" tIns="18288" rIns="91440" bIns="27432" rtlCol="0" anchor="ctr" anchorCtr="0">
-            <a:spAutoFit/>
-          </a:bodyPr>
-          <a:lstStyle/>
-          <a:p>
-            <a:r>
-              <a:rPr lang="ru-RU" sz="1200" dirty="0">
-                <a:solidFill>
-                  <a:srgbClr val="000000"/>
-                </a:solidFill>
-                <a:latin typeface="Segoe UI" pitchFamily="34" charset="0"/>
-                <a:ea typeface="Segoe UI" pitchFamily="34" charset="0"/>
-                <a:cs typeface="Segoe UI" pitchFamily="34" charset="0"/>
-              </a:rPr>
-              <a:t>д</a:t>
-            </a:r>
-            <a:r>
-              <a:rPr lang="ru-RU" sz="1200" dirty="0" smtClean="0">
-                <a:solidFill>
-                  <a:srgbClr val="000000"/>
-                </a:solidFill>
-                <a:latin typeface="Segoe UI" pitchFamily="34" charset="0"/>
-                <a:ea typeface="Segoe UI" pitchFamily="34" charset="0"/>
-                <a:cs typeface="Segoe UI" pitchFamily="34" charset="0"/>
-              </a:rPr>
-              <a:t>нем </a:t>
-            </a:r>
-            <a:endParaRPr lang="en-US" sz="1200" dirty="0" smtClean="0">
-              <a:solidFill>
-                <a:srgbClr val="000000"/>
-              </a:solidFill>
-              <a:latin typeface="Segoe UI" pitchFamily="34" charset="0"/>
-              <a:ea typeface="Segoe UI" pitchFamily="34" charset="0"/>
-              <a:cs typeface="Segoe UI" pitchFamily="34" charset="0"/>
-            </a:endParaRPr>
-          </a:p>
-        </p:txBody>
-      </p:sp>
-      <p:sp>
-        <p:nvSpPr>
-          <p:cNvPr id="23" name="Content"/>
-          <p:cNvSpPr txBox="1"/>
-          <p:nvPr>
-            <p:custDataLst>
-              <p:custData r:id="rId6"/>
-            </p:custDataLst>
-          </p:nvPr>
-        </p:nvSpPr>
-        <p:spPr>
-          <a:xfrm>
-            <a:off x="2101745" y="1830012"/>
-            <a:ext cx="651140" cy="230832"/>
-          </a:xfrm>
-          <a:prstGeom prst="rect">
-            <a:avLst/>
-          </a:prstGeom>
-          <a:noFill/>
-        </p:spPr>
-        <p:txBody>
-          <a:bodyPr wrap="none" lIns="91440" tIns="18288" rIns="91440" bIns="27432" rtlCol="0" anchor="ctr" anchorCtr="0">
-            <a:spAutoFit/>
-          </a:bodyPr>
-          <a:lstStyle/>
-          <a:p>
-            <a:r>
-              <a:rPr lang="ru-RU" sz="1200" dirty="0" smtClean="0">
-                <a:solidFill>
-                  <a:srgbClr val="000000"/>
-                </a:solidFill>
-                <a:latin typeface="Segoe UI" pitchFamily="34" charset="0"/>
-                <a:ea typeface="Segoe UI" pitchFamily="34" charset="0"/>
-                <a:cs typeface="Segoe UI" pitchFamily="34" charset="0"/>
-              </a:rPr>
-              <a:t>ночью</a:t>
-            </a:r>
-            <a:endParaRPr lang="en-US" sz="1200" dirty="0" smtClean="0">
-              <a:solidFill>
-                <a:srgbClr val="000000"/>
-              </a:solidFill>
-              <a:latin typeface="Segoe UI" pitchFamily="34" charset="0"/>
-              <a:ea typeface="Segoe UI" pitchFamily="34" charset="0"/>
-              <a:cs typeface="Segoe UI" pitchFamily="34" charset="0"/>
-            </a:endParaRPr>
-          </a:p>
-        </p:txBody>
-      </p:sp>
-      <p:sp>
-        <p:nvSpPr>
-          <p:cNvPr id="24" name="Content"/>
-          <p:cNvSpPr/>
-          <p:nvPr>
-            <p:custDataLst>
-              <p:custData r:id="rId7"/>
-            </p:custDataLst>
-          </p:nvPr>
-        </p:nvSpPr>
-        <p:spPr>
-          <a:xfrm>
-            <a:off x="2852967" y="1422593"/>
-            <a:ext cx="2135359" cy="283464"/>
-          </a:xfrm>
-          <a:prstGeom prst="rect">
-            <a:avLst/>
-          </a:prstGeom>
-          <a:solidFill>
-            <a:srgbClr val="FFFFFF"/>
-          </a:solidFill>
-          <a:ln w="19050">
-            <a:solidFill>
-              <a:srgbClr val="FFFFFF">
-                <a:lumMod val="75000"/>
-              </a:srgbClr>
-            </a:solidFill>
-          </a:ln>
-        </p:spPr>
-        <p:style>
-          <a:lnRef idx="2">
-            <a:srgbClr val="4F81BD">
-              <a:shade val="50000"/>
-            </a:srgbClr>
-          </a:lnRef>
-          <a:fillRef idx="1">
-            <a:srgbClr val="4F81BD"/>
-          </a:fillRef>
-          <a:effectRef idx="0">
-            <a:srgbClr val="4F81BD"/>
-          </a:effectRef>
-          <a:fontRef idx="minor">
-            <a:srgbClr val="000000"/>
-          </a:fontRef>
-        </p:style>
-        <p:txBody>
-          <a:bodyPr rtlCol="0" anchor="ctr"/>
-          <a:lstStyle/>
-          <a:p>
-            <a:r>
-              <a:rPr lang="en-US" sz="1100" smtClean="0">
-                <a:solidFill>
-                  <a:srgbClr val="000000"/>
-                </a:solidFill>
-                <a:latin typeface="Segoe UI" pitchFamily="34" charset="0"/>
-                <a:ea typeface="Segoe UI" pitchFamily="34" charset="0"/>
-                <a:cs typeface="Segoe UI" pitchFamily="34" charset="0"/>
-              </a:rPr>
-              <a:t>Text</a:t>
-            </a:r>
-            <a:endParaRPr lang="en-US" sz="1100">
-              <a:solidFill>
-                <a:srgbClr val="000000"/>
-              </a:solidFill>
-              <a:latin typeface="Segoe UI" pitchFamily="34" charset="0"/>
-              <a:ea typeface="Segoe UI" pitchFamily="34" charset="0"/>
-              <a:cs typeface="Segoe UI" pitchFamily="34" charset="0"/>
-            </a:endParaRPr>
-          </a:p>
-        </p:txBody>
-      </p:sp>
-      <p:sp>
-        <p:nvSpPr>
-          <p:cNvPr id="25" name="Content"/>
-          <p:cNvSpPr/>
-          <p:nvPr>
-            <p:custDataLst>
-              <p:custData r:id="rId8"/>
-            </p:custDataLst>
-          </p:nvPr>
-        </p:nvSpPr>
-        <p:spPr>
-          <a:xfrm>
-            <a:off x="2852967" y="1842134"/>
-            <a:ext cx="2135359" cy="283464"/>
-          </a:xfrm>
-          <a:prstGeom prst="rect">
-            <a:avLst/>
-          </a:prstGeom>
-          <a:solidFill>
-            <a:srgbClr val="FFFFFF"/>
-          </a:solidFill>
-          <a:ln w="19050">
-            <a:solidFill>
-              <a:srgbClr val="FFFFFF">
-                <a:lumMod val="75000"/>
-              </a:srgbClr>
-            </a:solidFill>
-          </a:ln>
-        </p:spPr>
-        <p:style>
-          <a:lnRef idx="2">
-            <a:srgbClr val="4F81BD">
-              <a:shade val="50000"/>
-            </a:srgbClr>
-          </a:lnRef>
-          <a:fillRef idx="1">
-            <a:srgbClr val="4F81BD"/>
-          </a:fillRef>
-          <a:effectRef idx="0">
-            <a:srgbClr val="4F81BD"/>
-          </a:effectRef>
-          <a:fontRef idx="minor">
-            <a:srgbClr val="000000"/>
-          </a:fontRef>
-        </p:style>
-        <p:txBody>
-          <a:bodyPr rtlCol="0" anchor="ctr"/>
-          <a:lstStyle/>
-          <a:p>
-            <a:r>
-              <a:rPr lang="en-US" sz="1100" smtClean="0">
-                <a:solidFill>
-                  <a:srgbClr val="000000"/>
-                </a:solidFill>
-                <a:latin typeface="Segoe UI" pitchFamily="34" charset="0"/>
-                <a:ea typeface="Segoe UI" pitchFamily="34" charset="0"/>
-                <a:cs typeface="Segoe UI" pitchFamily="34" charset="0"/>
-              </a:rPr>
-              <a:t>Text</a:t>
-            </a:r>
-            <a:endParaRPr lang="en-US" sz="1100">
-              <a:solidFill>
-                <a:srgbClr val="000000"/>
-              </a:solidFill>
-              <a:latin typeface="Segoe UI" pitchFamily="34" charset="0"/>
-              <a:ea typeface="Segoe UI" pitchFamily="34" charset="0"/>
-              <a:cs typeface="Segoe UI" pitchFamily="34" charset="0"/>
-            </a:endParaRPr>
-          </a:p>
-        </p:txBody>
-      </p:sp>
-      <p:sp>
-        <p:nvSpPr>
-          <p:cNvPr id="26" name="Content"/>
-          <p:cNvSpPr txBox="1"/>
-          <p:nvPr>
-            <p:custDataLst>
-              <p:custData r:id="rId9"/>
-            </p:custDataLst>
-          </p:nvPr>
-        </p:nvSpPr>
-        <p:spPr>
-          <a:xfrm>
-            <a:off x="805888" y="2420888"/>
-            <a:ext cx="1568058" cy="230832"/>
-          </a:xfrm>
-          <a:prstGeom prst="rect">
-            <a:avLst/>
-          </a:prstGeom>
-          <a:noFill/>
-        </p:spPr>
-        <p:txBody>
-          <a:bodyPr wrap="none" lIns="91440" tIns="18288" rIns="91440" bIns="27432" rtlCol="0" anchor="ctr" anchorCtr="0">
-            <a:spAutoFit/>
-          </a:bodyPr>
-          <a:lstStyle/>
-          <a:p>
-            <a:r>
-              <a:rPr lang="ru-RU" sz="1200" dirty="0" smtClean="0">
-                <a:solidFill>
-                  <a:srgbClr val="000000"/>
-                </a:solidFill>
-                <a:latin typeface="Segoe UI" pitchFamily="34" charset="0"/>
-                <a:ea typeface="Segoe UI" pitchFamily="34" charset="0"/>
-                <a:cs typeface="Segoe UI" pitchFamily="34" charset="0"/>
-              </a:rPr>
-              <a:t>Влажность воздуха:</a:t>
-            </a:r>
-            <a:endParaRPr lang="en-US" sz="1200" dirty="0" smtClean="0">
-              <a:solidFill>
-                <a:srgbClr val="000000"/>
-              </a:solidFill>
-              <a:latin typeface="Segoe UI" pitchFamily="34" charset="0"/>
-              <a:ea typeface="Segoe UI" pitchFamily="34" charset="0"/>
-              <a:cs typeface="Segoe UI" pitchFamily="34" charset="0"/>
-            </a:endParaRPr>
-          </a:p>
-        </p:txBody>
-      </p:sp>
-      <p:sp>
-        <p:nvSpPr>
-          <p:cNvPr id="28" name="Content"/>
-          <p:cNvSpPr/>
-          <p:nvPr>
-            <p:custDataLst>
-              <p:custData r:id="rId10"/>
-            </p:custDataLst>
-          </p:nvPr>
-        </p:nvSpPr>
-        <p:spPr>
-          <a:xfrm>
-            <a:off x="2852967" y="2390919"/>
-            <a:ext cx="2135359" cy="283464"/>
-          </a:xfrm>
-          <a:prstGeom prst="rect">
-            <a:avLst/>
-          </a:prstGeom>
-          <a:solidFill>
-            <a:srgbClr val="FFFFFF"/>
-          </a:solidFill>
-          <a:ln w="19050">
-            <a:solidFill>
-              <a:srgbClr val="FFFFFF">
-                <a:lumMod val="75000"/>
-              </a:srgbClr>
-            </a:solidFill>
-          </a:ln>
-        </p:spPr>
-        <p:style>
-          <a:lnRef idx="2">
-            <a:srgbClr val="4F81BD">
-              <a:shade val="50000"/>
-            </a:srgbClr>
-          </a:lnRef>
-          <a:fillRef idx="1">
-            <a:srgbClr val="4F81BD"/>
-          </a:fillRef>
-          <a:effectRef idx="0">
-            <a:srgbClr val="4F81BD"/>
-          </a:effectRef>
-          <a:fontRef idx="minor">
-            <a:srgbClr val="000000"/>
-          </a:fontRef>
-        </p:style>
-        <p:txBody>
-          <a:bodyPr rtlCol="0" anchor="ctr"/>
-          <a:lstStyle/>
-          <a:p>
-            <a:r>
-              <a:rPr lang="en-US" sz="1100" smtClean="0">
-                <a:solidFill>
-                  <a:srgbClr val="000000"/>
-                </a:solidFill>
-                <a:latin typeface="Segoe UI" pitchFamily="34" charset="0"/>
-                <a:ea typeface="Segoe UI" pitchFamily="34" charset="0"/>
-                <a:cs typeface="Segoe UI" pitchFamily="34" charset="0"/>
-              </a:rPr>
-              <a:t>Text</a:t>
-            </a:r>
-            <a:endParaRPr lang="en-US" sz="1100">
-              <a:solidFill>
-                <a:srgbClr val="000000"/>
-              </a:solidFill>
-              <a:latin typeface="Segoe UI" pitchFamily="34" charset="0"/>
-              <a:ea typeface="Segoe UI" pitchFamily="34" charset="0"/>
-              <a:cs typeface="Segoe UI" pitchFamily="34" charset="0"/>
-            </a:endParaRPr>
-          </a:p>
-        </p:txBody>
-      </p:sp>
-      <p:sp>
-        <p:nvSpPr>
-          <p:cNvPr id="29" name="Content"/>
-          <p:cNvSpPr txBox="1"/>
-          <p:nvPr>
-            <p:custDataLst>
-              <p:custData r:id="rId11"/>
-            </p:custDataLst>
-          </p:nvPr>
-        </p:nvSpPr>
-        <p:spPr>
-          <a:xfrm>
-            <a:off x="820386" y="2862204"/>
-            <a:ext cx="1467068" cy="230832"/>
-          </a:xfrm>
-          <a:prstGeom prst="rect">
-            <a:avLst/>
-          </a:prstGeom>
-          <a:noFill/>
-        </p:spPr>
-        <p:txBody>
-          <a:bodyPr wrap="none" lIns="91440" tIns="18288" rIns="91440" bIns="27432" rtlCol="0" anchor="ctr" anchorCtr="0">
-            <a:spAutoFit/>
-          </a:bodyPr>
-          <a:lstStyle/>
-          <a:p>
-            <a:r>
-              <a:rPr lang="ru-RU" sz="1200" dirty="0" smtClean="0">
-                <a:solidFill>
-                  <a:srgbClr val="000000"/>
-                </a:solidFill>
-                <a:latin typeface="Segoe UI" pitchFamily="34" charset="0"/>
-                <a:ea typeface="Segoe UI" pitchFamily="34" charset="0"/>
-                <a:cs typeface="Segoe UI" pitchFamily="34" charset="0"/>
-              </a:rPr>
-              <a:t>Влажность почвы:</a:t>
-            </a:r>
-            <a:endParaRPr lang="en-US" sz="1200" dirty="0" smtClean="0">
-              <a:solidFill>
-                <a:srgbClr val="000000"/>
-              </a:solidFill>
-              <a:latin typeface="Segoe UI" pitchFamily="34" charset="0"/>
-              <a:ea typeface="Segoe UI" pitchFamily="34" charset="0"/>
-              <a:cs typeface="Segoe UI" pitchFamily="34" charset="0"/>
-            </a:endParaRPr>
-          </a:p>
-        </p:txBody>
-      </p:sp>
-      <p:sp>
-        <p:nvSpPr>
-          <p:cNvPr id="30" name="Content"/>
-          <p:cNvSpPr/>
-          <p:nvPr>
-            <p:custDataLst>
-              <p:custData r:id="rId12"/>
-            </p:custDataLst>
-          </p:nvPr>
-        </p:nvSpPr>
-        <p:spPr>
-          <a:xfrm>
-            <a:off x="2867465" y="2832235"/>
-            <a:ext cx="2135359" cy="283464"/>
-          </a:xfrm>
-          <a:prstGeom prst="rect">
-            <a:avLst/>
-          </a:prstGeom>
-          <a:solidFill>
-            <a:srgbClr val="FFFFFF"/>
-          </a:solidFill>
-          <a:ln w="19050">
-            <a:solidFill>
-              <a:srgbClr val="FFFFFF">
-                <a:lumMod val="75000"/>
-              </a:srgbClr>
-            </a:solidFill>
-          </a:ln>
-        </p:spPr>
-        <p:style>
-          <a:lnRef idx="2">
-            <a:srgbClr val="4F81BD">
-              <a:shade val="50000"/>
-            </a:srgbClr>
-          </a:lnRef>
-          <a:fillRef idx="1">
-            <a:srgbClr val="4F81BD"/>
-          </a:fillRef>
-          <a:effectRef idx="0">
-            <a:srgbClr val="4F81BD"/>
-          </a:effectRef>
-          <a:fontRef idx="minor">
-            <a:srgbClr val="000000"/>
-          </a:fontRef>
-        </p:style>
-        <p:txBody>
-          <a:bodyPr rtlCol="0" anchor="ctr"/>
-          <a:lstStyle/>
-          <a:p>
-            <a:r>
-              <a:rPr lang="en-US" sz="1100" smtClean="0">
-                <a:solidFill>
-                  <a:srgbClr val="000000"/>
-                </a:solidFill>
-                <a:latin typeface="Segoe UI" pitchFamily="34" charset="0"/>
-                <a:ea typeface="Segoe UI" pitchFamily="34" charset="0"/>
-                <a:cs typeface="Segoe UI" pitchFamily="34" charset="0"/>
-              </a:rPr>
-              <a:t>Text</a:t>
-            </a:r>
-            <a:endParaRPr lang="en-US" sz="1100">
-              <a:solidFill>
-                <a:srgbClr val="000000"/>
-              </a:solidFill>
-              <a:latin typeface="Segoe UI" pitchFamily="34" charset="0"/>
-              <a:ea typeface="Segoe UI" pitchFamily="34" charset="0"/>
-              <a:cs typeface="Segoe UI" pitchFamily="34" charset="0"/>
-            </a:endParaRPr>
-          </a:p>
-        </p:txBody>
-      </p:sp>
-      <p:sp>
-        <p:nvSpPr>
-          <p:cNvPr id="32" name="Content"/>
-          <p:cNvSpPr txBox="1"/>
-          <p:nvPr>
-            <p:custDataLst>
-              <p:custData r:id="rId13"/>
-            </p:custDataLst>
-          </p:nvPr>
-        </p:nvSpPr>
-        <p:spPr>
-          <a:xfrm>
-            <a:off x="805888" y="5331177"/>
-            <a:ext cx="1424301" cy="230832"/>
-          </a:xfrm>
-          <a:prstGeom prst="rect">
-            <a:avLst/>
-          </a:prstGeom>
-          <a:noFill/>
-        </p:spPr>
-        <p:txBody>
-          <a:bodyPr wrap="none" lIns="91440" tIns="18288" rIns="91440" bIns="27432" rtlCol="0" anchor="ctr" anchorCtr="0">
-            <a:spAutoFit/>
-          </a:bodyPr>
-          <a:lstStyle/>
-          <a:p>
-            <a:r>
-              <a:rPr lang="ru-RU" sz="1200" dirty="0" smtClean="0">
-                <a:solidFill>
-                  <a:srgbClr val="000000"/>
-                </a:solidFill>
-                <a:latin typeface="Segoe UI" pitchFamily="34" charset="0"/>
-                <a:ea typeface="Segoe UI" pitchFamily="34" charset="0"/>
-                <a:cs typeface="Segoe UI" pitchFamily="34" charset="0"/>
-              </a:rPr>
-              <a:t>Урожая собрано:</a:t>
-            </a:r>
-            <a:endParaRPr lang="en-US" sz="1200" dirty="0" smtClean="0">
-              <a:solidFill>
-                <a:srgbClr val="000000"/>
-              </a:solidFill>
-              <a:latin typeface="Segoe UI" pitchFamily="34" charset="0"/>
-              <a:ea typeface="Segoe UI" pitchFamily="34" charset="0"/>
-              <a:cs typeface="Segoe UI" pitchFamily="34" charset="0"/>
-            </a:endParaRPr>
-          </a:p>
-        </p:txBody>
-      </p:sp>
-      <p:sp>
-        <p:nvSpPr>
-          <p:cNvPr id="33" name="Content"/>
-          <p:cNvSpPr/>
-          <p:nvPr>
-            <p:custDataLst>
-              <p:custData r:id="rId14"/>
-            </p:custDataLst>
-          </p:nvPr>
-        </p:nvSpPr>
-        <p:spPr>
-          <a:xfrm>
-            <a:off x="2852967" y="5301208"/>
-            <a:ext cx="2135359" cy="283464"/>
-          </a:xfrm>
-          <a:prstGeom prst="rect">
-            <a:avLst/>
-          </a:prstGeom>
-          <a:solidFill>
-            <a:srgbClr val="FFFFFF"/>
-          </a:solidFill>
-          <a:ln w="19050">
-            <a:solidFill>
-              <a:srgbClr val="FFFFFF">
-                <a:lumMod val="75000"/>
-              </a:srgbClr>
-            </a:solidFill>
-          </a:ln>
-        </p:spPr>
-        <p:style>
-          <a:lnRef idx="2">
-            <a:srgbClr val="4F81BD">
-              <a:shade val="50000"/>
-            </a:srgbClr>
-          </a:lnRef>
-          <a:fillRef idx="1">
-            <a:srgbClr val="4F81BD"/>
-          </a:fillRef>
-          <a:effectRef idx="0">
-            <a:srgbClr val="4F81BD"/>
-          </a:effectRef>
-          <a:fontRef idx="minor">
-            <a:srgbClr val="000000"/>
-          </a:fontRef>
-        </p:style>
-        <p:txBody>
-          <a:bodyPr rtlCol="0" anchor="ctr"/>
-          <a:lstStyle/>
-          <a:p>
-            <a:r>
-              <a:rPr lang="en-US" sz="1100" smtClean="0">
-                <a:solidFill>
-                  <a:srgbClr val="000000"/>
-                </a:solidFill>
-                <a:latin typeface="Segoe UI" pitchFamily="34" charset="0"/>
-                <a:ea typeface="Segoe UI" pitchFamily="34" charset="0"/>
-                <a:cs typeface="Segoe UI" pitchFamily="34" charset="0"/>
-              </a:rPr>
-              <a:t>Text</a:t>
-            </a:r>
-            <a:endParaRPr lang="en-US" sz="1100">
-              <a:solidFill>
-                <a:srgbClr val="000000"/>
-              </a:solidFill>
-              <a:latin typeface="Segoe UI" pitchFamily="34" charset="0"/>
-              <a:ea typeface="Segoe UI" pitchFamily="34" charset="0"/>
-              <a:cs typeface="Segoe UI" pitchFamily="34" charset="0"/>
-            </a:endParaRPr>
-          </a:p>
-        </p:txBody>
-      </p:sp>
-      <p:sp>
-        <p:nvSpPr>
-          <p:cNvPr id="34" name="Content"/>
-          <p:cNvSpPr/>
-          <p:nvPr>
-            <p:custDataLst>
-              <p:custData r:id="rId15"/>
-            </p:custDataLst>
-          </p:nvPr>
-        </p:nvSpPr>
-        <p:spPr>
-          <a:xfrm>
-            <a:off x="4355976" y="6279509"/>
-            <a:ext cx="1157409" cy="307773"/>
-          </a:xfrm>
-          <a:prstGeom prst="rect">
-            <a:avLst/>
-          </a:prstGeom>
-          <a:solidFill>
-            <a:srgbClr val="CCCCCC"/>
-          </a:solidFill>
-          <a:ln>
-            <a:noFill/>
-          </a:ln>
-        </p:spPr>
-        <p:style>
-          <a:lnRef idx="2">
-            <a:srgbClr val="4F81BD">
-              <a:shade val="50000"/>
-            </a:srgbClr>
-          </a:lnRef>
-          <a:fillRef idx="1">
-            <a:srgbClr val="4F81BD"/>
-          </a:fillRef>
-          <a:effectRef idx="0">
-            <a:srgbClr val="4F81BD"/>
-          </a:effectRef>
-          <a:fontRef idx="minor">
-            <a:srgbClr val="000000"/>
-          </a:fontRef>
-        </p:style>
-        <p:txBody>
-          <a:bodyPr rtlCol="0" anchor="ctr"/>
-          <a:lstStyle/>
-          <a:p>
-            <a:pPr algn="ctr"/>
-            <a:r>
-              <a:rPr lang="ru-RU" sz="1100" dirty="0" smtClean="0">
-                <a:latin typeface="Segoe UI Semibold" pitchFamily="34" charset="0"/>
-                <a:ea typeface="Segoe UI Semibold" pitchFamily="34" charset="0"/>
-                <a:cs typeface="Segoe UI Semibold" pitchFamily="34" charset="0"/>
-              </a:rPr>
-              <a:t>Сохранить</a:t>
-            </a:r>
-            <a:endParaRPr lang="en-US" sz="1100" dirty="0">
-              <a:solidFill>
-                <a:srgbClr val="000000"/>
-              </a:solidFill>
-              <a:latin typeface="Segoe UI Semibold" pitchFamily="34" charset="0"/>
-              <a:ea typeface="Segoe UI Semibold" pitchFamily="34" charset="0"/>
-              <a:cs typeface="Segoe UI Semibold" pitchFamily="34" charset="0"/>
-            </a:endParaRPr>
-          </a:p>
-        </p:txBody>
-      </p:sp>
-      <p:sp>
-        <p:nvSpPr>
-          <p:cNvPr id="35" name="Content"/>
-          <p:cNvSpPr/>
-          <p:nvPr>
-            <p:custDataLst>
-              <p:custData r:id="rId16"/>
-            </p:custDataLst>
-          </p:nvPr>
-        </p:nvSpPr>
-        <p:spPr>
-          <a:xfrm>
-            <a:off x="3056188" y="6279508"/>
-            <a:ext cx="1157409" cy="307773"/>
-          </a:xfrm>
-          <a:prstGeom prst="rect">
-            <a:avLst/>
-          </a:prstGeom>
-          <a:solidFill>
-            <a:srgbClr val="CCCCCC"/>
-          </a:solidFill>
-          <a:ln>
-            <a:noFill/>
-          </a:ln>
-        </p:spPr>
-        <p:style>
-          <a:lnRef idx="2">
-            <a:srgbClr val="4F81BD">
-              <a:shade val="50000"/>
-            </a:srgbClr>
-          </a:lnRef>
-          <a:fillRef idx="1">
-            <a:srgbClr val="4F81BD"/>
-          </a:fillRef>
-          <a:effectRef idx="0">
-            <a:srgbClr val="4F81BD"/>
-          </a:effectRef>
-          <a:fontRef idx="minor">
-            <a:srgbClr val="000000"/>
-          </a:fontRef>
-        </p:style>
-        <p:txBody>
-          <a:bodyPr rtlCol="0" anchor="ctr"/>
-          <a:lstStyle/>
-          <a:p>
-            <a:pPr algn="ctr"/>
-            <a:r>
-              <a:rPr lang="ru-RU" sz="1100" dirty="0" smtClean="0">
-                <a:latin typeface="Segoe UI Semibold" pitchFamily="34" charset="0"/>
-                <a:ea typeface="Segoe UI Semibold" pitchFamily="34" charset="0"/>
-                <a:cs typeface="Segoe UI Semibold" pitchFamily="34" charset="0"/>
-              </a:rPr>
-              <a:t>Отмена</a:t>
-            </a:r>
-            <a:endParaRPr lang="en-US" sz="1100" dirty="0">
-              <a:solidFill>
-                <a:srgbClr val="000000"/>
-              </a:solidFill>
-              <a:latin typeface="Segoe UI Semibold" pitchFamily="34" charset="0"/>
-              <a:ea typeface="Segoe UI Semibold" pitchFamily="34" charset="0"/>
-              <a:cs typeface="Segoe UI Semibold" pitchFamily="34" charset="0"/>
-            </a:endParaRPr>
-          </a:p>
-        </p:txBody>
-      </p:sp>
-      <p:sp>
-        <p:nvSpPr>
-          <p:cNvPr id="36" name="Content"/>
-          <p:cNvSpPr txBox="1"/>
-          <p:nvPr>
-            <p:custDataLst>
-              <p:custData r:id="rId17"/>
-            </p:custDataLst>
-          </p:nvPr>
-        </p:nvSpPr>
-        <p:spPr>
-          <a:xfrm>
-            <a:off x="597551" y="3409593"/>
-            <a:ext cx="2155334" cy="230832"/>
-          </a:xfrm>
-          <a:prstGeom prst="rect">
-            <a:avLst/>
-          </a:prstGeom>
-          <a:noFill/>
-        </p:spPr>
-        <p:txBody>
-          <a:bodyPr wrap="none" lIns="91440" tIns="18288" rIns="91440" bIns="27432" rtlCol="0" anchor="ctr" anchorCtr="0">
-            <a:spAutoFit/>
-          </a:bodyPr>
-          <a:lstStyle/>
-          <a:p>
-            <a:r>
-              <a:rPr lang="ru-RU" sz="1200" dirty="0" smtClean="0">
-                <a:solidFill>
-                  <a:srgbClr val="000000"/>
-                </a:solidFill>
-                <a:latin typeface="Segoe UI" pitchFamily="34" charset="0"/>
-                <a:ea typeface="Segoe UI" pitchFamily="34" charset="0"/>
-                <a:cs typeface="Segoe UI" pitchFamily="34" charset="0"/>
-              </a:rPr>
-              <a:t>Уровень воды в резервуаре</a:t>
-            </a:r>
-            <a:endParaRPr lang="en-US" sz="1200" dirty="0" smtClean="0">
-              <a:solidFill>
-                <a:srgbClr val="000000"/>
-              </a:solidFill>
-              <a:latin typeface="Segoe UI" pitchFamily="34" charset="0"/>
-              <a:ea typeface="Segoe UI" pitchFamily="34" charset="0"/>
-              <a:cs typeface="Segoe UI" pitchFamily="34" charset="0"/>
-            </a:endParaRPr>
-          </a:p>
-        </p:txBody>
-      </p:sp>
-      <p:sp>
-        <p:nvSpPr>
-          <p:cNvPr id="37" name="Content"/>
-          <p:cNvSpPr/>
-          <p:nvPr>
-            <p:custDataLst>
-              <p:custData r:id="rId18"/>
-            </p:custDataLst>
-          </p:nvPr>
-        </p:nvSpPr>
-        <p:spPr>
-          <a:xfrm>
-            <a:off x="2867464" y="3373812"/>
-            <a:ext cx="2135359" cy="283464"/>
-          </a:xfrm>
-          <a:prstGeom prst="rect">
-            <a:avLst/>
-          </a:prstGeom>
-          <a:solidFill>
-            <a:srgbClr val="FFFFFF"/>
-          </a:solidFill>
-          <a:ln w="19050">
-            <a:solidFill>
-              <a:srgbClr val="FFFFFF">
-                <a:lumMod val="75000"/>
-              </a:srgbClr>
-            </a:solidFill>
-          </a:ln>
-        </p:spPr>
-        <p:style>
-          <a:lnRef idx="2">
-            <a:srgbClr val="4F81BD">
-              <a:shade val="50000"/>
-            </a:srgbClr>
-          </a:lnRef>
-          <a:fillRef idx="1">
-            <a:srgbClr val="4F81BD"/>
-          </a:fillRef>
-          <a:effectRef idx="0">
-            <a:srgbClr val="4F81BD"/>
-          </a:effectRef>
-          <a:fontRef idx="minor">
-            <a:srgbClr val="000000"/>
-          </a:fontRef>
-        </p:style>
-        <p:txBody>
-          <a:bodyPr rtlCol="0" anchor="ctr"/>
-          <a:lstStyle/>
-          <a:p>
-            <a:r>
-              <a:rPr lang="en-US" sz="1100" smtClean="0">
-                <a:solidFill>
-                  <a:srgbClr val="000000"/>
-                </a:solidFill>
-                <a:latin typeface="Segoe UI" pitchFamily="34" charset="0"/>
-                <a:ea typeface="Segoe UI" pitchFamily="34" charset="0"/>
-                <a:cs typeface="Segoe UI" pitchFamily="34" charset="0"/>
-              </a:rPr>
-              <a:t>Text</a:t>
-            </a:r>
-            <a:endParaRPr lang="en-US" sz="1100">
-              <a:solidFill>
-                <a:srgbClr val="000000"/>
-              </a:solidFill>
-              <a:latin typeface="Segoe UI" pitchFamily="34" charset="0"/>
-              <a:ea typeface="Segoe UI" pitchFamily="34" charset="0"/>
-              <a:cs typeface="Segoe UI" pitchFamily="34" charset="0"/>
-            </a:endParaRPr>
-          </a:p>
-        </p:txBody>
-      </p:sp>
-      <p:sp>
-        <p:nvSpPr>
-          <p:cNvPr id="38" name="Content"/>
-          <p:cNvSpPr txBox="1"/>
-          <p:nvPr>
-            <p:custDataLst>
-              <p:custData r:id="rId19"/>
-            </p:custDataLst>
-          </p:nvPr>
-        </p:nvSpPr>
-        <p:spPr>
-          <a:xfrm>
-            <a:off x="640822" y="3894228"/>
-            <a:ext cx="1485535" cy="230832"/>
-          </a:xfrm>
-          <a:prstGeom prst="rect">
-            <a:avLst/>
-          </a:prstGeom>
-          <a:noFill/>
-        </p:spPr>
-        <p:txBody>
-          <a:bodyPr wrap="none" lIns="91440" tIns="18288" rIns="91440" bIns="27432" rtlCol="0" anchor="ctr" anchorCtr="0">
-            <a:spAutoFit/>
-          </a:bodyPr>
-          <a:lstStyle/>
-          <a:p>
-            <a:r>
-              <a:rPr lang="ru-RU" sz="1200" dirty="0" smtClean="0">
-                <a:solidFill>
-                  <a:srgbClr val="000000"/>
-                </a:solidFill>
-                <a:latin typeface="Segoe UI" pitchFamily="34" charset="0"/>
-                <a:ea typeface="Segoe UI" pitchFamily="34" charset="0"/>
-                <a:cs typeface="Segoe UI" pitchFamily="34" charset="0"/>
-              </a:rPr>
-              <a:t>Кол-во удобрений</a:t>
-            </a:r>
-            <a:endParaRPr lang="en-US" sz="1200" dirty="0" smtClean="0">
-              <a:solidFill>
-                <a:srgbClr val="000000"/>
-              </a:solidFill>
-              <a:latin typeface="Segoe UI" pitchFamily="34" charset="0"/>
-              <a:ea typeface="Segoe UI" pitchFamily="34" charset="0"/>
-              <a:cs typeface="Segoe UI" pitchFamily="34" charset="0"/>
-            </a:endParaRPr>
-          </a:p>
-        </p:txBody>
-      </p:sp>
-      <p:sp>
-        <p:nvSpPr>
-          <p:cNvPr id="39" name="Content"/>
-          <p:cNvSpPr/>
-          <p:nvPr>
-            <p:custDataLst>
-              <p:custData r:id="rId20"/>
-            </p:custDataLst>
-          </p:nvPr>
-        </p:nvSpPr>
-        <p:spPr>
-          <a:xfrm>
-            <a:off x="2877006" y="3894688"/>
-            <a:ext cx="2135359" cy="283464"/>
-          </a:xfrm>
-          <a:prstGeom prst="rect">
-            <a:avLst/>
-          </a:prstGeom>
-          <a:solidFill>
-            <a:srgbClr val="FFFFFF"/>
-          </a:solidFill>
-          <a:ln w="19050">
-            <a:solidFill>
-              <a:srgbClr val="FFFFFF">
-                <a:lumMod val="75000"/>
-              </a:srgbClr>
-            </a:solidFill>
-          </a:ln>
-        </p:spPr>
-        <p:style>
-          <a:lnRef idx="2">
-            <a:srgbClr val="4F81BD">
-              <a:shade val="50000"/>
-            </a:srgbClr>
-          </a:lnRef>
-          <a:fillRef idx="1">
-            <a:srgbClr val="4F81BD"/>
-          </a:fillRef>
-          <a:effectRef idx="0">
-            <a:srgbClr val="4F81BD"/>
-          </a:effectRef>
-          <a:fontRef idx="minor">
-            <a:srgbClr val="000000"/>
-          </a:fontRef>
-        </p:style>
-        <p:txBody>
-          <a:bodyPr rtlCol="0" anchor="ctr"/>
-          <a:lstStyle/>
-          <a:p>
-            <a:r>
-              <a:rPr lang="en-US" sz="1100" smtClean="0">
-                <a:solidFill>
-                  <a:srgbClr val="000000"/>
-                </a:solidFill>
-                <a:latin typeface="Segoe UI" pitchFamily="34" charset="0"/>
-                <a:ea typeface="Segoe UI" pitchFamily="34" charset="0"/>
-                <a:cs typeface="Segoe UI" pitchFamily="34" charset="0"/>
-              </a:rPr>
-              <a:t>Text</a:t>
-            </a:r>
-            <a:endParaRPr lang="en-US" sz="1100">
-              <a:solidFill>
-                <a:srgbClr val="000000"/>
-              </a:solidFill>
-              <a:latin typeface="Segoe UI" pitchFamily="34" charset="0"/>
-              <a:ea typeface="Segoe UI" pitchFamily="34" charset="0"/>
-              <a:cs typeface="Segoe UI" pitchFamily="34" charset="0"/>
-            </a:endParaRPr>
-          </a:p>
-        </p:txBody>
-      </p:sp>
-      <p:sp>
-        <p:nvSpPr>
-          <p:cNvPr id="40" name="Content"/>
-          <p:cNvSpPr txBox="1"/>
-          <p:nvPr>
-            <p:custDataLst>
-              <p:custData r:id="rId21"/>
-            </p:custDataLst>
-          </p:nvPr>
-        </p:nvSpPr>
-        <p:spPr>
-          <a:xfrm>
-            <a:off x="642920" y="4439428"/>
-            <a:ext cx="1117614" cy="230832"/>
-          </a:xfrm>
-          <a:prstGeom prst="rect">
-            <a:avLst/>
-          </a:prstGeom>
-          <a:noFill/>
-        </p:spPr>
-        <p:txBody>
-          <a:bodyPr wrap="none" lIns="91440" tIns="18288" rIns="91440" bIns="27432" rtlCol="0" anchor="ctr" anchorCtr="0">
-            <a:spAutoFit/>
-          </a:bodyPr>
-          <a:lstStyle/>
-          <a:p>
-            <a:r>
-              <a:rPr lang="ru-RU" sz="1200" dirty="0" smtClean="0">
-                <a:solidFill>
-                  <a:srgbClr val="000000"/>
-                </a:solidFill>
-                <a:latin typeface="Segoe UI" pitchFamily="34" charset="0"/>
-                <a:ea typeface="Segoe UI" pitchFamily="34" charset="0"/>
-                <a:cs typeface="Segoe UI" pitchFamily="34" charset="0"/>
-              </a:rPr>
-              <a:t>Примечание:</a:t>
-            </a:r>
-            <a:endParaRPr lang="en-US" sz="1200" dirty="0" smtClean="0">
-              <a:solidFill>
-                <a:srgbClr val="000000"/>
-              </a:solidFill>
-              <a:latin typeface="Segoe UI" pitchFamily="34" charset="0"/>
-              <a:ea typeface="Segoe UI" pitchFamily="34" charset="0"/>
-              <a:cs typeface="Segoe UI" pitchFamily="34" charset="0"/>
-            </a:endParaRPr>
-          </a:p>
-        </p:txBody>
-      </p:sp>
-      <p:sp>
-        <p:nvSpPr>
-          <p:cNvPr id="41" name="Content"/>
-          <p:cNvSpPr/>
-          <p:nvPr>
-            <p:custDataLst>
-              <p:custData r:id="rId22"/>
-            </p:custDataLst>
-          </p:nvPr>
-        </p:nvSpPr>
-        <p:spPr>
-          <a:xfrm>
-            <a:off x="2867465" y="4439428"/>
-            <a:ext cx="2067215" cy="645756"/>
-          </a:xfrm>
-          <a:prstGeom prst="rect">
-            <a:avLst/>
-          </a:prstGeom>
-          <a:solidFill>
-            <a:srgbClr val="FFFFFF"/>
-          </a:solidFill>
-          <a:ln w="19050">
-            <a:solidFill>
-              <a:srgbClr val="FFFFFF">
-                <a:lumMod val="75000"/>
-              </a:srgbClr>
-            </a:solidFill>
-          </a:ln>
-        </p:spPr>
-        <p:style>
-          <a:lnRef idx="2">
-            <a:srgbClr val="4F81BD">
-              <a:shade val="50000"/>
-            </a:srgbClr>
-          </a:lnRef>
-          <a:fillRef idx="1">
-            <a:srgbClr val="4F81BD"/>
-          </a:fillRef>
-          <a:effectRef idx="0">
-            <a:srgbClr val="4F81BD"/>
-          </a:effectRef>
-          <a:fontRef idx="minor">
-            <a:srgbClr val="000000"/>
-          </a:fontRef>
-        </p:style>
-        <p:txBody>
-          <a:bodyPr rtlCol="0" anchor="ctr"/>
-          <a:lstStyle/>
-          <a:p>
-            <a:r>
-              <a:rPr lang="en-US" sz="1100" smtClean="0">
-                <a:solidFill>
-                  <a:srgbClr val="000000"/>
-                </a:solidFill>
-                <a:latin typeface="Segoe UI" pitchFamily="34" charset="0"/>
-                <a:ea typeface="Segoe UI" pitchFamily="34" charset="0"/>
-                <a:cs typeface="Segoe UI" pitchFamily="34" charset="0"/>
-              </a:rPr>
-              <a:t>Text</a:t>
-            </a:r>
-            <a:endParaRPr lang="en-US" sz="1100">
-              <a:solidFill>
-                <a:srgbClr val="000000"/>
-              </a:solidFill>
-              <a:latin typeface="Segoe UI" pitchFamily="34" charset="0"/>
-              <a:ea typeface="Segoe UI" pitchFamily="34" charset="0"/>
-              <a:cs typeface="Segoe UI" pitchFamily="34" charset="0"/>
-            </a:endParaRPr>
-          </a:p>
-        </p:txBody>
-      </p:sp>
-    </p:spTree>
-    <p:extLst>
-      <p:ext uri="{BB962C8B-B14F-4D97-AF65-F5344CB8AC3E}">
-        <p14:creationId xmlns:p14="http://schemas.microsoft.com/office/powerpoint/2010/main" val="3880062823"/>
-      </p:ext>
-    </p:extLst>
-  </p:cSld>
-  <p:clrMapOvr>
-    <a:masterClrMapping/>
-  </p:clrMapOvr>
-  <p:timing>
-    <p:tnLst>
-      <p:par>
-        <p:cTn id="1" dur="indefinite" restart="never" nodeType="tmRoot"/>
-      </p:par>
-    </p:tnLst>
-  </p:timing>
-</p:sld>
-</file>
-
-<file path=ppt/slides/slide3.xml><?xml version="1.0" encoding="utf-8"?>
-<p:sld xmlns:a="http://schemas.openxmlformats.org/drawingml/2006/main" xmlns:r="http://schemas.openxmlformats.org/officeDocument/2006/relationships" xmlns:p="http://schemas.openxmlformats.org/presentationml/2006/main">
-  <p:cSld>
-    <p:spTree>
-      <p:nvGrpSpPr>
-        <p:cNvPr id="1" name=""/>
-        <p:cNvGrpSpPr/>
-        <p:nvPr/>
-      </p:nvGrpSpPr>
-      <p:grpSpPr>
-        <a:xfrm>
-          <a:off x="0" y="0"/>
-          <a:ext cx="0" cy="0"/>
-          <a:chOff x="0" y="0"/>
-          <a:chExt cx="0" cy="0"/>
-        </a:xfrm>
-      </p:grpSpPr>
-      <p:grpSp>
-        <p:nvGrpSpPr>
-          <p:cNvPr id="4" name="Window"/>
-          <p:cNvGrpSpPr/>
-          <p:nvPr>
-            <p:custDataLst>
-              <p:custData r:id="rId2"/>
-            </p:custDataLst>
-          </p:nvPr>
-        </p:nvGrpSpPr>
-        <p:grpSpPr>
-          <a:xfrm>
-            <a:off x="-21705" y="0"/>
-            <a:ext cx="9016838" cy="5517232"/>
-            <a:chOff x="0" y="0"/>
-            <a:chExt cx="9016838" cy="5517232"/>
-          </a:xfrm>
-        </p:grpSpPr>
-        <p:grpSp>
-          <p:nvGrpSpPr>
-            <p:cNvPr id="5" name="Group 2"/>
-            <p:cNvGrpSpPr/>
-            <p:nvPr/>
-          </p:nvGrpSpPr>
-          <p:grpSpPr>
-            <a:xfrm>
-              <a:off x="0" y="0"/>
-              <a:ext cx="5954650" cy="5517232"/>
-              <a:chOff x="0" y="0"/>
-              <a:chExt cx="5954650" cy="5517232"/>
-            </a:xfrm>
-          </p:grpSpPr>
-          <p:sp>
-            <p:nvSpPr>
-              <p:cNvPr id="13" name="Rectangle 10"/>
-              <p:cNvSpPr/>
-              <p:nvPr/>
-            </p:nvSpPr>
-            <p:spPr>
-              <a:xfrm>
-                <a:off x="0" y="0"/>
-                <a:ext cx="5954650" cy="5517232"/>
-              </a:xfrm>
-              <a:prstGeom prst="rect">
-                <a:avLst/>
-              </a:prstGeom>
-              <a:solidFill>
-                <a:srgbClr val="FFFFFF">
-                  <a:lumMod val="65000"/>
-                </a:srgbClr>
-              </a:solidFill>
-              <a:ln w="3175" cap="flat" cmpd="sng" algn="ctr">
-                <a:solidFill>
-                  <a:srgbClr val="000000">
-                    <a:lumMod val="50000"/>
-                    <a:lumOff val="50000"/>
-                  </a:srgbClr>
-                </a:solidFill>
-                <a:prstDash val="solid"/>
-              </a:ln>
-              <a:effectLst/>
-            </p:spPr>
-            <p:txBody>
-              <a:bodyPr rtlCol="0" anchor="ctr"/>
-              <a:lstStyle/>
-              <a:p>
-                <a:pPr algn="ctr"/>
-                <a:endParaRPr lang="en-US" sz="800" kern="0">
-                  <a:solidFill>
-                    <a:prstClr val="white"/>
-                  </a:solidFill>
-                  <a:latin typeface="Segoe UI"/>
-                </a:endParaRPr>
-              </a:p>
-            </p:txBody>
-          </p:sp>
-          <p:sp>
-            <p:nvSpPr>
-              <p:cNvPr id="14" name="Rectangle 11"/>
-              <p:cNvSpPr/>
-              <p:nvPr/>
-            </p:nvSpPr>
-            <p:spPr>
-              <a:xfrm>
-                <a:off x="76200" y="309485"/>
-                <a:ext cx="5734434" cy="5063731"/>
+                <a:off x="76200" y="309486"/>
+                <a:ext cx="5734434" cy="3068048"/>
               </a:xfrm>
               <a:prstGeom prst="rect">
                 <a:avLst/>
@@ -6524,7 +4694,7 @@
       </p:grpSp>
       <p:grpSp>
         <p:nvGrpSpPr>
-          <p:cNvPr id="16" name="DatePicker"/>
+          <p:cNvPr id="61" name="TabGroup"/>
           <p:cNvGrpSpPr/>
           <p:nvPr>
             <p:custDataLst>
@@ -6534,28 +4704,561 @@
         </p:nvGrpSpPr>
         <p:grpSpPr>
           <a:xfrm>
-            <a:off x="1907704" y="773402"/>
-            <a:ext cx="969302" cy="228600"/>
-            <a:chOff x="3790801" y="3347719"/>
-            <a:chExt cx="969299" cy="228600"/>
+            <a:off x="78448" y="334019"/>
+            <a:ext cx="5727157" cy="2528777"/>
+            <a:chOff x="3138993" y="2600318"/>
+            <a:chExt cx="3513043" cy="2017401"/>
           </a:xfrm>
         </p:grpSpPr>
         <p:sp>
           <p:nvSpPr>
-            <p:cNvPr id="17" name="Content"/>
-            <p:cNvSpPr/>
+            <p:cNvPr id="62" name="Container"/>
+            <p:cNvSpPr>
+              <a:spLocks/>
+            </p:cNvSpPr>
             <p:nvPr/>
           </p:nvSpPr>
           <p:spPr>
             <a:xfrm>
-              <a:off x="3790801" y="3347719"/>
-              <a:ext cx="698655" cy="228600"/>
+              <a:off x="3138993" y="2796966"/>
+              <a:ext cx="3513043" cy="1820753"/>
             </a:xfrm>
             <a:prstGeom prst="rect">
               <a:avLst/>
             </a:prstGeom>
             <a:solidFill>
               <a:sysClr val="window" lastClr="FFFFFF"/>
+            </a:solidFill>
+            <a:ln w="3175" cap="flat" cmpd="sng" algn="ctr">
+              <a:solidFill>
+                <a:srgbClr val="FFFFFF">
+                  <a:lumMod val="50000"/>
+                </a:srgbClr>
+              </a:solidFill>
+              <a:prstDash val="solid"/>
+            </a:ln>
+            <a:effectLst/>
+          </p:spPr>
+          <p:txBody>
+            <a:bodyPr rot="0" spcFirstLastPara="0" vertOverflow="overflow" horzOverflow="overflow" vert="horz" wrap="square" lIns="45720" tIns="45720" rIns="91440" bIns="45720" numCol="1" spcCol="0" rtlCol="0" fromWordArt="0" anchor="ctr" anchorCtr="0" forceAA="0" compatLnSpc="1">
+              <a:prstTxWarp prst="textNoShape">
+                <a:avLst/>
+              </a:prstTxWarp>
+              <a:noAutofit/>
+            </a:bodyPr>
+            <a:lstStyle/>
+            <a:p>
+              <a:pPr marL="0" marR="0" indent="0" algn="ctr" defTabSz="914400" eaLnBrk="1" fontAlgn="auto" latinLnBrk="0" hangingPunct="1">
+                <a:lnSpc>
+                  <a:spcPct val="100000"/>
+                </a:lnSpc>
+                <a:spcBef>
+                  <a:spcPts val="0"/>
+                </a:spcBef>
+                <a:spcAft>
+                  <a:spcPts val="0"/>
+                </a:spcAft>
+                <a:buClrTx/>
+                <a:buSzTx/>
+                <a:buFontTx/>
+                <a:buNone/>
+                <a:tabLst/>
+              </a:pPr>
+              <a:endParaRPr kumimoji="0" lang="en-US" sz="800" b="0" i="0" u="none" strike="noStrike" kern="0" cap="none" spc="0" normalizeH="0" baseline="0" noProof="0" dirty="0" smtClean="0">
+                <a:ln>
+                  <a:noFill/>
+                </a:ln>
+                <a:solidFill>
+                  <a:srgbClr val="000000">
+                    <a:lumMod val="75000"/>
+                    <a:lumOff val="25000"/>
+                  </a:srgbClr>
+                </a:solidFill>
+                <a:effectLst/>
+                <a:uLnTx/>
+                <a:uFillTx/>
+                <a:latin typeface="Segoe UI"/>
+                <a:ea typeface="+mn-ea"/>
+                <a:cs typeface="+mn-cs"/>
+              </a:endParaRPr>
+            </a:p>
+          </p:txBody>
+        </p:sp>
+        <p:sp>
+          <p:nvSpPr>
+            <p:cNvPr id="64" name="Tab2"/>
+            <p:cNvSpPr txBox="1">
+              <a:spLocks/>
+            </p:cNvSpPr>
+            <p:nvPr/>
+          </p:nvSpPr>
+          <p:spPr>
+            <a:xfrm>
+              <a:off x="4220695" y="2629185"/>
+              <a:ext cx="923761" cy="167782"/>
+            </a:xfrm>
+            <a:prstGeom prst="rect">
+              <a:avLst/>
+            </a:prstGeom>
+            <a:solidFill>
+              <a:srgbClr val="FFFFFF">
+                <a:lumMod val="85000"/>
+              </a:srgbClr>
+            </a:solidFill>
+            <a:ln w="3175">
+              <a:solidFill>
+                <a:srgbClr val="FFFFFF">
+                  <a:lumMod val="50000"/>
+                </a:srgbClr>
+              </a:solidFill>
+            </a:ln>
+          </p:spPr>
+          <p:txBody>
+            <a:bodyPr vertOverflow="ellipsis" lIns="45720" tIns="9144" rIns="45720" rtlCol="0">
+              <a:noAutofit/>
+            </a:bodyPr>
+            <a:lstStyle/>
+            <a:p>
+              <a:pPr algn="ctr"/>
+              <a:r>
+                <a:rPr lang="ru-RU" sz="1200" dirty="0" smtClean="0">
+                  <a:latin typeface="Segoe UI" pitchFamily="34" charset="0"/>
+                  <a:ea typeface="Segoe UI" pitchFamily="34" charset="0"/>
+                  <a:cs typeface="Segoe UI" pitchFamily="34" charset="0"/>
+                </a:rPr>
+                <a:t>Отчет об ошибке</a:t>
+              </a:r>
+              <a:endParaRPr lang="en-US" sz="1200" dirty="0">
+                <a:latin typeface="Segoe UI" pitchFamily="34" charset="0"/>
+                <a:ea typeface="Segoe UI" pitchFamily="34" charset="0"/>
+                <a:cs typeface="Segoe UI" pitchFamily="34" charset="0"/>
+              </a:endParaRPr>
+            </a:p>
+          </p:txBody>
+        </p:sp>
+        <p:grpSp>
+          <p:nvGrpSpPr>
+            <p:cNvPr id="71" name="Group 5"/>
+            <p:cNvGrpSpPr/>
+            <p:nvPr/>
+          </p:nvGrpSpPr>
+          <p:grpSpPr>
+            <a:xfrm>
+              <a:off x="3173192" y="2600318"/>
+              <a:ext cx="1013308" cy="196646"/>
+              <a:chOff x="3459642" y="2698422"/>
+              <a:chExt cx="655873" cy="167783"/>
+            </a:xfrm>
+          </p:grpSpPr>
+          <p:sp>
+            <p:nvSpPr>
+              <p:cNvPr id="73" name="ActiveTab"/>
+              <p:cNvSpPr txBox="1">
+                <a:spLocks/>
+              </p:cNvSpPr>
+              <p:nvPr/>
+            </p:nvSpPr>
+            <p:spPr>
+              <a:xfrm>
+                <a:off x="3459642" y="2698422"/>
+                <a:ext cx="655873" cy="167782"/>
+              </a:xfrm>
+              <a:prstGeom prst="rect">
+                <a:avLst/>
+              </a:prstGeom>
+              <a:solidFill>
+                <a:srgbClr val="FFFFFF"/>
+              </a:solidFill>
+              <a:ln w="3175">
+                <a:solidFill>
+                  <a:srgbClr val="FFFFFF">
+                    <a:lumMod val="50000"/>
+                  </a:srgbClr>
+                </a:solidFill>
+              </a:ln>
+            </p:spPr>
+            <p:txBody>
+              <a:bodyPr vertOverflow="ellipsis" lIns="0" tIns="18288" rIns="45720" rtlCol="0">
+                <a:noAutofit/>
+              </a:bodyPr>
+              <a:lstStyle/>
+              <a:p>
+                <a:pPr algn="ctr"/>
+                <a:r>
+                  <a:rPr lang="ru-RU" sz="1200" dirty="0" smtClean="0">
+                    <a:latin typeface="Segoe UI" pitchFamily="34" charset="0"/>
+                    <a:ea typeface="Segoe UI" pitchFamily="34" charset="0"/>
+                    <a:cs typeface="Segoe UI" pitchFamily="34" charset="0"/>
+                  </a:rPr>
+                  <a:t>Показатели среды</a:t>
+                </a:r>
+                <a:endParaRPr lang="en-US" sz="1200" dirty="0">
+                  <a:latin typeface="Segoe UI" pitchFamily="34" charset="0"/>
+                  <a:ea typeface="Segoe UI" pitchFamily="34" charset="0"/>
+                  <a:cs typeface="Segoe UI" pitchFamily="34" charset="0"/>
+                </a:endParaRPr>
+              </a:p>
+            </p:txBody>
+          </p:sp>
+          <p:sp>
+            <p:nvSpPr>
+              <p:cNvPr id="74" name="TabLine"/>
+              <p:cNvSpPr>
+                <a:spLocks/>
+              </p:cNvSpPr>
+              <p:nvPr/>
+            </p:nvSpPr>
+            <p:spPr>
+              <a:xfrm>
+                <a:off x="3463473" y="2866205"/>
+                <a:ext cx="349865" cy="0"/>
+              </a:xfrm>
+              <a:prstGeom prst="rect">
+                <a:avLst/>
+              </a:prstGeom>
+              <a:solidFill>
+                <a:sysClr val="window" lastClr="FFFFFF"/>
+              </a:solidFill>
+              <a:ln w="12700" cap="flat" cmpd="sng" algn="ctr">
+                <a:solidFill>
+                  <a:srgbClr val="FFFFFF"/>
+                </a:solidFill>
+                <a:prstDash val="solid"/>
+              </a:ln>
+              <a:effectLst/>
+            </p:spPr>
+            <p:txBody>
+              <a:bodyPr rot="0" spcFirstLastPara="0" vertOverflow="overflow" horzOverflow="overflow" vert="horz" wrap="square" lIns="45720" tIns="45720" rIns="91440" bIns="45720" numCol="1" spcCol="0" rtlCol="0" fromWordArt="0" anchor="ctr" anchorCtr="0" forceAA="0" compatLnSpc="1">
+                <a:prstTxWarp prst="textNoShape">
+                  <a:avLst/>
+                </a:prstTxWarp>
+                <a:noAutofit/>
+              </a:bodyPr>
+              <a:lstStyle/>
+              <a:p>
+                <a:pPr marL="0" marR="0" indent="0" algn="ctr" defTabSz="914400" eaLnBrk="1" fontAlgn="auto" latinLnBrk="0" hangingPunct="1">
+                  <a:lnSpc>
+                    <a:spcPct val="100000"/>
+                  </a:lnSpc>
+                  <a:spcBef>
+                    <a:spcPts val="0"/>
+                  </a:spcBef>
+                  <a:spcAft>
+                    <a:spcPts val="0"/>
+                  </a:spcAft>
+                  <a:buClrTx/>
+                  <a:buSzTx/>
+                  <a:buFontTx/>
+                  <a:buNone/>
+                  <a:tabLst/>
+                </a:pPr>
+                <a:endParaRPr kumimoji="0" lang="en-US" sz="800" b="0" i="0" u="none" strike="noStrike" kern="0" cap="none" spc="0" normalizeH="0" baseline="0" noProof="0" dirty="0" smtClean="0">
+                  <a:ln>
+                    <a:noFill/>
+                  </a:ln>
+                  <a:solidFill>
+                    <a:srgbClr val="000000">
+                      <a:lumMod val="75000"/>
+                      <a:lumOff val="25000"/>
+                    </a:srgbClr>
+                  </a:solidFill>
+                  <a:effectLst/>
+                  <a:uLnTx/>
+                  <a:uFillTx/>
+                  <a:latin typeface="Segoe UI"/>
+                  <a:ea typeface="+mn-ea"/>
+                  <a:cs typeface="+mn-cs"/>
+                </a:endParaRPr>
+              </a:p>
+            </p:txBody>
+          </p:sp>
+        </p:grpSp>
+        <p:sp>
+          <p:nvSpPr>
+            <p:cNvPr id="107" name="Tab3"/>
+            <p:cNvSpPr txBox="1">
+              <a:spLocks/>
+            </p:cNvSpPr>
+            <p:nvPr/>
+          </p:nvSpPr>
+          <p:spPr>
+            <a:xfrm>
+              <a:off x="4186498" y="2629185"/>
+              <a:ext cx="495136" cy="167782"/>
+            </a:xfrm>
+            <a:prstGeom prst="rect">
+              <a:avLst/>
+            </a:prstGeom>
+            <a:solidFill>
+              <a:srgbClr val="FFFFFF">
+                <a:lumMod val="85000"/>
+              </a:srgbClr>
+            </a:solidFill>
+            <a:ln w="3175">
+              <a:solidFill>
+                <a:srgbClr val="FFFFFF">
+                  <a:lumMod val="50000"/>
+                </a:srgbClr>
+              </a:solidFill>
+            </a:ln>
+          </p:spPr>
+          <p:txBody>
+            <a:bodyPr vertOverflow="ellipsis" lIns="0" tIns="9144" rIns="45720" rtlCol="0">
+              <a:noAutofit/>
+            </a:bodyPr>
+            <a:lstStyle/>
+            <a:p>
+              <a:pPr algn="ctr"/>
+              <a:r>
+                <a:rPr lang="ru-RU" sz="1200" dirty="0" smtClean="0">
+                  <a:latin typeface="Segoe UI" pitchFamily="34" charset="0"/>
+                  <a:ea typeface="Segoe UI" pitchFamily="34" charset="0"/>
+                  <a:cs typeface="Segoe UI" pitchFamily="34" charset="0"/>
+                </a:rPr>
+                <a:t>Задачи</a:t>
+              </a:r>
+              <a:endParaRPr lang="en-US" sz="1200" dirty="0">
+                <a:latin typeface="Segoe UI" pitchFamily="34" charset="0"/>
+                <a:ea typeface="Segoe UI" pitchFamily="34" charset="0"/>
+                <a:cs typeface="Segoe UI" pitchFamily="34" charset="0"/>
+              </a:endParaRPr>
+            </a:p>
+          </p:txBody>
+        </p:sp>
+        <p:sp>
+          <p:nvSpPr>
+            <p:cNvPr id="108" name="Tab2"/>
+            <p:cNvSpPr txBox="1">
+              <a:spLocks/>
+            </p:cNvSpPr>
+            <p:nvPr/>
+          </p:nvSpPr>
+          <p:spPr>
+            <a:xfrm>
+              <a:off x="4681634" y="2629185"/>
+              <a:ext cx="923761" cy="167782"/>
+            </a:xfrm>
+            <a:prstGeom prst="rect">
+              <a:avLst/>
+            </a:prstGeom>
+            <a:solidFill>
+              <a:srgbClr val="FFFFFF">
+                <a:lumMod val="85000"/>
+              </a:srgbClr>
+            </a:solidFill>
+            <a:ln w="3175">
+              <a:solidFill>
+                <a:srgbClr val="FFFFFF">
+                  <a:lumMod val="50000"/>
+                </a:srgbClr>
+              </a:solidFill>
+            </a:ln>
+          </p:spPr>
+          <p:txBody>
+            <a:bodyPr vertOverflow="ellipsis" lIns="45720" tIns="9144" rIns="45720" rtlCol="0">
+              <a:noAutofit/>
+            </a:bodyPr>
+            <a:lstStyle/>
+            <a:p>
+              <a:pPr algn="ctr"/>
+              <a:r>
+                <a:rPr lang="ru-RU" sz="1200" dirty="0" smtClean="0">
+                  <a:latin typeface="Segoe UI" pitchFamily="34" charset="0"/>
+                  <a:ea typeface="Segoe UI" pitchFamily="34" charset="0"/>
+                  <a:cs typeface="Segoe UI" pitchFamily="34" charset="0"/>
+                </a:rPr>
+                <a:t>Отчет об ошибке</a:t>
+              </a:r>
+              <a:endParaRPr lang="en-US" sz="1200" dirty="0">
+                <a:latin typeface="Segoe UI" pitchFamily="34" charset="0"/>
+                <a:ea typeface="Segoe UI" pitchFamily="34" charset="0"/>
+                <a:cs typeface="Segoe UI" pitchFamily="34" charset="0"/>
+              </a:endParaRPr>
+            </a:p>
+          </p:txBody>
+        </p:sp>
+      </p:grpSp>
+      <p:grpSp>
+        <p:nvGrpSpPr>
+          <p:cNvPr id="3" name="Группа 2"/>
+          <p:cNvGrpSpPr/>
+          <p:nvPr/>
+        </p:nvGrpSpPr>
+        <p:grpSpPr>
+          <a:xfrm>
+            <a:off x="210362" y="828944"/>
+            <a:ext cx="5233894" cy="1863552"/>
+            <a:chOff x="210362" y="828944"/>
+            <a:chExt cx="5233894" cy="1863552"/>
+          </a:xfrm>
+        </p:grpSpPr>
+        <p:sp>
+          <p:nvSpPr>
+            <p:cNvPr id="75" name="Content"/>
+            <p:cNvSpPr txBox="1"/>
+            <p:nvPr>
+              <p:custDataLst>
+                <p:custData r:id="rId9"/>
+              </p:custDataLst>
+            </p:nvPr>
+          </p:nvSpPr>
+          <p:spPr>
+            <a:xfrm>
+              <a:off x="210362" y="845372"/>
+              <a:ext cx="2283895" cy="230832"/>
+            </a:xfrm>
+            <a:prstGeom prst="rect">
+              <a:avLst/>
+            </a:prstGeom>
+            <a:noFill/>
+          </p:spPr>
+          <p:txBody>
+            <a:bodyPr wrap="none" lIns="91440" tIns="18288" rIns="91440" bIns="27432" rtlCol="0" anchor="ctr" anchorCtr="0">
+              <a:spAutoFit/>
+            </a:bodyPr>
+            <a:lstStyle/>
+            <a:p>
+              <a:r>
+                <a:rPr lang="ru-RU" sz="1200" dirty="0" smtClean="0">
+                  <a:solidFill>
+                    <a:srgbClr val="000000"/>
+                  </a:solidFill>
+                  <a:latin typeface="Segoe UI" pitchFamily="34" charset="0"/>
+                  <a:ea typeface="Segoe UI" pitchFamily="34" charset="0"/>
+                  <a:cs typeface="Segoe UI" pitchFamily="34" charset="0"/>
+                </a:rPr>
+                <a:t>Температура внутри теплицы:</a:t>
+              </a:r>
+              <a:endParaRPr lang="en-US" sz="1200" dirty="0" smtClean="0">
+                <a:solidFill>
+                  <a:srgbClr val="000000"/>
+                </a:solidFill>
+                <a:latin typeface="Segoe UI" pitchFamily="34" charset="0"/>
+                <a:ea typeface="Segoe UI" pitchFamily="34" charset="0"/>
+                <a:cs typeface="Segoe UI" pitchFamily="34" charset="0"/>
+              </a:endParaRPr>
+            </a:p>
+          </p:txBody>
+        </p:sp>
+        <p:sp>
+          <p:nvSpPr>
+            <p:cNvPr id="76" name="Content"/>
+            <p:cNvSpPr txBox="1"/>
+            <p:nvPr>
+              <p:custDataLst>
+                <p:custData r:id="rId10"/>
+              </p:custDataLst>
+            </p:nvPr>
+          </p:nvSpPr>
+          <p:spPr>
+            <a:xfrm>
+              <a:off x="567363" y="1893035"/>
+              <a:ext cx="1467068" cy="230832"/>
+            </a:xfrm>
+            <a:prstGeom prst="rect">
+              <a:avLst/>
+            </a:prstGeom>
+            <a:noFill/>
+          </p:spPr>
+          <p:txBody>
+            <a:bodyPr wrap="none" lIns="91440" tIns="18288" rIns="91440" bIns="27432" rtlCol="0" anchor="ctr" anchorCtr="0">
+              <a:spAutoFit/>
+            </a:bodyPr>
+            <a:lstStyle/>
+            <a:p>
+              <a:r>
+                <a:rPr lang="ru-RU" sz="1200" dirty="0" smtClean="0">
+                  <a:solidFill>
+                    <a:srgbClr val="000000"/>
+                  </a:solidFill>
+                  <a:latin typeface="Segoe UI" pitchFamily="34" charset="0"/>
+                  <a:ea typeface="Segoe UI" pitchFamily="34" charset="0"/>
+                  <a:cs typeface="Segoe UI" pitchFamily="34" charset="0"/>
+                </a:rPr>
+                <a:t>Влажность почвы:</a:t>
+              </a:r>
+              <a:endParaRPr lang="en-US" sz="1200" dirty="0" smtClean="0">
+                <a:solidFill>
+                  <a:srgbClr val="000000"/>
+                </a:solidFill>
+                <a:latin typeface="Segoe UI" pitchFamily="34" charset="0"/>
+                <a:ea typeface="Segoe UI" pitchFamily="34" charset="0"/>
+                <a:cs typeface="Segoe UI" pitchFamily="34" charset="0"/>
+              </a:endParaRPr>
+            </a:p>
+          </p:txBody>
+        </p:sp>
+        <p:sp>
+          <p:nvSpPr>
+            <p:cNvPr id="77" name="Content"/>
+            <p:cNvSpPr txBox="1"/>
+            <p:nvPr>
+              <p:custDataLst>
+                <p:custData r:id="rId11"/>
+              </p:custDataLst>
+            </p:nvPr>
+          </p:nvSpPr>
+          <p:spPr>
+            <a:xfrm>
+              <a:off x="2593346" y="853577"/>
+              <a:ext cx="393056" cy="230832"/>
+            </a:xfrm>
+            <a:prstGeom prst="rect">
+              <a:avLst/>
+            </a:prstGeom>
+            <a:noFill/>
+          </p:spPr>
+          <p:txBody>
+            <a:bodyPr wrap="none" lIns="91440" tIns="18288" rIns="91440" bIns="27432" rtlCol="0" anchor="ctr" anchorCtr="0">
+              <a:spAutoFit/>
+            </a:bodyPr>
+            <a:lstStyle/>
+            <a:p>
+              <a:r>
+                <a:rPr lang="ru-RU" sz="1200" dirty="0" smtClean="0">
+                  <a:solidFill>
+                    <a:srgbClr val="000000"/>
+                  </a:solidFill>
+                  <a:latin typeface="Segoe UI" pitchFamily="34" charset="0"/>
+                  <a:ea typeface="Segoe UI" pitchFamily="34" charset="0"/>
+                  <a:cs typeface="Segoe UI" pitchFamily="34" charset="0"/>
+                </a:rPr>
+                <a:t>16 </a:t>
+              </a:r>
+              <a:endParaRPr lang="en-US" sz="1200" dirty="0" smtClean="0">
+                <a:solidFill>
+                  <a:srgbClr val="000000"/>
+                </a:solidFill>
+                <a:latin typeface="Segoe UI" pitchFamily="34" charset="0"/>
+                <a:ea typeface="Segoe UI" pitchFamily="34" charset="0"/>
+                <a:cs typeface="Segoe UI" pitchFamily="34" charset="0"/>
+              </a:endParaRPr>
+            </a:p>
+          </p:txBody>
+        </p:sp>
+        <p:sp>
+          <p:nvSpPr>
+            <p:cNvPr id="78" name="Content"/>
+            <p:cNvSpPr/>
+            <p:nvPr>
+              <p:custDataLst>
+                <p:custData r:id="rId12"/>
+              </p:custDataLst>
+            </p:nvPr>
+          </p:nvSpPr>
+          <p:spPr>
+            <a:xfrm>
+              <a:off x="3114770" y="845372"/>
+              <a:ext cx="2329486" cy="354063"/>
+            </a:xfrm>
+            <a:prstGeom prst="rect">
+              <a:avLst/>
+            </a:prstGeom>
+            <a:solidFill>
+              <a:schemeClr val="accent3">
+                <a:lumMod val="40000"/>
+                <a:lumOff val="60000"/>
+              </a:schemeClr>
             </a:solidFill>
             <a:ln w="3175">
               <a:solidFill>
@@ -6584,20 +5287,17 @@
             </a:fontRef>
           </p:style>
           <p:txBody>
-            <a:bodyPr lIns="45720" tIns="0" rIns="0" bIns="0" rtlCol="0" anchor="ctr"/>
+            <a:bodyPr lIns="45720" tIns="27432" rIns="0" bIns="0" rtlCol="0" anchor="t" anchorCtr="0"/>
             <a:lstStyle/>
             <a:p>
               <a:r>
-                <a:rPr lang="en-US" sz="1200" dirty="0" smtClean="0">
-                  <a:solidFill>
-                    <a:srgbClr val="000000"/>
-                  </a:solidFill>
+                <a:rPr lang="ru-RU" sz="1200" dirty="0" smtClean="0">
                   <a:latin typeface="Segoe UI" pitchFamily="34" charset="0"/>
                   <a:cs typeface="Segoe UI" pitchFamily="34" charset="0"/>
                 </a:rPr>
-                <a:t>   /   /    </a:t>
+                <a:t>В норме</a:t>
               </a:r>
-              <a:endParaRPr lang="en-US" sz="1200" dirty="0">
+              <a:endParaRPr lang="en-US" sz="1200" dirty="0" smtClean="0">
                 <a:solidFill>
                   <a:srgbClr val="000000"/>
                 </a:solidFill>
@@ -6607,1164 +5307,1781 @@
             </a:p>
           </p:txBody>
         </p:sp>
-        <p:pic>
-          <p:nvPicPr>
-            <p:cNvPr id="18" name="Icon" descr="C:\Users\t-dantay\Documents\First24\calendar1.png"/>
-            <p:cNvPicPr>
-              <a:picLocks noChangeAspect="1" noChangeArrowheads="1"/>
-            </p:cNvPicPr>
-            <p:nvPr/>
-          </p:nvPicPr>
-          <p:blipFill>
-            <a:blip r:embed="rId23" cstate="print">
-              <a:extLst>
-                <a:ext uri="{28A0092B-C50C-407E-A947-70E740481C1C}">
-                  <a14:useLocalDpi xmlns:a14="http://schemas.microsoft.com/office/drawing/2010/main" val="0"/>
-                </a:ext>
-              </a:extLst>
-            </a:blip>
-            <a:srcRect/>
-            <a:stretch>
-              <a:fillRect/>
-            </a:stretch>
-          </p:blipFill>
-          <p:spPr bwMode="auto">
+        <p:sp>
+          <p:nvSpPr>
+            <p:cNvPr id="79" name="Content"/>
+            <p:cNvSpPr txBox="1"/>
+            <p:nvPr>
+              <p:custDataLst>
+                <p:custData r:id="rId13"/>
+              </p:custDataLst>
+            </p:nvPr>
+          </p:nvSpPr>
+          <p:spPr>
             <a:xfrm>
-              <a:off x="4535017" y="3347719"/>
-              <a:ext cx="225083" cy="228600"/>
+              <a:off x="2278960" y="1893035"/>
+              <a:ext cx="478016" cy="230832"/>
             </a:xfrm>
             <a:prstGeom prst="rect">
               <a:avLst/>
             </a:prstGeom>
             <a:noFill/>
-            <a:extLst>
-              <a:ext uri="{909E8E84-426E-40DD-AFC4-6F175D3DCCD1}">
-                <a14:hiddenFill xmlns:a14="http://schemas.microsoft.com/office/drawing/2010/main">
+          </p:spPr>
+          <p:txBody>
+            <a:bodyPr wrap="none" lIns="91440" tIns="18288" rIns="91440" bIns="27432" rtlCol="0" anchor="ctr" anchorCtr="0">
+              <a:spAutoFit/>
+            </a:bodyPr>
+            <a:lstStyle/>
+            <a:p>
+              <a:r>
+                <a:rPr lang="en-US" sz="1200" dirty="0" smtClean="0">
                   <a:solidFill>
-                    <a:srgbClr val="FFFFFF"/>
+                    <a:srgbClr val="000000"/>
                   </a:solidFill>
-                </a14:hiddenFill>
-              </a:ext>
-            </a:extLst>
+                  <a:latin typeface="Segoe UI" pitchFamily="34" charset="0"/>
+                  <a:ea typeface="Segoe UI" pitchFamily="34" charset="0"/>
+                  <a:cs typeface="Segoe UI" pitchFamily="34" charset="0"/>
+                </a:rPr>
+                <a:t>30%</a:t>
+              </a:r>
+            </a:p>
+          </p:txBody>
+        </p:sp>
+        <p:sp>
+          <p:nvSpPr>
+            <p:cNvPr id="80" name="Content"/>
+            <p:cNvSpPr/>
+            <p:nvPr>
+              <p:custDataLst>
+                <p:custData r:id="rId14"/>
+              </p:custDataLst>
+            </p:nvPr>
+          </p:nvSpPr>
+          <p:spPr>
+            <a:xfrm>
+              <a:off x="3073681" y="1852538"/>
+              <a:ext cx="2329486" cy="354063"/>
+            </a:xfrm>
+            <a:prstGeom prst="rect">
+              <a:avLst/>
+            </a:prstGeom>
+            <a:solidFill>
+              <a:schemeClr val="accent2">
+                <a:lumMod val="40000"/>
+                <a:lumOff val="60000"/>
+              </a:schemeClr>
+            </a:solidFill>
+            <a:ln w="3175">
+              <a:solidFill>
+                <a:srgbClr val="000000">
+                  <a:lumMod val="50000"/>
+                  <a:lumOff val="50000"/>
+                </a:srgbClr>
+              </a:solidFill>
+            </a:ln>
+            <a:effectLst/>
           </p:spPr>
-        </p:pic>
-      </p:grpSp>
-      <p:sp>
-        <p:nvSpPr>
-          <p:cNvPr id="19" name="Content"/>
-          <p:cNvSpPr txBox="1"/>
-          <p:nvPr>
-            <p:custDataLst>
-              <p:custData r:id="rId4"/>
-            </p:custDataLst>
-          </p:nvPr>
-        </p:nvSpPr>
-        <p:spPr>
-          <a:xfrm>
-            <a:off x="813859" y="773402"/>
-            <a:ext cx="511679" cy="230832"/>
-          </a:xfrm>
-          <a:prstGeom prst="rect">
-            <a:avLst/>
-          </a:prstGeom>
-          <a:noFill/>
-        </p:spPr>
-        <p:txBody>
-          <a:bodyPr wrap="none" lIns="91440" tIns="18288" rIns="91440" bIns="27432" rtlCol="0" anchor="ctr" anchorCtr="0">
-            <a:spAutoFit/>
-          </a:bodyPr>
-          <a:lstStyle/>
-          <a:p>
-            <a:r>
-              <a:rPr lang="ru-RU" sz="1200" dirty="0" smtClean="0">
+          <p:style>
+            <a:lnRef idx="2">
+              <a:srgbClr val="4F81BD">
+                <a:shade val="50000"/>
+              </a:srgbClr>
+            </a:lnRef>
+            <a:fillRef idx="1">
+              <a:srgbClr val="4F81BD"/>
+            </a:fillRef>
+            <a:effectRef idx="0">
+              <a:srgbClr val="4F81BD"/>
+            </a:effectRef>
+            <a:fontRef idx="minor">
+              <a:srgbClr val="000000"/>
+            </a:fontRef>
+          </p:style>
+          <p:txBody>
+            <a:bodyPr lIns="45720" tIns="27432" rIns="0" bIns="0" rtlCol="0" anchor="t" anchorCtr="0"/>
+            <a:lstStyle/>
+            <a:p>
+              <a:r>
+                <a:rPr lang="ru-RU" sz="1200" dirty="0" smtClean="0">
+                  <a:latin typeface="Segoe UI" pitchFamily="34" charset="0"/>
+                  <a:cs typeface="Segoe UI" pitchFamily="34" charset="0"/>
+                </a:rPr>
+                <a:t>! Влажность слишком низкая</a:t>
+              </a:r>
+              <a:endParaRPr lang="en-US" sz="1200" dirty="0" smtClean="0">
+                <a:solidFill>
+                  <a:srgbClr val="000000"/>
+                </a:solidFill>
+                <a:latin typeface="Segoe UI" pitchFamily="34" charset="0"/>
+                <a:cs typeface="Segoe UI" pitchFamily="34" charset="0"/>
+              </a:endParaRPr>
+            </a:p>
+          </p:txBody>
+        </p:sp>
+        <p:sp>
+          <p:nvSpPr>
+            <p:cNvPr id="81" name="Content"/>
+            <p:cNvSpPr txBox="1"/>
+            <p:nvPr>
+              <p:custDataLst>
+                <p:custData r:id="rId15"/>
+              </p:custDataLst>
+            </p:nvPr>
+          </p:nvSpPr>
+          <p:spPr>
+            <a:xfrm>
+              <a:off x="615111" y="2434211"/>
+              <a:ext cx="1249060" cy="230832"/>
+            </a:xfrm>
+            <a:prstGeom prst="rect">
+              <a:avLst/>
+            </a:prstGeom>
+            <a:noFill/>
+          </p:spPr>
+          <p:txBody>
+            <a:bodyPr wrap="none" lIns="91440" tIns="18288" rIns="91440" bIns="27432" rtlCol="0" anchor="ctr" anchorCtr="0">
+              <a:spAutoFit/>
+            </a:bodyPr>
+            <a:lstStyle/>
+            <a:p>
+              <a:r>
+                <a:rPr lang="ru-RU" sz="1200" dirty="0" smtClean="0">
+                  <a:solidFill>
+                    <a:srgbClr val="000000"/>
+                  </a:solidFill>
+                  <a:latin typeface="Segoe UI" pitchFamily="34" charset="0"/>
+                  <a:ea typeface="Segoe UI" pitchFamily="34" charset="0"/>
+                  <a:cs typeface="Segoe UI" pitchFamily="34" charset="0"/>
+                </a:rPr>
+                <a:t>Освещенность:</a:t>
+              </a:r>
+              <a:endParaRPr lang="en-US" sz="1200" dirty="0" smtClean="0">
                 <a:solidFill>
                   <a:srgbClr val="000000"/>
                 </a:solidFill>
                 <a:latin typeface="Segoe UI" pitchFamily="34" charset="0"/>
                 <a:ea typeface="Segoe UI" pitchFamily="34" charset="0"/>
                 <a:cs typeface="Segoe UI" pitchFamily="34" charset="0"/>
-              </a:rPr>
-              <a:t>Дата</a:t>
-            </a:r>
-            <a:endParaRPr lang="en-US" sz="1200" dirty="0" smtClean="0">
+              </a:endParaRPr>
+            </a:p>
+          </p:txBody>
+        </p:sp>
+        <p:sp>
+          <p:nvSpPr>
+            <p:cNvPr id="82" name="Content"/>
+            <p:cNvSpPr txBox="1"/>
+            <p:nvPr>
+              <p:custDataLst>
+                <p:custData r:id="rId16"/>
+              </p:custDataLst>
+            </p:nvPr>
+          </p:nvSpPr>
+          <p:spPr>
+            <a:xfrm>
+              <a:off x="2295997" y="2434211"/>
+              <a:ext cx="478016" cy="230832"/>
+            </a:xfrm>
+            <a:prstGeom prst="rect">
+              <a:avLst/>
+            </a:prstGeom>
+            <a:noFill/>
+          </p:spPr>
+          <p:txBody>
+            <a:bodyPr wrap="none" lIns="91440" tIns="18288" rIns="91440" bIns="27432" rtlCol="0" anchor="ctr" anchorCtr="0">
+              <a:spAutoFit/>
+            </a:bodyPr>
+            <a:lstStyle/>
+            <a:p>
+              <a:r>
+                <a:rPr lang="ru-RU" sz="1200" dirty="0" smtClean="0">
+                  <a:solidFill>
+                    <a:srgbClr val="000000"/>
+                  </a:solidFill>
+                  <a:latin typeface="Segoe UI" pitchFamily="34" charset="0"/>
+                  <a:ea typeface="Segoe UI" pitchFamily="34" charset="0"/>
+                  <a:cs typeface="Segoe UI" pitchFamily="34" charset="0"/>
+                </a:rPr>
+                <a:t>90</a:t>
+              </a:r>
+              <a:r>
+                <a:rPr lang="en-US" sz="1200" dirty="0" smtClean="0">
+                  <a:solidFill>
+                    <a:srgbClr val="000000"/>
+                  </a:solidFill>
+                  <a:latin typeface="Segoe UI" pitchFamily="34" charset="0"/>
+                  <a:ea typeface="Segoe UI" pitchFamily="34" charset="0"/>
+                  <a:cs typeface="Segoe UI" pitchFamily="34" charset="0"/>
+                </a:rPr>
+                <a:t>%</a:t>
+              </a:r>
+            </a:p>
+          </p:txBody>
+        </p:sp>
+        <p:sp>
+          <p:nvSpPr>
+            <p:cNvPr id="83" name="Content"/>
+            <p:cNvSpPr/>
+            <p:nvPr>
+              <p:custDataLst>
+                <p:custData r:id="rId17"/>
+              </p:custDataLst>
+            </p:nvPr>
+          </p:nvSpPr>
+          <p:spPr>
+            <a:xfrm>
+              <a:off x="3056979" y="2338433"/>
+              <a:ext cx="2329486" cy="354063"/>
+            </a:xfrm>
+            <a:prstGeom prst="rect">
+              <a:avLst/>
+            </a:prstGeom>
+            <a:solidFill>
+              <a:schemeClr val="accent3">
+                <a:lumMod val="40000"/>
+                <a:lumOff val="60000"/>
+              </a:schemeClr>
+            </a:solidFill>
+            <a:ln w="3175">
               <a:solidFill>
-                <a:srgbClr val="000000"/>
+                <a:srgbClr val="000000">
+                  <a:lumMod val="50000"/>
+                  <a:lumOff val="50000"/>
+                </a:srgbClr>
               </a:solidFill>
-              <a:latin typeface="Segoe UI" pitchFamily="34" charset="0"/>
-              <a:ea typeface="Segoe UI" pitchFamily="34" charset="0"/>
-              <a:cs typeface="Segoe UI" pitchFamily="34" charset="0"/>
-            </a:endParaRPr>
-          </a:p>
-        </p:txBody>
-      </p:sp>
-      <p:sp>
-        <p:nvSpPr>
-          <p:cNvPr id="20" name="Content"/>
-          <p:cNvSpPr txBox="1"/>
-          <p:nvPr>
-            <p:custDataLst>
-              <p:custData r:id="rId5"/>
-            </p:custDataLst>
-          </p:nvPr>
-        </p:nvSpPr>
-        <p:spPr>
-          <a:xfrm>
-            <a:off x="212645" y="1436394"/>
-            <a:ext cx="2283895" cy="230832"/>
-          </a:xfrm>
-          <a:prstGeom prst="rect">
-            <a:avLst/>
-          </a:prstGeom>
-          <a:noFill/>
-        </p:spPr>
-        <p:txBody>
-          <a:bodyPr wrap="none" lIns="91440" tIns="18288" rIns="91440" bIns="27432" rtlCol="0" anchor="ctr" anchorCtr="0">
-            <a:spAutoFit/>
-          </a:bodyPr>
-          <a:lstStyle/>
-          <a:p>
-            <a:r>
-              <a:rPr lang="ru-RU" sz="1200" dirty="0" smtClean="0">
+            </a:ln>
+            <a:effectLst/>
+          </p:spPr>
+          <p:style>
+            <a:lnRef idx="2">
+              <a:srgbClr val="4F81BD">
+                <a:shade val="50000"/>
+              </a:srgbClr>
+            </a:lnRef>
+            <a:fillRef idx="1">
+              <a:srgbClr val="4F81BD"/>
+            </a:fillRef>
+            <a:effectRef idx="0">
+              <a:srgbClr val="4F81BD"/>
+            </a:effectRef>
+            <a:fontRef idx="minor">
+              <a:srgbClr val="000000"/>
+            </a:fontRef>
+          </p:style>
+          <p:txBody>
+            <a:bodyPr lIns="45720" tIns="27432" rIns="0" bIns="0" rtlCol="0" anchor="t" anchorCtr="0"/>
+            <a:lstStyle/>
+            <a:p>
+              <a:r>
+                <a:rPr lang="ru-RU" sz="1200" dirty="0" smtClean="0">
+                  <a:latin typeface="Segoe UI" pitchFamily="34" charset="0"/>
+                  <a:cs typeface="Segoe UI" pitchFamily="34" charset="0"/>
+                </a:rPr>
+                <a:t>В норме</a:t>
+              </a:r>
+              <a:endParaRPr lang="en-US" sz="1200" dirty="0" smtClean="0">
+                <a:solidFill>
+                  <a:srgbClr val="000000"/>
+                </a:solidFill>
+                <a:latin typeface="Segoe UI" pitchFamily="34" charset="0"/>
+                <a:cs typeface="Segoe UI" pitchFamily="34" charset="0"/>
+              </a:endParaRPr>
+            </a:p>
+          </p:txBody>
+        </p:sp>
+        <p:sp>
+          <p:nvSpPr>
+            <p:cNvPr id="84" name="Content"/>
+            <p:cNvSpPr txBox="1"/>
+            <p:nvPr>
+              <p:custDataLst>
+                <p:custData r:id="rId18"/>
+              </p:custDataLst>
+            </p:nvPr>
+          </p:nvSpPr>
+          <p:spPr>
+            <a:xfrm>
+              <a:off x="489696" y="1335539"/>
+              <a:ext cx="1603901" cy="230832"/>
+            </a:xfrm>
+            <a:prstGeom prst="rect">
+              <a:avLst/>
+            </a:prstGeom>
+            <a:noFill/>
+          </p:spPr>
+          <p:txBody>
+            <a:bodyPr wrap="none" lIns="91440" tIns="18288" rIns="91440" bIns="27432" rtlCol="0" anchor="ctr" anchorCtr="0">
+              <a:spAutoFit/>
+            </a:bodyPr>
+            <a:lstStyle/>
+            <a:p>
+              <a:r>
+                <a:rPr lang="ru-RU" sz="1200" dirty="0" smtClean="0">
+                  <a:solidFill>
+                    <a:srgbClr val="000000"/>
+                  </a:solidFill>
+                  <a:latin typeface="Segoe UI" pitchFamily="34" charset="0"/>
+                  <a:ea typeface="Segoe UI" pitchFamily="34" charset="0"/>
+                  <a:cs typeface="Segoe UI" pitchFamily="34" charset="0"/>
+                </a:rPr>
+                <a:t>Температура грунта:</a:t>
+              </a:r>
+              <a:endParaRPr lang="en-US" sz="1200" dirty="0" smtClean="0">
                 <a:solidFill>
                   <a:srgbClr val="000000"/>
                 </a:solidFill>
                 <a:latin typeface="Segoe UI" pitchFamily="34" charset="0"/>
                 <a:ea typeface="Segoe UI" pitchFamily="34" charset="0"/>
                 <a:cs typeface="Segoe UI" pitchFamily="34" charset="0"/>
-              </a:rPr>
-              <a:t>Температура внутри теплицы:</a:t>
-            </a:r>
-            <a:endParaRPr lang="en-US" sz="1200" dirty="0" smtClean="0">
-              <a:solidFill>
-                <a:srgbClr val="000000"/>
-              </a:solidFill>
-              <a:latin typeface="Segoe UI" pitchFamily="34" charset="0"/>
-              <a:ea typeface="Segoe UI" pitchFamily="34" charset="0"/>
-              <a:cs typeface="Segoe UI" pitchFamily="34" charset="0"/>
-            </a:endParaRPr>
-          </a:p>
-        </p:txBody>
-      </p:sp>
-      <p:sp>
-        <p:nvSpPr>
-          <p:cNvPr id="26" name="Content"/>
-          <p:cNvSpPr txBox="1"/>
-          <p:nvPr>
-            <p:custDataLst>
-              <p:custData r:id="rId6"/>
-            </p:custDataLst>
-          </p:nvPr>
-        </p:nvSpPr>
-        <p:spPr>
-          <a:xfrm>
-            <a:off x="847085" y="2755004"/>
-            <a:ext cx="1568058" cy="230832"/>
-          </a:xfrm>
-          <a:prstGeom prst="rect">
-            <a:avLst/>
-          </a:prstGeom>
-          <a:noFill/>
-        </p:spPr>
-        <p:txBody>
-          <a:bodyPr wrap="none" lIns="91440" tIns="18288" rIns="91440" bIns="27432" rtlCol="0" anchor="ctr" anchorCtr="0">
-            <a:spAutoFit/>
-          </a:bodyPr>
-          <a:lstStyle/>
-          <a:p>
-            <a:r>
-              <a:rPr lang="ru-RU" sz="1200" dirty="0" smtClean="0">
+              </a:endParaRPr>
+            </a:p>
+          </p:txBody>
+        </p:sp>
+        <p:sp>
+          <p:nvSpPr>
+            <p:cNvPr id="85" name="Content"/>
+            <p:cNvSpPr txBox="1"/>
+            <p:nvPr>
+              <p:custDataLst>
+                <p:custData r:id="rId19"/>
+              </p:custDataLst>
+            </p:nvPr>
+          </p:nvSpPr>
+          <p:spPr>
+            <a:xfrm>
+              <a:off x="2296951" y="1328700"/>
+              <a:ext cx="393056" cy="230832"/>
+            </a:xfrm>
+            <a:prstGeom prst="rect">
+              <a:avLst/>
+            </a:prstGeom>
+            <a:noFill/>
+          </p:spPr>
+          <p:txBody>
+            <a:bodyPr wrap="none" lIns="91440" tIns="18288" rIns="91440" bIns="27432" rtlCol="0" anchor="ctr" anchorCtr="0">
+              <a:spAutoFit/>
+            </a:bodyPr>
+            <a:lstStyle/>
+            <a:p>
+              <a:r>
+                <a:rPr lang="ru-RU" sz="1200" dirty="0" smtClean="0">
+                  <a:solidFill>
+                    <a:srgbClr val="000000"/>
+                  </a:solidFill>
+                  <a:latin typeface="Segoe UI" pitchFamily="34" charset="0"/>
+                  <a:ea typeface="Segoe UI" pitchFamily="34" charset="0"/>
+                  <a:cs typeface="Segoe UI" pitchFamily="34" charset="0"/>
+                </a:rPr>
+                <a:t>10 </a:t>
+              </a:r>
+              <a:endParaRPr lang="en-US" sz="1200" dirty="0" smtClean="0">
                 <a:solidFill>
                   <a:srgbClr val="000000"/>
                 </a:solidFill>
                 <a:latin typeface="Segoe UI" pitchFamily="34" charset="0"/>
                 <a:ea typeface="Segoe UI" pitchFamily="34" charset="0"/>
                 <a:cs typeface="Segoe UI" pitchFamily="34" charset="0"/>
-              </a:rPr>
-              <a:t>Влажность воздуха:</a:t>
-            </a:r>
-            <a:endParaRPr lang="en-US" sz="1200" dirty="0" smtClean="0">
+              </a:endParaRPr>
+            </a:p>
+          </p:txBody>
+        </p:sp>
+        <p:sp>
+          <p:nvSpPr>
+            <p:cNvPr id="86" name="Content"/>
+            <p:cNvSpPr/>
+            <p:nvPr>
+              <p:custDataLst>
+                <p:custData r:id="rId20"/>
+              </p:custDataLst>
+            </p:nvPr>
+          </p:nvSpPr>
+          <p:spPr>
+            <a:xfrm>
+              <a:off x="3100316" y="1335539"/>
+              <a:ext cx="2329486" cy="354063"/>
+            </a:xfrm>
+            <a:prstGeom prst="rect">
+              <a:avLst/>
+            </a:prstGeom>
+            <a:solidFill>
+              <a:schemeClr val="accent3">
+                <a:lumMod val="40000"/>
+                <a:lumOff val="60000"/>
+              </a:schemeClr>
+            </a:solidFill>
+            <a:ln w="3175">
               <a:solidFill>
-                <a:srgbClr val="000000"/>
+                <a:srgbClr val="000000">
+                  <a:lumMod val="50000"/>
+                  <a:lumOff val="50000"/>
+                </a:srgbClr>
               </a:solidFill>
-              <a:latin typeface="Segoe UI" pitchFamily="34" charset="0"/>
-              <a:ea typeface="Segoe UI" pitchFamily="34" charset="0"/>
-              <a:cs typeface="Segoe UI" pitchFamily="34" charset="0"/>
-            </a:endParaRPr>
-          </a:p>
-        </p:txBody>
-      </p:sp>
-      <p:sp>
-        <p:nvSpPr>
-          <p:cNvPr id="29" name="Content"/>
-          <p:cNvSpPr txBox="1"/>
-          <p:nvPr>
-            <p:custDataLst>
-              <p:custData r:id="rId7"/>
-            </p:custDataLst>
-          </p:nvPr>
-        </p:nvSpPr>
-        <p:spPr>
-          <a:xfrm>
-            <a:off x="884180" y="3440944"/>
-            <a:ext cx="1467068" cy="230832"/>
-          </a:xfrm>
-          <a:prstGeom prst="rect">
-            <a:avLst/>
-          </a:prstGeom>
-          <a:noFill/>
-        </p:spPr>
-        <p:txBody>
-          <a:bodyPr wrap="none" lIns="91440" tIns="18288" rIns="91440" bIns="27432" rtlCol="0" anchor="ctr" anchorCtr="0">
-            <a:spAutoFit/>
-          </a:bodyPr>
-          <a:lstStyle/>
-          <a:p>
-            <a:r>
-              <a:rPr lang="ru-RU" sz="1200" dirty="0" smtClean="0">
+            </a:ln>
+            <a:effectLst/>
+          </p:spPr>
+          <p:style>
+            <a:lnRef idx="2">
+              <a:srgbClr val="4F81BD">
+                <a:shade val="50000"/>
+              </a:srgbClr>
+            </a:lnRef>
+            <a:fillRef idx="1">
+              <a:srgbClr val="4F81BD"/>
+            </a:fillRef>
+            <a:effectRef idx="0">
+              <a:srgbClr val="4F81BD"/>
+            </a:effectRef>
+            <a:fontRef idx="minor">
+              <a:srgbClr val="000000"/>
+            </a:fontRef>
+          </p:style>
+          <p:txBody>
+            <a:bodyPr lIns="45720" tIns="27432" rIns="0" bIns="0" rtlCol="0" anchor="t" anchorCtr="0"/>
+            <a:lstStyle/>
+            <a:p>
+              <a:r>
+                <a:rPr lang="ru-RU" sz="1200" dirty="0" smtClean="0">
+                  <a:latin typeface="Segoe UI" pitchFamily="34" charset="0"/>
+                  <a:cs typeface="Segoe UI" pitchFamily="34" charset="0"/>
+                </a:rPr>
+                <a:t>В норме</a:t>
+              </a:r>
+              <a:endParaRPr lang="en-US" sz="1200" dirty="0" smtClean="0">
                 <a:solidFill>
                   <a:srgbClr val="000000"/>
                 </a:solidFill>
                 <a:latin typeface="Segoe UI" pitchFamily="34" charset="0"/>
-                <a:ea typeface="Segoe UI" pitchFamily="34" charset="0"/>
                 <a:cs typeface="Segoe UI" pitchFamily="34" charset="0"/>
-              </a:rPr>
-              <a:t>Влажность почвы:</a:t>
-            </a:r>
-            <a:endParaRPr lang="en-US" sz="1200" dirty="0" smtClean="0">
-              <a:solidFill>
-                <a:srgbClr val="000000"/>
-              </a:solidFill>
-              <a:latin typeface="Segoe UI" pitchFamily="34" charset="0"/>
-              <a:ea typeface="Segoe UI" pitchFamily="34" charset="0"/>
-              <a:cs typeface="Segoe UI" pitchFamily="34" charset="0"/>
-            </a:endParaRPr>
-          </a:p>
-        </p:txBody>
-      </p:sp>
-      <p:sp>
-        <p:nvSpPr>
-          <p:cNvPr id="34" name="Content"/>
-          <p:cNvSpPr/>
+              </a:endParaRPr>
+            </a:p>
+          </p:txBody>
+        </p:sp>
+        <p:graphicFrame>
+          <p:nvGraphicFramePr>
+            <p:cNvPr id="87" name="Объект 86"/>
+            <p:cNvGraphicFramePr>
+              <a:graphicFrameLocks noChangeAspect="1"/>
+            </p:cNvGraphicFramePr>
+            <p:nvPr>
+              <p:extLst>
+                <p:ext uri="{D42A27DB-BD31-4B8C-83A1-F6EECF244321}">
+                  <p14:modId xmlns:p14="http://schemas.microsoft.com/office/powerpoint/2010/main" val="3897686949"/>
+                </p:ext>
+              </p:extLst>
+            </p:nvPr>
+          </p:nvGraphicFramePr>
+          <p:xfrm>
+            <a:off x="2847517" y="828944"/>
+            <a:ext cx="114300" cy="177800"/>
+          </p:xfrm>
+          <a:graphic>
+            <a:graphicData uri="http://schemas.openxmlformats.org/presentationml/2006/ole">
+              <mc:AlternateContent xmlns:mc="http://schemas.openxmlformats.org/markup-compatibility/2006">
+                <mc:Choice xmlns:v="urn:schemas-microsoft-com:vml" Requires="v">
+                  <p:oleObj spid="_x0000_s1040" name="Equation" r:id="rId23" imgW="114120" imgH="177480" progId="Equation.DSMT4">
+                    <p:embed/>
+                  </p:oleObj>
+                </mc:Choice>
+                <mc:Fallback>
+                  <p:oleObj name="Equation" r:id="rId23" imgW="114120" imgH="177480" progId="Equation.DSMT4">
+                    <p:embed/>
+                    <p:pic>
+                      <p:nvPicPr>
+                        <p:cNvPr id="0" name=""/>
+                        <p:cNvPicPr>
+                          <a:picLocks noChangeAspect="1" noChangeArrowheads="1"/>
+                        </p:cNvPicPr>
+                        <p:nvPr/>
+                      </p:nvPicPr>
+                      <p:blipFill>
+                        <a:blip r:embed="rId24">
+                          <a:extLst>
+                            <a:ext uri="{28A0092B-C50C-407E-A947-70E740481C1C}">
+                              <a14:useLocalDpi xmlns:a14="http://schemas.microsoft.com/office/drawing/2010/main" val="0"/>
+                            </a:ext>
+                          </a:extLst>
+                        </a:blip>
+                        <a:srcRect/>
+                        <a:stretch>
+                          <a:fillRect/>
+                        </a:stretch>
+                      </p:blipFill>
+                      <p:spPr bwMode="auto">
+                        <a:xfrm>
+                          <a:off x="2847517" y="828944"/>
+                          <a:ext cx="114300" cy="177800"/>
+                        </a:xfrm>
+                        <a:prstGeom prst="rect">
+                          <a:avLst/>
+                        </a:prstGeom>
+                        <a:noFill/>
+                        <a:ln>
+                          <a:noFill/>
+                        </a:ln>
+                        <a:extLst>
+                          <a:ext uri="{909E8E84-426E-40DD-AFC4-6F175D3DCCD1}">
+                            <a14:hiddenFill xmlns:a14="http://schemas.microsoft.com/office/drawing/2010/main">
+                              <a:solidFill>
+                                <a:srgbClr val="FFFFFF"/>
+                              </a:solidFill>
+                            </a14:hiddenFill>
+                          </a:ext>
+                          <a:ext uri="{91240B29-F687-4F45-9708-019B960494DF}">
+                            <a14:hiddenLine xmlns:a14="http://schemas.microsoft.com/office/drawing/2010/main" w="9525">
+                              <a:solidFill>
+                                <a:srgbClr val="000000"/>
+                              </a:solidFill>
+                              <a:miter lim="800000"/>
+                              <a:headEnd/>
+                              <a:tailEnd/>
+                            </a14:hiddenLine>
+                          </a:ext>
+                        </a:extLst>
+                      </p:spPr>
+                    </p:pic>
+                  </p:oleObj>
+                </mc:Fallback>
+              </mc:AlternateContent>
+            </a:graphicData>
+          </a:graphic>
+        </p:graphicFrame>
+        <p:graphicFrame>
+          <p:nvGraphicFramePr>
+            <p:cNvPr id="2" name="Объект 1"/>
+            <p:cNvGraphicFramePr>
+              <a:graphicFrameLocks noChangeAspect="1"/>
+            </p:cNvGraphicFramePr>
+            <p:nvPr>
+              <p:extLst>
+                <p:ext uri="{D42A27DB-BD31-4B8C-83A1-F6EECF244321}">
+                  <p14:modId xmlns:p14="http://schemas.microsoft.com/office/powerpoint/2010/main" val="915108232"/>
+                </p:ext>
+              </p:extLst>
+            </p:nvPr>
+          </p:nvGraphicFramePr>
+          <p:xfrm>
+            <a:off x="2587645" y="1362055"/>
+            <a:ext cx="114300" cy="177800"/>
+          </p:xfrm>
+          <a:graphic>
+            <a:graphicData uri="http://schemas.openxmlformats.org/presentationml/2006/ole">
+              <mc:AlternateContent xmlns:mc="http://schemas.openxmlformats.org/markup-compatibility/2006">
+                <mc:Choice xmlns:v="urn:schemas-microsoft-com:vml" Requires="v">
+                  <p:oleObj spid="_x0000_s1041" name="Equation" r:id="rId25" imgW="114102" imgH="177492" progId="Equation.DSMT4">
+                    <p:embed/>
+                  </p:oleObj>
+                </mc:Choice>
+                <mc:Fallback>
+                  <p:oleObj name="Equation" r:id="rId25" imgW="114102" imgH="177492" progId="Equation.DSMT4">
+                    <p:embed/>
+                    <p:pic>
+                      <p:nvPicPr>
+                        <p:cNvPr id="0" name="Объект 86"/>
+                        <p:cNvPicPr>
+                          <a:picLocks noChangeAspect="1" noChangeArrowheads="1"/>
+                        </p:cNvPicPr>
+                        <p:nvPr/>
+                      </p:nvPicPr>
+                      <p:blipFill>
+                        <a:blip r:embed="rId24">
+                          <a:extLst>
+                            <a:ext uri="{28A0092B-C50C-407E-A947-70E740481C1C}">
+                              <a14:useLocalDpi xmlns:a14="http://schemas.microsoft.com/office/drawing/2010/main" val="0"/>
+                            </a:ext>
+                          </a:extLst>
+                        </a:blip>
+                        <a:srcRect/>
+                        <a:stretch>
+                          <a:fillRect/>
+                        </a:stretch>
+                      </p:blipFill>
+                      <p:spPr bwMode="auto">
+                        <a:xfrm>
+                          <a:off x="2587645" y="1362055"/>
+                          <a:ext cx="114300" cy="177800"/>
+                        </a:xfrm>
+                        <a:prstGeom prst="rect">
+                          <a:avLst/>
+                        </a:prstGeom>
+                        <a:noFill/>
+                        <a:ln>
+                          <a:noFill/>
+                        </a:ln>
+                        <a:extLst>
+                          <a:ext uri="{909E8E84-426E-40DD-AFC4-6F175D3DCCD1}">
+                            <a14:hiddenFill xmlns:a14="http://schemas.microsoft.com/office/drawing/2010/main">
+                              <a:solidFill>
+                                <a:srgbClr val="FFFFFF"/>
+                              </a:solidFill>
+                            </a14:hiddenFill>
+                          </a:ext>
+                          <a:ext uri="{91240B29-F687-4F45-9708-019B960494DF}">
+                            <a14:hiddenLine xmlns:a14="http://schemas.microsoft.com/office/drawing/2010/main" w="9525">
+                              <a:solidFill>
+                                <a:srgbClr val="000000"/>
+                              </a:solidFill>
+                              <a:miter lim="800000"/>
+                              <a:headEnd/>
+                              <a:tailEnd/>
+                            </a14:hiddenLine>
+                          </a:ext>
+                        </a:extLst>
+                      </p:spPr>
+                    </p:pic>
+                  </p:oleObj>
+                </mc:Fallback>
+              </mc:AlternateContent>
+            </a:graphicData>
+          </a:graphic>
+        </p:graphicFrame>
+      </p:grpSp>
+      <p:grpSp>
+        <p:nvGrpSpPr>
+          <p:cNvPr id="109" name="TabGroup"/>
+          <p:cNvGrpSpPr/>
           <p:nvPr>
             <p:custDataLst>
-              <p:custData r:id="rId8"/>
+              <p:custData r:id="rId4"/>
             </p:custDataLst>
           </p:nvPr>
-        </p:nvSpPr>
-        <p:spPr>
+        </p:nvGrpSpPr>
+        <p:grpSpPr>
           <a:xfrm>
-            <a:off x="1991958" y="4725144"/>
-            <a:ext cx="1496034" cy="436614"/>
+            <a:off x="305904" y="3389565"/>
+            <a:ext cx="5168208" cy="2820974"/>
+            <a:chOff x="3138993" y="2600331"/>
+            <a:chExt cx="3513043" cy="2017388"/>
           </a:xfrm>
-          <a:prstGeom prst="rect">
-            <a:avLst/>
-          </a:prstGeom>
-          <a:solidFill>
-            <a:srgbClr val="CCCCCC"/>
-          </a:solidFill>
-          <a:ln>
-            <a:noFill/>
-          </a:ln>
-        </p:spPr>
-        <p:style>
-          <a:lnRef idx="2">
-            <a:srgbClr val="4F81BD">
-              <a:shade val="50000"/>
-            </a:srgbClr>
-          </a:lnRef>
-          <a:fillRef idx="1">
-            <a:srgbClr val="4F81BD"/>
-          </a:fillRef>
-          <a:effectRef idx="0">
-            <a:srgbClr val="4F81BD"/>
-          </a:effectRef>
-          <a:fontRef idx="minor">
-            <a:srgbClr val="000000"/>
-          </a:fontRef>
-        </p:style>
-        <p:txBody>
-          <a:bodyPr rtlCol="0" anchor="ctr"/>
-          <a:lstStyle/>
-          <a:p>
-            <a:pPr algn="ctr"/>
-            <a:r>
-              <a:rPr lang="ru-RU" sz="1100" dirty="0" smtClean="0">
-                <a:latin typeface="Segoe UI Semibold" pitchFamily="34" charset="0"/>
-                <a:ea typeface="Segoe UI Semibold" pitchFamily="34" charset="0"/>
-                <a:cs typeface="Segoe UI Semibold" pitchFamily="34" charset="0"/>
-              </a:rPr>
-              <a:t>Отчет об ошибке</a:t>
-            </a:r>
-            <a:endParaRPr lang="en-US" sz="1100" dirty="0">
+        </p:grpSpPr>
+        <p:sp>
+          <p:nvSpPr>
+            <p:cNvPr id="110" name="Container"/>
+            <p:cNvSpPr>
+              <a:spLocks/>
+            </p:cNvSpPr>
+            <p:nvPr/>
+          </p:nvSpPr>
+          <p:spPr>
+            <a:xfrm>
+              <a:off x="3138993" y="2776600"/>
+              <a:ext cx="3513043" cy="1841119"/>
+            </a:xfrm>
+            <a:prstGeom prst="rect">
+              <a:avLst/>
+            </a:prstGeom>
+            <a:solidFill>
+              <a:sysClr val="window" lastClr="FFFFFF"/>
+            </a:solidFill>
+            <a:ln w="3175" cap="flat" cmpd="sng" algn="ctr">
               <a:solidFill>
-                <a:srgbClr val="000000"/>
+                <a:srgbClr val="FFFFFF">
+                  <a:lumMod val="50000"/>
+                </a:srgbClr>
               </a:solidFill>
-              <a:latin typeface="Segoe UI Semibold" pitchFamily="34" charset="0"/>
-              <a:ea typeface="Segoe UI Semibold" pitchFamily="34" charset="0"/>
-              <a:cs typeface="Segoe UI Semibold" pitchFamily="34" charset="0"/>
-            </a:endParaRPr>
-          </a:p>
-        </p:txBody>
-      </p:sp>
-      <p:sp>
-        <p:nvSpPr>
-          <p:cNvPr id="42" name="Content"/>
-          <p:cNvSpPr txBox="1"/>
+              <a:prstDash val="solid"/>
+            </a:ln>
+            <a:effectLst/>
+          </p:spPr>
+          <p:txBody>
+            <a:bodyPr rot="0" spcFirstLastPara="0" vertOverflow="overflow" horzOverflow="overflow" vert="horz" wrap="square" lIns="45720" tIns="45720" rIns="91440" bIns="45720" numCol="1" spcCol="0" rtlCol="0" fromWordArt="0" anchor="ctr" anchorCtr="0" forceAA="0" compatLnSpc="1">
+              <a:prstTxWarp prst="textNoShape">
+                <a:avLst/>
+              </a:prstTxWarp>
+              <a:noAutofit/>
+            </a:bodyPr>
+            <a:lstStyle/>
+            <a:p>
+              <a:pPr marL="0" marR="0" indent="0" algn="ctr" defTabSz="914400" eaLnBrk="1" fontAlgn="auto" latinLnBrk="0" hangingPunct="1">
+                <a:lnSpc>
+                  <a:spcPct val="100000"/>
+                </a:lnSpc>
+                <a:spcBef>
+                  <a:spcPts val="0"/>
+                </a:spcBef>
+                <a:spcAft>
+                  <a:spcPts val="0"/>
+                </a:spcAft>
+                <a:buClrTx/>
+                <a:buSzTx/>
+                <a:buFontTx/>
+                <a:buNone/>
+                <a:tabLst/>
+              </a:pPr>
+              <a:endParaRPr kumimoji="0" lang="en-US" sz="800" b="0" i="0" u="none" strike="noStrike" kern="0" cap="none" spc="0" normalizeH="0" baseline="0" noProof="0" dirty="0" smtClean="0">
+                <a:ln>
+                  <a:noFill/>
+                </a:ln>
+                <a:solidFill>
+                  <a:srgbClr val="000000">
+                    <a:lumMod val="75000"/>
+                    <a:lumOff val="25000"/>
+                  </a:srgbClr>
+                </a:solidFill>
+                <a:effectLst/>
+                <a:uLnTx/>
+                <a:uFillTx/>
+                <a:latin typeface="Segoe UI"/>
+                <a:ea typeface="+mn-ea"/>
+                <a:cs typeface="+mn-cs"/>
+              </a:endParaRPr>
+            </a:p>
+          </p:txBody>
+        </p:sp>
+        <p:grpSp>
+          <p:nvGrpSpPr>
+            <p:cNvPr id="113" name="Group 5"/>
+            <p:cNvGrpSpPr/>
+            <p:nvPr/>
+          </p:nvGrpSpPr>
+          <p:grpSpPr>
+            <a:xfrm>
+              <a:off x="3176887" y="2600331"/>
+              <a:ext cx="612109" cy="176276"/>
+              <a:chOff x="3462032" y="2698418"/>
+              <a:chExt cx="396193" cy="150402"/>
+            </a:xfrm>
+          </p:grpSpPr>
+          <p:sp>
+            <p:nvSpPr>
+              <p:cNvPr id="115" name="ActiveTab"/>
+              <p:cNvSpPr txBox="1">
+                <a:spLocks/>
+              </p:cNvSpPr>
+              <p:nvPr/>
+            </p:nvSpPr>
+            <p:spPr>
+              <a:xfrm>
+                <a:off x="3462032" y="2698418"/>
+                <a:ext cx="396193" cy="150402"/>
+              </a:xfrm>
+              <a:prstGeom prst="rect">
+                <a:avLst/>
+              </a:prstGeom>
+              <a:solidFill>
+                <a:srgbClr val="FFFFFF"/>
+              </a:solidFill>
+              <a:ln w="3175">
+                <a:solidFill>
+                  <a:srgbClr val="FFFFFF">
+                    <a:lumMod val="50000"/>
+                  </a:srgbClr>
+                </a:solidFill>
+              </a:ln>
+            </p:spPr>
+            <p:txBody>
+              <a:bodyPr vertOverflow="ellipsis" lIns="0" tIns="18288" rIns="45720" rtlCol="0">
+                <a:noAutofit/>
+              </a:bodyPr>
+              <a:lstStyle/>
+              <a:p>
+                <a:pPr algn="ctr"/>
+                <a:r>
+                  <a:rPr lang="ru-RU" sz="1200" dirty="0" smtClean="0">
+                    <a:latin typeface="Segoe UI" pitchFamily="34" charset="0"/>
+                    <a:ea typeface="Segoe UI" pitchFamily="34" charset="0"/>
+                    <a:cs typeface="Segoe UI" pitchFamily="34" charset="0"/>
+                  </a:rPr>
+                  <a:t>Задачи</a:t>
+                </a:r>
+                <a:endParaRPr lang="en-US" sz="1200" dirty="0">
+                  <a:latin typeface="Segoe UI" pitchFamily="34" charset="0"/>
+                  <a:ea typeface="Segoe UI" pitchFamily="34" charset="0"/>
+                  <a:cs typeface="Segoe UI" pitchFamily="34" charset="0"/>
+                </a:endParaRPr>
+              </a:p>
+            </p:txBody>
+          </p:sp>
+          <p:sp>
+            <p:nvSpPr>
+              <p:cNvPr id="116" name="TabLine"/>
+              <p:cNvSpPr>
+                <a:spLocks/>
+              </p:cNvSpPr>
+              <p:nvPr/>
+            </p:nvSpPr>
+            <p:spPr>
+              <a:xfrm>
+                <a:off x="3466277" y="2848820"/>
+                <a:ext cx="387702" cy="0"/>
+              </a:xfrm>
+              <a:prstGeom prst="rect">
+                <a:avLst/>
+              </a:prstGeom>
+              <a:solidFill>
+                <a:sysClr val="window" lastClr="FFFFFF"/>
+              </a:solidFill>
+              <a:ln w="12700" cap="flat" cmpd="sng" algn="ctr">
+                <a:solidFill>
+                  <a:srgbClr val="FFFFFF"/>
+                </a:solidFill>
+                <a:prstDash val="solid"/>
+              </a:ln>
+              <a:effectLst/>
+            </p:spPr>
+            <p:txBody>
+              <a:bodyPr rot="0" spcFirstLastPara="0" vertOverflow="overflow" horzOverflow="overflow" vert="horz" wrap="square" lIns="45720" tIns="45720" rIns="91440" bIns="45720" numCol="1" spcCol="0" rtlCol="0" fromWordArt="0" anchor="ctr" anchorCtr="0" forceAA="0" compatLnSpc="1">
+                <a:prstTxWarp prst="textNoShape">
+                  <a:avLst/>
+                </a:prstTxWarp>
+                <a:noAutofit/>
+              </a:bodyPr>
+              <a:lstStyle/>
+              <a:p>
+                <a:pPr marL="0" marR="0" indent="0" algn="ctr" defTabSz="914400" eaLnBrk="1" fontAlgn="auto" latinLnBrk="0" hangingPunct="1">
+                  <a:lnSpc>
+                    <a:spcPct val="100000"/>
+                  </a:lnSpc>
+                  <a:spcBef>
+                    <a:spcPts val="0"/>
+                  </a:spcBef>
+                  <a:spcAft>
+                    <a:spcPts val="0"/>
+                  </a:spcAft>
+                  <a:buClrTx/>
+                  <a:buSzTx/>
+                  <a:buFontTx/>
+                  <a:buNone/>
+                  <a:tabLst/>
+                </a:pPr>
+                <a:endParaRPr kumimoji="0" lang="en-US" sz="800" b="0" i="0" u="none" strike="noStrike" kern="0" cap="none" spc="0" normalizeH="0" baseline="0" noProof="0" dirty="0" smtClean="0">
+                  <a:ln>
+                    <a:noFill/>
+                  </a:ln>
+                  <a:solidFill>
+                    <a:srgbClr val="000000">
+                      <a:lumMod val="75000"/>
+                      <a:lumOff val="25000"/>
+                    </a:srgbClr>
+                  </a:solidFill>
+                  <a:effectLst/>
+                  <a:uLnTx/>
+                  <a:uFillTx/>
+                  <a:latin typeface="Segoe UI"/>
+                  <a:ea typeface="+mn-ea"/>
+                  <a:cs typeface="+mn-cs"/>
+                </a:endParaRPr>
+              </a:p>
+            </p:txBody>
+          </p:sp>
+        </p:grpSp>
+      </p:grpSp>
+      <p:grpSp>
+        <p:nvGrpSpPr>
+          <p:cNvPr id="117" name="List"/>
+          <p:cNvGrpSpPr/>
           <p:nvPr>
             <p:custDataLst>
-              <p:custData r:id="rId9"/>
+              <p:custData r:id="rId5"/>
             </p:custDataLst>
           </p:nvPr>
-        </p:nvSpPr>
-        <p:spPr>
+        </p:nvGrpSpPr>
+        <p:grpSpPr>
           <a:xfrm>
-            <a:off x="2544499" y="1437510"/>
-            <a:ext cx="393056" cy="230832"/>
+            <a:off x="485201" y="3777832"/>
+            <a:ext cx="1616014" cy="2027431"/>
+            <a:chOff x="4157255" y="2819269"/>
+            <a:chExt cx="2104563" cy="1761875"/>
           </a:xfrm>
-          <a:prstGeom prst="rect">
-            <a:avLst/>
-          </a:prstGeom>
-          <a:noFill/>
-        </p:spPr>
-        <p:txBody>
-          <a:bodyPr wrap="none" lIns="91440" tIns="18288" rIns="91440" bIns="27432" rtlCol="0" anchor="ctr" anchorCtr="0">
-            <a:spAutoFit/>
-          </a:bodyPr>
-          <a:lstStyle/>
-          <a:p>
-            <a:r>
-              <a:rPr lang="ru-RU" sz="1200" dirty="0" smtClean="0">
+        </p:grpSpPr>
+        <p:grpSp>
+          <p:nvGrpSpPr>
+            <p:cNvPr id="118" name="Group 2"/>
+            <p:cNvGrpSpPr/>
+            <p:nvPr/>
+          </p:nvGrpSpPr>
+          <p:grpSpPr>
+            <a:xfrm>
+              <a:off x="4157255" y="2819270"/>
+              <a:ext cx="2104563" cy="1761874"/>
+              <a:chOff x="4452977" y="3246916"/>
+              <a:chExt cx="909514" cy="868830"/>
+            </a:xfrm>
+          </p:grpSpPr>
+          <p:sp>
+            <p:nvSpPr>
+              <p:cNvPr id="124" name="Background"/>
+              <p:cNvSpPr>
+                <a:spLocks/>
+              </p:cNvSpPr>
+              <p:nvPr/>
+            </p:nvSpPr>
+            <p:spPr>
+              <a:xfrm>
+                <a:off x="4452977" y="3246916"/>
+                <a:ext cx="909514" cy="868830"/>
+              </a:xfrm>
+              <a:prstGeom prst="rect">
+                <a:avLst/>
+              </a:prstGeom>
+              <a:solidFill>
+                <a:srgbClr val="FFFFFF"/>
+              </a:solidFill>
+              <a:ln w="3175" cap="flat" cmpd="sng" algn="ctr">
                 <a:solidFill>
-                  <a:srgbClr val="000000"/>
+                  <a:srgbClr val="FFFFFF">
+                    <a:lumMod val="50000"/>
+                  </a:srgbClr>
                 </a:solidFill>
-                <a:latin typeface="Segoe UI" pitchFamily="34" charset="0"/>
-                <a:ea typeface="Segoe UI" pitchFamily="34" charset="0"/>
-                <a:cs typeface="Segoe UI" pitchFamily="34" charset="0"/>
-              </a:rPr>
-              <a:t>16 </a:t>
-            </a:r>
-            <a:endParaRPr lang="en-US" sz="1200" dirty="0" smtClean="0">
+                <a:prstDash val="solid"/>
+              </a:ln>
+              <a:effectLst/>
+            </p:spPr>
+            <p:txBody>
+              <a:bodyPr rot="0" spcFirstLastPara="0" vertOverflow="overflow" horzOverflow="overflow" vert="horz" wrap="square" lIns="45720" tIns="0" rIns="91440" bIns="0" numCol="1" spcCol="0" rtlCol="0" fromWordArt="0" anchor="ctr" anchorCtr="0" forceAA="0" compatLnSpc="1">
+                <a:prstTxWarp prst="textNoShape">
+                  <a:avLst/>
+                </a:prstTxWarp>
+                <a:noAutofit/>
+              </a:bodyPr>
+              <a:lstStyle/>
+              <a:p>
+                <a:pPr marL="0" marR="0" indent="0" algn="ctr" defTabSz="914400" eaLnBrk="1" fontAlgn="auto" latinLnBrk="0" hangingPunct="1">
+                  <a:lnSpc>
+                    <a:spcPct val="100000"/>
+                  </a:lnSpc>
+                  <a:spcBef>
+                    <a:spcPts val="0"/>
+                  </a:spcBef>
+                  <a:spcAft>
+                    <a:spcPts val="0"/>
+                  </a:spcAft>
+                  <a:buClrTx/>
+                  <a:buSzTx/>
+                  <a:buFontTx/>
+                  <a:buNone/>
+                  <a:tabLst/>
+                </a:pPr>
+                <a:endParaRPr kumimoji="0" lang="en-US" sz="1050" b="0" i="0" u="none" strike="noStrike" kern="0" cap="none" spc="0" normalizeH="0" baseline="0" noProof="0" dirty="0" smtClean="0">
+                  <a:ln>
+                    <a:noFill/>
+                  </a:ln>
+                  <a:solidFill>
+                    <a:srgbClr val="000000">
+                      <a:lumMod val="75000"/>
+                      <a:lumOff val="25000"/>
+                    </a:srgbClr>
+                  </a:solidFill>
+                  <a:effectLst/>
+                  <a:uLnTx/>
+                  <a:uFillTx/>
+                  <a:latin typeface="Segoe UI"/>
+                  <a:ea typeface="+mn-ea"/>
+                  <a:cs typeface="+mn-cs"/>
+                </a:endParaRPr>
+              </a:p>
+            </p:txBody>
+          </p:sp>
+          <p:sp>
+            <p:nvSpPr>
+              <p:cNvPr id="125" name="Content"/>
+              <p:cNvSpPr>
+                <a:spLocks/>
+              </p:cNvSpPr>
+              <p:nvPr/>
+            </p:nvSpPr>
+            <p:spPr>
+              <a:xfrm>
+                <a:off x="4452978" y="3246916"/>
+                <a:ext cx="909513" cy="324459"/>
+              </a:xfrm>
+              <a:prstGeom prst="rect">
+                <a:avLst/>
+              </a:prstGeom>
+              <a:noFill/>
+              <a:ln w="3175">
+                <a:noFill/>
+              </a:ln>
+              <a:effectLst/>
+            </p:spPr>
+            <p:style>
+              <a:lnRef idx="2">
+                <a:srgbClr val="4F81BD">
+                  <a:shade val="50000"/>
+                </a:srgbClr>
+              </a:lnRef>
+              <a:fillRef idx="1">
+                <a:srgbClr val="4F81BD"/>
+              </a:fillRef>
+              <a:effectRef idx="0">
+                <a:srgbClr val="4F81BD"/>
+              </a:effectRef>
+              <a:fontRef idx="minor">
+                <a:srgbClr val="000000"/>
+              </a:fontRef>
+            </p:style>
+            <p:txBody>
+              <a:bodyPr lIns="45720" tIns="0" rIns="0" bIns="18288" rtlCol="0" anchor="t" anchorCtr="0">
+                <a:spAutoFit/>
+              </a:bodyPr>
+              <a:lstStyle/>
+              <a:p>
+                <a:r>
+                  <a:rPr lang="ru-RU" sz="1200" dirty="0" smtClean="0">
+                    <a:solidFill>
+                      <a:sysClr val="windowText" lastClr="000000"/>
+                    </a:solidFill>
+                    <a:latin typeface="Segoe UI" pitchFamily="34" charset="0"/>
+                    <a:cs typeface="Segoe UI" pitchFamily="34" charset="0"/>
+                  </a:rPr>
+                  <a:t>Текущие </a:t>
+                </a:r>
+              </a:p>
+              <a:p>
+                <a:r>
+                  <a:rPr lang="ru-RU" sz="1200" dirty="0" smtClean="0">
+                    <a:solidFill>
+                      <a:sysClr val="windowText" lastClr="000000"/>
+                    </a:solidFill>
+                    <a:latin typeface="Segoe UI" pitchFamily="34" charset="0"/>
+                    <a:cs typeface="Segoe UI" pitchFamily="34" charset="0"/>
+                  </a:rPr>
+                  <a:t>Ежегодные</a:t>
+                </a:r>
+                <a:endParaRPr lang="en-US" sz="1200" dirty="0" smtClean="0">
+                  <a:solidFill>
+                    <a:sysClr val="windowText" lastClr="000000"/>
+                  </a:solidFill>
+                  <a:latin typeface="Segoe UI" pitchFamily="34" charset="0"/>
+                  <a:cs typeface="Segoe UI" pitchFamily="34" charset="0"/>
+                </a:endParaRPr>
+              </a:p>
+              <a:p>
+                <a:r>
+                  <a:rPr lang="ru-RU" sz="1200" dirty="0" smtClean="0">
+                    <a:solidFill>
+                      <a:sysClr val="windowText" lastClr="000000"/>
+                    </a:solidFill>
+                    <a:latin typeface="Segoe UI" pitchFamily="34" charset="0"/>
+                    <a:cs typeface="Segoe UI" pitchFamily="34" charset="0"/>
+                  </a:rPr>
+                  <a:t>Сезонные </a:t>
+                </a:r>
+                <a:endParaRPr lang="en-US" sz="1200" dirty="0" smtClean="0">
+                  <a:solidFill>
+                    <a:sysClr val="windowText" lastClr="000000"/>
+                  </a:solidFill>
+                  <a:latin typeface="Segoe UI" pitchFamily="34" charset="0"/>
+                  <a:cs typeface="Segoe UI" pitchFamily="34" charset="0"/>
+                </a:endParaRPr>
+              </a:p>
+              <a:p>
+                <a:r>
+                  <a:rPr lang="ru-RU" sz="1200" dirty="0" smtClean="0">
+                    <a:solidFill>
+                      <a:sysClr val="windowText" lastClr="000000"/>
+                    </a:solidFill>
+                    <a:latin typeface="Segoe UI" pitchFamily="34" charset="0"/>
+                    <a:cs typeface="Segoe UI" pitchFamily="34" charset="0"/>
+                  </a:rPr>
+                  <a:t>Ежемесячные</a:t>
+                </a:r>
+                <a:endParaRPr lang="en-US" sz="1200" dirty="0">
+                  <a:solidFill>
+                    <a:sysClr val="windowText" lastClr="000000"/>
+                  </a:solidFill>
+                  <a:latin typeface="Segoe UI" pitchFamily="34" charset="0"/>
+                  <a:cs typeface="Segoe UI" pitchFamily="34" charset="0"/>
+                </a:endParaRPr>
+              </a:p>
+            </p:txBody>
+          </p:sp>
+        </p:grpSp>
+        <p:grpSp>
+          <p:nvGrpSpPr>
+            <p:cNvPr id="119" name="Group 3"/>
+            <p:cNvGrpSpPr/>
+            <p:nvPr>
+              <p:custDataLst>
+                <p:custData r:id="rId8"/>
+              </p:custDataLst>
+            </p:nvPr>
+          </p:nvGrpSpPr>
+          <p:grpSpPr>
+            <a:xfrm>
+              <a:off x="6069085" y="2819269"/>
+              <a:ext cx="192733" cy="1761874"/>
+              <a:chOff x="4451916" y="1013098"/>
+              <a:chExt cx="192733" cy="4092294"/>
+            </a:xfrm>
+          </p:grpSpPr>
+          <p:sp>
+            <p:nvSpPr>
+              <p:cNvPr id="120" name="ScrollBar"/>
+              <p:cNvSpPr>
+                <a:spLocks/>
+              </p:cNvSpPr>
+              <p:nvPr/>
+            </p:nvSpPr>
+            <p:spPr>
+              <a:xfrm>
+                <a:off x="4451916" y="1013098"/>
+                <a:ext cx="192733" cy="4092294"/>
+              </a:xfrm>
+              <a:prstGeom prst="rect">
+                <a:avLst/>
+              </a:prstGeom>
               <a:solidFill>
+                <a:srgbClr val="FFFFFF">
+                  <a:lumMod val="95000"/>
+                </a:srgbClr>
+              </a:solidFill>
+              <a:ln w="3175">
+                <a:solidFill>
+                  <a:srgbClr val="FFFFFF">
+                    <a:lumMod val="50000"/>
+                  </a:srgbClr>
+                </a:solidFill>
+              </a:ln>
+            </p:spPr>
+            <p:style>
+              <a:lnRef idx="2">
+                <a:srgbClr val="4F81BD">
+                  <a:shade val="50000"/>
+                </a:srgbClr>
+              </a:lnRef>
+              <a:fillRef idx="1001">
                 <a:srgbClr val="000000"/>
+              </a:fillRef>
+              <a:effectRef idx="0">
+                <a:srgbClr val="4F81BD"/>
+              </a:effectRef>
+              <a:fontRef idx="minor">
+                <a:srgbClr val="000000"/>
+              </a:fontRef>
+            </p:style>
+            <p:txBody>
+              <a:bodyPr lIns="97548" tIns="48774" rIns="97548" bIns="48774" rtlCol="0" anchor="ctr"/>
+              <a:lstStyle/>
+              <a:p>
+                <a:pPr algn="ctr" defTabSz="913915"/>
+                <a:endParaRPr lang="en-US" dirty="0"/>
+              </a:p>
+            </p:txBody>
+          </p:sp>
+          <p:sp>
+            <p:nvSpPr>
+              <p:cNvPr id="121" name="Slider"/>
+              <p:cNvSpPr>
+                <a:spLocks/>
+              </p:cNvSpPr>
+              <p:nvPr/>
+            </p:nvSpPr>
+            <p:spPr>
+              <a:xfrm>
+                <a:off x="4451916" y="1616572"/>
+                <a:ext cx="192733" cy="699527"/>
+              </a:xfrm>
+              <a:prstGeom prst="rect">
+                <a:avLst/>
+              </a:prstGeom>
+              <a:solidFill>
+                <a:srgbClr val="FFFFFF">
+                  <a:lumMod val="85000"/>
+                </a:srgbClr>
               </a:solidFill>
-              <a:latin typeface="Segoe UI" pitchFamily="34" charset="0"/>
-              <a:ea typeface="Segoe UI" pitchFamily="34" charset="0"/>
-              <a:cs typeface="Segoe UI" pitchFamily="34" charset="0"/>
-            </a:endParaRPr>
-          </a:p>
-        </p:txBody>
-      </p:sp>
-      <p:graphicFrame>
-        <p:nvGraphicFramePr>
-          <p:cNvPr id="21" name="Объект 20"/>
-          <p:cNvGraphicFramePr>
-            <a:graphicFrameLocks noChangeAspect="1"/>
-          </p:cNvGraphicFramePr>
-          <p:nvPr>
-            <p:extLst>
-              <p:ext uri="{D42A27DB-BD31-4B8C-83A1-F6EECF244321}">
-                <p14:modId xmlns:p14="http://schemas.microsoft.com/office/powerpoint/2010/main" val="23708079"/>
-              </p:ext>
-            </p:extLst>
-          </p:nvPr>
-        </p:nvGraphicFramePr>
-        <p:xfrm>
-          <a:off x="2822203" y="1982673"/>
-          <a:ext cx="114300" cy="177800"/>
-        </p:xfrm>
-        <a:graphic>
-          <a:graphicData uri="http://schemas.openxmlformats.org/presentationml/2006/ole">
-            <mc:AlternateContent xmlns:mc="http://schemas.openxmlformats.org/markup-compatibility/2006">
-              <mc:Choice xmlns:v="urn:schemas-microsoft-com:vml" Requires="v">
-                <p:oleObj spid="_x0000_s1032" name="Equation" r:id="rId24" imgW="114120" imgH="177480" progId="Equation.DSMT4">
-                  <p:embed/>
-                </p:oleObj>
-              </mc:Choice>
-              <mc:Fallback>
-                <p:oleObj name="Equation" r:id="rId24" imgW="114120" imgH="177480" progId="Equation.DSMT4">
-                  <p:embed/>
-                  <p:pic>
-                    <p:nvPicPr>
-                      <p:cNvPr id="0" name=""/>
-                      <p:cNvPicPr/>
-                      <p:nvPr/>
-                    </p:nvPicPr>
-                    <p:blipFill>
-                      <a:blip r:embed="rId25"/>
-                      <a:stretch>
-                        <a:fillRect/>
-                      </a:stretch>
-                    </p:blipFill>
-                    <p:spPr>
-                      <a:xfrm>
-                        <a:off x="2822203" y="1982673"/>
-                        <a:ext cx="114300" cy="177800"/>
-                      </a:xfrm>
-                      <a:prstGeom prst="rect">
-                        <a:avLst/>
-                      </a:prstGeom>
-                    </p:spPr>
-                  </p:pic>
-                </p:oleObj>
-              </mc:Fallback>
-            </mc:AlternateContent>
-          </a:graphicData>
-        </a:graphic>
-      </p:graphicFrame>
-      <p:sp>
-        <p:nvSpPr>
-          <p:cNvPr id="43" name="Content"/>
-          <p:cNvSpPr/>
+              <a:ln w="3175">
+                <a:solidFill>
+                  <a:srgbClr val="FFFFFF">
+                    <a:lumMod val="50000"/>
+                  </a:srgbClr>
+                </a:solidFill>
+              </a:ln>
+            </p:spPr>
+            <p:style>
+              <a:lnRef idx="2">
+                <a:srgbClr val="4F81BD">
+                  <a:shade val="50000"/>
+                </a:srgbClr>
+              </a:lnRef>
+              <a:fillRef idx="1">
+                <a:srgbClr val="4F81BD"/>
+              </a:fillRef>
+              <a:effectRef idx="0">
+                <a:srgbClr val="4F81BD"/>
+              </a:effectRef>
+              <a:fontRef idx="minor">
+                <a:srgbClr val="000000"/>
+              </a:fontRef>
+            </p:style>
+            <p:txBody>
+              <a:bodyPr lIns="97548" tIns="48774" rIns="97548" bIns="48774" rtlCol="0" anchor="ctr"/>
+              <a:lstStyle/>
+              <a:p>
+                <a:pPr algn="ctr"/>
+                <a:endParaRPr lang="en-US" dirty="0"/>
+              </a:p>
+            </p:txBody>
+          </p:sp>
+          <p:sp>
+            <p:nvSpPr>
+              <p:cNvPr id="122" name="UpArrow"/>
+              <p:cNvSpPr>
+                <a:spLocks/>
+              </p:cNvSpPr>
+              <p:nvPr/>
+            </p:nvSpPr>
+            <p:spPr>
+              <a:xfrm>
+                <a:off x="4506603" y="1087242"/>
+                <a:ext cx="83359" cy="129198"/>
+              </a:xfrm>
+              <a:prstGeom prst="triangle">
+                <a:avLst/>
+              </a:prstGeom>
+              <a:solidFill>
+                <a:srgbClr val="FFFFFF">
+                  <a:lumMod val="50000"/>
+                  <a:alpha val="99000"/>
+                </a:srgbClr>
+              </a:solidFill>
+              <a:ln>
+                <a:noFill/>
+              </a:ln>
+            </p:spPr>
+            <p:style>
+              <a:lnRef idx="2">
+                <a:srgbClr val="4F81BD">
+                  <a:shade val="50000"/>
+                </a:srgbClr>
+              </a:lnRef>
+              <a:fillRef idx="1">
+                <a:srgbClr val="4F81BD"/>
+              </a:fillRef>
+              <a:effectRef idx="0">
+                <a:srgbClr val="4F81BD"/>
+              </a:effectRef>
+              <a:fontRef idx="minor">
+                <a:srgbClr val="000000"/>
+              </a:fontRef>
+            </p:style>
+            <p:txBody>
+              <a:bodyPr lIns="97548" tIns="48774" rIns="97548" bIns="48774" rtlCol="0" anchor="ctr"/>
+              <a:lstStyle/>
+              <a:p>
+                <a:pPr algn="ctr"/>
+                <a:endParaRPr lang="en-US" dirty="0"/>
+              </a:p>
+            </p:txBody>
+          </p:sp>
+          <p:sp>
+            <p:nvSpPr>
+              <p:cNvPr id="123" name="DownArrow"/>
+              <p:cNvSpPr>
+                <a:spLocks/>
+              </p:cNvSpPr>
+              <p:nvPr/>
+            </p:nvSpPr>
+            <p:spPr>
+              <a:xfrm rot="10800000">
+                <a:off x="4506603" y="4910243"/>
+                <a:ext cx="83359" cy="129198"/>
+              </a:xfrm>
+              <a:prstGeom prst="triangle">
+                <a:avLst/>
+              </a:prstGeom>
+              <a:solidFill>
+                <a:srgbClr val="FFFFFF">
+                  <a:lumMod val="50000"/>
+                  <a:alpha val="99000"/>
+                </a:srgbClr>
+              </a:solidFill>
+              <a:ln>
+                <a:noFill/>
+              </a:ln>
+            </p:spPr>
+            <p:style>
+              <a:lnRef idx="2">
+                <a:srgbClr val="4F81BD">
+                  <a:shade val="50000"/>
+                </a:srgbClr>
+              </a:lnRef>
+              <a:fillRef idx="1">
+                <a:srgbClr val="4F81BD"/>
+              </a:fillRef>
+              <a:effectRef idx="0">
+                <a:srgbClr val="4F81BD"/>
+              </a:effectRef>
+              <a:fontRef idx="minor">
+                <a:srgbClr val="000000"/>
+              </a:fontRef>
+            </p:style>
+            <p:txBody>
+              <a:bodyPr lIns="97548" tIns="48774" rIns="97548" bIns="48774" rtlCol="0" anchor="ctr"/>
+              <a:lstStyle/>
+              <a:p>
+                <a:pPr algn="ctr"/>
+                <a:endParaRPr lang="en-US" dirty="0"/>
+              </a:p>
+            </p:txBody>
+          </p:sp>
+        </p:grpSp>
+      </p:grpSp>
+      <p:grpSp>
+        <p:nvGrpSpPr>
+          <p:cNvPr id="126" name="List"/>
+          <p:cNvGrpSpPr/>
           <p:nvPr>
             <p:custDataLst>
-              <p:custData r:id="rId10"/>
+              <p:custData r:id="rId6"/>
             </p:custDataLst>
           </p:nvPr>
-        </p:nvSpPr>
-        <p:spPr>
+        </p:nvGrpSpPr>
+        <p:grpSpPr>
           <a:xfrm>
-            <a:off x="3347864" y="1444349"/>
-            <a:ext cx="2329486" cy="354063"/>
+            <a:off x="2134549" y="3828524"/>
+            <a:ext cx="3251916" cy="1976742"/>
+            <a:chOff x="4574199" y="2894611"/>
+            <a:chExt cx="1687624" cy="1686539"/>
           </a:xfrm>
-          <a:prstGeom prst="rect">
-            <a:avLst/>
-          </a:prstGeom>
-          <a:solidFill>
-            <a:schemeClr val="accent3">
-              <a:lumMod val="40000"/>
-              <a:lumOff val="60000"/>
-            </a:schemeClr>
-          </a:solidFill>
-          <a:ln w="3175">
-            <a:solidFill>
-              <a:srgbClr val="000000">
-                <a:lumMod val="50000"/>
-                <a:lumOff val="50000"/>
-              </a:srgbClr>
-            </a:solidFill>
-          </a:ln>
-          <a:effectLst/>
-        </p:spPr>
-        <p:style>
-          <a:lnRef idx="2">
-            <a:srgbClr val="4F81BD">
-              <a:shade val="50000"/>
-            </a:srgbClr>
-          </a:lnRef>
-          <a:fillRef idx="1">
-            <a:srgbClr val="4F81BD"/>
-          </a:fillRef>
-          <a:effectRef idx="0">
-            <a:srgbClr val="4F81BD"/>
-          </a:effectRef>
-          <a:fontRef idx="minor">
-            <a:srgbClr val="000000"/>
-          </a:fontRef>
-        </p:style>
-        <p:txBody>
-          <a:bodyPr lIns="45720" tIns="27432" rIns="0" bIns="0" rtlCol="0" anchor="t" anchorCtr="0"/>
-          <a:lstStyle/>
-          <a:p>
-            <a:r>
-              <a:rPr lang="ru-RU" sz="1200" dirty="0" smtClean="0">
-                <a:latin typeface="Segoe UI" pitchFamily="34" charset="0"/>
-                <a:cs typeface="Segoe UI" pitchFamily="34" charset="0"/>
-              </a:rPr>
-              <a:t>В норме</a:t>
-            </a:r>
-            <a:endParaRPr lang="en-US" sz="1200" dirty="0" smtClean="0">
+        </p:grpSpPr>
+        <p:grpSp>
+          <p:nvGrpSpPr>
+            <p:cNvPr id="127" name="Group 2"/>
+            <p:cNvGrpSpPr/>
+            <p:nvPr/>
+          </p:nvGrpSpPr>
+          <p:grpSpPr>
+            <a:xfrm>
+              <a:off x="4574199" y="2894611"/>
+              <a:ext cx="1687624" cy="1686539"/>
+              <a:chOff x="4633162" y="3284068"/>
+              <a:chExt cx="729328" cy="831680"/>
+            </a:xfrm>
+          </p:grpSpPr>
+          <p:sp>
+            <p:nvSpPr>
+              <p:cNvPr id="133" name="Background"/>
+              <p:cNvSpPr>
+                <a:spLocks/>
+              </p:cNvSpPr>
+              <p:nvPr/>
+            </p:nvSpPr>
+            <p:spPr>
+              <a:xfrm>
+                <a:off x="4633162" y="3284068"/>
+                <a:ext cx="729328" cy="831679"/>
+              </a:xfrm>
+              <a:prstGeom prst="rect">
+                <a:avLst/>
+              </a:prstGeom>
               <a:solidFill>
+                <a:srgbClr val="FFFFFF"/>
+              </a:solidFill>
+              <a:ln w="3175" cap="flat" cmpd="sng" algn="ctr">
+                <a:solidFill>
+                  <a:srgbClr val="FFFFFF">
+                    <a:lumMod val="50000"/>
+                  </a:srgbClr>
+                </a:solidFill>
+                <a:prstDash val="solid"/>
+              </a:ln>
+              <a:effectLst/>
+            </p:spPr>
+            <p:txBody>
+              <a:bodyPr rot="0" spcFirstLastPara="0" vertOverflow="overflow" horzOverflow="overflow" vert="horz" wrap="square" lIns="45720" tIns="0" rIns="91440" bIns="0" numCol="1" spcCol="0" rtlCol="0" fromWordArt="0" anchor="ctr" anchorCtr="0" forceAA="0" compatLnSpc="1">
+                <a:prstTxWarp prst="textNoShape">
+                  <a:avLst/>
+                </a:prstTxWarp>
+                <a:noAutofit/>
+              </a:bodyPr>
+              <a:lstStyle/>
+              <a:p>
+                <a:pPr marL="0" marR="0" indent="0" algn="ctr" defTabSz="914400" eaLnBrk="1" fontAlgn="auto" latinLnBrk="0" hangingPunct="1">
+                  <a:lnSpc>
+                    <a:spcPct val="100000"/>
+                  </a:lnSpc>
+                  <a:spcBef>
+                    <a:spcPts val="0"/>
+                  </a:spcBef>
+                  <a:spcAft>
+                    <a:spcPts val="0"/>
+                  </a:spcAft>
+                  <a:buClrTx/>
+                  <a:buSzTx/>
+                  <a:buFontTx/>
+                  <a:buNone/>
+                  <a:tabLst/>
+                </a:pPr>
+                <a:endParaRPr kumimoji="0" lang="en-US" sz="1050" b="0" i="0" u="none" strike="noStrike" kern="0" cap="none" spc="0" normalizeH="0" baseline="0" noProof="0" dirty="0" smtClean="0">
+                  <a:ln>
+                    <a:noFill/>
+                  </a:ln>
+                  <a:solidFill>
+                    <a:srgbClr val="000000">
+                      <a:lumMod val="75000"/>
+                      <a:lumOff val="25000"/>
+                    </a:srgbClr>
+                  </a:solidFill>
+                  <a:effectLst/>
+                  <a:uLnTx/>
+                  <a:uFillTx/>
+                  <a:latin typeface="Segoe UI"/>
+                  <a:ea typeface="+mn-ea"/>
+                  <a:cs typeface="+mn-cs"/>
+                </a:endParaRPr>
+              </a:p>
+            </p:txBody>
+          </p:sp>
+          <p:sp>
+            <p:nvSpPr>
+              <p:cNvPr id="134" name="Content"/>
+              <p:cNvSpPr>
+                <a:spLocks/>
+              </p:cNvSpPr>
+              <p:nvPr/>
+            </p:nvSpPr>
+            <p:spPr>
+              <a:xfrm>
+                <a:off x="4633162" y="3284068"/>
+                <a:ext cx="729328" cy="831680"/>
+              </a:xfrm>
+              <a:prstGeom prst="rect">
+                <a:avLst/>
+              </a:prstGeom>
+              <a:noFill/>
+              <a:ln w="3175">
+                <a:noFill/>
+              </a:ln>
+              <a:effectLst/>
+            </p:spPr>
+            <p:style>
+              <a:lnRef idx="2">
+                <a:srgbClr val="4F81BD">
+                  <a:shade val="50000"/>
+                </a:srgbClr>
+              </a:lnRef>
+              <a:fillRef idx="1">
+                <a:srgbClr val="4F81BD"/>
+              </a:fillRef>
+              <a:effectRef idx="0">
+                <a:srgbClr val="4F81BD"/>
+              </a:effectRef>
+              <a:fontRef idx="minor">
                 <a:srgbClr val="000000"/>
+              </a:fontRef>
+            </p:style>
+            <p:txBody>
+              <a:bodyPr lIns="45720" tIns="0" rIns="0" bIns="18288" rtlCol="0" anchor="t" anchorCtr="0">
+                <a:spAutoFit/>
+              </a:bodyPr>
+              <a:lstStyle/>
+              <a:p>
+                <a:r>
+                  <a:rPr lang="ru-RU" sz="1200" dirty="0" smtClean="0">
+                    <a:solidFill>
+                      <a:sysClr val="windowText" lastClr="000000"/>
+                    </a:solidFill>
+                    <a:latin typeface="Segoe UI" pitchFamily="34" charset="0"/>
+                    <a:cs typeface="Segoe UI" pitchFamily="34" charset="0"/>
+                  </a:rPr>
+                  <a:t>Произвести </a:t>
+                </a:r>
+                <a:r>
+                  <a:rPr lang="ru-RU" sz="1200" dirty="0" smtClean="0">
+                    <a:solidFill>
+                      <a:sysClr val="windowText" lastClr="000000"/>
+                    </a:solidFill>
+                    <a:latin typeface="Segoe UI" pitchFamily="34" charset="0"/>
+                    <a:cs typeface="Segoe UI" pitchFamily="34" charset="0"/>
+                  </a:rPr>
+                  <a:t>полную замену грунта </a:t>
+                </a:r>
+                <a:endParaRPr lang="en-US" sz="1200" dirty="0" smtClean="0">
+                  <a:solidFill>
+                    <a:sysClr val="windowText" lastClr="000000"/>
+                  </a:solidFill>
+                  <a:latin typeface="Segoe UI" pitchFamily="34" charset="0"/>
+                  <a:cs typeface="Segoe UI" pitchFamily="34" charset="0"/>
+                </a:endParaRPr>
+              </a:p>
+              <a:p>
+                <a:endParaRPr lang="ru-RU" sz="1200" dirty="0">
+                  <a:solidFill>
+                    <a:sysClr val="windowText" lastClr="000000"/>
+                  </a:solidFill>
+                  <a:latin typeface="Segoe UI" pitchFamily="34" charset="0"/>
+                  <a:cs typeface="Segoe UI" pitchFamily="34" charset="0"/>
+                </a:endParaRPr>
+              </a:p>
+              <a:p>
+                <a:r>
+                  <a:rPr lang="ru-RU" sz="1200" dirty="0" smtClean="0">
+                    <a:solidFill>
+                      <a:sysClr val="windowText" lastClr="000000"/>
+                    </a:solidFill>
+                    <a:latin typeface="Segoe UI" pitchFamily="34" charset="0"/>
+                    <a:cs typeface="Segoe UI" pitchFamily="34" charset="0"/>
+                  </a:rPr>
+                  <a:t>Произвести обеззараживание грунта</a:t>
+                </a:r>
+                <a:endParaRPr lang="en-US" sz="1200" dirty="0" smtClean="0">
+                  <a:solidFill>
+                    <a:sysClr val="windowText" lastClr="000000"/>
+                  </a:solidFill>
+                  <a:latin typeface="Segoe UI" pitchFamily="34" charset="0"/>
+                  <a:cs typeface="Segoe UI" pitchFamily="34" charset="0"/>
+                </a:endParaRPr>
+              </a:p>
+              <a:p>
+                <a:endParaRPr lang="ru-RU" sz="1200" dirty="0">
+                  <a:solidFill>
+                    <a:sysClr val="windowText" lastClr="000000"/>
+                  </a:solidFill>
+                  <a:latin typeface="Segoe UI" pitchFamily="34" charset="0"/>
+                  <a:cs typeface="Segoe UI" pitchFamily="34" charset="0"/>
+                </a:endParaRPr>
+              </a:p>
+              <a:p>
+                <a:r>
+                  <a:rPr lang="ru-RU" sz="1200" dirty="0" smtClean="0">
+                    <a:solidFill>
+                      <a:sysClr val="windowText" lastClr="000000"/>
+                    </a:solidFill>
+                    <a:latin typeface="Segoe UI" pitchFamily="34" charset="0"/>
+                    <a:cs typeface="Segoe UI" pitchFamily="34" charset="0"/>
+                  </a:rPr>
+                  <a:t>Проверить состояние несущих элементов теплицы </a:t>
+                </a:r>
+                <a:endParaRPr lang="en-US" sz="1200" dirty="0">
+                  <a:solidFill>
+                    <a:sysClr val="windowText" lastClr="000000"/>
+                  </a:solidFill>
+                  <a:latin typeface="Segoe UI" pitchFamily="34" charset="0"/>
+                  <a:cs typeface="Segoe UI" pitchFamily="34" charset="0"/>
+                </a:endParaRPr>
+              </a:p>
+            </p:txBody>
+          </p:sp>
+        </p:grpSp>
+        <p:grpSp>
+          <p:nvGrpSpPr>
+            <p:cNvPr id="128" name="Group 3"/>
+            <p:cNvGrpSpPr/>
+            <p:nvPr>
+              <p:custDataLst>
+                <p:custData r:id="rId7"/>
+              </p:custDataLst>
+            </p:nvPr>
+          </p:nvGrpSpPr>
+          <p:grpSpPr>
+            <a:xfrm>
+              <a:off x="6185021" y="2894611"/>
+              <a:ext cx="76802" cy="1686537"/>
+              <a:chOff x="4567852" y="1188096"/>
+              <a:chExt cx="76802" cy="3917307"/>
+            </a:xfrm>
+          </p:grpSpPr>
+          <p:sp>
+            <p:nvSpPr>
+              <p:cNvPr id="129" name="ScrollBar"/>
+              <p:cNvSpPr>
+                <a:spLocks/>
+              </p:cNvSpPr>
+              <p:nvPr/>
+            </p:nvSpPr>
+            <p:spPr>
+              <a:xfrm>
+                <a:off x="4567852" y="1188096"/>
+                <a:ext cx="76802" cy="3917307"/>
+              </a:xfrm>
+              <a:prstGeom prst="rect">
+                <a:avLst/>
+              </a:prstGeom>
+              <a:solidFill>
+                <a:srgbClr val="FFFFFF">
+                  <a:lumMod val="95000"/>
+                </a:srgbClr>
               </a:solidFill>
-              <a:latin typeface="Segoe UI" pitchFamily="34" charset="0"/>
-              <a:cs typeface="Segoe UI" pitchFamily="34" charset="0"/>
-            </a:endParaRPr>
-          </a:p>
-        </p:txBody>
-      </p:sp>
-      <p:sp>
-        <p:nvSpPr>
-          <p:cNvPr id="45" name="Content"/>
-          <p:cNvSpPr txBox="1"/>
-          <p:nvPr>
-            <p:custDataLst>
-              <p:custData r:id="rId11"/>
-            </p:custDataLst>
-          </p:nvPr>
-        </p:nvSpPr>
-        <p:spPr>
-          <a:xfrm>
-            <a:off x="2613388" y="2688894"/>
-            <a:ext cx="478016" cy="230832"/>
-          </a:xfrm>
-          <a:prstGeom prst="rect">
-            <a:avLst/>
-          </a:prstGeom>
-          <a:noFill/>
-        </p:spPr>
-        <p:txBody>
-          <a:bodyPr wrap="none" lIns="91440" tIns="18288" rIns="91440" bIns="27432" rtlCol="0" anchor="ctr" anchorCtr="0">
-            <a:spAutoFit/>
-          </a:bodyPr>
-          <a:lstStyle/>
-          <a:p>
-            <a:r>
-              <a:rPr lang="ru-RU" sz="1200" dirty="0" smtClean="0">
+              <a:ln w="3175">
                 <a:solidFill>
-                  <a:srgbClr val="000000"/>
+                  <a:srgbClr val="FFFFFF">
+                    <a:lumMod val="50000"/>
+                  </a:srgbClr>
                 </a:solidFill>
-                <a:latin typeface="Segoe UI" pitchFamily="34" charset="0"/>
-                <a:ea typeface="Segoe UI" pitchFamily="34" charset="0"/>
-                <a:cs typeface="Segoe UI" pitchFamily="34" charset="0"/>
-              </a:rPr>
-              <a:t>65</a:t>
-            </a:r>
-            <a:r>
-              <a:rPr lang="en-US" sz="1200" dirty="0" smtClean="0">
+              </a:ln>
+            </p:spPr>
+            <p:style>
+              <a:lnRef idx="2">
+                <a:srgbClr val="4F81BD">
+                  <a:shade val="50000"/>
+                </a:srgbClr>
+              </a:lnRef>
+              <a:fillRef idx="1001">
+                <a:srgbClr val="000000"/>
+              </a:fillRef>
+              <a:effectRef idx="0">
+                <a:srgbClr val="4F81BD"/>
+              </a:effectRef>
+              <a:fontRef idx="minor">
+                <a:srgbClr val="000000"/>
+              </a:fontRef>
+            </p:style>
+            <p:txBody>
+              <a:bodyPr lIns="97548" tIns="48774" rIns="97548" bIns="48774" rtlCol="0" anchor="ctr"/>
+              <a:lstStyle/>
+              <a:p>
+                <a:pPr algn="ctr" defTabSz="913915"/>
+                <a:endParaRPr lang="en-US" dirty="0"/>
+              </a:p>
+            </p:txBody>
+          </p:sp>
+          <p:sp>
+            <p:nvSpPr>
+              <p:cNvPr id="130" name="Slider"/>
+              <p:cNvSpPr>
+                <a:spLocks/>
+              </p:cNvSpPr>
+              <p:nvPr/>
+            </p:nvSpPr>
+            <p:spPr>
+              <a:xfrm>
+                <a:off x="4567852" y="1780581"/>
+                <a:ext cx="76802" cy="686786"/>
+              </a:xfrm>
+              <a:prstGeom prst="rect">
+                <a:avLst/>
+              </a:prstGeom>
+              <a:solidFill>
+                <a:srgbClr val="FFFFFF">
+                  <a:lumMod val="85000"/>
+                </a:srgbClr>
+              </a:solidFill>
+              <a:ln w="3175">
                 <a:solidFill>
-                  <a:srgbClr val="000000"/>
+                  <a:srgbClr val="FFFFFF">
+                    <a:lumMod val="50000"/>
+                  </a:srgbClr>
                 </a:solidFill>
-                <a:latin typeface="Segoe UI" pitchFamily="34" charset="0"/>
-                <a:ea typeface="Segoe UI" pitchFamily="34" charset="0"/>
-                <a:cs typeface="Segoe UI" pitchFamily="34" charset="0"/>
-              </a:rPr>
-              <a:t>%</a:t>
-            </a:r>
-            <a:endParaRPr lang="en-US" sz="1200" dirty="0" smtClean="0">
+              </a:ln>
+            </p:spPr>
+            <p:style>
+              <a:lnRef idx="2">
+                <a:srgbClr val="4F81BD">
+                  <a:shade val="50000"/>
+                </a:srgbClr>
+              </a:lnRef>
+              <a:fillRef idx="1">
+                <a:srgbClr val="4F81BD"/>
+              </a:fillRef>
+              <a:effectRef idx="0">
+                <a:srgbClr val="4F81BD"/>
+              </a:effectRef>
+              <a:fontRef idx="minor">
+                <a:srgbClr val="000000"/>
+              </a:fontRef>
+            </p:style>
+            <p:txBody>
+              <a:bodyPr lIns="97548" tIns="48774" rIns="97548" bIns="48774" rtlCol="0" anchor="ctr"/>
+              <a:lstStyle/>
+              <a:p>
+                <a:pPr algn="ctr"/>
+                <a:endParaRPr lang="en-US" dirty="0"/>
+              </a:p>
+            </p:txBody>
+          </p:sp>
+          <p:sp>
+            <p:nvSpPr>
+              <p:cNvPr id="131" name="UpArrow"/>
+              <p:cNvSpPr>
+                <a:spLocks/>
+              </p:cNvSpPr>
+              <p:nvPr/>
+            </p:nvSpPr>
+            <p:spPr>
+              <a:xfrm>
+                <a:off x="4589644" y="1260892"/>
+                <a:ext cx="33218" cy="126845"/>
+              </a:xfrm>
+              <a:prstGeom prst="triangle">
+                <a:avLst/>
+              </a:prstGeom>
               <a:solidFill>
+                <a:srgbClr val="FFFFFF">
+                  <a:lumMod val="50000"/>
+                  <a:alpha val="99000"/>
+                </a:srgbClr>
+              </a:solidFill>
+              <a:ln>
+                <a:noFill/>
+              </a:ln>
+            </p:spPr>
+            <p:style>
+              <a:lnRef idx="2">
+                <a:srgbClr val="4F81BD">
+                  <a:shade val="50000"/>
+                </a:srgbClr>
+              </a:lnRef>
+              <a:fillRef idx="1">
+                <a:srgbClr val="4F81BD"/>
+              </a:fillRef>
+              <a:effectRef idx="0">
+                <a:srgbClr val="4F81BD"/>
+              </a:effectRef>
+              <a:fontRef idx="minor">
                 <a:srgbClr val="000000"/>
+              </a:fontRef>
+            </p:style>
+            <p:txBody>
+              <a:bodyPr lIns="97548" tIns="48774" rIns="97548" bIns="48774" rtlCol="0" anchor="ctr"/>
+              <a:lstStyle/>
+              <a:p>
+                <a:pPr algn="ctr"/>
+                <a:endParaRPr lang="en-US" dirty="0"/>
+              </a:p>
+            </p:txBody>
+          </p:sp>
+          <p:sp>
+            <p:nvSpPr>
+              <p:cNvPr id="132" name="DownArrow"/>
+              <p:cNvSpPr>
+                <a:spLocks/>
+              </p:cNvSpPr>
+              <p:nvPr/>
+            </p:nvSpPr>
+            <p:spPr>
+              <a:xfrm rot="10800000">
+                <a:off x="4589644" y="4913812"/>
+                <a:ext cx="33218" cy="126845"/>
+              </a:xfrm>
+              <a:prstGeom prst="triangle">
+                <a:avLst/>
+              </a:prstGeom>
+              <a:solidFill>
+                <a:srgbClr val="FFFFFF">
+                  <a:lumMod val="50000"/>
+                  <a:alpha val="99000"/>
+                </a:srgbClr>
               </a:solidFill>
-              <a:latin typeface="Segoe UI" pitchFamily="34" charset="0"/>
-              <a:ea typeface="Segoe UI" pitchFamily="34" charset="0"/>
-              <a:cs typeface="Segoe UI" pitchFamily="34" charset="0"/>
-            </a:endParaRPr>
-          </a:p>
-        </p:txBody>
-      </p:sp>
-      <p:sp>
-        <p:nvSpPr>
-          <p:cNvPr id="46" name="Content"/>
-          <p:cNvSpPr/>
-          <p:nvPr>
-            <p:custDataLst>
-              <p:custData r:id="rId12"/>
-            </p:custDataLst>
-          </p:nvPr>
-        </p:nvSpPr>
-        <p:spPr>
-          <a:xfrm>
-            <a:off x="3353333" y="2644968"/>
-            <a:ext cx="2329486" cy="354063"/>
-          </a:xfrm>
-          <a:prstGeom prst="rect">
-            <a:avLst/>
-          </a:prstGeom>
-          <a:solidFill>
-            <a:schemeClr val="accent3">
-              <a:lumMod val="40000"/>
-              <a:lumOff val="60000"/>
-            </a:schemeClr>
-          </a:solidFill>
-          <a:ln w="3175">
-            <a:solidFill>
-              <a:srgbClr val="000000">
-                <a:lumMod val="50000"/>
-                <a:lumOff val="50000"/>
-              </a:srgbClr>
-            </a:solidFill>
-          </a:ln>
-          <a:effectLst/>
-        </p:spPr>
-        <p:style>
-          <a:lnRef idx="2">
-            <a:srgbClr val="4F81BD">
-              <a:shade val="50000"/>
-            </a:srgbClr>
-          </a:lnRef>
-          <a:fillRef idx="1">
-            <a:srgbClr val="4F81BD"/>
-          </a:fillRef>
-          <a:effectRef idx="0">
-            <a:srgbClr val="4F81BD"/>
-          </a:effectRef>
-          <a:fontRef idx="minor">
-            <a:srgbClr val="000000"/>
-          </a:fontRef>
-        </p:style>
-        <p:txBody>
-          <a:bodyPr lIns="45720" tIns="27432" rIns="0" bIns="0" rtlCol="0" anchor="t" anchorCtr="0"/>
-          <a:lstStyle/>
-          <a:p>
-            <a:r>
-              <a:rPr lang="ru-RU" sz="1200" dirty="0" smtClean="0">
-                <a:latin typeface="Segoe UI" pitchFamily="34" charset="0"/>
-                <a:cs typeface="Segoe UI" pitchFamily="34" charset="0"/>
-              </a:rPr>
-              <a:t>В норме</a:t>
-            </a:r>
-            <a:endParaRPr lang="en-US" sz="1200" dirty="0" smtClean="0">
-              <a:solidFill>
+              <a:ln>
+                <a:noFill/>
+              </a:ln>
+            </p:spPr>
+            <p:style>
+              <a:lnRef idx="2">
+                <a:srgbClr val="4F81BD">
+                  <a:shade val="50000"/>
+                </a:srgbClr>
+              </a:lnRef>
+              <a:fillRef idx="1">
+                <a:srgbClr val="4F81BD"/>
+              </a:fillRef>
+              <a:effectRef idx="0">
+                <a:srgbClr val="4F81BD"/>
+              </a:effectRef>
+              <a:fontRef idx="minor">
                 <a:srgbClr val="000000"/>
-              </a:solidFill>
-              <a:latin typeface="Segoe UI" pitchFamily="34" charset="0"/>
-              <a:cs typeface="Segoe UI" pitchFamily="34" charset="0"/>
-            </a:endParaRPr>
-          </a:p>
-        </p:txBody>
-      </p:sp>
-      <p:sp>
-        <p:nvSpPr>
-          <p:cNvPr id="47" name="Content"/>
-          <p:cNvSpPr txBox="1"/>
-          <p:nvPr>
-            <p:custDataLst>
-              <p:custData r:id="rId13"/>
-            </p:custDataLst>
-          </p:nvPr>
-        </p:nvSpPr>
-        <p:spPr>
-          <a:xfrm>
-            <a:off x="2613388" y="3440944"/>
-            <a:ext cx="478016" cy="230832"/>
-          </a:xfrm>
-          <a:prstGeom prst="rect">
-            <a:avLst/>
-          </a:prstGeom>
-          <a:noFill/>
-        </p:spPr>
-        <p:txBody>
-          <a:bodyPr wrap="none" lIns="91440" tIns="18288" rIns="91440" bIns="27432" rtlCol="0" anchor="ctr" anchorCtr="0">
-            <a:spAutoFit/>
-          </a:bodyPr>
-          <a:lstStyle/>
-          <a:p>
-            <a:r>
-              <a:rPr lang="en-US" sz="1200" dirty="0" smtClean="0">
-                <a:solidFill>
-                  <a:srgbClr val="000000"/>
-                </a:solidFill>
-                <a:latin typeface="Segoe UI" pitchFamily="34" charset="0"/>
-                <a:ea typeface="Segoe UI" pitchFamily="34" charset="0"/>
-                <a:cs typeface="Segoe UI" pitchFamily="34" charset="0"/>
-              </a:rPr>
-              <a:t>30%</a:t>
-            </a:r>
-            <a:endParaRPr lang="en-US" sz="1200" dirty="0" smtClean="0">
-              <a:solidFill>
-                <a:srgbClr val="000000"/>
-              </a:solidFill>
-              <a:latin typeface="Segoe UI" pitchFamily="34" charset="0"/>
-              <a:ea typeface="Segoe UI" pitchFamily="34" charset="0"/>
-              <a:cs typeface="Segoe UI" pitchFamily="34" charset="0"/>
-            </a:endParaRPr>
-          </a:p>
-        </p:txBody>
-      </p:sp>
-      <p:sp>
-        <p:nvSpPr>
-          <p:cNvPr id="49" name="Content"/>
-          <p:cNvSpPr/>
-          <p:nvPr>
-            <p:custDataLst>
-              <p:custData r:id="rId14"/>
-            </p:custDataLst>
-          </p:nvPr>
-        </p:nvSpPr>
-        <p:spPr>
-          <a:xfrm>
-            <a:off x="3347864" y="3353760"/>
-            <a:ext cx="2329486" cy="354063"/>
-          </a:xfrm>
-          <a:prstGeom prst="rect">
-            <a:avLst/>
-          </a:prstGeom>
-          <a:solidFill>
-            <a:schemeClr val="accent2">
-              <a:lumMod val="40000"/>
-              <a:lumOff val="60000"/>
-            </a:schemeClr>
-          </a:solidFill>
-          <a:ln w="3175">
-            <a:solidFill>
-              <a:srgbClr val="000000">
-                <a:lumMod val="50000"/>
-                <a:lumOff val="50000"/>
-              </a:srgbClr>
-            </a:solidFill>
-          </a:ln>
-          <a:effectLst/>
-        </p:spPr>
-        <p:style>
-          <a:lnRef idx="2">
-            <a:srgbClr val="4F81BD">
-              <a:shade val="50000"/>
-            </a:srgbClr>
-          </a:lnRef>
-          <a:fillRef idx="1">
-            <a:srgbClr val="4F81BD"/>
-          </a:fillRef>
-          <a:effectRef idx="0">
-            <a:srgbClr val="4F81BD"/>
-          </a:effectRef>
-          <a:fontRef idx="minor">
-            <a:srgbClr val="000000"/>
-          </a:fontRef>
-        </p:style>
-        <p:txBody>
-          <a:bodyPr lIns="45720" tIns="27432" rIns="0" bIns="0" rtlCol="0" anchor="t" anchorCtr="0"/>
-          <a:lstStyle/>
-          <a:p>
-            <a:r>
-              <a:rPr lang="ru-RU" sz="1200" dirty="0" smtClean="0">
-                <a:latin typeface="Segoe UI" pitchFamily="34" charset="0"/>
-                <a:cs typeface="Segoe UI" pitchFamily="34" charset="0"/>
-              </a:rPr>
-              <a:t>! Влажность слишком низкая</a:t>
-            </a:r>
-            <a:endParaRPr lang="en-US" sz="1200" dirty="0" smtClean="0">
-              <a:solidFill>
-                <a:srgbClr val="000000"/>
-              </a:solidFill>
-              <a:latin typeface="Segoe UI" pitchFamily="34" charset="0"/>
-              <a:cs typeface="Segoe UI" pitchFamily="34" charset="0"/>
-            </a:endParaRPr>
-          </a:p>
-        </p:txBody>
-      </p:sp>
-      <p:sp>
-        <p:nvSpPr>
-          <p:cNvPr id="65" name="Content"/>
-          <p:cNvSpPr txBox="1"/>
-          <p:nvPr>
-            <p:custDataLst>
-              <p:custData r:id="rId15"/>
-            </p:custDataLst>
-          </p:nvPr>
-        </p:nvSpPr>
-        <p:spPr>
-          <a:xfrm>
-            <a:off x="884180" y="4099053"/>
-            <a:ext cx="1249060" cy="230832"/>
-          </a:xfrm>
-          <a:prstGeom prst="rect">
-            <a:avLst/>
-          </a:prstGeom>
-          <a:noFill/>
-        </p:spPr>
-        <p:txBody>
-          <a:bodyPr wrap="none" lIns="91440" tIns="18288" rIns="91440" bIns="27432" rtlCol="0" anchor="ctr" anchorCtr="0">
-            <a:spAutoFit/>
-          </a:bodyPr>
-          <a:lstStyle/>
-          <a:p>
-            <a:r>
-              <a:rPr lang="ru-RU" sz="1200" dirty="0" smtClean="0">
-                <a:solidFill>
-                  <a:srgbClr val="000000"/>
-                </a:solidFill>
-                <a:latin typeface="Segoe UI" pitchFamily="34" charset="0"/>
-                <a:ea typeface="Segoe UI" pitchFamily="34" charset="0"/>
-                <a:cs typeface="Segoe UI" pitchFamily="34" charset="0"/>
-              </a:rPr>
-              <a:t>Освещенность:</a:t>
-            </a:r>
-            <a:endParaRPr lang="en-US" sz="1200" dirty="0" smtClean="0">
-              <a:solidFill>
-                <a:srgbClr val="000000"/>
-              </a:solidFill>
-              <a:latin typeface="Segoe UI" pitchFamily="34" charset="0"/>
-              <a:ea typeface="Segoe UI" pitchFamily="34" charset="0"/>
-              <a:cs typeface="Segoe UI" pitchFamily="34" charset="0"/>
-            </a:endParaRPr>
-          </a:p>
-        </p:txBody>
-      </p:sp>
-      <p:sp>
-        <p:nvSpPr>
-          <p:cNvPr id="66" name="Content"/>
-          <p:cNvSpPr txBox="1"/>
-          <p:nvPr>
-            <p:custDataLst>
-              <p:custData r:id="rId16"/>
-            </p:custDataLst>
-          </p:nvPr>
-        </p:nvSpPr>
-        <p:spPr>
-          <a:xfrm>
-            <a:off x="2613388" y="4099053"/>
-            <a:ext cx="478016" cy="230832"/>
-          </a:xfrm>
-          <a:prstGeom prst="rect">
-            <a:avLst/>
-          </a:prstGeom>
-          <a:noFill/>
-        </p:spPr>
-        <p:txBody>
-          <a:bodyPr wrap="none" lIns="91440" tIns="18288" rIns="91440" bIns="27432" rtlCol="0" anchor="ctr" anchorCtr="0">
-            <a:spAutoFit/>
-          </a:bodyPr>
-          <a:lstStyle/>
-          <a:p>
-            <a:r>
-              <a:rPr lang="ru-RU" sz="1200" dirty="0" smtClean="0">
-                <a:solidFill>
-                  <a:srgbClr val="000000"/>
-                </a:solidFill>
-                <a:latin typeface="Segoe UI" pitchFamily="34" charset="0"/>
-                <a:ea typeface="Segoe UI" pitchFamily="34" charset="0"/>
-                <a:cs typeface="Segoe UI" pitchFamily="34" charset="0"/>
-              </a:rPr>
-              <a:t>90</a:t>
-            </a:r>
-            <a:r>
-              <a:rPr lang="en-US" sz="1200" dirty="0" smtClean="0">
-                <a:solidFill>
-                  <a:srgbClr val="000000"/>
-                </a:solidFill>
-                <a:latin typeface="Segoe UI" pitchFamily="34" charset="0"/>
-                <a:ea typeface="Segoe UI" pitchFamily="34" charset="0"/>
-                <a:cs typeface="Segoe UI" pitchFamily="34" charset="0"/>
-              </a:rPr>
-              <a:t>%</a:t>
-            </a:r>
-            <a:endParaRPr lang="en-US" sz="1200" dirty="0" smtClean="0">
-              <a:solidFill>
-                <a:srgbClr val="000000"/>
-              </a:solidFill>
-              <a:latin typeface="Segoe UI" pitchFamily="34" charset="0"/>
-              <a:ea typeface="Segoe UI" pitchFamily="34" charset="0"/>
-              <a:cs typeface="Segoe UI" pitchFamily="34" charset="0"/>
-            </a:endParaRPr>
-          </a:p>
-        </p:txBody>
-      </p:sp>
-      <p:sp>
-        <p:nvSpPr>
-          <p:cNvPr id="67" name="Content"/>
-          <p:cNvSpPr/>
-          <p:nvPr>
-            <p:custDataLst>
-              <p:custData r:id="rId17"/>
-            </p:custDataLst>
-          </p:nvPr>
-        </p:nvSpPr>
-        <p:spPr>
-          <a:xfrm>
-            <a:off x="3347864" y="4011869"/>
-            <a:ext cx="2329486" cy="354063"/>
-          </a:xfrm>
-          <a:prstGeom prst="rect">
-            <a:avLst/>
-          </a:prstGeom>
-          <a:solidFill>
-            <a:schemeClr val="accent3">
-              <a:lumMod val="40000"/>
-              <a:lumOff val="60000"/>
-            </a:schemeClr>
-          </a:solidFill>
-          <a:ln w="3175">
-            <a:solidFill>
-              <a:srgbClr val="000000">
-                <a:lumMod val="50000"/>
-                <a:lumOff val="50000"/>
-              </a:srgbClr>
-            </a:solidFill>
-          </a:ln>
-          <a:effectLst/>
-        </p:spPr>
-        <p:style>
-          <a:lnRef idx="2">
-            <a:srgbClr val="4F81BD">
-              <a:shade val="50000"/>
-            </a:srgbClr>
-          </a:lnRef>
-          <a:fillRef idx="1">
-            <a:srgbClr val="4F81BD"/>
-          </a:fillRef>
-          <a:effectRef idx="0">
-            <a:srgbClr val="4F81BD"/>
-          </a:effectRef>
-          <a:fontRef idx="minor">
-            <a:srgbClr val="000000"/>
-          </a:fontRef>
-        </p:style>
-        <p:txBody>
-          <a:bodyPr lIns="45720" tIns="27432" rIns="0" bIns="0" rtlCol="0" anchor="t" anchorCtr="0"/>
-          <a:lstStyle/>
-          <a:p>
-            <a:r>
-              <a:rPr lang="ru-RU" sz="1200" dirty="0" smtClean="0">
-                <a:latin typeface="Segoe UI" pitchFamily="34" charset="0"/>
-                <a:cs typeface="Segoe UI" pitchFamily="34" charset="0"/>
-              </a:rPr>
-              <a:t>В норме</a:t>
-            </a:r>
-            <a:endParaRPr lang="en-US" sz="1200" dirty="0" smtClean="0">
-              <a:solidFill>
-                <a:srgbClr val="000000"/>
-              </a:solidFill>
-              <a:latin typeface="Segoe UI" pitchFamily="34" charset="0"/>
-              <a:cs typeface="Segoe UI" pitchFamily="34" charset="0"/>
-            </a:endParaRPr>
-          </a:p>
-        </p:txBody>
-      </p:sp>
-      <p:sp>
-        <p:nvSpPr>
-          <p:cNvPr id="68" name="Content"/>
-          <p:cNvSpPr txBox="1"/>
-          <p:nvPr>
-            <p:custDataLst>
-              <p:custData r:id="rId18"/>
-            </p:custDataLst>
-          </p:nvPr>
-        </p:nvSpPr>
-        <p:spPr>
-          <a:xfrm>
-            <a:off x="736192" y="1970288"/>
-            <a:ext cx="1603901" cy="230832"/>
-          </a:xfrm>
-          <a:prstGeom prst="rect">
-            <a:avLst/>
-          </a:prstGeom>
-          <a:noFill/>
-        </p:spPr>
-        <p:txBody>
-          <a:bodyPr wrap="none" lIns="91440" tIns="18288" rIns="91440" bIns="27432" rtlCol="0" anchor="ctr" anchorCtr="0">
-            <a:spAutoFit/>
-          </a:bodyPr>
-          <a:lstStyle/>
-          <a:p>
-            <a:r>
-              <a:rPr lang="ru-RU" sz="1200" dirty="0" smtClean="0">
-                <a:solidFill>
-                  <a:srgbClr val="000000"/>
-                </a:solidFill>
-                <a:latin typeface="Segoe UI" pitchFamily="34" charset="0"/>
-                <a:ea typeface="Segoe UI" pitchFamily="34" charset="0"/>
-                <a:cs typeface="Segoe UI" pitchFamily="34" charset="0"/>
-              </a:rPr>
-              <a:t>Температура грунта:</a:t>
-            </a:r>
-            <a:endParaRPr lang="en-US" sz="1200" dirty="0" smtClean="0">
-              <a:solidFill>
-                <a:srgbClr val="000000"/>
-              </a:solidFill>
-              <a:latin typeface="Segoe UI" pitchFamily="34" charset="0"/>
-              <a:ea typeface="Segoe UI" pitchFamily="34" charset="0"/>
-              <a:cs typeface="Segoe UI" pitchFamily="34" charset="0"/>
-            </a:endParaRPr>
-          </a:p>
-        </p:txBody>
-      </p:sp>
-      <p:sp>
-        <p:nvSpPr>
-          <p:cNvPr id="69" name="Content"/>
-          <p:cNvSpPr txBox="1"/>
-          <p:nvPr>
-            <p:custDataLst>
-              <p:custData r:id="rId19"/>
-            </p:custDataLst>
-          </p:nvPr>
-        </p:nvSpPr>
-        <p:spPr>
-          <a:xfrm>
-            <a:off x="2543447" y="1963449"/>
-            <a:ext cx="393056" cy="230832"/>
-          </a:xfrm>
-          <a:prstGeom prst="rect">
-            <a:avLst/>
-          </a:prstGeom>
-          <a:noFill/>
-        </p:spPr>
-        <p:txBody>
-          <a:bodyPr wrap="none" lIns="91440" tIns="18288" rIns="91440" bIns="27432" rtlCol="0" anchor="ctr" anchorCtr="0">
-            <a:spAutoFit/>
-          </a:bodyPr>
-          <a:lstStyle/>
-          <a:p>
-            <a:r>
-              <a:rPr lang="ru-RU" sz="1200" dirty="0" smtClean="0">
-                <a:solidFill>
-                  <a:srgbClr val="000000"/>
-                </a:solidFill>
-                <a:latin typeface="Segoe UI" pitchFamily="34" charset="0"/>
-                <a:ea typeface="Segoe UI" pitchFamily="34" charset="0"/>
-                <a:cs typeface="Segoe UI" pitchFamily="34" charset="0"/>
-              </a:rPr>
-              <a:t>10 </a:t>
-            </a:r>
-            <a:endParaRPr lang="en-US" sz="1200" dirty="0" smtClean="0">
-              <a:solidFill>
-                <a:srgbClr val="000000"/>
-              </a:solidFill>
-              <a:latin typeface="Segoe UI" pitchFamily="34" charset="0"/>
-              <a:ea typeface="Segoe UI" pitchFamily="34" charset="0"/>
-              <a:cs typeface="Segoe UI" pitchFamily="34" charset="0"/>
-            </a:endParaRPr>
-          </a:p>
-        </p:txBody>
-      </p:sp>
-      <p:sp>
-        <p:nvSpPr>
-          <p:cNvPr id="70" name="Content"/>
-          <p:cNvSpPr/>
-          <p:nvPr>
-            <p:custDataLst>
-              <p:custData r:id="rId20"/>
-            </p:custDataLst>
-          </p:nvPr>
-        </p:nvSpPr>
-        <p:spPr>
-          <a:xfrm>
-            <a:off x="3346812" y="1970288"/>
-            <a:ext cx="2329486" cy="354063"/>
-          </a:xfrm>
-          <a:prstGeom prst="rect">
-            <a:avLst/>
-          </a:prstGeom>
-          <a:solidFill>
-            <a:schemeClr val="accent3">
-              <a:lumMod val="40000"/>
-              <a:lumOff val="60000"/>
-            </a:schemeClr>
-          </a:solidFill>
-          <a:ln w="3175">
-            <a:solidFill>
-              <a:srgbClr val="000000">
-                <a:lumMod val="50000"/>
-                <a:lumOff val="50000"/>
-              </a:srgbClr>
-            </a:solidFill>
-          </a:ln>
-          <a:effectLst/>
-        </p:spPr>
-        <p:style>
-          <a:lnRef idx="2">
-            <a:srgbClr val="4F81BD">
-              <a:shade val="50000"/>
-            </a:srgbClr>
-          </a:lnRef>
-          <a:fillRef idx="1">
-            <a:srgbClr val="4F81BD"/>
-          </a:fillRef>
-          <a:effectRef idx="0">
-            <a:srgbClr val="4F81BD"/>
-          </a:effectRef>
-          <a:fontRef idx="minor">
-            <a:srgbClr val="000000"/>
-          </a:fontRef>
-        </p:style>
-        <p:txBody>
-          <a:bodyPr lIns="45720" tIns="27432" rIns="0" bIns="0" rtlCol="0" anchor="t" anchorCtr="0"/>
-          <a:lstStyle/>
-          <a:p>
-            <a:r>
-              <a:rPr lang="ru-RU" sz="1200" dirty="0" smtClean="0">
-                <a:latin typeface="Segoe UI" pitchFamily="34" charset="0"/>
-                <a:cs typeface="Segoe UI" pitchFamily="34" charset="0"/>
-              </a:rPr>
-              <a:t>В норме</a:t>
-            </a:r>
-            <a:endParaRPr lang="en-US" sz="1200" dirty="0" smtClean="0">
-              <a:solidFill>
-                <a:srgbClr val="000000"/>
-              </a:solidFill>
-              <a:latin typeface="Segoe UI" pitchFamily="34" charset="0"/>
-              <a:cs typeface="Segoe UI" pitchFamily="34" charset="0"/>
-            </a:endParaRPr>
-          </a:p>
-        </p:txBody>
-      </p:sp>
-      <p:graphicFrame>
-        <p:nvGraphicFramePr>
-          <p:cNvPr id="31" name="Объект 30"/>
-          <p:cNvGraphicFramePr>
-            <a:graphicFrameLocks noChangeAspect="1"/>
-          </p:cNvGraphicFramePr>
-          <p:nvPr>
-            <p:extLst>
-              <p:ext uri="{D42A27DB-BD31-4B8C-83A1-F6EECF244321}">
-                <p14:modId xmlns:p14="http://schemas.microsoft.com/office/powerpoint/2010/main" val="1941888999"/>
-              </p:ext>
-            </p:extLst>
-          </p:nvPr>
-        </p:nvGraphicFramePr>
-        <p:xfrm>
-          <a:off x="2819856" y="1474210"/>
-          <a:ext cx="114300" cy="177800"/>
-        </p:xfrm>
-        <a:graphic>
-          <a:graphicData uri="http://schemas.openxmlformats.org/presentationml/2006/ole">
-            <mc:AlternateContent xmlns:mc="http://schemas.openxmlformats.org/markup-compatibility/2006">
-              <mc:Choice xmlns:v="urn:schemas-microsoft-com:vml" Requires="v">
-                <p:oleObj spid="_x0000_s1033" name="Equation" r:id="rId26" imgW="114120" imgH="177480" progId="Equation.DSMT4">
-                  <p:embed/>
-                </p:oleObj>
-              </mc:Choice>
-              <mc:Fallback>
-                <p:oleObj name="Equation" r:id="rId26" imgW="114120" imgH="177480" progId="Equation.DSMT4">
-                  <p:embed/>
-                  <p:pic>
-                    <p:nvPicPr>
-                      <p:cNvPr id="0" name="Объект 20"/>
-                      <p:cNvPicPr>
-                        <a:picLocks noChangeAspect="1" noChangeArrowheads="1"/>
-                      </p:cNvPicPr>
-                      <p:nvPr/>
-                    </p:nvPicPr>
-                    <p:blipFill>
-                      <a:blip r:embed="rId27">
-                        <a:extLst>
-                          <a:ext uri="{28A0092B-C50C-407E-A947-70E740481C1C}">
-                            <a14:useLocalDpi xmlns:a14="http://schemas.microsoft.com/office/drawing/2010/main" val="0"/>
-                          </a:ext>
-                        </a:extLst>
-                      </a:blip>
-                      <a:srcRect/>
-                      <a:stretch>
-                        <a:fillRect/>
-                      </a:stretch>
-                    </p:blipFill>
-                    <p:spPr bwMode="auto">
-                      <a:xfrm>
-                        <a:off x="2819856" y="1474210"/>
-                        <a:ext cx="114300" cy="177800"/>
-                      </a:xfrm>
-                      <a:prstGeom prst="rect">
-                        <a:avLst/>
-                      </a:prstGeom>
-                      <a:noFill/>
-                      <a:ln>
-                        <a:noFill/>
-                      </a:ln>
-                      <a:extLst>
-                        <a:ext uri="{909E8E84-426E-40DD-AFC4-6F175D3DCCD1}">
-                          <a14:hiddenFill xmlns:a14="http://schemas.microsoft.com/office/drawing/2010/main">
-                            <a:solidFill>
-                              <a:srgbClr val="FFFFFF"/>
-                            </a:solidFill>
-                          </a14:hiddenFill>
-                        </a:ext>
-                        <a:ext uri="{91240B29-F687-4F45-9708-019B960494DF}">
-                          <a14:hiddenLine xmlns:a14="http://schemas.microsoft.com/office/drawing/2010/main" w="9525">
-                            <a:solidFill>
-                              <a:srgbClr val="000000"/>
-                            </a:solidFill>
-                            <a:miter lim="800000"/>
-                            <a:headEnd/>
-                            <a:tailEnd/>
-                          </a14:hiddenLine>
-                        </a:ext>
-                      </a:extLst>
-                    </p:spPr>
-                  </p:pic>
-                </p:oleObj>
-              </mc:Fallback>
-            </mc:AlternateContent>
-          </a:graphicData>
-        </a:graphic>
-      </p:graphicFrame>
+              </a:fontRef>
+            </p:style>
+            <p:txBody>
+              <a:bodyPr lIns="97548" tIns="48774" rIns="97548" bIns="48774" rtlCol="0" anchor="ctr"/>
+              <a:lstStyle/>
+              <a:p>
+                <a:pPr algn="ctr"/>
+                <a:endParaRPr lang="en-US" dirty="0"/>
+              </a:p>
+            </p:txBody>
+          </p:sp>
+        </p:grpSp>
+      </p:grpSp>
     </p:spTree>
     <p:extLst>
       <p:ext uri="{BB962C8B-B14F-4D97-AF65-F5344CB8AC3E}">
@@ -7785,7 +7102,7 @@
 </p:sld>
 </file>
 
-<file path=ppt/slides/slide4.xml><?xml version="1.0" encoding="utf-8"?>
+<file path=ppt/slides/slide3.xml><?xml version="1.0" encoding="utf-8"?>
 <p:sld xmlns:a="http://schemas.openxmlformats.org/drawingml/2006/main" xmlns:r="http://schemas.openxmlformats.org/officeDocument/2006/relationships" xmlns:p="http://schemas.openxmlformats.org/presentationml/2006/main">
   <p:cSld>
     <p:spTree>
@@ -8464,7 +7781,7 @@
 </p:sld>
 </file>
 
-<file path=ppt/slides/slide5.xml><?xml version="1.0" encoding="utf-8"?>
+<file path=ppt/slides/slide4.xml><?xml version="1.0" encoding="utf-8"?>
 <p:sld xmlns:a="http://schemas.openxmlformats.org/drawingml/2006/main" xmlns:r="http://schemas.openxmlformats.org/officeDocument/2006/relationships" xmlns:p="http://schemas.openxmlformats.org/presentationml/2006/main">
   <p:cSld>
     <p:spTree>
@@ -8494,7 +7811,7 @@
         <p:grpSpPr>
           <a:xfrm>
             <a:off x="2174188" y="786562"/>
-            <a:ext cx="5854196" cy="5832648"/>
+            <a:ext cx="5134116" cy="5832648"/>
             <a:chOff x="0" y="0"/>
             <a:chExt cx="9144000" cy="6858000"/>
           </a:xfrm>
@@ -9407,7 +8724,7 @@
         </p:nvGrpSpPr>
         <p:grpSpPr>
           <a:xfrm>
-            <a:off x="7880299" y="1049775"/>
+            <a:off x="7092280" y="1049775"/>
             <a:ext cx="147990" cy="5475216"/>
             <a:chOff x="4600099" y="1543109"/>
             <a:chExt cx="44552" cy="3562291"/>
@@ -10081,6 +9398,2509 @@
 </p:sld>
 </file>
 
+<file path=ppt/slides/slide5.xml><?xml version="1.0" encoding="utf-8"?>
+<p:sld xmlns:a="http://schemas.openxmlformats.org/drawingml/2006/main" xmlns:r="http://schemas.openxmlformats.org/officeDocument/2006/relationships" xmlns:p="http://schemas.openxmlformats.org/presentationml/2006/main">
+  <p:cSld>
+    <p:spTree>
+      <p:nvGrpSpPr>
+        <p:cNvPr id="1" name=""/>
+        <p:cNvGrpSpPr/>
+        <p:nvPr/>
+      </p:nvGrpSpPr>
+      <p:grpSpPr>
+        <a:xfrm>
+          <a:off x="0" y="0"/>
+          <a:ext cx="0" cy="0"/>
+          <a:chOff x="0" y="0"/>
+          <a:chExt cx="0" cy="0"/>
+        </a:xfrm>
+      </p:grpSpPr>
+      <p:grpSp>
+        <p:nvGrpSpPr>
+          <p:cNvPr id="4" name="Window"/>
+          <p:cNvGrpSpPr/>
+          <p:nvPr>
+            <p:custDataLst>
+              <p:custData r:id="rId1"/>
+            </p:custDataLst>
+          </p:nvPr>
+        </p:nvGrpSpPr>
+        <p:grpSpPr>
+          <a:xfrm>
+            <a:off x="0" y="0"/>
+            <a:ext cx="9144000" cy="6858000"/>
+            <a:chOff x="0" y="0"/>
+            <a:chExt cx="9144000" cy="6858000"/>
+          </a:xfrm>
+        </p:grpSpPr>
+        <p:grpSp>
+          <p:nvGrpSpPr>
+            <p:cNvPr id="5" name="Group 2"/>
+            <p:cNvGrpSpPr/>
+            <p:nvPr/>
+          </p:nvGrpSpPr>
+          <p:grpSpPr>
+            <a:xfrm>
+              <a:off x="0" y="0"/>
+              <a:ext cx="9144000" cy="6858000"/>
+              <a:chOff x="0" y="0"/>
+              <a:chExt cx="9144000" cy="6858000"/>
+            </a:xfrm>
+          </p:grpSpPr>
+          <p:sp>
+            <p:nvSpPr>
+              <p:cNvPr id="13" name="Rectangle 10"/>
+              <p:cNvSpPr/>
+              <p:nvPr/>
+            </p:nvSpPr>
+            <p:spPr>
+              <a:xfrm>
+                <a:off x="0" y="0"/>
+                <a:ext cx="9144000" cy="6858000"/>
+              </a:xfrm>
+              <a:prstGeom prst="rect">
+                <a:avLst/>
+              </a:prstGeom>
+              <a:solidFill>
+                <a:srgbClr val="FFFFFF">
+                  <a:lumMod val="65000"/>
+                </a:srgbClr>
+              </a:solidFill>
+              <a:ln w="3175" cap="flat" cmpd="sng" algn="ctr">
+                <a:solidFill>
+                  <a:srgbClr val="000000">
+                    <a:lumMod val="50000"/>
+                    <a:lumOff val="50000"/>
+                  </a:srgbClr>
+                </a:solidFill>
+                <a:prstDash val="solid"/>
+              </a:ln>
+              <a:effectLst/>
+            </p:spPr>
+            <p:txBody>
+              <a:bodyPr rtlCol="0" anchor="ctr"/>
+              <a:lstStyle/>
+              <a:p>
+                <a:pPr algn="ctr"/>
+                <a:endParaRPr lang="en-US" sz="800" kern="0">
+                  <a:solidFill>
+                    <a:prstClr val="white"/>
+                  </a:solidFill>
+                  <a:latin typeface="Segoe UI"/>
+                </a:endParaRPr>
+              </a:p>
+            </p:txBody>
+          </p:sp>
+          <p:sp>
+            <p:nvSpPr>
+              <p:cNvPr id="14" name="Rectangle 11"/>
+              <p:cNvSpPr/>
+              <p:nvPr/>
+            </p:nvSpPr>
+            <p:spPr>
+              <a:xfrm>
+                <a:off x="76200" y="309484"/>
+                <a:ext cx="8991600" cy="6437733"/>
+              </a:xfrm>
+              <a:prstGeom prst="rect">
+                <a:avLst/>
+              </a:prstGeom>
+              <a:solidFill>
+                <a:sysClr val="window" lastClr="FFFFFF"/>
+              </a:solidFill>
+              <a:ln w="3175" cap="flat" cmpd="sng" algn="ctr">
+                <a:solidFill>
+                  <a:srgbClr val="000000">
+                    <a:lumMod val="50000"/>
+                    <a:lumOff val="50000"/>
+                  </a:srgbClr>
+                </a:solidFill>
+                <a:prstDash val="solid"/>
+              </a:ln>
+              <a:effectLst/>
+            </p:spPr>
+            <p:txBody>
+              <a:bodyPr rtlCol="0" anchor="ctr"/>
+              <a:lstStyle/>
+              <a:p>
+                <a:pPr algn="ctr"/>
+                <a:endParaRPr lang="en-US" sz="800" kern="0">
+                  <a:solidFill>
+                    <a:prstClr val="white"/>
+                  </a:solidFill>
+                  <a:latin typeface="Segoe UI"/>
+                </a:endParaRPr>
+              </a:p>
+            </p:txBody>
+          </p:sp>
+          <p:sp>
+            <p:nvSpPr>
+              <p:cNvPr id="15" name="WindowTitle"/>
+              <p:cNvSpPr txBox="1"/>
+              <p:nvPr/>
+            </p:nvSpPr>
+            <p:spPr>
+              <a:xfrm>
+                <a:off x="240976" y="42736"/>
+                <a:ext cx="558358" cy="230832"/>
+              </a:xfrm>
+              <a:prstGeom prst="rect">
+                <a:avLst/>
+              </a:prstGeom>
+              <a:noFill/>
+            </p:spPr>
+            <p:txBody>
+              <a:bodyPr wrap="none" lIns="45720" tIns="18288" rIns="91440" bIns="27432" rtlCol="0" anchor="ctr" anchorCtr="0">
+                <a:spAutoFit/>
+              </a:bodyPr>
+              <a:lstStyle/>
+              <a:p>
+                <a:r>
+                  <a:rPr lang="ru-RU" sz="1200" dirty="0" smtClean="0">
+                    <a:solidFill>
+                      <a:prstClr val="white"/>
+                    </a:solidFill>
+                    <a:latin typeface="Segoe UI" pitchFamily="34" charset="0"/>
+                    <a:ea typeface="Segoe UI" pitchFamily="34" charset="0"/>
+                    <a:cs typeface="Segoe UI" pitchFamily="34" charset="0"/>
+                  </a:rPr>
+                  <a:t>Склад</a:t>
+                </a:r>
+                <a:endParaRPr lang="en-US" sz="1200" dirty="0" smtClean="0">
+                  <a:solidFill>
+                    <a:prstClr val="white"/>
+                  </a:solidFill>
+                  <a:latin typeface="Segoe UI" pitchFamily="34" charset="0"/>
+                  <a:ea typeface="Segoe UI" pitchFamily="34" charset="0"/>
+                  <a:cs typeface="Segoe UI" pitchFamily="34" charset="0"/>
+                </a:endParaRPr>
+              </a:p>
+            </p:txBody>
+          </p:sp>
+        </p:grpSp>
+        <p:grpSp>
+          <p:nvGrpSpPr>
+            <p:cNvPr id="6" name="Minimize - Maximize - Close"/>
+            <p:cNvGrpSpPr/>
+            <p:nvPr/>
+          </p:nvGrpSpPr>
+          <p:grpSpPr>
+            <a:xfrm>
+              <a:off x="8632311" y="92599"/>
+              <a:ext cx="384527" cy="78032"/>
+              <a:chOff x="9347642" y="131588"/>
+              <a:chExt cx="384527" cy="78032"/>
+            </a:xfrm>
+          </p:grpSpPr>
+          <p:cxnSp>
+            <p:nvCxnSpPr>
+              <p:cNvPr id="8" name="Line"/>
+              <p:cNvCxnSpPr/>
+              <p:nvPr/>
+            </p:nvCxnSpPr>
+            <p:spPr>
+              <a:xfrm>
+                <a:off x="9661396" y="131588"/>
+                <a:ext cx="70773" cy="76200"/>
+              </a:xfrm>
+              <a:prstGeom prst="line">
+                <a:avLst/>
+              </a:prstGeom>
+              <a:ln w="12700">
+                <a:solidFill>
+                  <a:srgbClr val="FFFFFF"/>
+                </a:solidFill>
+              </a:ln>
+            </p:spPr>
+            <p:style>
+              <a:lnRef idx="1">
+                <a:srgbClr val="4F81BD"/>
+              </a:lnRef>
+              <a:fillRef idx="0">
+                <a:srgbClr val="4F81BD"/>
+              </a:fillRef>
+              <a:effectRef idx="0">
+                <a:srgbClr val="4F81BD"/>
+              </a:effectRef>
+              <a:fontRef idx="minor">
+                <a:srgbClr val="000000"/>
+              </a:fontRef>
+            </p:style>
+          </p:cxnSp>
+          <p:cxnSp>
+            <p:nvCxnSpPr>
+              <p:cNvPr id="9" name="Line"/>
+              <p:cNvCxnSpPr/>
+              <p:nvPr/>
+            </p:nvCxnSpPr>
+            <p:spPr>
+              <a:xfrm flipH="1">
+                <a:off x="9661395" y="131588"/>
+                <a:ext cx="70773" cy="76200"/>
+              </a:xfrm>
+              <a:prstGeom prst="line">
+                <a:avLst/>
+              </a:prstGeom>
+              <a:ln w="12700">
+                <a:solidFill>
+                  <a:srgbClr val="FFFFFF"/>
+                </a:solidFill>
+              </a:ln>
+            </p:spPr>
+            <p:style>
+              <a:lnRef idx="1">
+                <a:srgbClr val="4F81BD"/>
+              </a:lnRef>
+              <a:fillRef idx="0">
+                <a:srgbClr val="4F81BD"/>
+              </a:fillRef>
+              <a:effectRef idx="0">
+                <a:srgbClr val="4F81BD"/>
+              </a:effectRef>
+              <a:fontRef idx="minor">
+                <a:srgbClr val="000000"/>
+              </a:fontRef>
+            </p:style>
+          </p:cxnSp>
+          <p:sp>
+            <p:nvSpPr>
+              <p:cNvPr id="10" name="Line"/>
+              <p:cNvSpPr/>
+              <p:nvPr/>
+            </p:nvSpPr>
+            <p:spPr>
+              <a:xfrm rot="10800000" flipV="1">
+                <a:off x="9499472" y="143255"/>
+                <a:ext cx="91440" cy="9144"/>
+              </a:xfrm>
+              <a:prstGeom prst="rect">
+                <a:avLst/>
+              </a:prstGeom>
+              <a:solidFill>
+                <a:srgbClr val="919191"/>
+              </a:solidFill>
+              <a:ln w="3175">
+                <a:solidFill>
+                  <a:srgbClr val="FFFFFF"/>
+                </a:solidFill>
+              </a:ln>
+            </p:spPr>
+            <p:style>
+              <a:lnRef idx="2">
+                <a:srgbClr val="4F81BD">
+                  <a:shade val="50000"/>
+                </a:srgbClr>
+              </a:lnRef>
+              <a:fillRef idx="1001">
+                <a:srgbClr val="000000"/>
+              </a:fillRef>
+              <a:effectRef idx="0">
+                <a:srgbClr val="4F81BD"/>
+              </a:effectRef>
+              <a:fontRef idx="minor">
+                <a:srgbClr val="000000"/>
+              </a:fontRef>
+            </p:style>
+            <p:txBody>
+              <a:bodyPr rtlCol="0" anchor="ctr"/>
+              <a:lstStyle/>
+              <a:p>
+                <a:pPr algn="ctr"/>
+                <a:endParaRPr lang="en-US" dirty="0">
+                  <a:solidFill>
+                    <a:prstClr val="white"/>
+                  </a:solidFill>
+                </a:endParaRPr>
+              </a:p>
+            </p:txBody>
+          </p:sp>
+          <p:sp>
+            <p:nvSpPr>
+              <p:cNvPr id="11" name="Line"/>
+              <p:cNvSpPr/>
+              <p:nvPr/>
+            </p:nvSpPr>
+            <p:spPr>
+              <a:xfrm rot="10800000" flipV="1">
+                <a:off x="9498658" y="135261"/>
+                <a:ext cx="91440" cy="72527"/>
+              </a:xfrm>
+              <a:prstGeom prst="rect">
+                <a:avLst/>
+              </a:prstGeom>
+              <a:noFill/>
+              <a:ln w="12700">
+                <a:solidFill>
+                  <a:srgbClr val="FFFFFF"/>
+                </a:solidFill>
+              </a:ln>
+            </p:spPr>
+            <p:style>
+              <a:lnRef idx="2">
+                <a:srgbClr val="4F81BD">
+                  <a:shade val="50000"/>
+                </a:srgbClr>
+              </a:lnRef>
+              <a:fillRef idx="1001">
+                <a:srgbClr val="000000"/>
+              </a:fillRef>
+              <a:effectRef idx="0">
+                <a:srgbClr val="4F81BD"/>
+              </a:effectRef>
+              <a:fontRef idx="minor">
+                <a:srgbClr val="000000"/>
+              </a:fontRef>
+            </p:style>
+            <p:txBody>
+              <a:bodyPr rtlCol="0" anchor="ctr"/>
+              <a:lstStyle/>
+              <a:p>
+                <a:pPr algn="ctr"/>
+                <a:endParaRPr lang="en-US" dirty="0">
+                  <a:solidFill>
+                    <a:prstClr val="white"/>
+                  </a:solidFill>
+                </a:endParaRPr>
+              </a:p>
+            </p:txBody>
+          </p:sp>
+          <p:sp>
+            <p:nvSpPr>
+              <p:cNvPr id="12" name="Line"/>
+              <p:cNvSpPr/>
+              <p:nvPr/>
+            </p:nvSpPr>
+            <p:spPr>
+              <a:xfrm rot="10800000" flipV="1">
+                <a:off x="9347642" y="200476"/>
+                <a:ext cx="91440" cy="9144"/>
+              </a:xfrm>
+              <a:prstGeom prst="rect">
+                <a:avLst/>
+              </a:prstGeom>
+              <a:solidFill>
+                <a:srgbClr val="919191"/>
+              </a:solidFill>
+              <a:ln w="3175">
+                <a:solidFill>
+                  <a:srgbClr val="FFFFFF"/>
+                </a:solidFill>
+              </a:ln>
+            </p:spPr>
+            <p:style>
+              <a:lnRef idx="2">
+                <a:srgbClr val="4F81BD">
+                  <a:shade val="50000"/>
+                </a:srgbClr>
+              </a:lnRef>
+              <a:fillRef idx="1001">
+                <a:srgbClr val="000000"/>
+              </a:fillRef>
+              <a:effectRef idx="0">
+                <a:srgbClr val="4F81BD"/>
+              </a:effectRef>
+              <a:fontRef idx="minor">
+                <a:srgbClr val="000000"/>
+              </a:fontRef>
+            </p:style>
+            <p:txBody>
+              <a:bodyPr rtlCol="0" anchor="ctr"/>
+              <a:lstStyle/>
+              <a:p>
+                <a:pPr algn="ctr"/>
+                <a:endParaRPr lang="en-US" dirty="0">
+                  <a:solidFill>
+                    <a:prstClr val="white"/>
+                  </a:solidFill>
+                </a:endParaRPr>
+              </a:p>
+            </p:txBody>
+          </p:sp>
+        </p:grpSp>
+        <p:sp>
+          <p:nvSpPr>
+            <p:cNvPr id="7" name="Oval 4"/>
+            <p:cNvSpPr/>
+            <p:nvPr/>
+          </p:nvSpPr>
+          <p:spPr>
+            <a:xfrm>
+              <a:off x="83477" y="80065"/>
+              <a:ext cx="145536" cy="150875"/>
+            </a:xfrm>
+            <a:prstGeom prst="ellipse">
+              <a:avLst/>
+            </a:prstGeom>
+            <a:gradFill flip="none" rotWithShape="1">
+              <a:gsLst>
+                <a:gs pos="91000">
+                  <a:srgbClr val="FFFFFF">
+                    <a:lumMod val="85000"/>
+                  </a:srgbClr>
+                </a:gs>
+                <a:gs pos="36000">
+                  <a:srgbClr val="FFFFFF">
+                    <a:lumMod val="95000"/>
+                  </a:srgbClr>
+                </a:gs>
+                <a:gs pos="100000">
+                  <a:srgbClr val="FFFFFF">
+                    <a:lumMod val="95000"/>
+                  </a:srgbClr>
+                </a:gs>
+              </a:gsLst>
+              <a:lin ang="5400000" scaled="0"/>
+              <a:tileRect/>
+            </a:gradFill>
+            <a:ln w="3175">
+              <a:solidFill>
+                <a:srgbClr val="000000">
+                  <a:lumMod val="50000"/>
+                  <a:lumOff val="50000"/>
+                </a:srgbClr>
+              </a:solidFill>
+            </a:ln>
+            <a:effectLst/>
+          </p:spPr>
+          <p:style>
+            <a:lnRef idx="2">
+              <a:srgbClr val="4F81BD">
+                <a:shade val="50000"/>
+              </a:srgbClr>
+            </a:lnRef>
+            <a:fillRef idx="1">
+              <a:srgbClr val="4F81BD"/>
+            </a:fillRef>
+            <a:effectRef idx="0">
+              <a:srgbClr val="4F81BD"/>
+            </a:effectRef>
+            <a:fontRef idx="minor">
+              <a:srgbClr val="000000"/>
+            </a:fontRef>
+          </p:style>
+          <p:txBody>
+            <a:bodyPr lIns="97531" tIns="48766" rIns="97531" bIns="48766" rtlCol="0" anchor="ctr"/>
+            <a:lstStyle/>
+            <a:p>
+              <a:pPr algn="ctr"/>
+              <a:endParaRPr lang="en-US">
+                <a:solidFill>
+                  <a:prstClr val="white"/>
+                </a:solidFill>
+              </a:endParaRPr>
+            </a:p>
+          </p:txBody>
+        </p:sp>
+      </p:grpSp>
+      <p:grpSp>
+        <p:nvGrpSpPr>
+          <p:cNvPr id="25" name="TabGroupVertical"/>
+          <p:cNvGrpSpPr/>
+          <p:nvPr>
+            <p:custDataLst>
+              <p:custData r:id="rId2"/>
+            </p:custDataLst>
+          </p:nvPr>
+        </p:nvGrpSpPr>
+        <p:grpSpPr>
+          <a:xfrm>
+            <a:off x="226539" y="620688"/>
+            <a:ext cx="8497212" cy="5328592"/>
+            <a:chOff x="2987841" y="2723643"/>
+            <a:chExt cx="3603459" cy="2054097"/>
+          </a:xfrm>
+        </p:grpSpPr>
+        <p:sp>
+          <p:nvSpPr>
+            <p:cNvPr id="26" name="Container"/>
+            <p:cNvSpPr>
+              <a:spLocks/>
+            </p:cNvSpPr>
+            <p:nvPr/>
+          </p:nvSpPr>
+          <p:spPr>
+            <a:xfrm>
+              <a:off x="3320854" y="2723643"/>
+              <a:ext cx="3270446" cy="2054097"/>
+            </a:xfrm>
+            <a:prstGeom prst="rect">
+              <a:avLst/>
+            </a:prstGeom>
+            <a:solidFill>
+              <a:sysClr val="window" lastClr="FFFFFF"/>
+            </a:solidFill>
+            <a:ln w="3175" cap="flat" cmpd="sng" algn="ctr">
+              <a:solidFill>
+                <a:srgbClr val="FFFFFF">
+                  <a:lumMod val="50000"/>
+                </a:srgbClr>
+              </a:solidFill>
+              <a:prstDash val="solid"/>
+            </a:ln>
+            <a:effectLst/>
+          </p:spPr>
+          <p:txBody>
+            <a:bodyPr rot="0" spcFirstLastPara="0" vertOverflow="overflow" horzOverflow="overflow" vert="horz" wrap="square" lIns="45720" tIns="45720" rIns="91440" bIns="45720" numCol="1" spcCol="0" rtlCol="0" fromWordArt="0" anchor="ctr" anchorCtr="0" forceAA="0" compatLnSpc="1">
+              <a:prstTxWarp prst="textNoShape">
+                <a:avLst/>
+              </a:prstTxWarp>
+              <a:noAutofit/>
+            </a:bodyPr>
+            <a:lstStyle/>
+            <a:p>
+              <a:pPr marL="0" marR="0" indent="0" algn="ctr" defTabSz="914400" eaLnBrk="1" fontAlgn="auto" latinLnBrk="0" hangingPunct="1">
+                <a:lnSpc>
+                  <a:spcPct val="100000"/>
+                </a:lnSpc>
+                <a:spcBef>
+                  <a:spcPts val="0"/>
+                </a:spcBef>
+                <a:spcAft>
+                  <a:spcPts val="0"/>
+                </a:spcAft>
+                <a:buClrTx/>
+                <a:buSzTx/>
+                <a:buFontTx/>
+                <a:buNone/>
+                <a:tabLst/>
+              </a:pPr>
+              <a:endParaRPr kumimoji="0" lang="en-US" sz="800" b="0" i="0" u="none" strike="noStrike" kern="0" cap="none" spc="0" normalizeH="0" baseline="0" noProof="0" dirty="0" smtClean="0">
+                <a:ln>
+                  <a:noFill/>
+                </a:ln>
+                <a:solidFill>
+                  <a:srgbClr val="000000">
+                    <a:lumMod val="75000"/>
+                    <a:lumOff val="25000"/>
+                  </a:srgbClr>
+                </a:solidFill>
+                <a:effectLst/>
+                <a:uLnTx/>
+                <a:uFillTx/>
+                <a:latin typeface="Segoe UI"/>
+                <a:ea typeface="+mn-ea"/>
+                <a:cs typeface="+mn-cs"/>
+              </a:endParaRPr>
+            </a:p>
+          </p:txBody>
+        </p:sp>
+        <p:sp>
+          <p:nvSpPr>
+            <p:cNvPr id="27" name="Tab2"/>
+            <p:cNvSpPr txBox="1">
+              <a:spLocks/>
+            </p:cNvSpPr>
+            <p:nvPr/>
+          </p:nvSpPr>
+          <p:spPr>
+            <a:xfrm>
+              <a:off x="3004367" y="2818043"/>
+              <a:ext cx="316487" cy="77547"/>
+            </a:xfrm>
+            <a:prstGeom prst="rect">
+              <a:avLst/>
+            </a:prstGeom>
+            <a:solidFill>
+              <a:srgbClr val="FFFFFF">
+                <a:lumMod val="85000"/>
+              </a:srgbClr>
+            </a:solidFill>
+            <a:ln w="3175">
+              <a:solidFill>
+                <a:srgbClr val="FFFFFF">
+                  <a:lumMod val="50000"/>
+                </a:srgbClr>
+              </a:solidFill>
+            </a:ln>
+          </p:spPr>
+          <p:txBody>
+            <a:bodyPr wrap="none" lIns="45720" tIns="9144" rIns="45720" rtlCol="0">
+              <a:noAutofit/>
+            </a:bodyPr>
+            <a:lstStyle/>
+            <a:p>
+              <a:r>
+                <a:rPr lang="ru-RU" sz="1200" dirty="0" smtClean="0">
+                  <a:latin typeface="Segoe UI" pitchFamily="34" charset="0"/>
+                  <a:ea typeface="Segoe UI" pitchFamily="34" charset="0"/>
+                  <a:cs typeface="Segoe UI" pitchFamily="34" charset="0"/>
+                </a:rPr>
+                <a:t>Семена</a:t>
+              </a:r>
+              <a:endParaRPr lang="en-US" sz="1200" dirty="0">
+                <a:latin typeface="Segoe UI" pitchFamily="34" charset="0"/>
+                <a:ea typeface="Segoe UI" pitchFamily="34" charset="0"/>
+                <a:cs typeface="Segoe UI" pitchFamily="34" charset="0"/>
+              </a:endParaRPr>
+            </a:p>
+          </p:txBody>
+        </p:sp>
+        <p:grpSp>
+          <p:nvGrpSpPr>
+            <p:cNvPr id="28" name="Group 4"/>
+            <p:cNvGrpSpPr/>
+            <p:nvPr/>
+          </p:nvGrpSpPr>
+          <p:grpSpPr>
+            <a:xfrm>
+              <a:off x="2987841" y="2740496"/>
+              <a:ext cx="332451" cy="77547"/>
+              <a:chOff x="3235714" y="2780189"/>
+              <a:chExt cx="240622" cy="77547"/>
+            </a:xfrm>
+          </p:grpSpPr>
+          <p:sp>
+            <p:nvSpPr>
+              <p:cNvPr id="31" name="TabLine"/>
+              <p:cNvSpPr txBox="1">
+                <a:spLocks/>
+              </p:cNvSpPr>
+              <p:nvPr/>
+            </p:nvSpPr>
+            <p:spPr>
+              <a:xfrm>
+                <a:off x="3235714" y="2780189"/>
+                <a:ext cx="240557" cy="77547"/>
+              </a:xfrm>
+              <a:prstGeom prst="rect">
+                <a:avLst/>
+              </a:prstGeom>
+              <a:solidFill>
+                <a:srgbClr val="FFFFFF"/>
+              </a:solidFill>
+              <a:ln w="3175">
+                <a:solidFill>
+                  <a:srgbClr val="FFFFFF">
+                    <a:lumMod val="50000"/>
+                  </a:srgbClr>
+                </a:solidFill>
+              </a:ln>
+            </p:spPr>
+            <p:txBody>
+              <a:bodyPr wrap="none" lIns="45720" tIns="9144" rIns="45720" rtlCol="0">
+                <a:noAutofit/>
+              </a:bodyPr>
+              <a:lstStyle/>
+              <a:p>
+                <a:r>
+                  <a:rPr lang="ru-RU" sz="1200" dirty="0" smtClean="0">
+                    <a:latin typeface="Segoe UI" pitchFamily="34" charset="0"/>
+                    <a:ea typeface="Segoe UI" pitchFamily="34" charset="0"/>
+                    <a:cs typeface="Segoe UI" pitchFamily="34" charset="0"/>
+                  </a:rPr>
+                  <a:t>Удобрения </a:t>
+                </a:r>
+                <a:endParaRPr lang="en-US" sz="1200" dirty="0">
+                  <a:latin typeface="Segoe UI" pitchFamily="34" charset="0"/>
+                  <a:ea typeface="Segoe UI" pitchFamily="34" charset="0"/>
+                  <a:cs typeface="Segoe UI" pitchFamily="34" charset="0"/>
+                </a:endParaRPr>
+              </a:p>
+            </p:txBody>
+          </p:sp>
+          <p:sp>
+            <p:nvSpPr>
+              <p:cNvPr id="32" name="ActiveTab"/>
+              <p:cNvSpPr>
+                <a:spLocks/>
+              </p:cNvSpPr>
+              <p:nvPr/>
+            </p:nvSpPr>
+            <p:spPr>
+              <a:xfrm>
+                <a:off x="3476336" y="2780189"/>
+                <a:ext cx="0" cy="77547"/>
+              </a:xfrm>
+              <a:prstGeom prst="rect">
+                <a:avLst/>
+              </a:prstGeom>
+              <a:solidFill>
+                <a:sysClr val="window" lastClr="FFFFFF"/>
+              </a:solidFill>
+              <a:ln w="3175" cap="flat" cmpd="sng" algn="ctr">
+                <a:solidFill>
+                  <a:srgbClr val="FFFFFF"/>
+                </a:solidFill>
+                <a:prstDash val="solid"/>
+              </a:ln>
+              <a:effectLst/>
+            </p:spPr>
+            <p:txBody>
+              <a:bodyPr rot="0" spcFirstLastPara="0" vertOverflow="overflow" horzOverflow="overflow" vert="horz" wrap="square" lIns="45720" tIns="45720" rIns="91440" bIns="45720" numCol="1" spcCol="0" rtlCol="0" fromWordArt="0" anchor="ctr" anchorCtr="0" forceAA="0" compatLnSpc="1">
+                <a:prstTxWarp prst="textNoShape">
+                  <a:avLst/>
+                </a:prstTxWarp>
+                <a:noAutofit/>
+              </a:bodyPr>
+              <a:lstStyle/>
+              <a:p>
+                <a:pPr marL="0" marR="0" indent="0" algn="ctr" defTabSz="914400" eaLnBrk="1" fontAlgn="auto" latinLnBrk="0" hangingPunct="1">
+                  <a:lnSpc>
+                    <a:spcPct val="100000"/>
+                  </a:lnSpc>
+                  <a:spcBef>
+                    <a:spcPts val="0"/>
+                  </a:spcBef>
+                  <a:spcAft>
+                    <a:spcPts val="0"/>
+                  </a:spcAft>
+                  <a:buClrTx/>
+                  <a:buSzTx/>
+                  <a:buFontTx/>
+                  <a:buNone/>
+                  <a:tabLst/>
+                </a:pPr>
+                <a:endParaRPr kumimoji="0" lang="en-US" sz="800" b="0" i="0" u="none" strike="noStrike" kern="0" cap="none" spc="0" normalizeH="0" baseline="0" noProof="0" dirty="0" smtClean="0">
+                  <a:ln>
+                    <a:noFill/>
+                  </a:ln>
+                  <a:solidFill>
+                    <a:srgbClr val="000000">
+                      <a:lumMod val="75000"/>
+                      <a:lumOff val="25000"/>
+                    </a:srgbClr>
+                  </a:solidFill>
+                  <a:effectLst/>
+                  <a:uLnTx/>
+                  <a:uFillTx/>
+                  <a:latin typeface="Segoe UI"/>
+                  <a:ea typeface="+mn-ea"/>
+                  <a:cs typeface="+mn-cs"/>
+                </a:endParaRPr>
+              </a:p>
+            </p:txBody>
+          </p:sp>
+        </p:grpSp>
+        <p:sp>
+          <p:nvSpPr>
+            <p:cNvPr id="29" name="Tab3"/>
+            <p:cNvSpPr txBox="1">
+              <a:spLocks/>
+            </p:cNvSpPr>
+            <p:nvPr/>
+          </p:nvSpPr>
+          <p:spPr>
+            <a:xfrm>
+              <a:off x="3004367" y="2895591"/>
+              <a:ext cx="316487" cy="77547"/>
+            </a:xfrm>
+            <a:prstGeom prst="rect">
+              <a:avLst/>
+            </a:prstGeom>
+            <a:solidFill>
+              <a:srgbClr val="FFFFFF">
+                <a:lumMod val="85000"/>
+              </a:srgbClr>
+            </a:solidFill>
+            <a:ln w="3175">
+              <a:solidFill>
+                <a:srgbClr val="FFFFFF">
+                  <a:lumMod val="50000"/>
+                </a:srgbClr>
+              </a:solidFill>
+            </a:ln>
+          </p:spPr>
+          <p:txBody>
+            <a:bodyPr wrap="none" lIns="45720" tIns="9144" rIns="45720" rtlCol="0">
+              <a:noAutofit/>
+            </a:bodyPr>
+            <a:lstStyle/>
+            <a:p>
+              <a:r>
+                <a:rPr lang="ru-RU" sz="1200" dirty="0" smtClean="0">
+                  <a:latin typeface="Segoe UI" pitchFamily="34" charset="0"/>
+                  <a:ea typeface="Segoe UI" pitchFamily="34" charset="0"/>
+                  <a:cs typeface="Segoe UI" pitchFamily="34" charset="0"/>
+                </a:rPr>
+                <a:t>Рассада</a:t>
+              </a:r>
+              <a:endParaRPr lang="en-US" sz="1200" dirty="0">
+                <a:latin typeface="Segoe UI" pitchFamily="34" charset="0"/>
+                <a:ea typeface="Segoe UI" pitchFamily="34" charset="0"/>
+                <a:cs typeface="Segoe UI" pitchFamily="34" charset="0"/>
+              </a:endParaRPr>
+            </a:p>
+          </p:txBody>
+        </p:sp>
+        <p:sp>
+          <p:nvSpPr>
+            <p:cNvPr id="30" name="Tab4"/>
+            <p:cNvSpPr txBox="1">
+              <a:spLocks/>
+            </p:cNvSpPr>
+            <p:nvPr/>
+          </p:nvSpPr>
+          <p:spPr>
+            <a:xfrm>
+              <a:off x="3004367" y="2973138"/>
+              <a:ext cx="316487" cy="77547"/>
+            </a:xfrm>
+            <a:prstGeom prst="rect">
+              <a:avLst/>
+            </a:prstGeom>
+            <a:solidFill>
+              <a:srgbClr val="FFFFFF">
+                <a:lumMod val="85000"/>
+              </a:srgbClr>
+            </a:solidFill>
+            <a:ln w="3175">
+              <a:solidFill>
+                <a:srgbClr val="FFFFFF">
+                  <a:lumMod val="50000"/>
+                </a:srgbClr>
+              </a:solidFill>
+            </a:ln>
+          </p:spPr>
+          <p:txBody>
+            <a:bodyPr wrap="none" lIns="45720" tIns="9144" rIns="45720" rtlCol="0">
+              <a:noAutofit/>
+            </a:bodyPr>
+            <a:lstStyle/>
+            <a:p>
+              <a:r>
+                <a:rPr lang="ru-RU" sz="1200" dirty="0" smtClean="0">
+                  <a:latin typeface="Segoe UI" pitchFamily="34" charset="0"/>
+                  <a:ea typeface="Segoe UI" pitchFamily="34" charset="0"/>
+                  <a:cs typeface="Segoe UI" pitchFamily="34" charset="0"/>
+                </a:rPr>
+                <a:t>Грунт</a:t>
+              </a:r>
+              <a:endParaRPr lang="en-US" sz="1200" dirty="0">
+                <a:latin typeface="Segoe UI" pitchFamily="34" charset="0"/>
+                <a:ea typeface="Segoe UI" pitchFamily="34" charset="0"/>
+                <a:cs typeface="Segoe UI" pitchFamily="34" charset="0"/>
+              </a:endParaRPr>
+            </a:p>
+          </p:txBody>
+        </p:sp>
+      </p:grpSp>
+      <p:sp>
+        <p:nvSpPr>
+          <p:cNvPr id="33" name="Tab4"/>
+          <p:cNvSpPr txBox="1">
+            <a:spLocks/>
+          </p:cNvSpPr>
+          <p:nvPr/>
+        </p:nvSpPr>
+        <p:spPr>
+          <a:xfrm>
+            <a:off x="156246" y="1490765"/>
+            <a:ext cx="854024" cy="498075"/>
+          </a:xfrm>
+          <a:prstGeom prst="rect">
+            <a:avLst/>
+          </a:prstGeom>
+          <a:solidFill>
+            <a:srgbClr val="FFFFFF">
+              <a:lumMod val="85000"/>
+            </a:srgbClr>
+          </a:solidFill>
+          <a:ln w="3175">
+            <a:solidFill>
+              <a:srgbClr val="FFFFFF">
+                <a:lumMod val="50000"/>
+              </a:srgbClr>
+            </a:solidFill>
+          </a:ln>
+        </p:spPr>
+        <p:txBody>
+          <a:bodyPr wrap="none" lIns="45720" tIns="9144" rIns="45720" rtlCol="0">
+            <a:noAutofit/>
+          </a:bodyPr>
+          <a:lstStyle/>
+          <a:p>
+            <a:r>
+              <a:rPr lang="ru-RU" sz="1200" dirty="0" smtClean="0">
+                <a:latin typeface="Segoe UI" pitchFamily="34" charset="0"/>
+                <a:ea typeface="Segoe UI" pitchFamily="34" charset="0"/>
+                <a:cs typeface="Segoe UI" pitchFamily="34" charset="0"/>
+              </a:rPr>
+              <a:t>Ср-</a:t>
+            </a:r>
+            <a:r>
+              <a:rPr lang="ru-RU" sz="1200" dirty="0" err="1" smtClean="0">
+                <a:latin typeface="Segoe UI" pitchFamily="34" charset="0"/>
+                <a:ea typeface="Segoe UI" pitchFamily="34" charset="0"/>
+                <a:cs typeface="Segoe UI" pitchFamily="34" charset="0"/>
+              </a:rPr>
+              <a:t>ва</a:t>
+            </a:r>
+            <a:r>
+              <a:rPr lang="ru-RU" sz="1200" dirty="0" smtClean="0">
+                <a:latin typeface="Segoe UI" pitchFamily="34" charset="0"/>
+                <a:ea typeface="Segoe UI" pitchFamily="34" charset="0"/>
+                <a:cs typeface="Segoe UI" pitchFamily="34" charset="0"/>
+              </a:rPr>
+              <a:t> от </a:t>
+            </a:r>
+          </a:p>
+          <a:p>
+            <a:r>
+              <a:rPr lang="ru-RU" sz="1200" dirty="0" smtClean="0">
+                <a:latin typeface="Segoe UI" pitchFamily="34" charset="0"/>
+                <a:ea typeface="Segoe UI" pitchFamily="34" charset="0"/>
+                <a:cs typeface="Segoe UI" pitchFamily="34" charset="0"/>
+              </a:rPr>
+              <a:t>вредителей </a:t>
+            </a:r>
+            <a:endParaRPr lang="en-US" sz="1200" dirty="0">
+              <a:latin typeface="Segoe UI" pitchFamily="34" charset="0"/>
+              <a:ea typeface="Segoe UI" pitchFamily="34" charset="0"/>
+              <a:cs typeface="Segoe UI" pitchFamily="34" charset="0"/>
+            </a:endParaRPr>
+          </a:p>
+        </p:txBody>
+      </p:sp>
+      <p:graphicFrame>
+        <p:nvGraphicFramePr>
+          <p:cNvPr id="34" name="Table"/>
+          <p:cNvGraphicFramePr>
+            <a:graphicFrameLocks noGrp="1"/>
+          </p:cNvGraphicFramePr>
+          <p:nvPr>
+            <p:custDataLst>
+              <p:custData r:id="rId3"/>
+            </p:custDataLst>
+            <p:extLst>
+              <p:ext uri="{D42A27DB-BD31-4B8C-83A1-F6EECF244321}">
+                <p14:modId xmlns:p14="http://schemas.microsoft.com/office/powerpoint/2010/main" val="673827290"/>
+              </p:ext>
+            </p:extLst>
+          </p:nvPr>
+        </p:nvGraphicFramePr>
+        <p:xfrm>
+          <a:off x="1218034" y="743421"/>
+          <a:ext cx="7299490" cy="4637888"/>
+        </p:xfrm>
+        <a:graphic>
+          <a:graphicData uri="http://schemas.openxmlformats.org/drawingml/2006/table">
+            <a:tbl>
+              <a:tblPr firstRow="1" bandRow="1">
+                <a:tableStyleId>{8EC20E35-A176-4012-BC5E-935CFFF8708E}</a:tableStyleId>
+              </a:tblPr>
+              <a:tblGrid>
+                <a:gridCol w="1788479"/>
+                <a:gridCol w="1765864"/>
+                <a:gridCol w="1790298"/>
+                <a:gridCol w="1954849"/>
+              </a:tblGrid>
+              <a:tr h="579736">
+                <a:tc>
+                  <a:txBody>
+                    <a:bodyPr/>
+                    <a:lstStyle/>
+                    <a:p>
+                      <a:r>
+                        <a:rPr lang="ru-RU" sz="1100" dirty="0" smtClean="0">
+                          <a:solidFill>
+                            <a:srgbClr val="000000"/>
+                          </a:solidFill>
+                        </a:rPr>
+                        <a:t>Название</a:t>
+                      </a:r>
+                      <a:endParaRPr lang="en-US" sz="1100" dirty="0">
+                        <a:solidFill>
+                          <a:srgbClr val="000000"/>
+                        </a:solidFill>
+                      </a:endParaRPr>
+                    </a:p>
+                  </a:txBody>
+                  <a:tcPr marL="56960" marR="56960" marT="0" marB="28480">
+                    <a:lnL w="3175" cap="flat" cmpd="sng" algn="ctr">
+                      <a:solidFill>
+                        <a:srgbClr val="FFFFFF">
+                          <a:lumMod val="50000"/>
+                        </a:srgbClr>
+                      </a:solidFill>
+                      <a:prstDash val="solid"/>
+                      <a:round/>
+                      <a:headEnd type="none" w="med" len="med"/>
+                      <a:tailEnd type="none" w="med" len="med"/>
+                    </a:lnL>
+                    <a:lnR w="3175" cap="flat" cmpd="sng" algn="ctr">
+                      <a:solidFill>
+                        <a:srgbClr val="FFFFFF">
+                          <a:lumMod val="50000"/>
+                        </a:srgbClr>
+                      </a:solidFill>
+                      <a:prstDash val="solid"/>
+                      <a:round/>
+                      <a:headEnd type="none" w="med" len="med"/>
+                      <a:tailEnd type="none" w="med" len="med"/>
+                    </a:lnR>
+                    <a:lnT w="3175" cap="flat" cmpd="sng" algn="ctr">
+                      <a:solidFill>
+                        <a:srgbClr val="FFFFFF">
+                          <a:lumMod val="50000"/>
+                        </a:srgbClr>
+                      </a:solidFill>
+                      <a:prstDash val="solid"/>
+                      <a:round/>
+                      <a:headEnd type="none" w="med" len="med"/>
+                      <a:tailEnd type="none" w="med" len="med"/>
+                    </a:lnT>
+                    <a:lnB w="3175" cap="flat" cmpd="sng" algn="ctr">
+                      <a:solidFill>
+                        <a:srgbClr val="FFFFFF">
+                          <a:lumMod val="50000"/>
+                        </a:srgbClr>
+                      </a:solidFill>
+                      <a:prstDash val="solid"/>
+                      <a:round/>
+                      <a:headEnd type="none" w="med" len="med"/>
+                      <a:tailEnd type="none" w="med" len="med"/>
+                    </a:lnB>
+                    <a:solidFill>
+                      <a:srgbClr val="FFFFFF">
+                        <a:lumMod val="75000"/>
+                      </a:srgbClr>
+                    </a:solidFill>
+                  </a:tcPr>
+                </a:tc>
+                <a:tc>
+                  <a:txBody>
+                    <a:bodyPr/>
+                    <a:lstStyle/>
+                    <a:p>
+                      <a:r>
+                        <a:rPr lang="ru-RU" sz="1100" dirty="0" smtClean="0">
+                          <a:solidFill>
+                            <a:srgbClr val="000000"/>
+                          </a:solidFill>
+                        </a:rPr>
+                        <a:t>Тип </a:t>
+                      </a:r>
+                      <a:endParaRPr lang="en-US" sz="1100" dirty="0">
+                        <a:solidFill>
+                          <a:srgbClr val="000000"/>
+                        </a:solidFill>
+                      </a:endParaRPr>
+                    </a:p>
+                  </a:txBody>
+                  <a:tcPr marL="56960" marR="56960" marT="0" marB="28480">
+                    <a:lnL w="3175" cap="flat" cmpd="sng" algn="ctr">
+                      <a:solidFill>
+                        <a:srgbClr val="FFFFFF">
+                          <a:lumMod val="50000"/>
+                        </a:srgbClr>
+                      </a:solidFill>
+                      <a:prstDash val="solid"/>
+                      <a:round/>
+                      <a:headEnd type="none" w="med" len="med"/>
+                      <a:tailEnd type="none" w="med" len="med"/>
+                    </a:lnL>
+                    <a:lnR w="3175" cap="flat" cmpd="sng" algn="ctr">
+                      <a:solidFill>
+                        <a:srgbClr val="FFFFFF">
+                          <a:lumMod val="50000"/>
+                        </a:srgbClr>
+                      </a:solidFill>
+                      <a:prstDash val="solid"/>
+                      <a:round/>
+                      <a:headEnd type="none" w="med" len="med"/>
+                      <a:tailEnd type="none" w="med" len="med"/>
+                    </a:lnR>
+                    <a:lnT w="3175" cap="flat" cmpd="sng" algn="ctr">
+                      <a:solidFill>
+                        <a:srgbClr val="FFFFFF">
+                          <a:lumMod val="50000"/>
+                        </a:srgbClr>
+                      </a:solidFill>
+                      <a:prstDash val="solid"/>
+                      <a:round/>
+                      <a:headEnd type="none" w="med" len="med"/>
+                      <a:tailEnd type="none" w="med" len="med"/>
+                    </a:lnT>
+                    <a:lnB w="3175" cap="flat" cmpd="sng" algn="ctr">
+                      <a:solidFill>
+                        <a:srgbClr val="FFFFFF">
+                          <a:lumMod val="50000"/>
+                        </a:srgbClr>
+                      </a:solidFill>
+                      <a:prstDash val="solid"/>
+                      <a:round/>
+                      <a:headEnd type="none" w="med" len="med"/>
+                      <a:tailEnd type="none" w="med" len="med"/>
+                    </a:lnB>
+                    <a:solidFill>
+                      <a:srgbClr val="FFFFFF">
+                        <a:lumMod val="75000"/>
+                      </a:srgbClr>
+                    </a:solidFill>
+                  </a:tcPr>
+                </a:tc>
+                <a:tc>
+                  <a:txBody>
+                    <a:bodyPr/>
+                    <a:lstStyle/>
+                    <a:p>
+                      <a:r>
+                        <a:rPr lang="ru-RU" sz="1100" dirty="0" smtClean="0">
+                          <a:solidFill>
+                            <a:srgbClr val="000000"/>
+                          </a:solidFill>
+                        </a:rPr>
+                        <a:t>Предназначен</a:t>
+                      </a:r>
+                      <a:endParaRPr lang="en-US" sz="1100" dirty="0">
+                        <a:solidFill>
+                          <a:srgbClr val="000000"/>
+                        </a:solidFill>
+                      </a:endParaRPr>
+                    </a:p>
+                  </a:txBody>
+                  <a:tcPr marL="56960" marR="56960" marT="0" marB="28480">
+                    <a:lnL w="3175" cap="flat" cmpd="sng" algn="ctr">
+                      <a:solidFill>
+                        <a:srgbClr val="FFFFFF">
+                          <a:lumMod val="50000"/>
+                        </a:srgbClr>
+                      </a:solidFill>
+                      <a:prstDash val="solid"/>
+                      <a:round/>
+                      <a:headEnd type="none" w="med" len="med"/>
+                      <a:tailEnd type="none" w="med" len="med"/>
+                    </a:lnL>
+                    <a:lnR w="3175" cap="flat" cmpd="sng" algn="ctr">
+                      <a:solidFill>
+                        <a:srgbClr val="FFFFFF">
+                          <a:lumMod val="50000"/>
+                        </a:srgbClr>
+                      </a:solidFill>
+                      <a:prstDash val="solid"/>
+                      <a:round/>
+                      <a:headEnd type="none" w="med" len="med"/>
+                      <a:tailEnd type="none" w="med" len="med"/>
+                    </a:lnR>
+                    <a:lnT w="3175" cap="flat" cmpd="sng" algn="ctr">
+                      <a:solidFill>
+                        <a:srgbClr val="FFFFFF">
+                          <a:lumMod val="50000"/>
+                        </a:srgbClr>
+                      </a:solidFill>
+                      <a:prstDash val="solid"/>
+                      <a:round/>
+                      <a:headEnd type="none" w="med" len="med"/>
+                      <a:tailEnd type="none" w="med" len="med"/>
+                    </a:lnT>
+                    <a:lnB w="3175" cap="flat" cmpd="sng" algn="ctr">
+                      <a:solidFill>
+                        <a:srgbClr val="FFFFFF">
+                          <a:lumMod val="50000"/>
+                        </a:srgbClr>
+                      </a:solidFill>
+                      <a:prstDash val="solid"/>
+                      <a:round/>
+                      <a:headEnd type="none" w="med" len="med"/>
+                      <a:tailEnd type="none" w="med" len="med"/>
+                    </a:lnB>
+                    <a:solidFill>
+                      <a:srgbClr val="FFFFFF">
+                        <a:lumMod val="75000"/>
+                      </a:srgbClr>
+                    </a:solidFill>
+                  </a:tcPr>
+                </a:tc>
+                <a:tc>
+                  <a:txBody>
+                    <a:bodyPr/>
+                    <a:lstStyle/>
+                    <a:p>
+                      <a:r>
+                        <a:rPr lang="ru-RU" sz="1100" dirty="0" smtClean="0">
+                          <a:solidFill>
+                            <a:srgbClr val="000000"/>
+                          </a:solidFill>
+                        </a:rPr>
+                        <a:t>Кол-во</a:t>
+                      </a:r>
+                      <a:endParaRPr lang="en-US" sz="1100" dirty="0">
+                        <a:solidFill>
+                          <a:srgbClr val="000000"/>
+                        </a:solidFill>
+                      </a:endParaRPr>
+                    </a:p>
+                  </a:txBody>
+                  <a:tcPr marL="56960" marR="56960" marT="0" marB="28480">
+                    <a:lnL w="3175" cap="flat" cmpd="sng" algn="ctr">
+                      <a:solidFill>
+                        <a:srgbClr val="FFFFFF">
+                          <a:lumMod val="50000"/>
+                        </a:srgbClr>
+                      </a:solidFill>
+                      <a:prstDash val="solid"/>
+                      <a:round/>
+                      <a:headEnd type="none" w="med" len="med"/>
+                      <a:tailEnd type="none" w="med" len="med"/>
+                    </a:lnL>
+                    <a:lnR w="3175" cap="flat" cmpd="sng" algn="ctr">
+                      <a:solidFill>
+                        <a:srgbClr val="FFFFFF">
+                          <a:lumMod val="50000"/>
+                        </a:srgbClr>
+                      </a:solidFill>
+                      <a:prstDash val="solid"/>
+                      <a:round/>
+                      <a:headEnd type="none" w="med" len="med"/>
+                      <a:tailEnd type="none" w="med" len="med"/>
+                    </a:lnR>
+                    <a:lnT w="3175" cap="flat" cmpd="sng" algn="ctr">
+                      <a:solidFill>
+                        <a:srgbClr val="FFFFFF">
+                          <a:lumMod val="50000"/>
+                        </a:srgbClr>
+                      </a:solidFill>
+                      <a:prstDash val="solid"/>
+                      <a:round/>
+                      <a:headEnd type="none" w="med" len="med"/>
+                      <a:tailEnd type="none" w="med" len="med"/>
+                    </a:lnT>
+                    <a:lnB w="3175" cap="flat" cmpd="sng" algn="ctr">
+                      <a:solidFill>
+                        <a:srgbClr val="FFFFFF">
+                          <a:lumMod val="50000"/>
+                        </a:srgbClr>
+                      </a:solidFill>
+                      <a:prstDash val="solid"/>
+                      <a:round/>
+                      <a:headEnd type="none" w="med" len="med"/>
+                      <a:tailEnd type="none" w="med" len="med"/>
+                    </a:lnB>
+                    <a:solidFill>
+                      <a:srgbClr val="FFFFFF">
+                        <a:lumMod val="75000"/>
+                      </a:srgbClr>
+                    </a:solidFill>
+                  </a:tcPr>
+                </a:tc>
+              </a:tr>
+              <a:tr h="579736">
+                <a:tc>
+                  <a:txBody>
+                    <a:bodyPr/>
+                    <a:lstStyle/>
+                    <a:p>
+                      <a:endParaRPr lang="en-US" sz="1100" dirty="0">
+                        <a:solidFill>
+                          <a:srgbClr val="000000"/>
+                        </a:solidFill>
+                      </a:endParaRPr>
+                    </a:p>
+                  </a:txBody>
+                  <a:tcPr marL="56960" marR="56960" marT="0" marB="28480">
+                    <a:lnL w="3175" cap="flat" cmpd="sng" algn="ctr">
+                      <a:solidFill>
+                        <a:srgbClr val="FFFFFF">
+                          <a:lumMod val="50000"/>
+                        </a:srgbClr>
+                      </a:solidFill>
+                      <a:prstDash val="solid"/>
+                      <a:round/>
+                      <a:headEnd type="none" w="med" len="med"/>
+                      <a:tailEnd type="none" w="med" len="med"/>
+                    </a:lnL>
+                    <a:lnR w="3175" cap="flat" cmpd="sng" algn="ctr">
+                      <a:solidFill>
+                        <a:srgbClr val="FFFFFF">
+                          <a:lumMod val="50000"/>
+                        </a:srgbClr>
+                      </a:solidFill>
+                      <a:prstDash val="solid"/>
+                      <a:round/>
+                      <a:headEnd type="none" w="med" len="med"/>
+                      <a:tailEnd type="none" w="med" len="med"/>
+                    </a:lnR>
+                    <a:lnT w="3175" cap="flat" cmpd="sng" algn="ctr">
+                      <a:solidFill>
+                        <a:srgbClr val="FFFFFF">
+                          <a:lumMod val="50000"/>
+                        </a:srgbClr>
+                      </a:solidFill>
+                      <a:prstDash val="solid"/>
+                      <a:round/>
+                      <a:headEnd type="none" w="med" len="med"/>
+                      <a:tailEnd type="none" w="med" len="med"/>
+                    </a:lnT>
+                  </a:tcPr>
+                </a:tc>
+                <a:tc>
+                  <a:txBody>
+                    <a:bodyPr/>
+                    <a:lstStyle/>
+                    <a:p>
+                      <a:endParaRPr lang="en-US" sz="1100" dirty="0">
+                        <a:solidFill>
+                          <a:srgbClr val="000000"/>
+                        </a:solidFill>
+                      </a:endParaRPr>
+                    </a:p>
+                  </a:txBody>
+                  <a:tcPr marL="56960" marR="56960" marT="0" marB="28480">
+                    <a:lnL w="3175" cap="flat" cmpd="sng" algn="ctr">
+                      <a:solidFill>
+                        <a:srgbClr val="FFFFFF">
+                          <a:lumMod val="50000"/>
+                        </a:srgbClr>
+                      </a:solidFill>
+                      <a:prstDash val="solid"/>
+                      <a:round/>
+                      <a:headEnd type="none" w="med" len="med"/>
+                      <a:tailEnd type="none" w="med" len="med"/>
+                    </a:lnL>
+                    <a:lnR w="3175" cap="flat" cmpd="sng" algn="ctr">
+                      <a:solidFill>
+                        <a:srgbClr val="FFFFFF">
+                          <a:lumMod val="50000"/>
+                        </a:srgbClr>
+                      </a:solidFill>
+                      <a:prstDash val="solid"/>
+                      <a:round/>
+                      <a:headEnd type="none" w="med" len="med"/>
+                      <a:tailEnd type="none" w="med" len="med"/>
+                    </a:lnR>
+                    <a:lnT w="3175" cap="flat" cmpd="sng" algn="ctr">
+                      <a:solidFill>
+                        <a:srgbClr val="FFFFFF">
+                          <a:lumMod val="50000"/>
+                        </a:srgbClr>
+                      </a:solidFill>
+                      <a:prstDash val="solid"/>
+                      <a:round/>
+                      <a:headEnd type="none" w="med" len="med"/>
+                      <a:tailEnd type="none" w="med" len="med"/>
+                    </a:lnT>
+                  </a:tcPr>
+                </a:tc>
+                <a:tc>
+                  <a:txBody>
+                    <a:bodyPr/>
+                    <a:lstStyle/>
+                    <a:p>
+                      <a:endParaRPr lang="en-US" sz="1100" dirty="0">
+                        <a:solidFill>
+                          <a:srgbClr val="000000"/>
+                        </a:solidFill>
+                      </a:endParaRPr>
+                    </a:p>
+                  </a:txBody>
+                  <a:tcPr marL="56960" marR="56960" marT="0" marB="28480">
+                    <a:lnL w="3175" cap="flat" cmpd="sng" algn="ctr">
+                      <a:solidFill>
+                        <a:srgbClr val="FFFFFF">
+                          <a:lumMod val="50000"/>
+                        </a:srgbClr>
+                      </a:solidFill>
+                      <a:prstDash val="solid"/>
+                      <a:round/>
+                      <a:headEnd type="none" w="med" len="med"/>
+                      <a:tailEnd type="none" w="med" len="med"/>
+                    </a:lnL>
+                    <a:lnR w="3175" cap="flat" cmpd="sng" algn="ctr">
+                      <a:solidFill>
+                        <a:srgbClr val="FFFFFF">
+                          <a:lumMod val="50000"/>
+                        </a:srgbClr>
+                      </a:solidFill>
+                      <a:prstDash val="solid"/>
+                      <a:round/>
+                      <a:headEnd type="none" w="med" len="med"/>
+                      <a:tailEnd type="none" w="med" len="med"/>
+                    </a:lnR>
+                    <a:lnT w="3175" cap="flat" cmpd="sng" algn="ctr">
+                      <a:solidFill>
+                        <a:srgbClr val="FFFFFF">
+                          <a:lumMod val="50000"/>
+                        </a:srgbClr>
+                      </a:solidFill>
+                      <a:prstDash val="solid"/>
+                      <a:round/>
+                      <a:headEnd type="none" w="med" len="med"/>
+                      <a:tailEnd type="none" w="med" len="med"/>
+                    </a:lnT>
+                  </a:tcPr>
+                </a:tc>
+                <a:tc>
+                  <a:txBody>
+                    <a:bodyPr/>
+                    <a:lstStyle/>
+                    <a:p>
+                      <a:endParaRPr lang="en-US" sz="1100" dirty="0">
+                        <a:solidFill>
+                          <a:srgbClr val="000000"/>
+                        </a:solidFill>
+                      </a:endParaRPr>
+                    </a:p>
+                  </a:txBody>
+                  <a:tcPr marL="56960" marR="56960" marT="0" marB="28480">
+                    <a:lnL w="3175" cap="flat" cmpd="sng" algn="ctr">
+                      <a:solidFill>
+                        <a:srgbClr val="FFFFFF">
+                          <a:lumMod val="50000"/>
+                        </a:srgbClr>
+                      </a:solidFill>
+                      <a:prstDash val="solid"/>
+                      <a:round/>
+                      <a:headEnd type="none" w="med" len="med"/>
+                      <a:tailEnd type="none" w="med" len="med"/>
+                    </a:lnL>
+                    <a:lnR w="3175" cap="flat" cmpd="sng" algn="ctr">
+                      <a:solidFill>
+                        <a:srgbClr val="FFFFFF">
+                          <a:lumMod val="50000"/>
+                        </a:srgbClr>
+                      </a:solidFill>
+                      <a:prstDash val="solid"/>
+                      <a:round/>
+                      <a:headEnd type="none" w="med" len="med"/>
+                      <a:tailEnd type="none" w="med" len="med"/>
+                    </a:lnR>
+                    <a:lnT w="3175" cap="flat" cmpd="sng" algn="ctr">
+                      <a:solidFill>
+                        <a:srgbClr val="FFFFFF">
+                          <a:lumMod val="50000"/>
+                        </a:srgbClr>
+                      </a:solidFill>
+                      <a:prstDash val="solid"/>
+                      <a:round/>
+                      <a:headEnd type="none" w="med" len="med"/>
+                      <a:tailEnd type="none" w="med" len="med"/>
+                    </a:lnT>
+                  </a:tcPr>
+                </a:tc>
+              </a:tr>
+              <a:tr h="579736">
+                <a:tc>
+                  <a:txBody>
+                    <a:bodyPr/>
+                    <a:lstStyle/>
+                    <a:p>
+                      <a:endParaRPr lang="en-US" sz="1100" dirty="0">
+                        <a:solidFill>
+                          <a:srgbClr val="000000"/>
+                        </a:solidFill>
+                      </a:endParaRPr>
+                    </a:p>
+                  </a:txBody>
+                  <a:tcPr marL="56960" marR="56960" marT="0" marB="28480">
+                    <a:lnL w="3175" cap="flat" cmpd="sng" algn="ctr">
+                      <a:solidFill>
+                        <a:srgbClr val="FFFFFF">
+                          <a:lumMod val="50000"/>
+                        </a:srgbClr>
+                      </a:solidFill>
+                      <a:prstDash val="solid"/>
+                      <a:round/>
+                      <a:headEnd type="none" w="med" len="med"/>
+                      <a:tailEnd type="none" w="med" len="med"/>
+                    </a:lnL>
+                    <a:lnR w="3175" cap="flat" cmpd="sng" algn="ctr">
+                      <a:solidFill>
+                        <a:srgbClr val="FFFFFF">
+                          <a:lumMod val="50000"/>
+                        </a:srgbClr>
+                      </a:solidFill>
+                      <a:prstDash val="solid"/>
+                      <a:round/>
+                      <a:headEnd type="none" w="med" len="med"/>
+                      <a:tailEnd type="none" w="med" len="med"/>
+                    </a:lnR>
+                  </a:tcPr>
+                </a:tc>
+                <a:tc>
+                  <a:txBody>
+                    <a:bodyPr/>
+                    <a:lstStyle/>
+                    <a:p>
+                      <a:endParaRPr lang="en-US" sz="1100" dirty="0">
+                        <a:solidFill>
+                          <a:srgbClr val="000000"/>
+                        </a:solidFill>
+                      </a:endParaRPr>
+                    </a:p>
+                  </a:txBody>
+                  <a:tcPr marL="56960" marR="56960" marT="0" marB="28480">
+                    <a:lnL w="3175" cap="flat" cmpd="sng" algn="ctr">
+                      <a:solidFill>
+                        <a:srgbClr val="FFFFFF">
+                          <a:lumMod val="50000"/>
+                        </a:srgbClr>
+                      </a:solidFill>
+                      <a:prstDash val="solid"/>
+                      <a:round/>
+                      <a:headEnd type="none" w="med" len="med"/>
+                      <a:tailEnd type="none" w="med" len="med"/>
+                    </a:lnL>
+                    <a:lnR w="3175" cap="flat" cmpd="sng" algn="ctr">
+                      <a:solidFill>
+                        <a:srgbClr val="FFFFFF">
+                          <a:lumMod val="50000"/>
+                        </a:srgbClr>
+                      </a:solidFill>
+                      <a:prstDash val="solid"/>
+                      <a:round/>
+                      <a:headEnd type="none" w="med" len="med"/>
+                      <a:tailEnd type="none" w="med" len="med"/>
+                    </a:lnR>
+                  </a:tcPr>
+                </a:tc>
+                <a:tc>
+                  <a:txBody>
+                    <a:bodyPr/>
+                    <a:lstStyle/>
+                    <a:p>
+                      <a:endParaRPr lang="en-US" sz="1100">
+                        <a:solidFill>
+                          <a:srgbClr val="000000"/>
+                        </a:solidFill>
+                      </a:endParaRPr>
+                    </a:p>
+                  </a:txBody>
+                  <a:tcPr marL="56960" marR="56960" marT="0" marB="28480">
+                    <a:lnL w="3175" cap="flat" cmpd="sng" algn="ctr">
+                      <a:solidFill>
+                        <a:srgbClr val="FFFFFF">
+                          <a:lumMod val="50000"/>
+                        </a:srgbClr>
+                      </a:solidFill>
+                      <a:prstDash val="solid"/>
+                      <a:round/>
+                      <a:headEnd type="none" w="med" len="med"/>
+                      <a:tailEnd type="none" w="med" len="med"/>
+                    </a:lnL>
+                    <a:lnR w="3175" cap="flat" cmpd="sng" algn="ctr">
+                      <a:solidFill>
+                        <a:srgbClr val="FFFFFF">
+                          <a:lumMod val="50000"/>
+                        </a:srgbClr>
+                      </a:solidFill>
+                      <a:prstDash val="solid"/>
+                      <a:round/>
+                      <a:headEnd type="none" w="med" len="med"/>
+                      <a:tailEnd type="none" w="med" len="med"/>
+                    </a:lnR>
+                  </a:tcPr>
+                </a:tc>
+                <a:tc>
+                  <a:txBody>
+                    <a:bodyPr/>
+                    <a:lstStyle/>
+                    <a:p>
+                      <a:endParaRPr lang="en-US" sz="1100" dirty="0">
+                        <a:solidFill>
+                          <a:srgbClr val="000000"/>
+                        </a:solidFill>
+                      </a:endParaRPr>
+                    </a:p>
+                  </a:txBody>
+                  <a:tcPr marL="56960" marR="56960" marT="0" marB="28480">
+                    <a:lnL w="3175" cap="flat" cmpd="sng" algn="ctr">
+                      <a:solidFill>
+                        <a:srgbClr val="FFFFFF">
+                          <a:lumMod val="50000"/>
+                        </a:srgbClr>
+                      </a:solidFill>
+                      <a:prstDash val="solid"/>
+                      <a:round/>
+                      <a:headEnd type="none" w="med" len="med"/>
+                      <a:tailEnd type="none" w="med" len="med"/>
+                    </a:lnL>
+                    <a:lnR w="3175" cap="flat" cmpd="sng" algn="ctr">
+                      <a:solidFill>
+                        <a:srgbClr val="FFFFFF">
+                          <a:lumMod val="50000"/>
+                        </a:srgbClr>
+                      </a:solidFill>
+                      <a:prstDash val="solid"/>
+                      <a:round/>
+                      <a:headEnd type="none" w="med" len="med"/>
+                      <a:tailEnd type="none" w="med" len="med"/>
+                    </a:lnR>
+                  </a:tcPr>
+                </a:tc>
+              </a:tr>
+              <a:tr h="579736">
+                <a:tc>
+                  <a:txBody>
+                    <a:bodyPr/>
+                    <a:lstStyle/>
+                    <a:p>
+                      <a:endParaRPr lang="en-US" sz="1100" dirty="0">
+                        <a:solidFill>
+                          <a:srgbClr val="000000"/>
+                        </a:solidFill>
+                      </a:endParaRPr>
+                    </a:p>
+                  </a:txBody>
+                  <a:tcPr marL="56960" marR="56960" marT="0" marB="28480">
+                    <a:lnL w="3175" cap="flat" cmpd="sng" algn="ctr">
+                      <a:solidFill>
+                        <a:srgbClr val="FFFFFF">
+                          <a:lumMod val="50000"/>
+                        </a:srgbClr>
+                      </a:solidFill>
+                      <a:prstDash val="solid"/>
+                      <a:round/>
+                      <a:headEnd type="none" w="med" len="med"/>
+                      <a:tailEnd type="none" w="med" len="med"/>
+                    </a:lnL>
+                    <a:lnR w="3175" cap="flat" cmpd="sng" algn="ctr">
+                      <a:solidFill>
+                        <a:srgbClr val="FFFFFF">
+                          <a:lumMod val="50000"/>
+                        </a:srgbClr>
+                      </a:solidFill>
+                      <a:prstDash val="solid"/>
+                      <a:round/>
+                      <a:headEnd type="none" w="med" len="med"/>
+                      <a:tailEnd type="none" w="med" len="med"/>
+                    </a:lnR>
+                  </a:tcPr>
+                </a:tc>
+                <a:tc>
+                  <a:txBody>
+                    <a:bodyPr/>
+                    <a:lstStyle/>
+                    <a:p>
+                      <a:endParaRPr lang="en-US" sz="1100" dirty="0">
+                        <a:solidFill>
+                          <a:srgbClr val="000000"/>
+                        </a:solidFill>
+                      </a:endParaRPr>
+                    </a:p>
+                  </a:txBody>
+                  <a:tcPr marL="56960" marR="56960" marT="0" marB="28480">
+                    <a:lnL w="3175" cap="flat" cmpd="sng" algn="ctr">
+                      <a:solidFill>
+                        <a:srgbClr val="FFFFFF">
+                          <a:lumMod val="50000"/>
+                        </a:srgbClr>
+                      </a:solidFill>
+                      <a:prstDash val="solid"/>
+                      <a:round/>
+                      <a:headEnd type="none" w="med" len="med"/>
+                      <a:tailEnd type="none" w="med" len="med"/>
+                    </a:lnL>
+                    <a:lnR w="3175" cap="flat" cmpd="sng" algn="ctr">
+                      <a:solidFill>
+                        <a:srgbClr val="FFFFFF">
+                          <a:lumMod val="50000"/>
+                        </a:srgbClr>
+                      </a:solidFill>
+                      <a:prstDash val="solid"/>
+                      <a:round/>
+                      <a:headEnd type="none" w="med" len="med"/>
+                      <a:tailEnd type="none" w="med" len="med"/>
+                    </a:lnR>
+                  </a:tcPr>
+                </a:tc>
+                <a:tc>
+                  <a:txBody>
+                    <a:bodyPr/>
+                    <a:lstStyle/>
+                    <a:p>
+                      <a:endParaRPr lang="en-US" sz="1100" dirty="0">
+                        <a:solidFill>
+                          <a:srgbClr val="000000"/>
+                        </a:solidFill>
+                      </a:endParaRPr>
+                    </a:p>
+                  </a:txBody>
+                  <a:tcPr marL="56960" marR="56960" marT="0" marB="28480">
+                    <a:lnL w="3175" cap="flat" cmpd="sng" algn="ctr">
+                      <a:solidFill>
+                        <a:srgbClr val="FFFFFF">
+                          <a:lumMod val="50000"/>
+                        </a:srgbClr>
+                      </a:solidFill>
+                      <a:prstDash val="solid"/>
+                      <a:round/>
+                      <a:headEnd type="none" w="med" len="med"/>
+                      <a:tailEnd type="none" w="med" len="med"/>
+                    </a:lnL>
+                    <a:lnR w="3175" cap="flat" cmpd="sng" algn="ctr">
+                      <a:solidFill>
+                        <a:srgbClr val="FFFFFF">
+                          <a:lumMod val="50000"/>
+                        </a:srgbClr>
+                      </a:solidFill>
+                      <a:prstDash val="solid"/>
+                      <a:round/>
+                      <a:headEnd type="none" w="med" len="med"/>
+                      <a:tailEnd type="none" w="med" len="med"/>
+                    </a:lnR>
+                  </a:tcPr>
+                </a:tc>
+                <a:tc>
+                  <a:txBody>
+                    <a:bodyPr/>
+                    <a:lstStyle/>
+                    <a:p>
+                      <a:endParaRPr lang="en-US" sz="1100" dirty="0">
+                        <a:solidFill>
+                          <a:srgbClr val="000000"/>
+                        </a:solidFill>
+                      </a:endParaRPr>
+                    </a:p>
+                  </a:txBody>
+                  <a:tcPr marL="56960" marR="56960" marT="0" marB="28480">
+                    <a:lnL w="3175" cap="flat" cmpd="sng" algn="ctr">
+                      <a:solidFill>
+                        <a:srgbClr val="FFFFFF">
+                          <a:lumMod val="50000"/>
+                        </a:srgbClr>
+                      </a:solidFill>
+                      <a:prstDash val="solid"/>
+                      <a:round/>
+                      <a:headEnd type="none" w="med" len="med"/>
+                      <a:tailEnd type="none" w="med" len="med"/>
+                    </a:lnL>
+                    <a:lnR w="3175" cap="flat" cmpd="sng" algn="ctr">
+                      <a:solidFill>
+                        <a:srgbClr val="FFFFFF">
+                          <a:lumMod val="50000"/>
+                        </a:srgbClr>
+                      </a:solidFill>
+                      <a:prstDash val="solid"/>
+                      <a:round/>
+                      <a:headEnd type="none" w="med" len="med"/>
+                      <a:tailEnd type="none" w="med" len="med"/>
+                    </a:lnR>
+                  </a:tcPr>
+                </a:tc>
+              </a:tr>
+              <a:tr h="579736">
+                <a:tc>
+                  <a:txBody>
+                    <a:bodyPr/>
+                    <a:lstStyle/>
+                    <a:p>
+                      <a:endParaRPr lang="en-US" sz="1100" dirty="0">
+                        <a:solidFill>
+                          <a:srgbClr val="000000"/>
+                        </a:solidFill>
+                      </a:endParaRPr>
+                    </a:p>
+                  </a:txBody>
+                  <a:tcPr marL="56960" marR="56960" marT="0" marB="28480">
+                    <a:lnL w="3175" cap="flat" cmpd="sng" algn="ctr">
+                      <a:solidFill>
+                        <a:srgbClr val="FFFFFF">
+                          <a:lumMod val="50000"/>
+                        </a:srgbClr>
+                      </a:solidFill>
+                      <a:prstDash val="solid"/>
+                      <a:round/>
+                      <a:headEnd type="none" w="med" len="med"/>
+                      <a:tailEnd type="none" w="med" len="med"/>
+                    </a:lnL>
+                    <a:lnR w="3175" cap="flat" cmpd="sng" algn="ctr">
+                      <a:solidFill>
+                        <a:srgbClr val="FFFFFF">
+                          <a:lumMod val="50000"/>
+                        </a:srgbClr>
+                      </a:solidFill>
+                      <a:prstDash val="solid"/>
+                      <a:round/>
+                      <a:headEnd type="none" w="med" len="med"/>
+                      <a:tailEnd type="none" w="med" len="med"/>
+                    </a:lnR>
+                  </a:tcPr>
+                </a:tc>
+                <a:tc>
+                  <a:txBody>
+                    <a:bodyPr/>
+                    <a:lstStyle/>
+                    <a:p>
+                      <a:endParaRPr lang="en-US" sz="1100" dirty="0">
+                        <a:solidFill>
+                          <a:srgbClr val="000000"/>
+                        </a:solidFill>
+                      </a:endParaRPr>
+                    </a:p>
+                  </a:txBody>
+                  <a:tcPr marL="56960" marR="56960" marT="0" marB="28480">
+                    <a:lnL w="3175" cap="flat" cmpd="sng" algn="ctr">
+                      <a:solidFill>
+                        <a:srgbClr val="FFFFFF">
+                          <a:lumMod val="50000"/>
+                        </a:srgbClr>
+                      </a:solidFill>
+                      <a:prstDash val="solid"/>
+                      <a:round/>
+                      <a:headEnd type="none" w="med" len="med"/>
+                      <a:tailEnd type="none" w="med" len="med"/>
+                    </a:lnL>
+                    <a:lnR w="3175" cap="flat" cmpd="sng" algn="ctr">
+                      <a:solidFill>
+                        <a:srgbClr val="FFFFFF">
+                          <a:lumMod val="50000"/>
+                        </a:srgbClr>
+                      </a:solidFill>
+                      <a:prstDash val="solid"/>
+                      <a:round/>
+                      <a:headEnd type="none" w="med" len="med"/>
+                      <a:tailEnd type="none" w="med" len="med"/>
+                    </a:lnR>
+                  </a:tcPr>
+                </a:tc>
+                <a:tc>
+                  <a:txBody>
+                    <a:bodyPr/>
+                    <a:lstStyle/>
+                    <a:p>
+                      <a:endParaRPr lang="en-US" sz="1100" dirty="0">
+                        <a:solidFill>
+                          <a:srgbClr val="000000"/>
+                        </a:solidFill>
+                      </a:endParaRPr>
+                    </a:p>
+                  </a:txBody>
+                  <a:tcPr marL="56960" marR="56960" marT="0" marB="28480">
+                    <a:lnL w="3175" cap="flat" cmpd="sng" algn="ctr">
+                      <a:solidFill>
+                        <a:srgbClr val="FFFFFF">
+                          <a:lumMod val="50000"/>
+                        </a:srgbClr>
+                      </a:solidFill>
+                      <a:prstDash val="solid"/>
+                      <a:round/>
+                      <a:headEnd type="none" w="med" len="med"/>
+                      <a:tailEnd type="none" w="med" len="med"/>
+                    </a:lnL>
+                    <a:lnR w="3175" cap="flat" cmpd="sng" algn="ctr">
+                      <a:solidFill>
+                        <a:srgbClr val="FFFFFF">
+                          <a:lumMod val="50000"/>
+                        </a:srgbClr>
+                      </a:solidFill>
+                      <a:prstDash val="solid"/>
+                      <a:round/>
+                      <a:headEnd type="none" w="med" len="med"/>
+                      <a:tailEnd type="none" w="med" len="med"/>
+                    </a:lnR>
+                  </a:tcPr>
+                </a:tc>
+                <a:tc>
+                  <a:txBody>
+                    <a:bodyPr/>
+                    <a:lstStyle/>
+                    <a:p>
+                      <a:endParaRPr lang="en-US" sz="1100" dirty="0">
+                        <a:solidFill>
+                          <a:srgbClr val="000000"/>
+                        </a:solidFill>
+                      </a:endParaRPr>
+                    </a:p>
+                  </a:txBody>
+                  <a:tcPr marL="56960" marR="56960" marT="0" marB="28480">
+                    <a:lnL w="3175" cap="flat" cmpd="sng" algn="ctr">
+                      <a:solidFill>
+                        <a:srgbClr val="FFFFFF">
+                          <a:lumMod val="50000"/>
+                        </a:srgbClr>
+                      </a:solidFill>
+                      <a:prstDash val="solid"/>
+                      <a:round/>
+                      <a:headEnd type="none" w="med" len="med"/>
+                      <a:tailEnd type="none" w="med" len="med"/>
+                    </a:lnL>
+                    <a:lnR w="3175" cap="flat" cmpd="sng" algn="ctr">
+                      <a:solidFill>
+                        <a:srgbClr val="FFFFFF">
+                          <a:lumMod val="50000"/>
+                        </a:srgbClr>
+                      </a:solidFill>
+                      <a:prstDash val="solid"/>
+                      <a:round/>
+                      <a:headEnd type="none" w="med" len="med"/>
+                      <a:tailEnd type="none" w="med" len="med"/>
+                    </a:lnR>
+                  </a:tcPr>
+                </a:tc>
+              </a:tr>
+              <a:tr h="579736">
+                <a:tc>
+                  <a:txBody>
+                    <a:bodyPr/>
+                    <a:lstStyle/>
+                    <a:p>
+                      <a:endParaRPr lang="en-US" sz="1100" dirty="0">
+                        <a:solidFill>
+                          <a:srgbClr val="000000"/>
+                        </a:solidFill>
+                      </a:endParaRPr>
+                    </a:p>
+                  </a:txBody>
+                  <a:tcPr marL="56960" marR="56960" marT="0" marB="28480">
+                    <a:lnL w="3175" cap="flat" cmpd="sng" algn="ctr">
+                      <a:solidFill>
+                        <a:srgbClr val="FFFFFF">
+                          <a:lumMod val="50000"/>
+                        </a:srgbClr>
+                      </a:solidFill>
+                      <a:prstDash val="solid"/>
+                      <a:round/>
+                      <a:headEnd type="none" w="med" len="med"/>
+                      <a:tailEnd type="none" w="med" len="med"/>
+                    </a:lnL>
+                    <a:lnR w="3175" cap="flat" cmpd="sng" algn="ctr">
+                      <a:solidFill>
+                        <a:srgbClr val="FFFFFF">
+                          <a:lumMod val="50000"/>
+                        </a:srgbClr>
+                      </a:solidFill>
+                      <a:prstDash val="solid"/>
+                      <a:round/>
+                      <a:headEnd type="none" w="med" len="med"/>
+                      <a:tailEnd type="none" w="med" len="med"/>
+                    </a:lnR>
+                  </a:tcPr>
+                </a:tc>
+                <a:tc>
+                  <a:txBody>
+                    <a:bodyPr/>
+                    <a:lstStyle/>
+                    <a:p>
+                      <a:endParaRPr lang="en-US" sz="1100" dirty="0">
+                        <a:solidFill>
+                          <a:srgbClr val="000000"/>
+                        </a:solidFill>
+                      </a:endParaRPr>
+                    </a:p>
+                  </a:txBody>
+                  <a:tcPr marL="56960" marR="56960" marT="0" marB="28480">
+                    <a:lnL w="3175" cap="flat" cmpd="sng" algn="ctr">
+                      <a:solidFill>
+                        <a:srgbClr val="FFFFFF">
+                          <a:lumMod val="50000"/>
+                        </a:srgbClr>
+                      </a:solidFill>
+                      <a:prstDash val="solid"/>
+                      <a:round/>
+                      <a:headEnd type="none" w="med" len="med"/>
+                      <a:tailEnd type="none" w="med" len="med"/>
+                    </a:lnL>
+                    <a:lnR w="3175" cap="flat" cmpd="sng" algn="ctr">
+                      <a:solidFill>
+                        <a:srgbClr val="FFFFFF">
+                          <a:lumMod val="50000"/>
+                        </a:srgbClr>
+                      </a:solidFill>
+                      <a:prstDash val="solid"/>
+                      <a:round/>
+                      <a:headEnd type="none" w="med" len="med"/>
+                      <a:tailEnd type="none" w="med" len="med"/>
+                    </a:lnR>
+                  </a:tcPr>
+                </a:tc>
+                <a:tc>
+                  <a:txBody>
+                    <a:bodyPr/>
+                    <a:lstStyle/>
+                    <a:p>
+                      <a:endParaRPr lang="en-US" sz="1100" dirty="0">
+                        <a:solidFill>
+                          <a:srgbClr val="000000"/>
+                        </a:solidFill>
+                      </a:endParaRPr>
+                    </a:p>
+                  </a:txBody>
+                  <a:tcPr marL="56960" marR="56960" marT="0" marB="28480">
+                    <a:lnL w="3175" cap="flat" cmpd="sng" algn="ctr">
+                      <a:solidFill>
+                        <a:srgbClr val="FFFFFF">
+                          <a:lumMod val="50000"/>
+                        </a:srgbClr>
+                      </a:solidFill>
+                      <a:prstDash val="solid"/>
+                      <a:round/>
+                      <a:headEnd type="none" w="med" len="med"/>
+                      <a:tailEnd type="none" w="med" len="med"/>
+                    </a:lnL>
+                    <a:lnR w="3175" cap="flat" cmpd="sng" algn="ctr">
+                      <a:solidFill>
+                        <a:srgbClr val="FFFFFF">
+                          <a:lumMod val="50000"/>
+                        </a:srgbClr>
+                      </a:solidFill>
+                      <a:prstDash val="solid"/>
+                      <a:round/>
+                      <a:headEnd type="none" w="med" len="med"/>
+                      <a:tailEnd type="none" w="med" len="med"/>
+                    </a:lnR>
+                  </a:tcPr>
+                </a:tc>
+                <a:tc>
+                  <a:txBody>
+                    <a:bodyPr/>
+                    <a:lstStyle/>
+                    <a:p>
+                      <a:endParaRPr lang="en-US" sz="1100" dirty="0">
+                        <a:solidFill>
+                          <a:srgbClr val="000000"/>
+                        </a:solidFill>
+                      </a:endParaRPr>
+                    </a:p>
+                  </a:txBody>
+                  <a:tcPr marL="56960" marR="56960" marT="0" marB="28480">
+                    <a:lnL w="3175" cap="flat" cmpd="sng" algn="ctr">
+                      <a:solidFill>
+                        <a:srgbClr val="FFFFFF">
+                          <a:lumMod val="50000"/>
+                        </a:srgbClr>
+                      </a:solidFill>
+                      <a:prstDash val="solid"/>
+                      <a:round/>
+                      <a:headEnd type="none" w="med" len="med"/>
+                      <a:tailEnd type="none" w="med" len="med"/>
+                    </a:lnL>
+                    <a:lnR w="3175" cap="flat" cmpd="sng" algn="ctr">
+                      <a:solidFill>
+                        <a:srgbClr val="FFFFFF">
+                          <a:lumMod val="50000"/>
+                        </a:srgbClr>
+                      </a:solidFill>
+                      <a:prstDash val="solid"/>
+                      <a:round/>
+                      <a:headEnd type="none" w="med" len="med"/>
+                      <a:tailEnd type="none" w="med" len="med"/>
+                    </a:lnR>
+                  </a:tcPr>
+                </a:tc>
+              </a:tr>
+              <a:tr h="579736">
+                <a:tc>
+                  <a:txBody>
+                    <a:bodyPr/>
+                    <a:lstStyle/>
+                    <a:p>
+                      <a:endParaRPr lang="en-US" sz="1100" dirty="0">
+                        <a:solidFill>
+                          <a:srgbClr val="000000"/>
+                        </a:solidFill>
+                      </a:endParaRPr>
+                    </a:p>
+                  </a:txBody>
+                  <a:tcPr marL="56960" marR="56960" marT="0" marB="28480">
+                    <a:lnL w="3175" cap="flat" cmpd="sng" algn="ctr">
+                      <a:solidFill>
+                        <a:srgbClr val="FFFFFF">
+                          <a:lumMod val="50000"/>
+                        </a:srgbClr>
+                      </a:solidFill>
+                      <a:prstDash val="solid"/>
+                      <a:round/>
+                      <a:headEnd type="none" w="med" len="med"/>
+                      <a:tailEnd type="none" w="med" len="med"/>
+                    </a:lnL>
+                    <a:lnR w="3175" cap="flat" cmpd="sng" algn="ctr">
+                      <a:solidFill>
+                        <a:srgbClr val="FFFFFF">
+                          <a:lumMod val="50000"/>
+                        </a:srgbClr>
+                      </a:solidFill>
+                      <a:prstDash val="solid"/>
+                      <a:round/>
+                      <a:headEnd type="none" w="med" len="med"/>
+                      <a:tailEnd type="none" w="med" len="med"/>
+                    </a:lnR>
+                  </a:tcPr>
+                </a:tc>
+                <a:tc>
+                  <a:txBody>
+                    <a:bodyPr/>
+                    <a:lstStyle/>
+                    <a:p>
+                      <a:endParaRPr lang="en-US" sz="1100" dirty="0">
+                        <a:solidFill>
+                          <a:srgbClr val="000000"/>
+                        </a:solidFill>
+                      </a:endParaRPr>
+                    </a:p>
+                  </a:txBody>
+                  <a:tcPr marL="56960" marR="56960" marT="0" marB="28480">
+                    <a:lnL w="3175" cap="flat" cmpd="sng" algn="ctr">
+                      <a:solidFill>
+                        <a:srgbClr val="FFFFFF">
+                          <a:lumMod val="50000"/>
+                        </a:srgbClr>
+                      </a:solidFill>
+                      <a:prstDash val="solid"/>
+                      <a:round/>
+                      <a:headEnd type="none" w="med" len="med"/>
+                      <a:tailEnd type="none" w="med" len="med"/>
+                    </a:lnL>
+                    <a:lnR w="3175" cap="flat" cmpd="sng" algn="ctr">
+                      <a:solidFill>
+                        <a:srgbClr val="FFFFFF">
+                          <a:lumMod val="50000"/>
+                        </a:srgbClr>
+                      </a:solidFill>
+                      <a:prstDash val="solid"/>
+                      <a:round/>
+                      <a:headEnd type="none" w="med" len="med"/>
+                      <a:tailEnd type="none" w="med" len="med"/>
+                    </a:lnR>
+                  </a:tcPr>
+                </a:tc>
+                <a:tc>
+                  <a:txBody>
+                    <a:bodyPr/>
+                    <a:lstStyle/>
+                    <a:p>
+                      <a:endParaRPr lang="en-US" sz="1100" dirty="0">
+                        <a:solidFill>
+                          <a:srgbClr val="000000"/>
+                        </a:solidFill>
+                      </a:endParaRPr>
+                    </a:p>
+                  </a:txBody>
+                  <a:tcPr marL="56960" marR="56960" marT="0" marB="28480">
+                    <a:lnL w="3175" cap="flat" cmpd="sng" algn="ctr">
+                      <a:solidFill>
+                        <a:srgbClr val="FFFFFF">
+                          <a:lumMod val="50000"/>
+                        </a:srgbClr>
+                      </a:solidFill>
+                      <a:prstDash val="solid"/>
+                      <a:round/>
+                      <a:headEnd type="none" w="med" len="med"/>
+                      <a:tailEnd type="none" w="med" len="med"/>
+                    </a:lnL>
+                    <a:lnR w="3175" cap="flat" cmpd="sng" algn="ctr">
+                      <a:solidFill>
+                        <a:srgbClr val="FFFFFF">
+                          <a:lumMod val="50000"/>
+                        </a:srgbClr>
+                      </a:solidFill>
+                      <a:prstDash val="solid"/>
+                      <a:round/>
+                      <a:headEnd type="none" w="med" len="med"/>
+                      <a:tailEnd type="none" w="med" len="med"/>
+                    </a:lnR>
+                  </a:tcPr>
+                </a:tc>
+                <a:tc>
+                  <a:txBody>
+                    <a:bodyPr/>
+                    <a:lstStyle/>
+                    <a:p>
+                      <a:endParaRPr lang="en-US" sz="1100" dirty="0">
+                        <a:solidFill>
+                          <a:srgbClr val="000000"/>
+                        </a:solidFill>
+                      </a:endParaRPr>
+                    </a:p>
+                  </a:txBody>
+                  <a:tcPr marL="56960" marR="56960" marT="0" marB="28480">
+                    <a:lnL w="3175" cap="flat" cmpd="sng" algn="ctr">
+                      <a:solidFill>
+                        <a:srgbClr val="FFFFFF">
+                          <a:lumMod val="50000"/>
+                        </a:srgbClr>
+                      </a:solidFill>
+                      <a:prstDash val="solid"/>
+                      <a:round/>
+                      <a:headEnd type="none" w="med" len="med"/>
+                      <a:tailEnd type="none" w="med" len="med"/>
+                    </a:lnL>
+                    <a:lnR w="3175" cap="flat" cmpd="sng" algn="ctr">
+                      <a:solidFill>
+                        <a:srgbClr val="FFFFFF">
+                          <a:lumMod val="50000"/>
+                        </a:srgbClr>
+                      </a:solidFill>
+                      <a:prstDash val="solid"/>
+                      <a:round/>
+                      <a:headEnd type="none" w="med" len="med"/>
+                      <a:tailEnd type="none" w="med" len="med"/>
+                    </a:lnR>
+                  </a:tcPr>
+                </a:tc>
+              </a:tr>
+              <a:tr h="579736">
+                <a:tc>
+                  <a:txBody>
+                    <a:bodyPr/>
+                    <a:lstStyle/>
+                    <a:p>
+                      <a:endParaRPr lang="en-US" sz="1100" dirty="0">
+                        <a:solidFill>
+                          <a:srgbClr val="000000"/>
+                        </a:solidFill>
+                      </a:endParaRPr>
+                    </a:p>
+                  </a:txBody>
+                  <a:tcPr marL="56960" marR="56960" marT="0" marB="28480">
+                    <a:lnL w="3175" cap="flat" cmpd="sng" algn="ctr">
+                      <a:solidFill>
+                        <a:srgbClr val="FFFFFF">
+                          <a:lumMod val="50000"/>
+                        </a:srgbClr>
+                      </a:solidFill>
+                      <a:prstDash val="solid"/>
+                      <a:round/>
+                      <a:headEnd type="none" w="med" len="med"/>
+                      <a:tailEnd type="none" w="med" len="med"/>
+                    </a:lnL>
+                    <a:lnR w="3175" cap="flat" cmpd="sng" algn="ctr">
+                      <a:solidFill>
+                        <a:srgbClr val="FFFFFF">
+                          <a:lumMod val="50000"/>
+                        </a:srgbClr>
+                      </a:solidFill>
+                      <a:prstDash val="solid"/>
+                      <a:round/>
+                      <a:headEnd type="none" w="med" len="med"/>
+                      <a:tailEnd type="none" w="med" len="med"/>
+                    </a:lnR>
+                    <a:lnB w="3175" cap="flat" cmpd="sng" algn="ctr">
+                      <a:solidFill>
+                        <a:srgbClr val="FFFFFF">
+                          <a:lumMod val="50000"/>
+                        </a:srgbClr>
+                      </a:solidFill>
+                      <a:prstDash val="solid"/>
+                      <a:round/>
+                      <a:headEnd type="none" w="med" len="med"/>
+                      <a:tailEnd type="none" w="med" len="med"/>
+                    </a:lnB>
+                  </a:tcPr>
+                </a:tc>
+                <a:tc>
+                  <a:txBody>
+                    <a:bodyPr/>
+                    <a:lstStyle/>
+                    <a:p>
+                      <a:endParaRPr lang="en-US" sz="1100" dirty="0">
+                        <a:solidFill>
+                          <a:srgbClr val="000000"/>
+                        </a:solidFill>
+                      </a:endParaRPr>
+                    </a:p>
+                  </a:txBody>
+                  <a:tcPr marL="56960" marR="56960" marT="0" marB="28480">
+                    <a:lnL w="3175" cap="flat" cmpd="sng" algn="ctr">
+                      <a:solidFill>
+                        <a:srgbClr val="FFFFFF">
+                          <a:lumMod val="50000"/>
+                        </a:srgbClr>
+                      </a:solidFill>
+                      <a:prstDash val="solid"/>
+                      <a:round/>
+                      <a:headEnd type="none" w="med" len="med"/>
+                      <a:tailEnd type="none" w="med" len="med"/>
+                    </a:lnL>
+                    <a:lnR w="3175" cap="flat" cmpd="sng" algn="ctr">
+                      <a:solidFill>
+                        <a:srgbClr val="FFFFFF">
+                          <a:lumMod val="50000"/>
+                        </a:srgbClr>
+                      </a:solidFill>
+                      <a:prstDash val="solid"/>
+                      <a:round/>
+                      <a:headEnd type="none" w="med" len="med"/>
+                      <a:tailEnd type="none" w="med" len="med"/>
+                    </a:lnR>
+                    <a:lnB w="3175" cap="flat" cmpd="sng" algn="ctr">
+                      <a:solidFill>
+                        <a:srgbClr val="FFFFFF">
+                          <a:lumMod val="50000"/>
+                        </a:srgbClr>
+                      </a:solidFill>
+                      <a:prstDash val="solid"/>
+                      <a:round/>
+                      <a:headEnd type="none" w="med" len="med"/>
+                      <a:tailEnd type="none" w="med" len="med"/>
+                    </a:lnB>
+                  </a:tcPr>
+                </a:tc>
+                <a:tc>
+                  <a:txBody>
+                    <a:bodyPr/>
+                    <a:lstStyle/>
+                    <a:p>
+                      <a:endParaRPr lang="en-US" sz="1100" dirty="0">
+                        <a:solidFill>
+                          <a:srgbClr val="000000"/>
+                        </a:solidFill>
+                      </a:endParaRPr>
+                    </a:p>
+                  </a:txBody>
+                  <a:tcPr marL="56960" marR="56960" marT="0" marB="28480">
+                    <a:lnL w="3175" cap="flat" cmpd="sng" algn="ctr">
+                      <a:solidFill>
+                        <a:srgbClr val="FFFFFF">
+                          <a:lumMod val="50000"/>
+                        </a:srgbClr>
+                      </a:solidFill>
+                      <a:prstDash val="solid"/>
+                      <a:round/>
+                      <a:headEnd type="none" w="med" len="med"/>
+                      <a:tailEnd type="none" w="med" len="med"/>
+                    </a:lnL>
+                    <a:lnR w="3175" cap="flat" cmpd="sng" algn="ctr">
+                      <a:solidFill>
+                        <a:srgbClr val="FFFFFF">
+                          <a:lumMod val="50000"/>
+                        </a:srgbClr>
+                      </a:solidFill>
+                      <a:prstDash val="solid"/>
+                      <a:round/>
+                      <a:headEnd type="none" w="med" len="med"/>
+                      <a:tailEnd type="none" w="med" len="med"/>
+                    </a:lnR>
+                    <a:lnB w="3175" cap="flat" cmpd="sng" algn="ctr">
+                      <a:solidFill>
+                        <a:srgbClr val="FFFFFF">
+                          <a:lumMod val="50000"/>
+                        </a:srgbClr>
+                      </a:solidFill>
+                      <a:prstDash val="solid"/>
+                      <a:round/>
+                      <a:headEnd type="none" w="med" len="med"/>
+                      <a:tailEnd type="none" w="med" len="med"/>
+                    </a:lnB>
+                  </a:tcPr>
+                </a:tc>
+                <a:tc>
+                  <a:txBody>
+                    <a:bodyPr/>
+                    <a:lstStyle/>
+                    <a:p>
+                      <a:endParaRPr lang="en-US" sz="1100" dirty="0">
+                        <a:solidFill>
+                          <a:srgbClr val="000000"/>
+                        </a:solidFill>
+                      </a:endParaRPr>
+                    </a:p>
+                  </a:txBody>
+                  <a:tcPr marL="56960" marR="56960" marT="0" marB="28480">
+                    <a:lnL w="3175" cap="flat" cmpd="sng" algn="ctr">
+                      <a:solidFill>
+                        <a:srgbClr val="FFFFFF">
+                          <a:lumMod val="50000"/>
+                        </a:srgbClr>
+                      </a:solidFill>
+                      <a:prstDash val="solid"/>
+                      <a:round/>
+                      <a:headEnd type="none" w="med" len="med"/>
+                      <a:tailEnd type="none" w="med" len="med"/>
+                    </a:lnL>
+                    <a:lnR w="3175" cap="flat" cmpd="sng" algn="ctr">
+                      <a:solidFill>
+                        <a:srgbClr val="FFFFFF">
+                          <a:lumMod val="50000"/>
+                        </a:srgbClr>
+                      </a:solidFill>
+                      <a:prstDash val="solid"/>
+                      <a:round/>
+                      <a:headEnd type="none" w="med" len="med"/>
+                      <a:tailEnd type="none" w="med" len="med"/>
+                    </a:lnR>
+                    <a:lnB w="3175" cap="flat" cmpd="sng" algn="ctr">
+                      <a:solidFill>
+                        <a:srgbClr val="FFFFFF">
+                          <a:lumMod val="50000"/>
+                        </a:srgbClr>
+                      </a:solidFill>
+                      <a:prstDash val="solid"/>
+                      <a:round/>
+                      <a:headEnd type="none" w="med" len="med"/>
+                      <a:tailEnd type="none" w="med" len="med"/>
+                    </a:lnB>
+                  </a:tcPr>
+                </a:tc>
+              </a:tr>
+            </a:tbl>
+          </a:graphicData>
+        </a:graphic>
+      </p:graphicFrame>
+      <p:sp>
+        <p:nvSpPr>
+          <p:cNvPr id="35" name="Content"/>
+          <p:cNvSpPr/>
+          <p:nvPr>
+            <p:custDataLst>
+              <p:custData r:id="rId4"/>
+            </p:custDataLst>
+          </p:nvPr>
+        </p:nvSpPr>
+        <p:spPr>
+          <a:xfrm>
+            <a:off x="6876256" y="5517232"/>
+            <a:ext cx="1589457" cy="307773"/>
+          </a:xfrm>
+          <a:prstGeom prst="rect">
+            <a:avLst/>
+          </a:prstGeom>
+          <a:solidFill>
+            <a:srgbClr val="CCCCCC"/>
+          </a:solidFill>
+          <a:ln>
+            <a:noFill/>
+          </a:ln>
+        </p:spPr>
+        <p:style>
+          <a:lnRef idx="2">
+            <a:srgbClr val="4F81BD">
+              <a:shade val="50000"/>
+            </a:srgbClr>
+          </a:lnRef>
+          <a:fillRef idx="1">
+            <a:srgbClr val="4F81BD"/>
+          </a:fillRef>
+          <a:effectRef idx="0">
+            <a:srgbClr val="4F81BD"/>
+          </a:effectRef>
+          <a:fontRef idx="minor">
+            <a:srgbClr val="000000"/>
+          </a:fontRef>
+        </p:style>
+        <p:txBody>
+          <a:bodyPr rtlCol="0" anchor="ctr"/>
+          <a:lstStyle/>
+          <a:p>
+            <a:pPr algn="ctr"/>
+            <a:r>
+              <a:rPr lang="ru-RU" sz="1100" dirty="0" smtClean="0">
+                <a:latin typeface="Segoe UI Semibold" pitchFamily="34" charset="0"/>
+                <a:ea typeface="Segoe UI Semibold" pitchFamily="34" charset="0"/>
+                <a:cs typeface="Segoe UI Semibold" pitchFamily="34" charset="0"/>
+              </a:rPr>
+              <a:t>Новое поступление</a:t>
+            </a:r>
+            <a:endParaRPr lang="en-US" sz="1100" dirty="0">
+              <a:solidFill>
+                <a:srgbClr val="000000"/>
+              </a:solidFill>
+              <a:latin typeface="Segoe UI Semibold" pitchFamily="34" charset="0"/>
+              <a:ea typeface="Segoe UI Semibold" pitchFamily="34" charset="0"/>
+              <a:cs typeface="Segoe UI Semibold" pitchFamily="34" charset="0"/>
+            </a:endParaRPr>
+          </a:p>
+        </p:txBody>
+      </p:sp>
+    </p:spTree>
+    <p:extLst>
+      <p:ext uri="{BB962C8B-B14F-4D97-AF65-F5344CB8AC3E}">
+        <p14:creationId xmlns:p14="http://schemas.microsoft.com/office/powerpoint/2010/main" val="1479348551"/>
+      </p:ext>
+    </p:extLst>
+  </p:cSld>
+  <p:clrMapOvr>
+    <a:masterClrMapping/>
+  </p:clrMapOvr>
+  <p:timing>
+    <p:tnLst>
+      <p:par>
+        <p:cTn id="1" dur="indefinite" restart="never" nodeType="tmRoot"/>
+      </p:par>
+    </p:tnLst>
+  </p:timing>
+</p:sld>
+</file>
+
 <file path=ppt/theme/theme1.xml><?xml version="1.0" encoding="utf-8"?>
 <a:theme xmlns:a="http://schemas.openxmlformats.org/drawingml/2006/main" name="Тема Office">
   <a:themeElements>
@@ -10653,31 +12473,31 @@
 
 <file path=customXml/item1.xml><?xml version="1.0" encoding="utf-8"?>
 <Control xmlns="http://schemas.microsoft.com/VisualStudio/2011/storyboarding/control">
-  <Id Name="System.Storyboarding.Backgrounds.Window" Revision="1" Stencil="System.Storyboarding.Backgrounds" StencilVersion="0.1"/>
+  <Id Name="System.Storyboarding.WindowsApps.WindowsAppsEditBox" Revision="1" Stencil="System.Storyboarding.WindowsApps" StencilVersion="0.1"/>
 </Control>
 </file>
 
 <file path=customXml/item10.xml><?xml version="1.0" encoding="utf-8"?>
 <Control xmlns="http://schemas.microsoft.com/VisualStudio/2011/storyboarding/control">
-  <Id Name="System.Storyboarding.WindowsApps.WindowsAppsEditBox" Revision="1" Stencil="System.Storyboarding.WindowsApps" StencilVersion="0.1"/>
+  <Id Name="System.Storyboarding.WindowsApps.WindowsAppsButton" Revision="1" Stencil="System.Storyboarding.WindowsApps" StencilVersion="0.1"/>
 </Control>
 </file>
 
 <file path=customXml/item11.xml><?xml version="1.0" encoding="utf-8"?>
+<Control xmlns="http://schemas.microsoft.com/VisualStudio/2011/storyboarding/control">
+  <Id Name="System.Storyboarding.WindowsDesktop.DialogBox" Revision="1" Stencil="System.Storyboarding.WindowsDesktop" StencilVersion="0.1"/>
+</Control>
+</file>
+
+<file path=customXml/item12.xml><?xml version="1.0" encoding="utf-8"?>
 <Control xmlns="http://schemas.microsoft.com/VisualStudio/2011/storyboarding/control">
   <Id Name="System.Storyboarding.Common.Text" Revision="1" Stencil="System.Storyboarding.Common" StencilVersion="0.1"/>
 </Control>
 </file>
 
-<file path=customXml/item12.xml><?xml version="1.0" encoding="utf-8"?>
-<Control xmlns="http://schemas.microsoft.com/VisualStudio/2011/storyboarding/control">
-  <Id Name="System.Storyboarding.WindowsApps.WindowsAppsEditBox" Revision="1" Stencil="System.Storyboarding.WindowsApps" StencilVersion="0.1"/>
-</Control>
-</file>
-
 <file path=customXml/item13.xml><?xml version="1.0" encoding="utf-8"?>
 <Control xmlns="http://schemas.microsoft.com/VisualStudio/2011/storyboarding/control">
-  <Id Name="System.Storyboarding.Common.Text" Revision="1" Stencil="System.Storyboarding.Common" StencilVersion="0.1"/>
+  <Id Name="System.Storyboarding.Common.TextArea" Revision="1" Stencil="System.Storyboarding.Common" StencilVersion="0.1"/>
 </Control>
 </file>
 
@@ -10689,79 +12509,79 @@
 
 <file path=customXml/item15.xml><?xml version="1.0" encoding="utf-8"?>
 <Control xmlns="http://schemas.microsoft.com/VisualStudio/2011/storyboarding/control">
-  <Id Name="System.Storyboarding.WindowsDesktop.DialogBox" Revision="1" Stencil="System.Storyboarding.WindowsDesktop" StencilVersion="0.1"/>
+  <Id Name="System.Storyboarding.WindowsApps.WindowsAppsEditBox" Revision="1" Stencil="System.Storyboarding.WindowsApps" StencilVersion="0.1"/>
 </Control>
 </file>
 
 <file path=customXml/item16.xml><?xml version="1.0" encoding="utf-8"?>
+<Control xmlns="http://schemas.microsoft.com/VisualStudio/2011/storyboarding/control">
+  <Id Name="System.Storyboarding.WindowsApps.WindowsAppsButton" Revision="1" Stencil="System.Storyboarding.WindowsApps" StencilVersion="0.1"/>
+</Control>
+</file>
+
+<file path=customXml/item17.xml><?xml version="1.0" encoding="utf-8"?>
 <Control xmlns="http://schemas.microsoft.com/VisualStudio/2011/storyboarding/control">
   <Id Name="System.Storyboarding.Common.Text" Revision="1" Stencil="System.Storyboarding.Common" StencilVersion="0.1"/>
 </Control>
 </file>
 
-<file path=customXml/item17.xml><?xml version="1.0" encoding="utf-8"?>
+<file path=customXml/item18.xml><?xml version="1.0" encoding="utf-8"?>
+<Control xmlns="http://schemas.microsoft.com/VisualStudio/2011/storyboarding/control">
+  <Id Name="System.Storyboarding.Common.TabGroup" Revision="1" Stencil="System.Storyboarding.Common" StencilVersion="0.1"/>
+</Control>
+</file>
+
+<file path=customXml/item19.xml><?xml version="1.0" encoding="utf-8"?>
+<Control xmlns="http://schemas.microsoft.com/VisualStudio/2011/storyboarding/control">
+  <Id Name="System.Storyboarding.Common.TabGroup" Revision="1" Stencil="System.Storyboarding.Common" StencilVersion="0.1"/>
+</Control>
+</file>
+
+<file path=customXml/item2.xml><?xml version="1.0" encoding="utf-8"?>
+<Control xmlns="http://schemas.microsoft.com/VisualStudio/2011/storyboarding/control">
+  <Id Name="System.Storyboarding.WindowsApps.WindowsAppsButton" Revision="1" Stencil="System.Storyboarding.WindowsApps" StencilVersion="0.1"/>
+</Control>
+</file>
+
+<file path=customXml/item20.xml><?xml version="1.0" encoding="utf-8"?>
 <Control xmlns="http://schemas.microsoft.com/VisualStudio/2011/storyboarding/control">
   <Id Name="System.Storyboarding.WindowsApps.WindowsAppsEditBox" Revision="1" Stencil="System.Storyboarding.WindowsApps" StencilVersion="0.1"/>
 </Control>
 </file>
 
-<file path=customXml/item18.xml><?xml version="1.0" encoding="utf-8"?>
+<file path=customXml/item21.xml><?xml version="1.0" encoding="utf-8"?>
 <Control xmlns="http://schemas.microsoft.com/VisualStudio/2011/storyboarding/control">
   <Id Name="System.Storyboarding.Common.Text" Revision="1" Stencil="System.Storyboarding.Common" StencilVersion="0.1"/>
 </Control>
 </file>
 
-<file path=customXml/item19.xml><?xml version="1.0" encoding="utf-8"?>
+<file path=customXml/item22.xml><?xml version="1.0" encoding="utf-8"?>
 <Control xmlns="http://schemas.microsoft.com/VisualStudio/2011/storyboarding/control">
   <Id Name="System.Storyboarding.WindowsApps.WindowsAppsEditBox" Revision="1" Stencil="System.Storyboarding.WindowsApps" StencilVersion="0.1"/>
 </Control>
 </file>
 
-<file path=customXml/item2.xml><?xml version="1.0" encoding="utf-8"?>
+<file path=customXml/item23.xml><?xml version="1.0" encoding="utf-8"?>
 <Control xmlns="http://schemas.microsoft.com/VisualStudio/2011/storyboarding/control">
-  <Id Name="System.Storyboarding.Common.DatePicker" Revision="1" Stencil="System.Storyboarding.Common" StencilVersion="0.1"/>
+  <Id Name="System.Storyboarding.WindowsApps.WindowsAppsEditBox" Revision="1" Stencil="System.Storyboarding.WindowsApps" StencilVersion="0.1"/>
 </Control>
 </file>
 
-<file path=customXml/item20.xml><?xml version="1.0" encoding="utf-8"?>
+<file path=customXml/item24.xml><?xml version="1.0" encoding="utf-8"?>
+<Control xmlns="http://schemas.microsoft.com/VisualStudio/2011/storyboarding/control">
+  <Id Name="System.Storyboarding.Common.Text" Revision="1" Stencil="System.Storyboarding.Common" StencilVersion="0.1"/>
+</Control>
+</file>
+
+<file path=customXml/item25.xml><?xml version="1.0" encoding="utf-8"?>
 <Control xmlns="http://schemas.microsoft.com/VisualStudio/2011/storyboarding/control">
   <Id Name="System.Storyboarding.WindowsApps.WindowsAppsButton" Revision="1" Stencil="System.Storyboarding.WindowsApps" StencilVersion="0.1"/>
 </Control>
 </file>
 
-<file path=customXml/item21.xml><?xml version="1.0" encoding="utf-8"?>
+<file path=customXml/item26.xml><?xml version="1.0" encoding="utf-8"?>
 <Control xmlns="http://schemas.microsoft.com/VisualStudio/2011/storyboarding/control">
   <Id Name="System.Storyboarding.WindowsApps.WindowsAppsButton" Revision="1" Stencil="System.Storyboarding.WindowsApps" StencilVersion="0.1"/>
-</Control>
-</file>
-
-<file path=customXml/item22.xml><?xml version="1.0" encoding="utf-8"?>
-<Control xmlns="http://schemas.microsoft.com/VisualStudio/2011/storyboarding/control">
-  <Id Name="System.Storyboarding.WindowsApps.WindowsAppsButton" Revision="1" Stencil="System.Storyboarding.WindowsApps" StencilVersion="0.1"/>
-</Control>
-</file>
-
-<file path=customXml/item23.xml><?xml version="1.0" encoding="utf-8"?>
-<Control xmlns="http://schemas.microsoft.com/VisualStudio/2011/storyboarding/control">
-  <Id Name="System.Storyboarding.Common.Text" Revision="1" Stencil="System.Storyboarding.Common" StencilVersion="0.1"/>
-</Control>
-</file>
-
-<file path=customXml/item24.xml><?xml version="1.0" encoding="utf-8"?>
-<Control xmlns="http://schemas.microsoft.com/VisualStudio/2011/storyboarding/control">
-  <Id Name="System.Storyboarding.WindowsApps.WindowsAppsEditBox" Revision="1" Stencil="System.Storyboarding.WindowsApps" StencilVersion="0.1"/>
-</Control>
-</file>
-
-<file path=customXml/item25.xml><?xml version="1.0" encoding="utf-8"?>
-<Control xmlns="http://schemas.microsoft.com/VisualStudio/2011/storyboarding/control">
-  <Id Name="System.Storyboarding.Common.Text" Revision="1" Stencil="System.Storyboarding.Common" StencilVersion="0.1"/>
-</Control>
-</file>
-
-<file path=customXml/item26.xml><?xml version="1.0" encoding="utf-8"?>
-<Control xmlns="http://schemas.microsoft.com/VisualStudio/2011/storyboarding/control">
-  <Id Name="System.Storyboarding.WindowsApps.WindowsAppsEditBox" Revision="1" Stencil="System.Storyboarding.WindowsApps" StencilVersion="0.1"/>
 </Control>
 </file>
 
@@ -10773,91 +12593,91 @@
 
 <file path=customXml/item28.xml><?xml version="1.0" encoding="utf-8"?>
 <Control xmlns="http://schemas.microsoft.com/VisualStudio/2011/storyboarding/control">
-  <Id Name="System.Storyboarding.WindowsApps.WindowsAppsEditBox" Revision="1" Stencil="System.Storyboarding.WindowsApps" StencilVersion="0.1"/>
+  <Id Name="System.Storyboarding.WindowsApps.WindowsAppsButton" Revision="1" Stencil="System.Storyboarding.WindowsApps" StencilVersion="0.1"/>
 </Control>
 </file>
 
 <file path=customXml/item29.xml><?xml version="1.0" encoding="utf-8"?>
+<Control xmlns="http://schemas.microsoft.com/VisualStudio/2011/storyboarding/control">
+  <Id Name="System.Storyboarding.WindowsApps.WindowsAppsButton" Revision="1" Stencil="System.Storyboarding.WindowsApps" StencilVersion="0.1"/>
+</Control>
+</file>
+
+<file path=customXml/item3.xml><?xml version="1.0" encoding="utf-8"?>
+<Control xmlns="http://schemas.microsoft.com/VisualStudio/2011/storyboarding/control">
+  <Id Name="System.Storyboarding.WindowsApps.WindowsAppsButton" Revision="1" Stencil="System.Storyboarding.WindowsApps" StencilVersion="0.1"/>
+</Control>
+</file>
+
+<file path=customXml/item30.xml><?xml version="1.0" encoding="utf-8"?>
 <Control xmlns="http://schemas.microsoft.com/VisualStudio/2011/storyboarding/control">
   <Id Name="System.Storyboarding.Backgrounds.Window" Revision="1" Stencil="System.Storyboarding.Backgrounds" StencilVersion="0.1"/>
 </Control>
 </file>
 
-<file path=customXml/item3.xml><?xml version="1.0" encoding="utf-8"?>
+<file path=customXml/item31.xml><?xml version="1.0" encoding="utf-8"?>
 <Control xmlns="http://schemas.microsoft.com/VisualStudio/2011/storyboarding/control">
   <Id Name="System.Storyboarding.Common.Text" Revision="1" Stencil="System.Storyboarding.Common" StencilVersion="0.1"/>
 </Control>
 </file>
 
-<file path=customXml/item30.xml><?xml version="1.0" encoding="utf-8"?>
+<file path=customXml/item32.xml><?xml version="1.0" encoding="utf-8"?>
 <Control xmlns="http://schemas.microsoft.com/VisualStudio/2011/storyboarding/control">
-  <Id Name="System.Storyboarding.Common.TabGroup" Revision="1" Stencil="System.Storyboarding.Common" StencilVersion="0.1"/>
+  <Id Name="System.Storyboarding.WindowsDesktop.DialogBox" Revision="1" Stencil="System.Storyboarding.WindowsDesktop" StencilVersion="0.1"/>
 </Control>
 </file>
 
-<file path=customXml/item31.xml><?xml version="1.0" encoding="utf-8"?>
+<file path=customXml/item33.xml><?xml version="1.0" encoding="utf-8"?>
+<Control xmlns="http://schemas.microsoft.com/VisualStudio/2011/storyboarding/control">
+  <Id Name="System.Storyboarding.Common.Text" Revision="1" Stencil="System.Storyboarding.Common" StencilVersion="0.1"/>
+</Control>
+</file>
+
+<file path=customXml/item34.xml><?xml version="1.0" encoding="utf-8"?>
+<Control xmlns="http://schemas.microsoft.com/VisualStudio/2011/storyboarding/control">
+  <Id Name="System.Storyboarding.WindowsApps.WindowsAppsEditBox" Revision="1" Stencil="System.Storyboarding.WindowsApps" StencilVersion="0.1"/>
+</Control>
+</file>
+
+<file path=customXml/item35.xml><?xml version="1.0" encoding="utf-8"?>
 <Control xmlns="http://schemas.microsoft.com/VisualStudio/2011/storyboarding/control">
   <Id Name="System.Storyboarding.Common.TextArea" Revision="1" Stencil="System.Storyboarding.Common" StencilVersion="0.1"/>
 </Control>
 </file>
 
-<file path=customXml/item32.xml><?xml version="1.0" encoding="utf-8"?>
+<file path=customXml/item36.xml><?xml version="1.0" encoding="utf-8"?>
 <Control xmlns="http://schemas.microsoft.com/VisualStudio/2011/storyboarding/control">
-  <Id Name="System.Storyboarding.WindowsApps.WindowsAppsButton" Revision="1" Stencil="System.Storyboarding.WindowsApps" StencilVersion="0.1"/>
+  <Id Name="System.Storyboarding.WindowsApps.WindowsAppsEditBox" Revision="1" Stencil="System.Storyboarding.WindowsApps" StencilVersion="0.1"/>
 </Control>
 </file>
 
-<file path=customXml/item33.xml><?xml version="1.0" encoding="utf-8"?>
-<Control xmlns="http://schemas.microsoft.com/VisualStudio/2011/storyboarding/control">
-  <Id Name="System.Storyboarding.WindowsApps.WindowsAppsButton" Revision="1" Stencil="System.Storyboarding.WindowsApps" StencilVersion="0.1"/>
-</Control>
-</file>
-
-<file path=customXml/item34.xml><?xml version="1.0" encoding="utf-8"?>
-<Control xmlns="http://schemas.microsoft.com/VisualStudio/2011/storyboarding/control">
-  <Id Name="System.Storyboarding.Common.ScrollbarVertical" Revision="1" Stencil="System.Storyboarding.Common" StencilVersion="0.1"/>
-</Control>
-</file>
-
-<file path=customXml/item35.xml><?xml version="1.0" encoding="utf-8"?>
-<Control xmlns="http://schemas.microsoft.com/VisualStudio/2011/storyboarding/control">
-  <Id Name="System.Storyboarding.Common.TabGroup" Revision="1" Stencil="System.Storyboarding.Common" StencilVersion="0.1"/>
-</Control>
-</file>
-
-<file path=customXml/item36.xml><?xml version="1.0" encoding="utf-8"?>
+<file path=customXml/item37.xml><?xml version="1.0" encoding="utf-8"?>
 <Control xmlns="http://schemas.microsoft.com/VisualStudio/2011/storyboarding/control">
   <Id Name="System.Storyboarding.Common.TextArea" Revision="1" Stencil="System.Storyboarding.Common" StencilVersion="0.1"/>
 </Control>
 </file>
 
-<file path=customXml/item37.xml><?xml version="1.0" encoding="utf-8"?>
-<Control xmlns="http://schemas.microsoft.com/VisualStudio/2011/storyboarding/control">
-  <Id Name="System.Storyboarding.WindowsApps.WindowsAppsButton" Revision="1" Stencil="System.Storyboarding.WindowsApps" StencilVersion="0.1"/>
-</Control>
-</file>
-
 <file path=customXml/item38.xml><?xml version="1.0" encoding="utf-8"?>
 <Control xmlns="http://schemas.microsoft.com/VisualStudio/2011/storyboarding/control">
-  <Id Name="System.Storyboarding.WindowsApps.WindowsAppsButton" Revision="1" Stencil="System.Storyboarding.WindowsApps" StencilVersion="0.1"/>
+  <Id Name="System.Storyboarding.Common.DropdownBox" Revision="1" Stencil="System.Storyboarding.Common" StencilVersion="0.1"/>
 </Control>
 </file>
 
 <file path=customXml/item39.xml><?xml version="1.0" encoding="utf-8"?>
-<Control xmlns="http://schemas.microsoft.com/VisualStudio/2011/storyboarding/control">
-  <Id Name="System.Storyboarding.Backgrounds.Window" Revision="1" Stencil="System.Storyboarding.Backgrounds" StencilVersion="0.1"/>
-</Control>
-</file>
-
-<file path=customXml/item4.xml><?xml version="1.0" encoding="utf-8"?>
 <Control xmlns="http://schemas.microsoft.com/VisualStudio/2011/storyboarding/control">
   <Id Name="System.Storyboarding.Common.Text" Revision="1" Stencil="System.Storyboarding.Common" StencilVersion="0.1"/>
 </Control>
 </file>
 
+<file path=customXml/item4.xml><?xml version="1.0" encoding="utf-8"?>
+<Control xmlns="http://schemas.microsoft.com/VisualStudio/2011/storyboarding/control">
+  <Id Name="System.Storyboarding.Common.DatePicker" Revision="1" Stencil="System.Storyboarding.Common" StencilVersion="0.1"/>
+</Control>
+</file>
+
 <file path=customXml/item40.xml><?xml version="1.0" encoding="utf-8"?>
 <Control xmlns="http://schemas.microsoft.com/VisualStudio/2011/storyboarding/control">
-  <Id Name="System.Storyboarding.Common.DatePicker" Revision="1" Stencil="System.Storyboarding.Common" StencilVersion="0.1"/>
+  <Id Name="System.Storyboarding.Common.Text" Revision="1" Stencil="System.Storyboarding.Common" StencilVersion="0.1"/>
 </Control>
 </file>
 
@@ -10875,31 +12695,31 @@
 
 <file path=customXml/item43.xml><?xml version="1.0" encoding="utf-8"?>
 <Control xmlns="http://schemas.microsoft.com/VisualStudio/2011/storyboarding/control">
-  <Id Name="System.Storyboarding.Common.Text" Revision="1" Stencil="System.Storyboarding.Common" StencilVersion="0.1"/>
+  <Id Name="System.Storyboarding.Backgrounds.Window" Revision="1" Stencil="System.Storyboarding.Backgrounds" StencilVersion="0.1"/>
 </Control>
 </file>
 
 <file path=customXml/item44.xml><?xml version="1.0" encoding="utf-8"?>
 <Control xmlns="http://schemas.microsoft.com/VisualStudio/2011/storyboarding/control">
-  <Id Name="System.Storyboarding.Common.Text" Revision="1" Stencil="System.Storyboarding.Common" StencilVersion="0.1"/>
+  <Id Name="System.Storyboarding.Common.ScrollbarVertical" Revision="1" Stencil="System.Storyboarding.Common" StencilVersion="0.1"/>
 </Control>
 </file>
 
 <file path=customXml/item45.xml><?xml version="1.0" encoding="utf-8"?>
 <Control xmlns="http://schemas.microsoft.com/VisualStudio/2011/storyboarding/control">
-  <Id Name="System.Storyboarding.WindowsApps.WindowsAppsButton" Revision="1" Stencil="System.Storyboarding.WindowsApps" StencilVersion="0.1"/>
+  <Id Name="System.Storyboarding.WindowsApps.WindowsAppsEditBox" Revision="1" Stencil="System.Storyboarding.WindowsApps" StencilVersion="0.1"/>
 </Control>
 </file>
 
 <file path=customXml/item46.xml><?xml version="1.0" encoding="utf-8"?>
 <Control xmlns="http://schemas.microsoft.com/VisualStudio/2011/storyboarding/control">
-  <Id Name="System.Storyboarding.Common.Text" Revision="1" Stencil="System.Storyboarding.Common" StencilVersion="0.1"/>
+  <Id Name="System.Storyboarding.Common.TabGroup" Revision="1" Stencil="System.Storyboarding.Common" StencilVersion="0.1"/>
 </Control>
 </file>
 
 <file path=customXml/item47.xml><?xml version="1.0" encoding="utf-8"?>
 <Control xmlns="http://schemas.microsoft.com/VisualStudio/2011/storyboarding/control">
-  <Id Name="System.Storyboarding.Common.TextArea" Revision="1" Stencil="System.Storyboarding.Common" StencilVersion="0.1"/>
+  <Id Name="System.Storyboarding.Common.Text" Revision="1" Stencil="System.Storyboarding.Common" StencilVersion="0.1"/>
 </Control>
 </file>
 
@@ -10911,7 +12731,7 @@
 
 <file path=customXml/item49.xml><?xml version="1.0" encoding="utf-8"?>
 <Control xmlns="http://schemas.microsoft.com/VisualStudio/2011/storyboarding/control">
-  <Id Name="System.Storyboarding.Common.TextArea" Revision="1" Stencil="System.Storyboarding.Common" StencilVersion="0.1"/>
+  <Id Name="System.Storyboarding.Common.Text" Revision="1" Stencil="System.Storyboarding.Common" StencilVersion="0.1"/>
 </Control>
 </file>
 
@@ -10923,19 +12743,19 @@
 
 <file path=customXml/item50.xml><?xml version="1.0" encoding="utf-8"?>
 <Control xmlns="http://schemas.microsoft.com/VisualStudio/2011/storyboarding/control">
+  <Id Name="System.Storyboarding.Common.TextArea" Revision="1" Stencil="System.Storyboarding.Common" StencilVersion="0.1"/>
+</Control>
+</file>
+
+<file path=customXml/item51.xml><?xml version="1.0" encoding="utf-8"?>
+<Control xmlns="http://schemas.microsoft.com/VisualStudio/2011/storyboarding/control">
   <Id Name="System.Storyboarding.Common.Text" Revision="1" Stencil="System.Storyboarding.Common" StencilVersion="0.1"/>
 </Control>
 </file>
 
-<file path=customXml/item51.xml><?xml version="1.0" encoding="utf-8"?>
+<file path=customXml/item52.xml><?xml version="1.0" encoding="utf-8"?>
 <Control xmlns="http://schemas.microsoft.com/VisualStudio/2011/storyboarding/control">
   <Id Name="System.Storyboarding.Common.TextArea" Revision="1" Stencil="System.Storyboarding.Common" StencilVersion="0.1"/>
-</Control>
-</file>
-
-<file path=customXml/item52.xml><?xml version="1.0" encoding="utf-8"?>
-<Control xmlns="http://schemas.microsoft.com/VisualStudio/2011/storyboarding/control">
-  <Id Name="System.Storyboarding.Common.Text" Revision="1" Stencil="System.Storyboarding.Common" StencilVersion="0.1"/>
 </Control>
 </file>
 
@@ -10947,13 +12767,13 @@
 
 <file path=customXml/item54.xml><?xml version="1.0" encoding="utf-8"?>
 <Control xmlns="http://schemas.microsoft.com/VisualStudio/2011/storyboarding/control">
-  <Id Name="System.Storyboarding.Common.TextArea" Revision="1" Stencil="System.Storyboarding.Common" StencilVersion="0.1"/>
+  <Id Name="System.Storyboarding.Common.Text" Revision="1" Stencil="System.Storyboarding.Common" StencilVersion="0.1"/>
 </Control>
 </file>
 
 <file path=customXml/item55.xml><?xml version="1.0" encoding="utf-8"?>
 <Control xmlns="http://schemas.microsoft.com/VisualStudio/2011/storyboarding/control">
-  <Id Name="System.Storyboarding.Common.Text" Revision="1" Stencil="System.Storyboarding.Common" StencilVersion="0.1"/>
+  <Id Name="System.Storyboarding.Common.TextArea" Revision="1" Stencil="System.Storyboarding.Common" StencilVersion="0.1"/>
 </Control>
 </file>
 
@@ -10965,55 +12785,79 @@
 
 <file path=customXml/item57.xml><?xml version="1.0" encoding="utf-8"?>
 <Control xmlns="http://schemas.microsoft.com/VisualStudio/2011/storyboarding/control">
-  <Id Name="System.Storyboarding.Common.TextArea" Revision="1" Stencil="System.Storyboarding.Common" StencilVersion="0.1"/>
-</Control>
-</file>
-
-<file path=customXml/item58.xml><?xml version="1.0" encoding="utf-8"?>
-<Control xmlns="http://schemas.microsoft.com/VisualStudio/2011/storyboarding/control">
-  <Id Name="System.Storyboarding.WindowsDesktop.DialogBox" Revision="1" Stencil="System.Storyboarding.WindowsDesktop" StencilVersion="0.1"/>
-</Control>
-</file>
-
-<file path=customXml/item59.xml><?xml version="1.0" encoding="utf-8"?>
-<Control xmlns="http://schemas.microsoft.com/VisualStudio/2011/storyboarding/control">
   <Id Name="System.Storyboarding.Common.Text" Revision="1" Stencil="System.Storyboarding.Common" StencilVersion="0.1"/>
 </Control>
 </file>
 
-<file path=customXml/item6.xml><?xml version="1.0" encoding="utf-8"?>
-<Control xmlns="http://schemas.microsoft.com/VisualStudio/2011/storyboarding/control">
-  <Id Name="System.Storyboarding.Common.Text" Revision="1" Stencil="System.Storyboarding.Common" StencilVersion="0.1"/>
-</Control>
-</file>
-
-<file path=customXml/item60.xml><?xml version="1.0" encoding="utf-8"?>
-<Control xmlns="http://schemas.microsoft.com/VisualStudio/2011/storyboarding/control">
-  <Id Name="System.Storyboarding.Common.DropdownBox" Revision="1" Stencil="System.Storyboarding.Common" StencilVersion="0.1"/>
-</Control>
-</file>
-
-<file path=customXml/item61.xml><?xml version="1.0" encoding="utf-8"?>
+<file path=customXml/item58.xml><?xml version="1.0" encoding="utf-8"?>
 <Control xmlns="http://schemas.microsoft.com/VisualStudio/2011/storyboarding/control">
   <Id Name="System.Storyboarding.Common.TextArea" Revision="1" Stencil="System.Storyboarding.Common" StencilVersion="0.1"/>
 </Control>
 </file>
 
+<file path=customXml/item59.xml><?xml version="1.0" encoding="utf-8"?>
+<Control xmlns="http://schemas.microsoft.com/VisualStudio/2011/storyboarding/control">
+  <Id Name="System.Storyboarding.Common.TabGroup" Revision="1" Stencil="System.Storyboarding.Common" StencilVersion="0.1"/>
+</Control>
+</file>
+
+<file path=customXml/item6.xml><?xml version="1.0" encoding="utf-8"?>
+<Control xmlns="http://schemas.microsoft.com/VisualStudio/2011/storyboarding/control">
+  <Id Name="System.Storyboarding.Backgrounds.Window" Revision="1" Stencil="System.Storyboarding.Backgrounds" StencilVersion="0.1"/>
+</Control>
+</file>
+
+<file path=customXml/item60.xml><?xml version="1.0" encoding="utf-8"?>
+<Control xmlns="http://schemas.microsoft.com/VisualStudio/2011/storyboarding/control">
+  <Id Name="System.Storyboarding.Common.ScrollbarVertical" RevisionId="68ea164d-c1de-47a5-804f-d4d1290fa524" Stencil="System.Storyboarding.Common" StencilRevisionId="68ea164d-c1de-47a5-804f-d4d1290fa524" StencilVersion="0.1"/>
+</Control>
+</file>
+
+<file path=customXml/item61.xml><?xml version="1.0" encoding="utf-8"?>
+<Control xmlns="http://schemas.microsoft.com/VisualStudio/2011/storyboarding/control">
+  <Id Name="System.Storyboarding.Common.List" Revision="1" Stencil="System.Storyboarding.Common" StencilVersion="0.1"/>
+</Control>
+</file>
+
 <file path=customXml/item62.xml><?xml version="1.0" encoding="utf-8"?>
+<Control xmlns="http://schemas.microsoft.com/VisualStudio/2011/storyboarding/control">
+  <Id Name="System.Storyboarding.Common.ScrollbarVertical" RevisionId="68ea164d-c1de-47a5-804f-d4d1290fa524" Stencil="System.Storyboarding.Common" StencilRevisionId="68ea164d-c1de-47a5-804f-d4d1290fa524" StencilVersion="0.1"/>
+</Control>
+</file>
+
+<file path=customXml/item63.xml><?xml version="1.0" encoding="utf-8"?>
+<Control xmlns="http://schemas.microsoft.com/VisualStudio/2011/storyboarding/control">
+  <Id Name="System.Storyboarding.Common.List" Revision="1" Stencil="System.Storyboarding.Common" StencilVersion="0.1"/>
+</Control>
+</file>
+
+<file path=customXml/item64.xml><?xml version="1.0" encoding="utf-8"?>
+<Control xmlns="http://schemas.microsoft.com/VisualStudio/2011/storyboarding/control">
+  <Id Name="System.Storyboarding.Backgrounds.Window" Revision="1" Stencil="System.Storyboarding.Backgrounds" StencilVersion="0.1"/>
+</Control>
+</file>
+
+<file path=customXml/item65.xml><?xml version="1.0" encoding="utf-8"?>
+<Control xmlns="http://schemas.microsoft.com/VisualStudio/2011/storyboarding/control">
+  <Id Name="System.Storyboarding.Common.TabGroupVertical" Revision="1" Stencil="System.Storyboarding.Common" StencilVersion="0.1"/>
+</Control>
+</file>
+
+<file path=customXml/item66.xml><?xml version="1.0" encoding="utf-8"?>
+<Control xmlns="http://schemas.microsoft.com/VisualStudio/2011/storyboarding/control">
+  <Id Name="System.Storyboarding.Common.DataGrid" Revision="1" Stencil="System.Storyboarding.Common" StencilVersion="0.1"/>
+</Control>
+</file>
+
+<file path=customXml/item67.xml><?xml version="1.0" encoding="utf-8"?>
 <Control xmlns="http://schemas.microsoft.com/VisualStudio/2011/storyboarding/control">
   <Id Name="System.Storyboarding.WindowsApps.WindowsAppsButton" Revision="1" Stencil="System.Storyboarding.WindowsApps" StencilVersion="0.1"/>
 </Control>
 </file>
 
-<file path=customXml/item63.xml><?xml version="1.0" encoding="utf-8"?>
-<Control xmlns="http://schemas.microsoft.com/VisualStudio/2011/storyboarding/control">
-  <Id Name="System.Storyboarding.WindowsApps.WindowsAppsButton" Revision="1" Stencil="System.Storyboarding.WindowsApps" StencilVersion="0.1"/>
-</Control>
-</file>
-
 <file path=customXml/item7.xml><?xml version="1.0" encoding="utf-8"?>
 <Control xmlns="http://schemas.microsoft.com/VisualStudio/2011/storyboarding/control">
-  <Id Name="System.Storyboarding.WindowsApps.WindowsAppsEditBox" Revision="1" Stencil="System.Storyboarding.WindowsApps" StencilVersion="0.1"/>
+  <Id Name="System.Storyboarding.Common.Text" Revision="1" Stencil="System.Storyboarding.Common" StencilVersion="0.1"/>
 </Control>
 </file>
 
@@ -11025,11 +12869,195 @@
 
 <file path=customXml/item9.xml><?xml version="1.0" encoding="utf-8"?>
 <Control xmlns="http://schemas.microsoft.com/VisualStudio/2011/storyboarding/control">
-  <Id Name="System.Storyboarding.Common.Text" Revision="1" Stencil="System.Storyboarding.Common" StencilVersion="0.1"/>
+  <Id Name="System.Storyboarding.WindowsApps.WindowsAppsButton" Revision="1" Stencil="System.Storyboarding.WindowsApps" StencilVersion="0.1"/>
 </Control>
 </file>
 
 <file path=customXml/itemProps1.xml><?xml version="1.0" encoding="utf-8"?>
+<ds:datastoreItem xmlns:ds="http://schemas.openxmlformats.org/officeDocument/2006/customXml" ds:itemID="{044F2BC1-440F-4E76-A955-72A2CDF256EC}">
+  <ds:schemaRefs>
+    <ds:schemaRef ds:uri="http://schemas.microsoft.com/VisualStudio/2011/storyboarding/control"/>
+  </ds:schemaRefs>
+</ds:datastoreItem>
+</file>
+
+<file path=customXml/itemProps10.xml><?xml version="1.0" encoding="utf-8"?>
+<ds:datastoreItem xmlns:ds="http://schemas.openxmlformats.org/officeDocument/2006/customXml" ds:itemID="{2B237810-0D8B-4676-8C9F-31D421A6CD83}">
+  <ds:schemaRefs>
+    <ds:schemaRef ds:uri="http://schemas.microsoft.com/VisualStudio/2011/storyboarding/control"/>
+  </ds:schemaRefs>
+</ds:datastoreItem>
+</file>
+
+<file path=customXml/itemProps11.xml><?xml version="1.0" encoding="utf-8"?>
+<ds:datastoreItem xmlns:ds="http://schemas.openxmlformats.org/officeDocument/2006/customXml" ds:itemID="{13EDAD03-4EFE-45B8-A076-FF5AB45C9DA4}">
+  <ds:schemaRefs>
+    <ds:schemaRef ds:uri="http://schemas.microsoft.com/VisualStudio/2011/storyboarding/control"/>
+  </ds:schemaRefs>
+</ds:datastoreItem>
+</file>
+
+<file path=customXml/itemProps12.xml><?xml version="1.0" encoding="utf-8"?>
+<ds:datastoreItem xmlns:ds="http://schemas.openxmlformats.org/officeDocument/2006/customXml" ds:itemID="{B2110B81-6E58-46DA-AE17-A7ADAD5E8812}">
+  <ds:schemaRefs>
+    <ds:schemaRef ds:uri="http://schemas.microsoft.com/VisualStudio/2011/storyboarding/control"/>
+  </ds:schemaRefs>
+</ds:datastoreItem>
+</file>
+
+<file path=customXml/itemProps13.xml><?xml version="1.0" encoding="utf-8"?>
+<ds:datastoreItem xmlns:ds="http://schemas.openxmlformats.org/officeDocument/2006/customXml" ds:itemID="{150F4787-82E5-44F6-8144-8CDBDF1EA376}">
+  <ds:schemaRefs>
+    <ds:schemaRef ds:uri="http://schemas.microsoft.com/VisualStudio/2011/storyboarding/control"/>
+  </ds:schemaRefs>
+</ds:datastoreItem>
+</file>
+
+<file path=customXml/itemProps14.xml><?xml version="1.0" encoding="utf-8"?>
+<ds:datastoreItem xmlns:ds="http://schemas.openxmlformats.org/officeDocument/2006/customXml" ds:itemID="{BA8C8F0A-62A4-40DC-9C3B-E4C17FB6AC97}">
+  <ds:schemaRefs>
+    <ds:schemaRef ds:uri="http://schemas.microsoft.com/VisualStudio/2011/storyboarding/control"/>
+  </ds:schemaRefs>
+</ds:datastoreItem>
+</file>
+
+<file path=customXml/itemProps15.xml><?xml version="1.0" encoding="utf-8"?>
+<ds:datastoreItem xmlns:ds="http://schemas.openxmlformats.org/officeDocument/2006/customXml" ds:itemID="{9EE8E3F8-2509-421C-930B-D918E1B0E4C2}">
+  <ds:schemaRefs>
+    <ds:schemaRef ds:uri="http://schemas.microsoft.com/VisualStudio/2011/storyboarding/control"/>
+  </ds:schemaRefs>
+</ds:datastoreItem>
+</file>
+
+<file path=customXml/itemProps16.xml><?xml version="1.0" encoding="utf-8"?>
+<ds:datastoreItem xmlns:ds="http://schemas.openxmlformats.org/officeDocument/2006/customXml" ds:itemID="{CA9F6B36-96F6-4EF9-BC1C-310527DD5636}">
+  <ds:schemaRefs>
+    <ds:schemaRef ds:uri="http://schemas.microsoft.com/VisualStudio/2011/storyboarding/control"/>
+  </ds:schemaRefs>
+</ds:datastoreItem>
+</file>
+
+<file path=customXml/itemProps17.xml><?xml version="1.0" encoding="utf-8"?>
+<ds:datastoreItem xmlns:ds="http://schemas.openxmlformats.org/officeDocument/2006/customXml" ds:itemID="{8DEC5757-11C9-47F1-B8C4-0408A88E9DB0}">
+  <ds:schemaRefs>
+    <ds:schemaRef ds:uri="http://schemas.microsoft.com/VisualStudio/2011/storyboarding/control"/>
+  </ds:schemaRefs>
+</ds:datastoreItem>
+</file>
+
+<file path=customXml/itemProps18.xml><?xml version="1.0" encoding="utf-8"?>
+<ds:datastoreItem xmlns:ds="http://schemas.openxmlformats.org/officeDocument/2006/customXml" ds:itemID="{D231B40F-C522-43B0-8B71-AB1368F5AD8D}">
+  <ds:schemaRefs>
+    <ds:schemaRef ds:uri="http://schemas.microsoft.com/VisualStudio/2011/storyboarding/control"/>
+  </ds:schemaRefs>
+</ds:datastoreItem>
+</file>
+
+<file path=customXml/itemProps19.xml><?xml version="1.0" encoding="utf-8"?>
+<ds:datastoreItem xmlns:ds="http://schemas.openxmlformats.org/officeDocument/2006/customXml" ds:itemID="{A169B753-85B9-4F71-BA21-18E7976D8CAB}">
+  <ds:schemaRefs>
+    <ds:schemaRef ds:uri="http://schemas.microsoft.com/VisualStudio/2011/storyboarding/control"/>
+  </ds:schemaRefs>
+</ds:datastoreItem>
+</file>
+
+<file path=customXml/itemProps2.xml><?xml version="1.0" encoding="utf-8"?>
+<ds:datastoreItem xmlns:ds="http://schemas.openxmlformats.org/officeDocument/2006/customXml" ds:itemID="{0C2F9471-33C5-4313-9823-5BC44C25C46A}">
+  <ds:schemaRefs>
+    <ds:schemaRef ds:uri="http://schemas.microsoft.com/VisualStudio/2011/storyboarding/control"/>
+  </ds:schemaRefs>
+</ds:datastoreItem>
+</file>
+
+<file path=customXml/itemProps20.xml><?xml version="1.0" encoding="utf-8"?>
+<ds:datastoreItem xmlns:ds="http://schemas.openxmlformats.org/officeDocument/2006/customXml" ds:itemID="{2281391A-B30A-4132-B7F3-BF433F6164D5}">
+  <ds:schemaRefs>
+    <ds:schemaRef ds:uri="http://schemas.microsoft.com/VisualStudio/2011/storyboarding/control"/>
+  </ds:schemaRefs>
+</ds:datastoreItem>
+</file>
+
+<file path=customXml/itemProps21.xml><?xml version="1.0" encoding="utf-8"?>
+<ds:datastoreItem xmlns:ds="http://schemas.openxmlformats.org/officeDocument/2006/customXml" ds:itemID="{70BCD195-8E7F-4DC2-97A8-5AE3620A3D53}">
+  <ds:schemaRefs>
+    <ds:schemaRef ds:uri="http://schemas.microsoft.com/VisualStudio/2011/storyboarding/control"/>
+  </ds:schemaRefs>
+</ds:datastoreItem>
+</file>
+
+<file path=customXml/itemProps22.xml><?xml version="1.0" encoding="utf-8"?>
+<ds:datastoreItem xmlns:ds="http://schemas.openxmlformats.org/officeDocument/2006/customXml" ds:itemID="{24448150-DB7B-46D2-872D-DA167B1F73FC}">
+  <ds:schemaRefs>
+    <ds:schemaRef ds:uri="http://schemas.microsoft.com/VisualStudio/2011/storyboarding/control"/>
+  </ds:schemaRefs>
+</ds:datastoreItem>
+</file>
+
+<file path=customXml/itemProps23.xml><?xml version="1.0" encoding="utf-8"?>
+<ds:datastoreItem xmlns:ds="http://schemas.openxmlformats.org/officeDocument/2006/customXml" ds:itemID="{DD4FAF5D-F4F3-4427-A3C9-43949E0FDA06}">
+  <ds:schemaRefs>
+    <ds:schemaRef ds:uri="http://schemas.microsoft.com/VisualStudio/2011/storyboarding/control"/>
+  </ds:schemaRefs>
+</ds:datastoreItem>
+</file>
+
+<file path=customXml/itemProps24.xml><?xml version="1.0" encoding="utf-8"?>
+<ds:datastoreItem xmlns:ds="http://schemas.openxmlformats.org/officeDocument/2006/customXml" ds:itemID="{5EC52E69-DAA1-4C53-A033-CE7FA494E979}">
+  <ds:schemaRefs>
+    <ds:schemaRef ds:uri="http://schemas.microsoft.com/VisualStudio/2011/storyboarding/control"/>
+  </ds:schemaRefs>
+</ds:datastoreItem>
+</file>
+
+<file path=customXml/itemProps25.xml><?xml version="1.0" encoding="utf-8"?>
+<ds:datastoreItem xmlns:ds="http://schemas.openxmlformats.org/officeDocument/2006/customXml" ds:itemID="{8941EC5C-9644-476F-80FC-A88173B80B67}">
+  <ds:schemaRefs>
+    <ds:schemaRef ds:uri="http://schemas.microsoft.com/VisualStudio/2011/storyboarding/control"/>
+  </ds:schemaRefs>
+</ds:datastoreItem>
+</file>
+
+<file path=customXml/itemProps26.xml><?xml version="1.0" encoding="utf-8"?>
+<ds:datastoreItem xmlns:ds="http://schemas.openxmlformats.org/officeDocument/2006/customXml" ds:itemID="{DAF0AE95-3CF3-4F14-8335-7070A6B89229}">
+  <ds:schemaRefs>
+    <ds:schemaRef ds:uri="http://schemas.microsoft.com/VisualStudio/2011/storyboarding/control"/>
+  </ds:schemaRefs>
+</ds:datastoreItem>
+</file>
+
+<file path=customXml/itemProps27.xml><?xml version="1.0" encoding="utf-8"?>
+<ds:datastoreItem xmlns:ds="http://schemas.openxmlformats.org/officeDocument/2006/customXml" ds:itemID="{63EF5D8E-2681-4B68-B467-67BC58384AE8}">
+  <ds:schemaRefs>
+    <ds:schemaRef ds:uri="http://schemas.microsoft.com/VisualStudio/2011/storyboarding/control"/>
+  </ds:schemaRefs>
+</ds:datastoreItem>
+</file>
+
+<file path=customXml/itemProps28.xml><?xml version="1.0" encoding="utf-8"?>
+<ds:datastoreItem xmlns:ds="http://schemas.openxmlformats.org/officeDocument/2006/customXml" ds:itemID="{22FB7943-AEFD-4589-A76D-14DB32DEB271}">
+  <ds:schemaRefs>
+    <ds:schemaRef ds:uri="http://schemas.microsoft.com/VisualStudio/2011/storyboarding/control"/>
+  </ds:schemaRefs>
+</ds:datastoreItem>
+</file>
+
+<file path=customXml/itemProps29.xml><?xml version="1.0" encoding="utf-8"?>
+<ds:datastoreItem xmlns:ds="http://schemas.openxmlformats.org/officeDocument/2006/customXml" ds:itemID="{2F67A4D8-6C61-4AFF-BB4F-85074537ABE9}">
+  <ds:schemaRefs>
+    <ds:schemaRef ds:uri="http://schemas.microsoft.com/VisualStudio/2011/storyboarding/control"/>
+  </ds:schemaRefs>
+</ds:datastoreItem>
+</file>
+
+<file path=customXml/itemProps3.xml><?xml version="1.0" encoding="utf-8"?>
+<ds:datastoreItem xmlns:ds="http://schemas.openxmlformats.org/officeDocument/2006/customXml" ds:itemID="{F6C73D07-DC87-4B54-A18F-46D38F5F36F9}">
+  <ds:schemaRefs>
+    <ds:schemaRef ds:uri="http://schemas.microsoft.com/VisualStudio/2011/storyboarding/control"/>
+  </ds:schemaRefs>
+</ds:datastoreItem>
+</file>
+
+<file path=customXml/itemProps30.xml><?xml version="1.0" encoding="utf-8"?>
 <ds:datastoreItem xmlns:ds="http://schemas.openxmlformats.org/officeDocument/2006/customXml" ds:itemID="{8C1B5BB1-0C6C-4E3B-9C4C-3767CD90CC03}">
   <ds:schemaRefs>
     <ds:schemaRef ds:uri="http://schemas.microsoft.com/VisualStudio/2011/storyboarding/control"/>
@@ -11037,7 +13065,47 @@
 </ds:datastoreItem>
 </file>
 
-<file path=customXml/itemProps10.xml><?xml version="1.0" encoding="utf-8"?>
+<file path=customXml/itemProps31.xml><?xml version="1.0" encoding="utf-8"?>
+<ds:datastoreItem xmlns:ds="http://schemas.openxmlformats.org/officeDocument/2006/customXml" ds:itemID="{2B81A8C7-8071-4351-B45C-41FE473F63C1}">
+  <ds:schemaRefs>
+    <ds:schemaRef ds:uri="http://schemas.microsoft.com/VisualStudio/2011/storyboarding/control"/>
+  </ds:schemaRefs>
+</ds:datastoreItem>
+</file>
+
+<file path=customXml/itemProps32.xml><?xml version="1.0" encoding="utf-8"?>
+<ds:datastoreItem xmlns:ds="http://schemas.openxmlformats.org/officeDocument/2006/customXml" ds:itemID="{5625B79B-3D10-4139-B5C8-DFCDC89529DB}">
+  <ds:schemaRefs>
+    <ds:schemaRef ds:uri="http://schemas.microsoft.com/VisualStudio/2011/storyboarding/control"/>
+  </ds:schemaRefs>
+</ds:datastoreItem>
+</file>
+
+<file path=customXml/itemProps33.xml><?xml version="1.0" encoding="utf-8"?>
+<ds:datastoreItem xmlns:ds="http://schemas.openxmlformats.org/officeDocument/2006/customXml" ds:itemID="{B9EAE11B-5821-41DF-94AA-725BA6E0B141}">
+  <ds:schemaRefs>
+    <ds:schemaRef ds:uri="http://schemas.microsoft.com/VisualStudio/2011/storyboarding/control"/>
+  </ds:schemaRefs>
+</ds:datastoreItem>
+</file>
+
+<file path=customXml/itemProps34.xml><?xml version="1.0" encoding="utf-8"?>
+<ds:datastoreItem xmlns:ds="http://schemas.openxmlformats.org/officeDocument/2006/customXml" ds:itemID="{05A00CC3-EA30-415D-A63E-85D64400A8B8}">
+  <ds:schemaRefs>
+    <ds:schemaRef ds:uri="http://schemas.microsoft.com/VisualStudio/2011/storyboarding/control"/>
+  </ds:schemaRefs>
+</ds:datastoreItem>
+</file>
+
+<file path=customXml/itemProps35.xml><?xml version="1.0" encoding="utf-8"?>
+<ds:datastoreItem xmlns:ds="http://schemas.openxmlformats.org/officeDocument/2006/customXml" ds:itemID="{25CD52C6-3290-482F-9329-854807644597}">
+  <ds:schemaRefs>
+    <ds:schemaRef ds:uri="http://schemas.microsoft.com/VisualStudio/2011/storyboarding/control"/>
+  </ds:schemaRefs>
+</ds:datastoreItem>
+</file>
+
+<file path=customXml/itemProps36.xml><?xml version="1.0" encoding="utf-8"?>
 <ds:datastoreItem xmlns:ds="http://schemas.openxmlformats.org/officeDocument/2006/customXml" ds:itemID="{9C3A117C-6EA1-4A00-8A3A-FD1E9763B09B}">
   <ds:schemaRefs>
     <ds:schemaRef ds:uri="http://schemas.microsoft.com/VisualStudio/2011/storyboarding/control"/>
@@ -11045,7 +13113,279 @@
 </ds:datastoreItem>
 </file>
 
-<file path=customXml/itemProps11.xml><?xml version="1.0" encoding="utf-8"?>
+<file path=customXml/itemProps37.xml><?xml version="1.0" encoding="utf-8"?>
+<ds:datastoreItem xmlns:ds="http://schemas.openxmlformats.org/officeDocument/2006/customXml" ds:itemID="{A7854681-1E31-4A7A-9292-2A3192CC649D}">
+  <ds:schemaRefs>
+    <ds:schemaRef ds:uri="http://schemas.microsoft.com/VisualStudio/2011/storyboarding/control"/>
+  </ds:schemaRefs>
+</ds:datastoreItem>
+</file>
+
+<file path=customXml/itemProps38.xml><?xml version="1.0" encoding="utf-8"?>
+<ds:datastoreItem xmlns:ds="http://schemas.openxmlformats.org/officeDocument/2006/customXml" ds:itemID="{05A6ADB2-1625-4EDD-8AB5-95E32AD13686}">
+  <ds:schemaRefs>
+    <ds:schemaRef ds:uri="http://schemas.microsoft.com/VisualStudio/2011/storyboarding/control"/>
+  </ds:schemaRefs>
+</ds:datastoreItem>
+</file>
+
+<file path=customXml/itemProps39.xml><?xml version="1.0" encoding="utf-8"?>
+<ds:datastoreItem xmlns:ds="http://schemas.openxmlformats.org/officeDocument/2006/customXml" ds:itemID="{1B75D5FA-A5DD-48BB-9DEB-E3F238C27FD4}">
+  <ds:schemaRefs>
+    <ds:schemaRef ds:uri="http://schemas.microsoft.com/VisualStudio/2011/storyboarding/control"/>
+  </ds:schemaRefs>
+</ds:datastoreItem>
+</file>
+
+<file path=customXml/itemProps4.xml><?xml version="1.0" encoding="utf-8"?>
+<ds:datastoreItem xmlns:ds="http://schemas.openxmlformats.org/officeDocument/2006/customXml" ds:itemID="{85EDB8C1-F0AC-480E-8CEA-D4F34F8F8260}">
+  <ds:schemaRefs>
+    <ds:schemaRef ds:uri="http://schemas.microsoft.com/VisualStudio/2011/storyboarding/control"/>
+  </ds:schemaRefs>
+</ds:datastoreItem>
+</file>
+
+<file path=customXml/itemProps40.xml><?xml version="1.0" encoding="utf-8"?>
+<ds:datastoreItem xmlns:ds="http://schemas.openxmlformats.org/officeDocument/2006/customXml" ds:itemID="{250149B4-74E2-4F02-9DEF-410767B94F01}">
+  <ds:schemaRefs>
+    <ds:schemaRef ds:uri="http://schemas.microsoft.com/VisualStudio/2011/storyboarding/control"/>
+  </ds:schemaRefs>
+</ds:datastoreItem>
+</file>
+
+<file path=customXml/itemProps41.xml><?xml version="1.0" encoding="utf-8"?>
+<ds:datastoreItem xmlns:ds="http://schemas.openxmlformats.org/officeDocument/2006/customXml" ds:itemID="{87D4507A-B297-4772-955F-155FF084B167}">
+  <ds:schemaRefs>
+    <ds:schemaRef ds:uri="http://schemas.microsoft.com/VisualStudio/2011/storyboarding/control"/>
+  </ds:schemaRefs>
+</ds:datastoreItem>
+</file>
+
+<file path=customXml/itemProps42.xml><?xml version="1.0" encoding="utf-8"?>
+<ds:datastoreItem xmlns:ds="http://schemas.openxmlformats.org/officeDocument/2006/customXml" ds:itemID="{5AD0A630-1C2D-4B79-85B5-118C6F2BFDA2}">
+  <ds:schemaRefs>
+    <ds:schemaRef ds:uri="http://schemas.microsoft.com/VisualStudio/2011/storyboarding/control"/>
+  </ds:schemaRefs>
+</ds:datastoreItem>
+</file>
+
+<file path=customXml/itemProps43.xml><?xml version="1.0" encoding="utf-8"?>
+<ds:datastoreItem xmlns:ds="http://schemas.openxmlformats.org/officeDocument/2006/customXml" ds:itemID="{09D396BA-510E-447F-8520-B73D37ED8A5C}">
+  <ds:schemaRefs>
+    <ds:schemaRef ds:uri="http://schemas.microsoft.com/VisualStudio/2011/storyboarding/control"/>
+  </ds:schemaRefs>
+</ds:datastoreItem>
+</file>
+
+<file path=customXml/itemProps44.xml><?xml version="1.0" encoding="utf-8"?>
+<ds:datastoreItem xmlns:ds="http://schemas.openxmlformats.org/officeDocument/2006/customXml" ds:itemID="{7EF978EA-816B-4B86-95CC-1A85186314E2}">
+  <ds:schemaRefs>
+    <ds:schemaRef ds:uri="http://schemas.microsoft.com/VisualStudio/2011/storyboarding/control"/>
+  </ds:schemaRefs>
+</ds:datastoreItem>
+</file>
+
+<file path=customXml/itemProps45.xml><?xml version="1.0" encoding="utf-8"?>
+<ds:datastoreItem xmlns:ds="http://schemas.openxmlformats.org/officeDocument/2006/customXml" ds:itemID="{FD0DA677-E7B5-47B8-90D7-C169CF2EA478}">
+  <ds:schemaRefs>
+    <ds:schemaRef ds:uri="http://schemas.microsoft.com/VisualStudio/2011/storyboarding/control"/>
+  </ds:schemaRefs>
+</ds:datastoreItem>
+</file>
+
+<file path=customXml/itemProps46.xml><?xml version="1.0" encoding="utf-8"?>
+<ds:datastoreItem xmlns:ds="http://schemas.openxmlformats.org/officeDocument/2006/customXml" ds:itemID="{B2A6A6F6-9773-4DF5-9EC7-BFD5D1DF3D36}">
+  <ds:schemaRefs>
+    <ds:schemaRef ds:uri="http://schemas.microsoft.com/VisualStudio/2011/storyboarding/control"/>
+  </ds:schemaRefs>
+</ds:datastoreItem>
+</file>
+
+<file path=customXml/itemProps47.xml><?xml version="1.0" encoding="utf-8"?>
+<ds:datastoreItem xmlns:ds="http://schemas.openxmlformats.org/officeDocument/2006/customXml" ds:itemID="{16C790B1-1336-487E-A254-7527153DF0C8}">
+  <ds:schemaRefs>
+    <ds:schemaRef ds:uri="http://schemas.microsoft.com/VisualStudio/2011/storyboarding/control"/>
+  </ds:schemaRefs>
+</ds:datastoreItem>
+</file>
+
+<file path=customXml/itemProps48.xml><?xml version="1.0" encoding="utf-8"?>
+<ds:datastoreItem xmlns:ds="http://schemas.openxmlformats.org/officeDocument/2006/customXml" ds:itemID="{8620C5FA-6299-4FA2-996E-CA8AEE5489FB}">
+  <ds:schemaRefs>
+    <ds:schemaRef ds:uri="http://schemas.microsoft.com/VisualStudio/2011/storyboarding/control"/>
+  </ds:schemaRefs>
+</ds:datastoreItem>
+</file>
+
+<file path=customXml/itemProps49.xml><?xml version="1.0" encoding="utf-8"?>
+<ds:datastoreItem xmlns:ds="http://schemas.openxmlformats.org/officeDocument/2006/customXml" ds:itemID="{5089F78F-5D3E-4249-970B-1702A2C1DA63}">
+  <ds:schemaRefs>
+    <ds:schemaRef ds:uri="http://schemas.microsoft.com/VisualStudio/2011/storyboarding/control"/>
+  </ds:schemaRefs>
+</ds:datastoreItem>
+</file>
+
+<file path=customXml/itemProps5.xml><?xml version="1.0" encoding="utf-8"?>
+<ds:datastoreItem xmlns:ds="http://schemas.openxmlformats.org/officeDocument/2006/customXml" ds:itemID="{2DD11E24-FF68-49A4-B5E5-D32BE0C41B22}">
+  <ds:schemaRefs>
+    <ds:schemaRef ds:uri="http://schemas.microsoft.com/VisualStudio/2011/storyboarding/control"/>
+  </ds:schemaRefs>
+</ds:datastoreItem>
+</file>
+
+<file path=customXml/itemProps50.xml><?xml version="1.0" encoding="utf-8"?>
+<ds:datastoreItem xmlns:ds="http://schemas.openxmlformats.org/officeDocument/2006/customXml" ds:itemID="{E88357F9-6036-40AE-A5C1-DBE340F05535}">
+  <ds:schemaRefs>
+    <ds:schemaRef ds:uri="http://schemas.microsoft.com/VisualStudio/2011/storyboarding/control"/>
+  </ds:schemaRefs>
+</ds:datastoreItem>
+</file>
+
+<file path=customXml/itemProps51.xml><?xml version="1.0" encoding="utf-8"?>
+<ds:datastoreItem xmlns:ds="http://schemas.openxmlformats.org/officeDocument/2006/customXml" ds:itemID="{C4AFCEEE-07C1-4769-B3FE-2E9947A0D59D}">
+  <ds:schemaRefs>
+    <ds:schemaRef ds:uri="http://schemas.microsoft.com/VisualStudio/2011/storyboarding/control"/>
+  </ds:schemaRefs>
+</ds:datastoreItem>
+</file>
+
+<file path=customXml/itemProps52.xml><?xml version="1.0" encoding="utf-8"?>
+<ds:datastoreItem xmlns:ds="http://schemas.openxmlformats.org/officeDocument/2006/customXml" ds:itemID="{D6AE06B6-6023-4B16-B850-92F545B8645E}">
+  <ds:schemaRefs>
+    <ds:schemaRef ds:uri="http://schemas.microsoft.com/VisualStudio/2011/storyboarding/control"/>
+  </ds:schemaRefs>
+</ds:datastoreItem>
+</file>
+
+<file path=customXml/itemProps53.xml><?xml version="1.0" encoding="utf-8"?>
+<ds:datastoreItem xmlns:ds="http://schemas.openxmlformats.org/officeDocument/2006/customXml" ds:itemID="{C9C302F4-6A6D-4ACA-8CD6-6400C0FC06FE}">
+  <ds:schemaRefs>
+    <ds:schemaRef ds:uri="http://schemas.microsoft.com/VisualStudio/2011/storyboarding/control"/>
+  </ds:schemaRefs>
+</ds:datastoreItem>
+</file>
+
+<file path=customXml/itemProps54.xml><?xml version="1.0" encoding="utf-8"?>
+<ds:datastoreItem xmlns:ds="http://schemas.openxmlformats.org/officeDocument/2006/customXml" ds:itemID="{FCB4FFDE-0119-4C24-9039-5659A8A85610}">
+  <ds:schemaRefs>
+    <ds:schemaRef ds:uri="http://schemas.microsoft.com/VisualStudio/2011/storyboarding/control"/>
+  </ds:schemaRefs>
+</ds:datastoreItem>
+</file>
+
+<file path=customXml/itemProps55.xml><?xml version="1.0" encoding="utf-8"?>
+<ds:datastoreItem xmlns:ds="http://schemas.openxmlformats.org/officeDocument/2006/customXml" ds:itemID="{205DB16D-DE48-4632-81A7-C607BA8AB3B1}">
+  <ds:schemaRefs>
+    <ds:schemaRef ds:uri="http://schemas.microsoft.com/VisualStudio/2011/storyboarding/control"/>
+  </ds:schemaRefs>
+</ds:datastoreItem>
+</file>
+
+<file path=customXml/itemProps56.xml><?xml version="1.0" encoding="utf-8"?>
+<ds:datastoreItem xmlns:ds="http://schemas.openxmlformats.org/officeDocument/2006/customXml" ds:itemID="{40598B63-9369-4860-840B-4736F36C2976}">
+  <ds:schemaRefs>
+    <ds:schemaRef ds:uri="http://schemas.microsoft.com/VisualStudio/2011/storyboarding/control"/>
+  </ds:schemaRefs>
+</ds:datastoreItem>
+</file>
+
+<file path=customXml/itemProps57.xml><?xml version="1.0" encoding="utf-8"?>
+<ds:datastoreItem xmlns:ds="http://schemas.openxmlformats.org/officeDocument/2006/customXml" ds:itemID="{96324DB1-34AE-4E44-928A-E86E1F3EE258}">
+  <ds:schemaRefs>
+    <ds:schemaRef ds:uri="http://schemas.microsoft.com/VisualStudio/2011/storyboarding/control"/>
+  </ds:schemaRefs>
+</ds:datastoreItem>
+</file>
+
+<file path=customXml/itemProps58.xml><?xml version="1.0" encoding="utf-8"?>
+<ds:datastoreItem xmlns:ds="http://schemas.openxmlformats.org/officeDocument/2006/customXml" ds:itemID="{815956AA-E9F8-4DC5-B6D8-8DED191E509C}">
+  <ds:schemaRefs>
+    <ds:schemaRef ds:uri="http://schemas.microsoft.com/VisualStudio/2011/storyboarding/control"/>
+  </ds:schemaRefs>
+</ds:datastoreItem>
+</file>
+
+<file path=customXml/itemProps59.xml><?xml version="1.0" encoding="utf-8"?>
+<ds:datastoreItem xmlns:ds="http://schemas.openxmlformats.org/officeDocument/2006/customXml" ds:itemID="{C5D016F0-2240-47DB-A654-129EF6CEC450}">
+  <ds:schemaRefs>
+    <ds:schemaRef ds:uri="http://schemas.microsoft.com/VisualStudio/2011/storyboarding/control"/>
+  </ds:schemaRefs>
+</ds:datastoreItem>
+</file>
+
+<file path=customXml/itemProps6.xml><?xml version="1.0" encoding="utf-8"?>
+<ds:datastoreItem xmlns:ds="http://schemas.openxmlformats.org/officeDocument/2006/customXml" ds:itemID="{26E7B0FF-C7A7-457B-B494-84673144B56D}">
+  <ds:schemaRefs>
+    <ds:schemaRef ds:uri="http://schemas.microsoft.com/VisualStudio/2011/storyboarding/control"/>
+  </ds:schemaRefs>
+</ds:datastoreItem>
+</file>
+
+<file path=customXml/itemProps60.xml><?xml version="1.0" encoding="utf-8"?>
+<ds:datastoreItem xmlns:ds="http://schemas.openxmlformats.org/officeDocument/2006/customXml" ds:itemID="{02D90017-6B9C-4CAB-99EE-A5E8C79F9A2E}">
+  <ds:schemaRefs>
+    <ds:schemaRef ds:uri="http://schemas.microsoft.com/VisualStudio/2011/storyboarding/control"/>
+  </ds:schemaRefs>
+</ds:datastoreItem>
+</file>
+
+<file path=customXml/itemProps61.xml><?xml version="1.0" encoding="utf-8"?>
+<ds:datastoreItem xmlns:ds="http://schemas.openxmlformats.org/officeDocument/2006/customXml" ds:itemID="{E3547ABA-103B-4CCA-BBA5-0C883232DA7A}">
+  <ds:schemaRefs>
+    <ds:schemaRef ds:uri="http://schemas.microsoft.com/VisualStudio/2011/storyboarding/control"/>
+  </ds:schemaRefs>
+</ds:datastoreItem>
+</file>
+
+<file path=customXml/itemProps62.xml><?xml version="1.0" encoding="utf-8"?>
+<ds:datastoreItem xmlns:ds="http://schemas.openxmlformats.org/officeDocument/2006/customXml" ds:itemID="{6929EC6A-52F0-49B3-BF03-42CBE0210ED3}">
+  <ds:schemaRefs>
+    <ds:schemaRef ds:uri="http://schemas.microsoft.com/VisualStudio/2011/storyboarding/control"/>
+  </ds:schemaRefs>
+</ds:datastoreItem>
+</file>
+
+<file path=customXml/itemProps63.xml><?xml version="1.0" encoding="utf-8"?>
+<ds:datastoreItem xmlns:ds="http://schemas.openxmlformats.org/officeDocument/2006/customXml" ds:itemID="{7C239E80-8B33-4D88-BA07-5624F0256272}">
+  <ds:schemaRefs>
+    <ds:schemaRef ds:uri="http://schemas.microsoft.com/VisualStudio/2011/storyboarding/control"/>
+  </ds:schemaRefs>
+</ds:datastoreItem>
+</file>
+
+<file path=customXml/itemProps64.xml><?xml version="1.0" encoding="utf-8"?>
+<ds:datastoreItem xmlns:ds="http://schemas.openxmlformats.org/officeDocument/2006/customXml" ds:itemID="{5D992DE6-A11A-474C-89BB-CA6523A4049F}">
+  <ds:schemaRefs>
+    <ds:schemaRef ds:uri="http://schemas.microsoft.com/VisualStudio/2011/storyboarding/control"/>
+  </ds:schemaRefs>
+</ds:datastoreItem>
+</file>
+
+<file path=customXml/itemProps65.xml><?xml version="1.0" encoding="utf-8"?>
+<ds:datastoreItem xmlns:ds="http://schemas.openxmlformats.org/officeDocument/2006/customXml" ds:itemID="{D71B4EB9-6987-4950-B197-63197F838080}">
+  <ds:schemaRefs>
+    <ds:schemaRef ds:uri="http://schemas.microsoft.com/VisualStudio/2011/storyboarding/control"/>
+  </ds:schemaRefs>
+</ds:datastoreItem>
+</file>
+
+<file path=customXml/itemProps66.xml><?xml version="1.0" encoding="utf-8"?>
+<ds:datastoreItem xmlns:ds="http://schemas.openxmlformats.org/officeDocument/2006/customXml" ds:itemID="{BC398BFC-6622-484A-9F9F-4013D3924818}">
+  <ds:schemaRefs>
+    <ds:schemaRef ds:uri="http://schemas.microsoft.com/VisualStudio/2011/storyboarding/control"/>
+  </ds:schemaRefs>
+</ds:datastoreItem>
+</file>
+
+<file path=customXml/itemProps67.xml><?xml version="1.0" encoding="utf-8"?>
+<ds:datastoreItem xmlns:ds="http://schemas.openxmlformats.org/officeDocument/2006/customXml" ds:itemID="{C6673746-69A8-4265-AB8F-DBFEA6F7B668}">
+  <ds:schemaRefs>
+    <ds:schemaRef ds:uri="http://schemas.microsoft.com/VisualStudio/2011/storyboarding/control"/>
+  </ds:schemaRefs>
+</ds:datastoreItem>
+</file>
+
+<file path=customXml/itemProps7.xml><?xml version="1.0" encoding="utf-8"?>
 <ds:datastoreItem xmlns:ds="http://schemas.openxmlformats.org/officeDocument/2006/customXml" ds:itemID="{1FBCF29C-2792-4428-9CF7-0042D6D59158}">
   <ds:schemaRefs>
     <ds:schemaRef ds:uri="http://schemas.microsoft.com/VisualStudio/2011/storyboarding/control"/>
@@ -11053,111 +13393,7 @@
 </ds:datastoreItem>
 </file>
 
-<file path=customXml/itemProps12.xml><?xml version="1.0" encoding="utf-8"?>
-<ds:datastoreItem xmlns:ds="http://schemas.openxmlformats.org/officeDocument/2006/customXml" ds:itemID="{24448150-DB7B-46D2-872D-DA167B1F73FC}">
-  <ds:schemaRefs>
-    <ds:schemaRef ds:uri="http://schemas.microsoft.com/VisualStudio/2011/storyboarding/control"/>
-  </ds:schemaRefs>
-</ds:datastoreItem>
-</file>
-
-<file path=customXml/itemProps13.xml><?xml version="1.0" encoding="utf-8"?>
-<ds:datastoreItem xmlns:ds="http://schemas.openxmlformats.org/officeDocument/2006/customXml" ds:itemID="{87D4507A-B297-4772-955F-155FF084B167}">
-  <ds:schemaRefs>
-    <ds:schemaRef ds:uri="http://schemas.microsoft.com/VisualStudio/2011/storyboarding/control"/>
-  </ds:schemaRefs>
-</ds:datastoreItem>
-</file>
-
-<file path=customXml/itemProps14.xml><?xml version="1.0" encoding="utf-8"?>
-<ds:datastoreItem xmlns:ds="http://schemas.openxmlformats.org/officeDocument/2006/customXml" ds:itemID="{9EE8E3F8-2509-421C-930B-D918E1B0E4C2}">
-  <ds:schemaRefs>
-    <ds:schemaRef ds:uri="http://schemas.microsoft.com/VisualStudio/2011/storyboarding/control"/>
-  </ds:schemaRefs>
-</ds:datastoreItem>
-</file>
-
-<file path=customXml/itemProps15.xml><?xml version="1.0" encoding="utf-8"?>
-<ds:datastoreItem xmlns:ds="http://schemas.openxmlformats.org/officeDocument/2006/customXml" ds:itemID="{5625B79B-3D10-4139-B5C8-DFCDC89529DB}">
-  <ds:schemaRefs>
-    <ds:schemaRef ds:uri="http://schemas.microsoft.com/VisualStudio/2011/storyboarding/control"/>
-  </ds:schemaRefs>
-</ds:datastoreItem>
-</file>
-
-<file path=customXml/itemProps16.xml><?xml version="1.0" encoding="utf-8"?>
-<ds:datastoreItem xmlns:ds="http://schemas.openxmlformats.org/officeDocument/2006/customXml" ds:itemID="{2DD11E24-FF68-49A4-B5E5-D32BE0C41B22}">
-  <ds:schemaRefs>
-    <ds:schemaRef ds:uri="http://schemas.microsoft.com/VisualStudio/2011/storyboarding/control"/>
-  </ds:schemaRefs>
-</ds:datastoreItem>
-</file>
-
-<file path=customXml/itemProps17.xml><?xml version="1.0" encoding="utf-8"?>
-<ds:datastoreItem xmlns:ds="http://schemas.openxmlformats.org/officeDocument/2006/customXml" ds:itemID="{DD4FAF5D-F4F3-4427-A3C9-43949E0FDA06}">
-  <ds:schemaRefs>
-    <ds:schemaRef ds:uri="http://schemas.microsoft.com/VisualStudio/2011/storyboarding/control"/>
-  </ds:schemaRefs>
-</ds:datastoreItem>
-</file>
-
-<file path=customXml/itemProps18.xml><?xml version="1.0" encoding="utf-8"?>
-<ds:datastoreItem xmlns:ds="http://schemas.openxmlformats.org/officeDocument/2006/customXml" ds:itemID="{5AD0A630-1C2D-4B79-85B5-118C6F2BFDA2}">
-  <ds:schemaRefs>
-    <ds:schemaRef ds:uri="http://schemas.microsoft.com/VisualStudio/2011/storyboarding/control"/>
-  </ds:schemaRefs>
-</ds:datastoreItem>
-</file>
-
-<file path=customXml/itemProps19.xml><?xml version="1.0" encoding="utf-8"?>
-<ds:datastoreItem xmlns:ds="http://schemas.openxmlformats.org/officeDocument/2006/customXml" ds:itemID="{BA8C8F0A-62A4-40DC-9C3B-E4C17FB6AC97}">
-  <ds:schemaRefs>
-    <ds:schemaRef ds:uri="http://schemas.microsoft.com/VisualStudio/2011/storyboarding/control"/>
-  </ds:schemaRefs>
-</ds:datastoreItem>
-</file>
-
-<file path=customXml/itemProps2.xml><?xml version="1.0" encoding="utf-8"?>
-<ds:datastoreItem xmlns:ds="http://schemas.openxmlformats.org/officeDocument/2006/customXml" ds:itemID="{85EDB8C1-F0AC-480E-8CEA-D4F34F8F8260}">
-  <ds:schemaRefs>
-    <ds:schemaRef ds:uri="http://schemas.microsoft.com/VisualStudio/2011/storyboarding/control"/>
-  </ds:schemaRefs>
-</ds:datastoreItem>
-</file>
-
-<file path=customXml/itemProps20.xml><?xml version="1.0" encoding="utf-8"?>
-<ds:datastoreItem xmlns:ds="http://schemas.openxmlformats.org/officeDocument/2006/customXml" ds:itemID="{22FB7943-AEFD-4589-A76D-14DB32DEB271}">
-  <ds:schemaRefs>
-    <ds:schemaRef ds:uri="http://schemas.microsoft.com/VisualStudio/2011/storyboarding/control"/>
-  </ds:schemaRefs>
-</ds:datastoreItem>
-</file>
-
-<file path=customXml/itemProps21.xml><?xml version="1.0" encoding="utf-8"?>
-<ds:datastoreItem xmlns:ds="http://schemas.openxmlformats.org/officeDocument/2006/customXml" ds:itemID="{0C2F9471-33C5-4313-9823-5BC44C25C46A}">
-  <ds:schemaRefs>
-    <ds:schemaRef ds:uri="http://schemas.microsoft.com/VisualStudio/2011/storyboarding/control"/>
-  </ds:schemaRefs>
-</ds:datastoreItem>
-</file>
-
-<file path=customXml/itemProps22.xml><?xml version="1.0" encoding="utf-8"?>
-<ds:datastoreItem xmlns:ds="http://schemas.openxmlformats.org/officeDocument/2006/customXml" ds:itemID="{CA9F6B36-96F6-4EF9-BC1C-310527DD5636}">
-  <ds:schemaRefs>
-    <ds:schemaRef ds:uri="http://schemas.microsoft.com/VisualStudio/2011/storyboarding/control"/>
-  </ds:schemaRefs>
-</ds:datastoreItem>
-</file>
-
-<file path=customXml/itemProps23.xml><?xml version="1.0" encoding="utf-8"?>
-<ds:datastoreItem xmlns:ds="http://schemas.openxmlformats.org/officeDocument/2006/customXml" ds:itemID="{B9EAE11B-5821-41DF-94AA-725BA6E0B141}">
-  <ds:schemaRefs>
-    <ds:schemaRef ds:uri="http://schemas.microsoft.com/VisualStudio/2011/storyboarding/control"/>
-  </ds:schemaRefs>
-</ds:datastoreItem>
-</file>
-
-<file path=customXml/itemProps24.xml><?xml version="1.0" encoding="utf-8"?>
+<file path=customXml/itemProps8.xml><?xml version="1.0" encoding="utf-8"?>
 <ds:datastoreItem xmlns:ds="http://schemas.openxmlformats.org/officeDocument/2006/customXml" ds:itemID="{24B5C112-60D7-4524-AFA1-0DC97E12AAEF}">
   <ds:schemaRefs>
     <ds:schemaRef ds:uri="http://schemas.microsoft.com/VisualStudio/2011/storyboarding/control"/>
@@ -11165,370 +13401,10 @@
 </ds:datastoreItem>
 </file>
 
-<file path=customXml/itemProps25.xml><?xml version="1.0" encoding="utf-8"?>
-<ds:datastoreItem xmlns:ds="http://schemas.openxmlformats.org/officeDocument/2006/customXml" ds:itemID="{5EC52E69-DAA1-4C53-A033-CE7FA494E979}">
-  <ds:schemaRefs>
-    <ds:schemaRef ds:uri="http://schemas.microsoft.com/VisualStudio/2011/storyboarding/control"/>
-  </ds:schemaRefs>
-</ds:datastoreItem>
-</file>
-
-<file path=customXml/itemProps26.xml><?xml version="1.0" encoding="utf-8"?>
-<ds:datastoreItem xmlns:ds="http://schemas.openxmlformats.org/officeDocument/2006/customXml" ds:itemID="{044F2BC1-440F-4E76-A955-72A2CDF256EC}">
-  <ds:schemaRefs>
-    <ds:schemaRef ds:uri="http://schemas.microsoft.com/VisualStudio/2011/storyboarding/control"/>
-  </ds:schemaRefs>
-</ds:datastoreItem>
-</file>
-
-<file path=customXml/itemProps27.xml><?xml version="1.0" encoding="utf-8"?>
-<ds:datastoreItem xmlns:ds="http://schemas.openxmlformats.org/officeDocument/2006/customXml" ds:itemID="{8DEC5757-11C9-47F1-B8C4-0408A88E9DB0}">
-  <ds:schemaRefs>
-    <ds:schemaRef ds:uri="http://schemas.microsoft.com/VisualStudio/2011/storyboarding/control"/>
-  </ds:schemaRefs>
-</ds:datastoreItem>
-</file>
-
-<file path=customXml/itemProps28.xml><?xml version="1.0" encoding="utf-8"?>
-<ds:datastoreItem xmlns:ds="http://schemas.openxmlformats.org/officeDocument/2006/customXml" ds:itemID="{05A00CC3-EA30-415D-A63E-85D64400A8B8}">
-  <ds:schemaRefs>
-    <ds:schemaRef ds:uri="http://schemas.microsoft.com/VisualStudio/2011/storyboarding/control"/>
-  </ds:schemaRefs>
-</ds:datastoreItem>
-</file>
-
-<file path=customXml/itemProps29.xml><?xml version="1.0" encoding="utf-8"?>
-<ds:datastoreItem xmlns:ds="http://schemas.openxmlformats.org/officeDocument/2006/customXml" ds:itemID="{26E7B0FF-C7A7-457B-B494-84673144B56D}">
-  <ds:schemaRefs>
-    <ds:schemaRef ds:uri="http://schemas.microsoft.com/VisualStudio/2011/storyboarding/control"/>
-  </ds:schemaRefs>
-</ds:datastoreItem>
-</file>
-
-<file path=customXml/itemProps3.xml><?xml version="1.0" encoding="utf-8"?>
-<ds:datastoreItem xmlns:ds="http://schemas.openxmlformats.org/officeDocument/2006/customXml" ds:itemID="{70BCD195-8E7F-4DC2-97A8-5AE3620A3D53}">
-  <ds:schemaRefs>
-    <ds:schemaRef ds:uri="http://schemas.microsoft.com/VisualStudio/2011/storyboarding/control"/>
-  </ds:schemaRefs>
-</ds:datastoreItem>
-</file>
-
-<file path=customXml/itemProps30.xml><?xml version="1.0" encoding="utf-8"?>
-<ds:datastoreItem xmlns:ds="http://schemas.openxmlformats.org/officeDocument/2006/customXml" ds:itemID="{D231B40F-C522-43B0-8B71-AB1368F5AD8D}">
-  <ds:schemaRefs>
-    <ds:schemaRef ds:uri="http://schemas.microsoft.com/VisualStudio/2011/storyboarding/control"/>
-  </ds:schemaRefs>
-</ds:datastoreItem>
-</file>
-
-<file path=customXml/itemProps31.xml><?xml version="1.0" encoding="utf-8"?>
-<ds:datastoreItem xmlns:ds="http://schemas.openxmlformats.org/officeDocument/2006/customXml" ds:itemID="{A7854681-1E31-4A7A-9292-2A3192CC649D}">
-  <ds:schemaRefs>
-    <ds:schemaRef ds:uri="http://schemas.microsoft.com/VisualStudio/2011/storyboarding/control"/>
-  </ds:schemaRefs>
-</ds:datastoreItem>
-</file>
-
-<file path=customXml/itemProps32.xml><?xml version="1.0" encoding="utf-8"?>
+<file path=customXml/itemProps9.xml><?xml version="1.0" encoding="utf-8"?>
 <ds:datastoreItem xmlns:ds="http://schemas.openxmlformats.org/officeDocument/2006/customXml" ds:itemID="{45B47E89-E477-4201-94DC-C95AF387C150}">
   <ds:schemaRefs>
     <ds:schemaRef ds:uri="http://schemas.microsoft.com/VisualStudio/2011/storyboarding/control"/>
   </ds:schemaRefs>
 </ds:datastoreItem>
-</file>
-
-<file path=customXml/itemProps33.xml><?xml version="1.0" encoding="utf-8"?>
-<ds:datastoreItem xmlns:ds="http://schemas.openxmlformats.org/officeDocument/2006/customXml" ds:itemID="{8941EC5C-9644-476F-80FC-A88173B80B67}">
-  <ds:schemaRefs>
-    <ds:schemaRef ds:uri="http://schemas.microsoft.com/VisualStudio/2011/storyboarding/control"/>
-  </ds:schemaRefs>
-</ds:datastoreItem>
-</file>
-
-<file path=customXml/itemProps34.xml><?xml version="1.0" encoding="utf-8"?>
-<ds:datastoreItem xmlns:ds="http://schemas.openxmlformats.org/officeDocument/2006/customXml" ds:itemID="{7EF978EA-816B-4B86-95CC-1A85186314E2}">
-  <ds:schemaRefs>
-    <ds:schemaRef ds:uri="http://schemas.microsoft.com/VisualStudio/2011/storyboarding/control"/>
-  </ds:schemaRefs>
-</ds:datastoreItem>
-</file>
-
-<file path=customXml/itemProps35.xml><?xml version="1.0" encoding="utf-8"?>
-<ds:datastoreItem xmlns:ds="http://schemas.openxmlformats.org/officeDocument/2006/customXml" ds:itemID="{A169B753-85B9-4F71-BA21-18E7976D8CAB}">
-  <ds:schemaRefs>
-    <ds:schemaRef ds:uri="http://schemas.microsoft.com/VisualStudio/2011/storyboarding/control"/>
-  </ds:schemaRefs>
-</ds:datastoreItem>
-</file>
-
-<file path=customXml/itemProps36.xml><?xml version="1.0" encoding="utf-8"?>
-<ds:datastoreItem xmlns:ds="http://schemas.openxmlformats.org/officeDocument/2006/customXml" ds:itemID="{25CD52C6-3290-482F-9329-854807644597}">
-  <ds:schemaRefs>
-    <ds:schemaRef ds:uri="http://schemas.microsoft.com/VisualStudio/2011/storyboarding/control"/>
-  </ds:schemaRefs>
-</ds:datastoreItem>
-</file>
-
-<file path=customXml/itemProps37.xml><?xml version="1.0" encoding="utf-8"?>
-<ds:datastoreItem xmlns:ds="http://schemas.openxmlformats.org/officeDocument/2006/customXml" ds:itemID="{2B237810-0D8B-4676-8C9F-31D421A6CD83}">
-  <ds:schemaRefs>
-    <ds:schemaRef ds:uri="http://schemas.microsoft.com/VisualStudio/2011/storyboarding/control"/>
-  </ds:schemaRefs>
-</ds:datastoreItem>
-</file>
-
-<file path=customXml/itemProps38.xml><?xml version="1.0" encoding="utf-8"?>
-<ds:datastoreItem xmlns:ds="http://schemas.openxmlformats.org/officeDocument/2006/customXml" ds:itemID="{DAF0AE95-3CF3-4F14-8335-7070A6B89229}">
-  <ds:schemaRefs>
-    <ds:schemaRef ds:uri="http://schemas.microsoft.com/VisualStudio/2011/storyboarding/control"/>
-  </ds:schemaRefs>
-</ds:datastoreItem>
-</file>
-
-<file path=customXml/itemProps39.xml><?xml version="1.0" encoding="utf-8"?>
-<ds:datastoreItem xmlns:ds="http://schemas.openxmlformats.org/officeDocument/2006/customXml" ds:itemID="{09D396BA-510E-447F-8520-B73D37ED8A5C}">
-  <ds:schemaRefs>
-    <ds:schemaRef ds:uri="http://schemas.microsoft.com/VisualStudio/2011/storyboarding/control"/>
-  </ds:schemaRefs>
-</ds:datastoreItem>
-</file>
-
-<file path=customXml/itemProps4.xml><?xml version="1.0" encoding="utf-8"?>
-<ds:datastoreItem xmlns:ds="http://schemas.openxmlformats.org/officeDocument/2006/customXml" ds:itemID="{1B75D5FA-A5DD-48BB-9DEB-E3F238C27FD4}">
-  <ds:schemaRefs>
-    <ds:schemaRef ds:uri="http://schemas.microsoft.com/VisualStudio/2011/storyboarding/control"/>
-  </ds:schemaRefs>
-</ds:datastoreItem>
-</file>
-
-<file path=customXml/itemProps40.xml><?xml version="1.0" encoding="utf-8"?>
-<ds:datastoreItem xmlns:ds="http://schemas.openxmlformats.org/officeDocument/2006/customXml" ds:itemID="{EB487BB7-9AF3-4159-84B6-1F7431578AB1}">
-  <ds:schemaRefs>
-    <ds:schemaRef ds:uri="http://schemas.microsoft.com/VisualStudio/2011/storyboarding/control"/>
-  </ds:schemaRefs>
-</ds:datastoreItem>
-</file>
-
-<file path=customXml/itemProps41.xml><?xml version="1.0" encoding="utf-8"?>
-<ds:datastoreItem xmlns:ds="http://schemas.openxmlformats.org/officeDocument/2006/customXml" ds:itemID="{2E649830-6434-473D-B219-9AFFC8F5B7CC}">
-  <ds:schemaRefs>
-    <ds:schemaRef ds:uri="http://schemas.microsoft.com/VisualStudio/2011/storyboarding/control"/>
-  </ds:schemaRefs>
-</ds:datastoreItem>
-</file>
-
-<file path=customXml/itemProps42.xml><?xml version="1.0" encoding="utf-8"?>
-<ds:datastoreItem xmlns:ds="http://schemas.openxmlformats.org/officeDocument/2006/customXml" ds:itemID="{B43AA6C8-FB7B-4F04-A49C-C8E7398FE068}">
-  <ds:schemaRefs>
-    <ds:schemaRef ds:uri="http://schemas.microsoft.com/VisualStudio/2011/storyboarding/control"/>
-  </ds:schemaRefs>
-</ds:datastoreItem>
-</file>
-
-<file path=customXml/itemProps43.xml><?xml version="1.0" encoding="utf-8"?>
-<ds:datastoreItem xmlns:ds="http://schemas.openxmlformats.org/officeDocument/2006/customXml" ds:itemID="{579148B7-45BE-4974-B500-08C270578BB6}">
-  <ds:schemaRefs>
-    <ds:schemaRef ds:uri="http://schemas.microsoft.com/VisualStudio/2011/storyboarding/control"/>
-  </ds:schemaRefs>
-</ds:datastoreItem>
-</file>
-
-<file path=customXml/itemProps44.xml><?xml version="1.0" encoding="utf-8"?>
-<ds:datastoreItem xmlns:ds="http://schemas.openxmlformats.org/officeDocument/2006/customXml" ds:itemID="{F706B39C-0A75-4A9F-943D-10ABD894A640}">
-  <ds:schemaRefs>
-    <ds:schemaRef ds:uri="http://schemas.microsoft.com/VisualStudio/2011/storyboarding/control"/>
-  </ds:schemaRefs>
-</ds:datastoreItem>
-</file>
-
-<file path=customXml/itemProps45.xml><?xml version="1.0" encoding="utf-8"?>
-<ds:datastoreItem xmlns:ds="http://schemas.openxmlformats.org/officeDocument/2006/customXml" ds:itemID="{A7BD8C82-0F37-4786-9A5E-B75DAD28D63B}">
-  <ds:schemaRefs>
-    <ds:schemaRef ds:uri="http://schemas.microsoft.com/VisualStudio/2011/storyboarding/control"/>
-  </ds:schemaRefs>
-</ds:datastoreItem>
-</file>
-
-<file path=customXml/itemProps46.xml><?xml version="1.0" encoding="utf-8"?>
-<ds:datastoreItem xmlns:ds="http://schemas.openxmlformats.org/officeDocument/2006/customXml" ds:itemID="{10BBDF9C-44E3-431A-B3BA-0B025E3F3D11}">
-  <ds:schemaRefs>
-    <ds:schemaRef ds:uri="http://schemas.microsoft.com/VisualStudio/2011/storyboarding/control"/>
-  </ds:schemaRefs>
-</ds:datastoreItem>
-</file>
-
-<file path=customXml/itemProps47.xml><?xml version="1.0" encoding="utf-8"?>
-<ds:datastoreItem xmlns:ds="http://schemas.openxmlformats.org/officeDocument/2006/customXml" ds:itemID="{58F3BAD3-D464-496F-9439-BED443C72735}">
-  <ds:schemaRefs>
-    <ds:schemaRef ds:uri="http://schemas.microsoft.com/VisualStudio/2011/storyboarding/control"/>
-  </ds:schemaRefs>
-</ds:datastoreItem>
-</file>
-
-<file path=customXml/itemProps48.xml><?xml version="1.0" encoding="utf-8"?>
-<ds:datastoreItem xmlns:ds="http://schemas.openxmlformats.org/officeDocument/2006/customXml" ds:itemID="{E02327D3-47EF-4A4A-A910-2F6CFD1B1B76}">
-  <ds:schemaRefs>
-    <ds:schemaRef ds:uri="http://schemas.microsoft.com/VisualStudio/2011/storyboarding/control"/>
-  </ds:schemaRefs>
-</ds:datastoreItem>
-</file>
-
-<file path=customXml/itemProps49.xml><?xml version="1.0" encoding="utf-8"?>
-<ds:datastoreItem xmlns:ds="http://schemas.openxmlformats.org/officeDocument/2006/customXml" ds:itemID="{CDA3E41A-4D8E-479B-9661-3BAE2C333C82}">
-  <ds:schemaRefs>
-    <ds:schemaRef ds:uri="http://schemas.microsoft.com/VisualStudio/2011/storyboarding/control"/>
-  </ds:schemaRefs>
-</ds:datastoreItem>
-</file>
-
-<file path=customXml/itemProps5.xml><?xml version="1.0" encoding="utf-8"?>
-<ds:datastoreItem xmlns:ds="http://schemas.openxmlformats.org/officeDocument/2006/customXml" ds:itemID="{B2110B81-6E58-46DA-AE17-A7ADAD5E8812}">
-  <ds:schemaRefs>
-    <ds:schemaRef ds:uri="http://schemas.microsoft.com/VisualStudio/2011/storyboarding/control"/>
-  </ds:schemaRefs>
-</ds:datastoreItem>
-</file>
-
-<file path=customXml/itemProps50.xml><?xml version="1.0" encoding="utf-8"?>
-<ds:datastoreItem xmlns:ds="http://schemas.openxmlformats.org/officeDocument/2006/customXml" ds:itemID="{6EEBC940-0225-41B1-8586-4B46B013D902}">
-  <ds:schemaRefs>
-    <ds:schemaRef ds:uri="http://schemas.microsoft.com/VisualStudio/2011/storyboarding/control"/>
-  </ds:schemaRefs>
-</ds:datastoreItem>
-</file>
-
-<file path=customXml/itemProps51.xml><?xml version="1.0" encoding="utf-8"?>
-<ds:datastoreItem xmlns:ds="http://schemas.openxmlformats.org/officeDocument/2006/customXml" ds:itemID="{CDF77EBA-4023-45C7-95CF-14DBEFFC9F1E}">
-  <ds:schemaRefs>
-    <ds:schemaRef ds:uri="http://schemas.microsoft.com/VisualStudio/2011/storyboarding/control"/>
-  </ds:schemaRefs>
-</ds:datastoreItem>
-</file>
-
-<file path=customXml/itemProps52.xml><?xml version="1.0" encoding="utf-8"?>
-<ds:datastoreItem xmlns:ds="http://schemas.openxmlformats.org/officeDocument/2006/customXml" ds:itemID="{46A2B673-92C9-42C1-9EA1-915258F6239F}">
-  <ds:schemaRefs>
-    <ds:schemaRef ds:uri="http://schemas.microsoft.com/VisualStudio/2011/storyboarding/control"/>
-  </ds:schemaRefs>
-</ds:datastoreItem>
-</file>
-
-<file path=customXml/itemProps53.xml><?xml version="1.0" encoding="utf-8"?>
-<ds:datastoreItem xmlns:ds="http://schemas.openxmlformats.org/officeDocument/2006/customXml" ds:itemID="{8D613BF6-0536-40E7-AFC0-D99688D906B6}">
-  <ds:schemaRefs>
-    <ds:schemaRef ds:uri="http://schemas.microsoft.com/VisualStudio/2011/storyboarding/control"/>
-  </ds:schemaRefs>
-</ds:datastoreItem>
-</file>
-
-<file path=customXml/itemProps54.xml><?xml version="1.0" encoding="utf-8"?>
-<ds:datastoreItem xmlns:ds="http://schemas.openxmlformats.org/officeDocument/2006/customXml" ds:itemID="{D99167DD-4E33-4F35-B761-200C44BB43CB}">
-  <ds:schemaRefs>
-    <ds:schemaRef ds:uri="http://schemas.microsoft.com/VisualStudio/2011/storyboarding/control"/>
-  </ds:schemaRefs>
-</ds:datastoreItem>
-</file>
-
-<file path=customXml/itemProps55.xml><?xml version="1.0" encoding="utf-8"?>
-<ds:datastoreItem xmlns:ds="http://schemas.openxmlformats.org/officeDocument/2006/customXml" ds:itemID="{71E59302-8252-460D-8E1D-635D14B53206}">
-  <ds:schemaRefs>
-    <ds:schemaRef ds:uri="http://schemas.microsoft.com/VisualStudio/2011/storyboarding/control"/>
-  </ds:schemaRefs>
-</ds:datastoreItem>
-</file>
-
-<file path=customXml/itemProps56.xml><?xml version="1.0" encoding="utf-8"?>
-<ds:datastoreItem xmlns:ds="http://schemas.openxmlformats.org/officeDocument/2006/customXml" ds:itemID="{569D3394-69A6-4506-B149-3BFE214E1F5C}">
-  <ds:schemaRefs>
-    <ds:schemaRef ds:uri="http://schemas.microsoft.com/VisualStudio/2011/storyboarding/control"/>
-  </ds:schemaRefs>
-</ds:datastoreItem>
-</file>
-
-<file path=customXml/itemProps57.xml><?xml version="1.0" encoding="utf-8"?>
-<ds:datastoreItem xmlns:ds="http://schemas.openxmlformats.org/officeDocument/2006/customXml" ds:itemID="{445DCC29-0DA8-4825-A9F7-0D9D95FAF49C}">
-  <ds:schemaRefs>
-    <ds:schemaRef ds:uri="http://schemas.microsoft.com/VisualStudio/2011/storyboarding/control"/>
-  </ds:schemaRefs>
-</ds:datastoreItem>
-</file>
-
-<file path=customXml/itemProps58.xml><?xml version="1.0" encoding="utf-8"?>
-<ds:datastoreItem xmlns:ds="http://schemas.openxmlformats.org/officeDocument/2006/customXml" ds:itemID="{13EDAD03-4EFE-45B8-A076-FF5AB45C9DA4}">
-  <ds:schemaRefs>
-    <ds:schemaRef ds:uri="http://schemas.microsoft.com/VisualStudio/2011/storyboarding/control"/>
-  </ds:schemaRefs>
-</ds:datastoreItem>
-</file>
-
-<file path=customXml/itemProps59.xml><?xml version="1.0" encoding="utf-8"?>
-<ds:datastoreItem xmlns:ds="http://schemas.openxmlformats.org/officeDocument/2006/customXml" ds:itemID="{63EF5D8E-2681-4B68-B467-67BC58384AE8}">
-  <ds:schemaRefs>
-    <ds:schemaRef ds:uri="http://schemas.microsoft.com/VisualStudio/2011/storyboarding/control"/>
-  </ds:schemaRefs>
-</ds:datastoreItem>
-</file>
-
-<file path=customXml/itemProps6.xml><?xml version="1.0" encoding="utf-8"?>
-<ds:datastoreItem xmlns:ds="http://schemas.openxmlformats.org/officeDocument/2006/customXml" ds:itemID="{2B81A8C7-8071-4351-B45C-41FE473F63C1}">
-  <ds:schemaRefs>
-    <ds:schemaRef ds:uri="http://schemas.microsoft.com/VisualStudio/2011/storyboarding/control"/>
-  </ds:schemaRefs>
-</ds:datastoreItem>
-</file>
-
-<file path=customXml/itemProps60.xml><?xml version="1.0" encoding="utf-8"?>
-<ds:datastoreItem xmlns:ds="http://schemas.openxmlformats.org/officeDocument/2006/customXml" ds:itemID="{05A6ADB2-1625-4EDD-8AB5-95E32AD13686}">
-  <ds:schemaRefs>
-    <ds:schemaRef ds:uri="http://schemas.microsoft.com/VisualStudio/2011/storyboarding/control"/>
-  </ds:schemaRefs>
-</ds:datastoreItem>
-</file>
-
-<file path=customXml/itemProps61.xml><?xml version="1.0" encoding="utf-8"?>
-<ds:datastoreItem xmlns:ds="http://schemas.openxmlformats.org/officeDocument/2006/customXml" ds:itemID="{150F4787-82E5-44F6-8144-8CDBDF1EA376}">
-  <ds:schemaRefs>
-    <ds:schemaRef ds:uri="http://schemas.microsoft.com/VisualStudio/2011/storyboarding/control"/>
-  </ds:schemaRefs>
-</ds:datastoreItem>
-</file>
-
-<file path=customXml/itemProps62.xml><?xml version="1.0" encoding="utf-8"?>
-<ds:datastoreItem xmlns:ds="http://schemas.openxmlformats.org/officeDocument/2006/customXml" ds:itemID="{2F67A4D8-6C61-4AFF-BB4F-85074537ABE9}">
-  <ds:schemaRefs>
-    <ds:schemaRef ds:uri="http://schemas.microsoft.com/VisualStudio/2011/storyboarding/control"/>
-  </ds:schemaRefs>
-</ds:datastoreItem>
-</file>
-
-<file path=customXml/itemProps63.xml><?xml version="1.0" encoding="utf-8"?>
-<ds:datastoreItem xmlns:ds="http://schemas.openxmlformats.org/officeDocument/2006/customXml" ds:itemID="{F6C73D07-DC87-4B54-A18F-46D38F5F36F9}">
-  <ds:schemaRefs>
-    <ds:schemaRef ds:uri="http://schemas.microsoft.com/VisualStudio/2011/storyboarding/control"/>
-  </ds:schemaRefs>
-</ds:datastoreItem>
-</file>
-
-<file path=customXml/itemProps7.xml><?xml version="1.0" encoding="utf-8"?>
-<ds:datastoreItem xmlns:ds="http://schemas.openxmlformats.org/officeDocument/2006/customXml" ds:itemID="{FD0DA677-E7B5-47B8-90D7-C169CF2EA478}">
-  <ds:schemaRefs>
-    <ds:schemaRef ds:uri="http://schemas.microsoft.com/VisualStudio/2011/storyboarding/control"/>
-  </ds:schemaRefs>
-</ds:datastoreItem>
-</file>
-
-<file path=customXml/itemProps8.xml><?xml version="1.0" encoding="utf-8"?>
-<ds:datastoreItem xmlns:ds="http://schemas.openxmlformats.org/officeDocument/2006/customXml" ds:itemID="{2281391A-B30A-4132-B7F3-BF433F6164D5}">
-  <ds:schemaRefs>
-    <ds:schemaRef ds:uri="http://schemas.microsoft.com/VisualStudio/2011/storyboarding/control"/>
-  </ds:schemaRefs>
-</ds:datastoreItem>
-</file>
-
-<file path=customXml/itemProps9.xml><?xml version="1.0" encoding="utf-8"?>
-<ds:datastoreItem xmlns:ds="http://schemas.openxmlformats.org/officeDocument/2006/customXml" ds:itemID="{250149B4-74E2-4F02-9DEF-410767B94F01}">
-  <ds:schemaRefs>
-    <ds:schemaRef ds:uri="http://schemas.microsoft.com/VisualStudio/2011/storyboarding/control"/>
-  </ds:schemaRefs>
-</ds:datastoreItem>
 </file>